--- a/docs/slides/06/06_hash_maps.pptx
+++ b/docs/slides/06/06_hash_maps.pptx
@@ -5,11 +5,24 @@
     <p:sldMasterId id="2147483648" r:id="rId1"/>
   </p:sldMasterIdLst>
   <p:notesMasterIdLst>
-    <p:notesMasterId r:id="rId4"/>
+    <p:notesMasterId r:id="rId17"/>
   </p:notesMasterIdLst>
   <p:sldIdLst>
     <p:sldId id="281" r:id="rId2"/>
-    <p:sldId id="282" r:id="rId3"/>
+    <p:sldId id="283" r:id="rId3"/>
+    <p:sldId id="284" r:id="rId4"/>
+    <p:sldId id="285" r:id="rId5"/>
+    <p:sldId id="286" r:id="rId6"/>
+    <p:sldId id="287" r:id="rId7"/>
+    <p:sldId id="288" r:id="rId8"/>
+    <p:sldId id="289" r:id="rId9"/>
+    <p:sldId id="290" r:id="rId10"/>
+    <p:sldId id="291" r:id="rId11"/>
+    <p:sldId id="292" r:id="rId12"/>
+    <p:sldId id="293" r:id="rId13"/>
+    <p:sldId id="294" r:id="rId14"/>
+    <p:sldId id="295" r:id="rId15"/>
+    <p:sldId id="282" r:id="rId16"/>
   </p:sldIdLst>
   <p:sldSz cx="13004800" cy="9753600"/>
   <p:notesSz cx="6858000" cy="9144000"/>
@@ -2157,7 +2170,7 @@
           </a:ln>
           <a:extLst>
             <a:ext uri="{C572A759-6A51-4108-AA02-DFA0A04FC94B}">
-              <ma14:wrappingTextBoxFlag xmlns="" xmlns:ma14="http://schemas.microsoft.com/office/mac/drawingml/2011/main" val="1"/>
+              <ma14:wrappingTextBoxFlag xmlns:ma14="http://schemas.microsoft.com/office/mac/drawingml/2011/main" xmlns="" val="1"/>
             </a:ext>
           </a:extLst>
         </p:spPr>
@@ -2196,7 +2209,7 @@
           </a:ln>
           <a:extLst>
             <a:ext uri="{C572A759-6A51-4108-AA02-DFA0A04FC94B}">
-              <ma14:wrappingTextBoxFlag xmlns="" xmlns:ma14="http://schemas.microsoft.com/office/mac/drawingml/2011/main" val="1"/>
+              <ma14:wrappingTextBoxFlag xmlns:ma14="http://schemas.microsoft.com/office/mac/drawingml/2011/main" xmlns="" val="1"/>
             </a:ext>
           </a:extLst>
         </p:spPr>
@@ -3206,7 +3219,7 @@
 </p:sld>
 </file>
 
-<file path=ppt/slides/slide2.xml><?xml version="1.0" encoding="utf-8"?>
+<file path=ppt/slides/slide10.xml><?xml version="1.0" encoding="utf-8"?>
 <p:sld xmlns:a="http://schemas.openxmlformats.org/drawingml/2006/main" xmlns:r="http://schemas.openxmlformats.org/officeDocument/2006/relationships" xmlns:p="http://schemas.openxmlformats.org/presentationml/2006/main">
   <p:cSld>
     <p:spTree>
@@ -3240,6 +3253,1209 @@
           <a:p>
             <a:r>
               <a:rPr lang="en-US" dirty="0" smtClean="0"/>
+              <a:t>Hash or RBT?</a:t>
+            </a:r>
+            <a:endParaRPr lang="en-US" dirty="0"/>
+          </a:p>
+        </p:txBody>
+      </p:sp>
+      <p:sp>
+        <p:nvSpPr>
+          <p:cNvPr id="3" name="Text Placeholder 2"/>
+          <p:cNvSpPr>
+            <a:spLocks noGrp="1"/>
+          </p:cNvSpPr>
+          <p:nvPr>
+            <p:ph type="body" idx="1"/>
+          </p:nvPr>
+        </p:nvSpPr>
+        <p:spPr>
+          <a:xfrm>
+            <a:off x="307909" y="2603499"/>
+            <a:ext cx="12447037" cy="6867071"/>
+          </a:xfrm>
+        </p:spPr>
+        <p:txBody>
+          <a:bodyPr>
+            <a:normAutofit lnSpcReduction="10000"/>
+          </a:bodyPr>
+          <a:lstStyle/>
+          <a:p>
+            <a:r>
+              <a:rPr lang="en-US" dirty="0" smtClean="0"/>
+              <a:t>Hash Maps is the most popular and widely used</a:t>
+            </a:r>
+          </a:p>
+          <a:p>
+            <a:r>
+              <a:rPr lang="en-US" dirty="0" smtClean="0"/>
+              <a:t>If you know how much data you </a:t>
+            </a:r>
+            <a:r>
+              <a:rPr lang="en-US" dirty="0" err="1" smtClean="0"/>
+              <a:t>ll</a:t>
+            </a:r>
+            <a:r>
+              <a:rPr lang="en-US" dirty="0" smtClean="0"/>
+              <a:t> insert at most, can choose a good large enough M</a:t>
+            </a:r>
+          </a:p>
+          <a:p>
+            <a:r>
+              <a:rPr lang="en-US" dirty="0" smtClean="0"/>
+              <a:t>So in most case, we are in O(1) Hash vs O(log N) RBT</a:t>
+            </a:r>
+          </a:p>
+          <a:p>
+            <a:r>
+              <a:rPr lang="en-US" dirty="0" smtClean="0"/>
+              <a:t>But Hash can be O(N) in worst case, vs RBT </a:t>
+            </a:r>
+            <a:r>
+              <a:rPr lang="en-US" b="1" dirty="0" smtClean="0"/>
+              <a:t>guarantees</a:t>
+            </a:r>
+            <a:r>
+              <a:rPr lang="en-US" dirty="0" smtClean="0"/>
+              <a:t> O(log N) in all cases</a:t>
+            </a:r>
+          </a:p>
+          <a:p>
+            <a:pPr lvl="1"/>
+            <a:r>
+              <a:rPr lang="en-US" dirty="0" err="1" smtClean="0"/>
+              <a:t>eg</a:t>
+            </a:r>
+            <a:r>
+              <a:rPr lang="en-US" dirty="0" smtClean="0"/>
+              <a:t>, in critical systems where you MUST guarantee a response within a certain amount of time, might want to use RBT</a:t>
+            </a:r>
+          </a:p>
+          <a:p>
+            <a:r>
+              <a:rPr lang="en-US" dirty="0" smtClean="0"/>
+              <a:t>Hash does not need ordering of keys</a:t>
+            </a:r>
+            <a:endParaRPr lang="en-US" dirty="0"/>
+          </a:p>
+        </p:txBody>
+      </p:sp>
+    </p:spTree>
+    <p:extLst>
+      <p:ext uri="{BB962C8B-B14F-4D97-AF65-F5344CB8AC3E}">
+        <p14:creationId xmlns:p14="http://schemas.microsoft.com/office/powerpoint/2010/main" val="2899007638"/>
+      </p:ext>
+    </p:extLst>
+  </p:cSld>
+  <p:clrMapOvr>
+    <a:masterClrMapping/>
+  </p:clrMapOvr>
+  <p:transition spd="med"/>
+</p:sld>
+</file>
+
+<file path=ppt/slides/slide11.xml><?xml version="1.0" encoding="utf-8"?>
+<p:sld xmlns:a="http://schemas.openxmlformats.org/drawingml/2006/main" xmlns:r="http://schemas.openxmlformats.org/officeDocument/2006/relationships" xmlns:p="http://schemas.openxmlformats.org/presentationml/2006/main">
+  <p:cSld>
+    <p:spTree>
+      <p:nvGrpSpPr>
+        <p:cNvPr id="1" name=""/>
+        <p:cNvGrpSpPr/>
+        <p:nvPr/>
+      </p:nvGrpSpPr>
+      <p:grpSpPr>
+        <a:xfrm>
+          <a:off x="0" y="0"/>
+          <a:ext cx="0" cy="0"/>
+          <a:chOff x="0" y="0"/>
+          <a:chExt cx="0" cy="0"/>
+        </a:xfrm>
+      </p:grpSpPr>
+      <p:sp>
+        <p:nvSpPr>
+          <p:cNvPr id="2" name="Title 1"/>
+          <p:cNvSpPr>
+            <a:spLocks noGrp="1"/>
+          </p:cNvSpPr>
+          <p:nvPr>
+            <p:ph type="title"/>
+          </p:nvPr>
+        </p:nvSpPr>
+        <p:spPr/>
+        <p:txBody>
+          <a:bodyPr/>
+          <a:lstStyle/>
+          <a:p>
+            <a:r>
+              <a:rPr lang="en-US" dirty="0" smtClean="0"/>
+              <a:t>Set</a:t>
+            </a:r>
+            <a:endParaRPr lang="en-US" dirty="0"/>
+          </a:p>
+        </p:txBody>
+      </p:sp>
+      <p:sp>
+        <p:nvSpPr>
+          <p:cNvPr id="3" name="Text Placeholder 2"/>
+          <p:cNvSpPr>
+            <a:spLocks noGrp="1"/>
+          </p:cNvSpPr>
+          <p:nvPr>
+            <p:ph type="body" idx="1"/>
+          </p:nvPr>
+        </p:nvSpPr>
+        <p:spPr>
+          <a:xfrm>
+            <a:off x="242596" y="2603500"/>
+            <a:ext cx="11809704" cy="6286500"/>
+          </a:xfrm>
+        </p:spPr>
+        <p:txBody>
+          <a:bodyPr/>
+          <a:lstStyle/>
+          <a:p>
+            <a:r>
+              <a:rPr lang="en-US" dirty="0" smtClean="0"/>
+              <a:t>In mathematics, a </a:t>
+            </a:r>
+            <a:r>
+              <a:rPr lang="en-US" i="1" dirty="0" smtClean="0"/>
+              <a:t>set</a:t>
+            </a:r>
+            <a:r>
+              <a:rPr lang="en-US" dirty="0" smtClean="0"/>
+              <a:t> is a collection of elements where:</a:t>
+            </a:r>
+          </a:p>
+          <a:p>
+            <a:pPr lvl="1"/>
+            <a:r>
+              <a:rPr lang="en-US" dirty="0" smtClean="0"/>
+              <a:t>1) </a:t>
+            </a:r>
+            <a:r>
+              <a:rPr lang="en-US" i="1" dirty="0" smtClean="0"/>
+              <a:t>ordering is not important</a:t>
+            </a:r>
+            <a:r>
+              <a:rPr lang="en-US" dirty="0" smtClean="0"/>
+              <a:t>: </a:t>
+            </a:r>
+            <a:r>
+              <a:rPr lang="en-US" dirty="0" err="1" smtClean="0"/>
+              <a:t>ie</a:t>
+            </a:r>
+            <a:r>
+              <a:rPr lang="en-US" dirty="0" smtClean="0"/>
+              <a:t> {1,2,3} is equivalent to {2,3,1}</a:t>
+            </a:r>
+          </a:p>
+          <a:p>
+            <a:pPr lvl="1"/>
+            <a:r>
+              <a:rPr lang="en-US" dirty="0" smtClean="0"/>
+              <a:t>2) </a:t>
+            </a:r>
+            <a:r>
+              <a:rPr lang="en-US" i="1" dirty="0" smtClean="0"/>
+              <a:t>no repetitions</a:t>
+            </a:r>
+            <a:r>
+              <a:rPr lang="en-US" dirty="0" smtClean="0"/>
+              <a:t>: </a:t>
+            </a:r>
+            <a:r>
+              <a:rPr lang="en-US" dirty="0" err="1" smtClean="0"/>
+              <a:t>ie</a:t>
+            </a:r>
+            <a:r>
+              <a:rPr lang="en-US" dirty="0" smtClean="0"/>
+              <a:t> {1,2} is the same as {2,1,1,2,2,1,1,2,1}</a:t>
+            </a:r>
+          </a:p>
+          <a:p>
+            <a:r>
+              <a:rPr lang="en-US" dirty="0" smtClean="0"/>
+              <a:t>How to implement a Set in Java?</a:t>
+            </a:r>
+          </a:p>
+          <a:p>
+            <a:r>
+              <a:rPr lang="en-US" dirty="0" smtClean="0"/>
+              <a:t>Easy: use an internal Map&lt;K,V&gt; were your values in the set are the keys K, and you just ignore the values V</a:t>
+            </a:r>
+            <a:endParaRPr lang="en-US" dirty="0"/>
+          </a:p>
+        </p:txBody>
+      </p:sp>
+    </p:spTree>
+    <p:extLst>
+      <p:ext uri="{BB962C8B-B14F-4D97-AF65-F5344CB8AC3E}">
+        <p14:creationId xmlns:p14="http://schemas.microsoft.com/office/powerpoint/2010/main" val="3617998510"/>
+      </p:ext>
+    </p:extLst>
+  </p:cSld>
+  <p:clrMapOvr>
+    <a:masterClrMapping/>
+  </p:clrMapOvr>
+  <p:transition spd="med"/>
+</p:sld>
+</file>
+
+<file path=ppt/slides/slide12.xml><?xml version="1.0" encoding="utf-8"?>
+<p:sld xmlns:a="http://schemas.openxmlformats.org/drawingml/2006/main" xmlns:r="http://schemas.openxmlformats.org/officeDocument/2006/relationships" xmlns:p="http://schemas.openxmlformats.org/presentationml/2006/main">
+  <p:cSld>
+    <p:spTree>
+      <p:nvGrpSpPr>
+        <p:cNvPr id="1" name=""/>
+        <p:cNvGrpSpPr/>
+        <p:nvPr/>
+      </p:nvGrpSpPr>
+      <p:grpSpPr>
+        <a:xfrm>
+          <a:off x="0" y="0"/>
+          <a:ext cx="0" cy="0"/>
+          <a:chOff x="0" y="0"/>
+          <a:chExt cx="0" cy="0"/>
+        </a:xfrm>
+      </p:grpSpPr>
+      <p:sp>
+        <p:nvSpPr>
+          <p:cNvPr id="2" name="Title 1"/>
+          <p:cNvSpPr>
+            <a:spLocks noGrp="1"/>
+          </p:cNvSpPr>
+          <p:nvPr>
+            <p:ph type="title"/>
+          </p:nvPr>
+        </p:nvSpPr>
+        <p:spPr/>
+        <p:txBody>
+          <a:bodyPr/>
+          <a:lstStyle/>
+          <a:p>
+            <a:r>
+              <a:rPr lang="en-US" dirty="0" smtClean="0"/>
+              <a:t>Keys and Immutability</a:t>
+            </a:r>
+            <a:endParaRPr lang="en-US" dirty="0"/>
+          </a:p>
+        </p:txBody>
+      </p:sp>
+      <p:sp>
+        <p:nvSpPr>
+          <p:cNvPr id="3" name="Text Placeholder 2"/>
+          <p:cNvSpPr>
+            <a:spLocks noGrp="1"/>
+          </p:cNvSpPr>
+          <p:nvPr>
+            <p:ph type="body" idx="1"/>
+          </p:nvPr>
+        </p:nvSpPr>
+        <p:spPr>
+          <a:xfrm>
+            <a:off x="326571" y="2603500"/>
+            <a:ext cx="11725729" cy="6286500"/>
+          </a:xfrm>
+        </p:spPr>
+        <p:txBody>
+          <a:bodyPr/>
+          <a:lstStyle/>
+          <a:p>
+            <a:r>
+              <a:rPr lang="en-US" i="1" dirty="0" smtClean="0"/>
+              <a:t>Immutable Object</a:t>
+            </a:r>
+            <a:r>
+              <a:rPr lang="en-US" dirty="0" smtClean="0"/>
+              <a:t>: an object whose state cannot be changed once created</a:t>
+            </a:r>
+          </a:p>
+          <a:p>
+            <a:r>
+              <a:rPr lang="en-US" dirty="0" smtClean="0"/>
+              <a:t>Example: Strings are immutable </a:t>
+            </a:r>
+          </a:p>
+          <a:p>
+            <a:pPr lvl="1"/>
+            <a:r>
+              <a:rPr lang="en-US" dirty="0" err="1" smtClean="0"/>
+              <a:t>eg</a:t>
+            </a:r>
+            <a:r>
+              <a:rPr lang="en-US" dirty="0" smtClean="0"/>
+              <a:t>, concatenation with + and methods like </a:t>
+            </a:r>
+            <a:r>
+              <a:rPr lang="en-US" i="1" dirty="0" err="1" smtClean="0"/>
+              <a:t>toUpperCase</a:t>
+            </a:r>
+            <a:r>
+              <a:rPr lang="en-US" i="1" dirty="0" smtClean="0"/>
+              <a:t>()</a:t>
+            </a:r>
+            <a:r>
+              <a:rPr lang="en-US" dirty="0" smtClean="0"/>
+              <a:t> and </a:t>
+            </a:r>
+            <a:r>
+              <a:rPr lang="en-US" i="1" dirty="0" smtClean="0"/>
+              <a:t>substring()</a:t>
+            </a:r>
+            <a:r>
+              <a:rPr lang="en-US" dirty="0" smtClean="0"/>
+              <a:t> do NOT change the String, but rather </a:t>
+            </a:r>
+            <a:r>
+              <a:rPr lang="en-US" i="1" dirty="0" smtClean="0"/>
+              <a:t>create</a:t>
+            </a:r>
+            <a:r>
+              <a:rPr lang="en-US" dirty="0" smtClean="0"/>
+              <a:t> a NEW one</a:t>
+            </a:r>
+          </a:p>
+          <a:p>
+            <a:r>
+              <a:rPr lang="en-US" dirty="0" smtClean="0"/>
+              <a:t>Keys in a Map/Set </a:t>
+            </a:r>
+            <a:r>
+              <a:rPr lang="en-US" b="1" dirty="0" smtClean="0"/>
+              <a:t>MUST</a:t>
+            </a:r>
+            <a:r>
+              <a:rPr lang="en-US" dirty="0" smtClean="0"/>
+              <a:t> be </a:t>
+            </a:r>
+            <a:r>
+              <a:rPr lang="en-US" i="1" dirty="0" smtClean="0"/>
+              <a:t>immutable</a:t>
+            </a:r>
+            <a:r>
+              <a:rPr lang="en-US" dirty="0" smtClean="0"/>
+              <a:t>… why?</a:t>
+            </a:r>
+            <a:endParaRPr lang="en-US" dirty="0"/>
+          </a:p>
+        </p:txBody>
+      </p:sp>
+    </p:spTree>
+    <p:extLst>
+      <p:ext uri="{BB962C8B-B14F-4D97-AF65-F5344CB8AC3E}">
+        <p14:creationId xmlns:p14="http://schemas.microsoft.com/office/powerpoint/2010/main" val="567953678"/>
+      </p:ext>
+    </p:extLst>
+  </p:cSld>
+  <p:clrMapOvr>
+    <a:masterClrMapping/>
+  </p:clrMapOvr>
+  <p:transition spd="med"/>
+</p:sld>
+</file>
+
+<file path=ppt/slides/slide13.xml><?xml version="1.0" encoding="utf-8"?>
+<p:sld xmlns:a="http://schemas.openxmlformats.org/drawingml/2006/main" xmlns:r="http://schemas.openxmlformats.org/officeDocument/2006/relationships" xmlns:p="http://schemas.openxmlformats.org/presentationml/2006/main">
+  <p:cSld>
+    <p:spTree>
+      <p:nvGrpSpPr>
+        <p:cNvPr id="1" name=""/>
+        <p:cNvGrpSpPr/>
+        <p:nvPr/>
+      </p:nvGrpSpPr>
+      <p:grpSpPr>
+        <a:xfrm>
+          <a:off x="0" y="0"/>
+          <a:ext cx="0" cy="0"/>
+          <a:chOff x="0" y="0"/>
+          <a:chExt cx="0" cy="0"/>
+        </a:xfrm>
+      </p:grpSpPr>
+      <p:sp>
+        <p:nvSpPr>
+          <p:cNvPr id="2" name="Title 1"/>
+          <p:cNvSpPr>
+            <a:spLocks noGrp="1"/>
+          </p:cNvSpPr>
+          <p:nvPr>
+            <p:ph type="title"/>
+          </p:nvPr>
+        </p:nvSpPr>
+        <p:spPr/>
+        <p:txBody>
+          <a:bodyPr/>
+          <a:lstStyle/>
+          <a:p>
+            <a:r>
+              <a:rPr lang="en-US" dirty="0" smtClean="0"/>
+              <a:t>Different Hash</a:t>
+            </a:r>
+            <a:endParaRPr lang="en-US" dirty="0"/>
+          </a:p>
+        </p:txBody>
+      </p:sp>
+      <p:sp>
+        <p:nvSpPr>
+          <p:cNvPr id="4" name="Text Placeholder 2"/>
+          <p:cNvSpPr>
+            <a:spLocks noGrp="1"/>
+          </p:cNvSpPr>
+          <p:nvPr>
+            <p:ph type="body" idx="1"/>
+          </p:nvPr>
+        </p:nvSpPr>
+        <p:spPr>
+          <a:xfrm>
+            <a:off x="569168" y="2724797"/>
+            <a:ext cx="7044612" cy="6286500"/>
+          </a:xfrm>
+        </p:spPr>
+        <p:txBody>
+          <a:bodyPr>
+            <a:normAutofit fontScale="92500" lnSpcReduction="20000"/>
+          </a:bodyPr>
+          <a:lstStyle/>
+          <a:p>
+            <a:r>
+              <a:rPr lang="en-US" dirty="0" smtClean="0"/>
+              <a:t>Foo </a:t>
+            </a:r>
+            <a:r>
+              <a:rPr lang="en-US" dirty="0" err="1" smtClean="0"/>
+              <a:t>foo</a:t>
+            </a:r>
+            <a:r>
+              <a:rPr lang="en-US" dirty="0" smtClean="0"/>
+              <a:t> = new Foo();</a:t>
+            </a:r>
+          </a:p>
+          <a:p>
+            <a:r>
+              <a:rPr lang="en-US" dirty="0" err="1" smtClean="0"/>
+              <a:t>set.add</a:t>
+            </a:r>
+            <a:r>
+              <a:rPr lang="en-US" dirty="0" smtClean="0"/>
+              <a:t>(foo);</a:t>
+            </a:r>
+          </a:p>
+          <a:p>
+            <a:r>
+              <a:rPr lang="en-US" dirty="0" err="1" smtClean="0"/>
+              <a:t>assertTrue</a:t>
+            </a:r>
+            <a:r>
+              <a:rPr lang="en-US" dirty="0" smtClean="0"/>
+              <a:t>(</a:t>
+            </a:r>
+            <a:r>
+              <a:rPr lang="en-US" dirty="0" err="1" smtClean="0"/>
+              <a:t>set.contains</a:t>
+            </a:r>
+            <a:r>
+              <a:rPr lang="en-US" dirty="0" smtClean="0"/>
+              <a:t>(foo));</a:t>
+            </a:r>
+          </a:p>
+          <a:p>
+            <a:r>
+              <a:rPr lang="en-US" dirty="0" smtClean="0"/>
+              <a:t>// h(foo) = 42  ,  42 % M = 5</a:t>
+            </a:r>
+          </a:p>
+          <a:p>
+            <a:r>
+              <a:rPr lang="en-US" dirty="0" err="1" smtClean="0"/>
+              <a:t>foo.setSomeVariable</a:t>
+            </a:r>
+            <a:r>
+              <a:rPr lang="en-US" dirty="0" smtClean="0"/>
+              <a:t>(…);</a:t>
+            </a:r>
+          </a:p>
+          <a:p>
+            <a:r>
+              <a:rPr lang="en-US" dirty="0" smtClean="0"/>
+              <a:t>// </a:t>
+            </a:r>
+            <a:r>
+              <a:rPr lang="en-US" dirty="0"/>
+              <a:t>h(foo</a:t>
+            </a:r>
+            <a:r>
+              <a:rPr lang="en-US" dirty="0" smtClean="0"/>
+              <a:t>) = 55  ,  55 % M = 5</a:t>
+            </a:r>
+          </a:p>
+          <a:p>
+            <a:r>
+              <a:rPr lang="en-US" dirty="0" err="1" smtClean="0"/>
+              <a:t>assertFalse</a:t>
+            </a:r>
+            <a:r>
+              <a:rPr lang="en-US" dirty="0" smtClean="0"/>
+              <a:t>(</a:t>
+            </a:r>
+            <a:r>
+              <a:rPr lang="en-US" dirty="0" err="1" smtClean="0"/>
+              <a:t>set.contains</a:t>
+            </a:r>
+            <a:r>
+              <a:rPr lang="en-US" dirty="0" smtClean="0"/>
+              <a:t>(foo));</a:t>
+            </a:r>
+            <a:endParaRPr lang="en-US" dirty="0"/>
+          </a:p>
+        </p:txBody>
+      </p:sp>
+      <p:graphicFrame>
+        <p:nvGraphicFramePr>
+          <p:cNvPr id="5" name="Table 4"/>
+          <p:cNvGraphicFramePr>
+            <a:graphicFrameLocks noGrp="1"/>
+          </p:cNvGraphicFramePr>
+          <p:nvPr>
+            <p:extLst>
+              <p:ext uri="{D42A27DB-BD31-4B8C-83A1-F6EECF244321}">
+                <p14:modId xmlns:p14="http://schemas.microsoft.com/office/powerpoint/2010/main" val="2106848565"/>
+              </p:ext>
+            </p:extLst>
+          </p:nvPr>
+        </p:nvGraphicFramePr>
+        <p:xfrm>
+          <a:off x="10396965" y="3768659"/>
+          <a:ext cx="1384916" cy="4572000"/>
+        </p:xfrm>
+        <a:graphic>
+          <a:graphicData uri="http://schemas.openxmlformats.org/drawingml/2006/table">
+            <a:tbl>
+              <a:tblPr firstRow="1" bandRow="1">
+                <a:tableStyleId>{5940675A-B579-460E-94D1-54222C63F5DA}</a:tableStyleId>
+              </a:tblPr>
+              <a:tblGrid>
+                <a:gridCol w="1384916">
+                  <a:extLst>
+                    <a:ext uri="{9D8B030D-6E8A-4147-A177-3AD203B41FA5}">
+                      <a16:colId xmlns:a16="http://schemas.microsoft.com/office/drawing/2014/main" val="4160022659"/>
+                    </a:ext>
+                  </a:extLst>
+                </a:gridCol>
+              </a:tblGrid>
+              <a:tr h="370840">
+                <a:tc>
+                  <a:txBody>
+                    <a:bodyPr/>
+                    <a:lstStyle/>
+                    <a:p>
+                      <a:endParaRPr lang="en-US" sz="2400" dirty="0"/>
+                    </a:p>
+                  </a:txBody>
+                  <a:tcPr/>
+                </a:tc>
+                <a:extLst>
+                  <a:ext uri="{0D108BD9-81ED-4DB2-BD59-A6C34878D82A}">
+                    <a16:rowId xmlns:a16="http://schemas.microsoft.com/office/drawing/2014/main" val="4282801958"/>
+                  </a:ext>
+                </a:extLst>
+              </a:tr>
+              <a:tr h="370840">
+                <a:tc>
+                  <a:txBody>
+                    <a:bodyPr/>
+                    <a:lstStyle/>
+                    <a:p>
+                      <a:endParaRPr lang="en-US" sz="2400"/>
+                    </a:p>
+                  </a:txBody>
+                  <a:tcPr/>
+                </a:tc>
+                <a:extLst>
+                  <a:ext uri="{0D108BD9-81ED-4DB2-BD59-A6C34878D82A}">
+                    <a16:rowId xmlns:a16="http://schemas.microsoft.com/office/drawing/2014/main" val="798434366"/>
+                  </a:ext>
+                </a:extLst>
+              </a:tr>
+              <a:tr h="370840">
+                <a:tc>
+                  <a:txBody>
+                    <a:bodyPr/>
+                    <a:lstStyle/>
+                    <a:p>
+                      <a:r>
+                        <a:rPr lang="en-US" sz="2400" dirty="0" smtClean="0"/>
+                        <a:t>foo</a:t>
+                      </a:r>
+                      <a:endParaRPr lang="en-US" sz="2400" dirty="0"/>
+                    </a:p>
+                  </a:txBody>
+                  <a:tcPr>
+                    <a:solidFill>
+                      <a:schemeClr val="accent6">
+                        <a:lumMod val="40000"/>
+                        <a:lumOff val="60000"/>
+                      </a:schemeClr>
+                    </a:solidFill>
+                  </a:tcPr>
+                </a:tc>
+                <a:extLst>
+                  <a:ext uri="{0D108BD9-81ED-4DB2-BD59-A6C34878D82A}">
+                    <a16:rowId xmlns:a16="http://schemas.microsoft.com/office/drawing/2014/main" val="2169252965"/>
+                  </a:ext>
+                </a:extLst>
+              </a:tr>
+              <a:tr h="370840">
+                <a:tc>
+                  <a:txBody>
+                    <a:bodyPr/>
+                    <a:lstStyle/>
+                    <a:p>
+                      <a:endParaRPr lang="en-US" sz="2400" dirty="0"/>
+                    </a:p>
+                  </a:txBody>
+                  <a:tcPr/>
+                </a:tc>
+                <a:extLst>
+                  <a:ext uri="{0D108BD9-81ED-4DB2-BD59-A6C34878D82A}">
+                    <a16:rowId xmlns:a16="http://schemas.microsoft.com/office/drawing/2014/main" val="1524533945"/>
+                  </a:ext>
+                </a:extLst>
+              </a:tr>
+              <a:tr h="370840">
+                <a:tc>
+                  <a:txBody>
+                    <a:bodyPr/>
+                    <a:lstStyle/>
+                    <a:p>
+                      <a:endParaRPr lang="en-US" sz="2400" dirty="0"/>
+                    </a:p>
+                  </a:txBody>
+                  <a:tcPr/>
+                </a:tc>
+                <a:extLst>
+                  <a:ext uri="{0D108BD9-81ED-4DB2-BD59-A6C34878D82A}">
+                    <a16:rowId xmlns:a16="http://schemas.microsoft.com/office/drawing/2014/main" val="409864673"/>
+                  </a:ext>
+                </a:extLst>
+              </a:tr>
+              <a:tr h="370840">
+                <a:tc>
+                  <a:txBody>
+                    <a:bodyPr/>
+                    <a:lstStyle/>
+                    <a:p>
+                      <a:r>
+                        <a:rPr lang="en-US" sz="2400" dirty="0" smtClean="0"/>
+                        <a:t>miss</a:t>
+                      </a:r>
+                      <a:endParaRPr lang="en-US" sz="2400" dirty="0"/>
+                    </a:p>
+                  </a:txBody>
+                  <a:tcPr/>
+                </a:tc>
+                <a:extLst>
+                  <a:ext uri="{0D108BD9-81ED-4DB2-BD59-A6C34878D82A}">
+                    <a16:rowId xmlns:a16="http://schemas.microsoft.com/office/drawing/2014/main" val="2991110043"/>
+                  </a:ext>
+                </a:extLst>
+              </a:tr>
+              <a:tr h="370840">
+                <a:tc>
+                  <a:txBody>
+                    <a:bodyPr/>
+                    <a:lstStyle/>
+                    <a:p>
+                      <a:endParaRPr lang="en-US" sz="2400"/>
+                    </a:p>
+                  </a:txBody>
+                  <a:tcPr/>
+                </a:tc>
+                <a:extLst>
+                  <a:ext uri="{0D108BD9-81ED-4DB2-BD59-A6C34878D82A}">
+                    <a16:rowId xmlns:a16="http://schemas.microsoft.com/office/drawing/2014/main" val="2186952955"/>
+                  </a:ext>
+                </a:extLst>
+              </a:tr>
+              <a:tr h="370840">
+                <a:tc>
+                  <a:txBody>
+                    <a:bodyPr/>
+                    <a:lstStyle/>
+                    <a:p>
+                      <a:endParaRPr lang="en-US" sz="2400" dirty="0"/>
+                    </a:p>
+                  </a:txBody>
+                  <a:tcPr/>
+                </a:tc>
+                <a:extLst>
+                  <a:ext uri="{0D108BD9-81ED-4DB2-BD59-A6C34878D82A}">
+                    <a16:rowId xmlns:a16="http://schemas.microsoft.com/office/drawing/2014/main" val="1603927885"/>
+                  </a:ext>
+                </a:extLst>
+              </a:tr>
+              <a:tr h="370840">
+                <a:tc>
+                  <a:txBody>
+                    <a:bodyPr/>
+                    <a:lstStyle/>
+                    <a:p>
+                      <a:endParaRPr lang="en-US" sz="2400" dirty="0"/>
+                    </a:p>
+                  </a:txBody>
+                  <a:tcPr/>
+                </a:tc>
+                <a:extLst>
+                  <a:ext uri="{0D108BD9-81ED-4DB2-BD59-A6C34878D82A}">
+                    <a16:rowId xmlns:a16="http://schemas.microsoft.com/office/drawing/2014/main" val="1920198281"/>
+                  </a:ext>
+                </a:extLst>
+              </a:tr>
+              <a:tr h="370840">
+                <a:tc>
+                  <a:txBody>
+                    <a:bodyPr/>
+                    <a:lstStyle/>
+                    <a:p>
+                      <a:endParaRPr lang="en-US" sz="2400" dirty="0"/>
+                    </a:p>
+                  </a:txBody>
+                  <a:tcPr/>
+                </a:tc>
+                <a:extLst>
+                  <a:ext uri="{0D108BD9-81ED-4DB2-BD59-A6C34878D82A}">
+                    <a16:rowId xmlns:a16="http://schemas.microsoft.com/office/drawing/2014/main" val="3322929971"/>
+                  </a:ext>
+                </a:extLst>
+              </a:tr>
+            </a:tbl>
+          </a:graphicData>
+        </a:graphic>
+      </p:graphicFrame>
+      <p:sp>
+        <p:nvSpPr>
+          <p:cNvPr id="6" name="Right Arrow 5"/>
+          <p:cNvSpPr/>
+          <p:nvPr/>
+        </p:nvSpPr>
+        <p:spPr>
+          <a:xfrm>
+            <a:off x="7025951" y="4665306"/>
+            <a:ext cx="3172408" cy="484632"/>
+          </a:xfrm>
+          <a:prstGeom prst="rightArrow">
+            <a:avLst/>
+          </a:prstGeom>
+          <a:solidFill>
+            <a:schemeClr val="tx1"/>
+          </a:solidFill>
+          <a:ln w="12700" cap="flat">
+            <a:noFill/>
+            <a:miter lim="400000"/>
+          </a:ln>
+          <a:effectLst>
+            <a:outerShdw blurRad="38100" dist="25400" dir="5400000" rotWithShape="0">
+              <a:srgbClr val="000000">
+                <a:alpha val="50000"/>
+              </a:srgbClr>
+            </a:outerShdw>
+          </a:effectLst>
+          <a:sp3d/>
+        </p:spPr>
+        <p:style>
+          <a:lnRef idx="0">
+            <a:scrgbClr r="0" g="0" b="0"/>
+          </a:lnRef>
+          <a:fillRef idx="0">
+            <a:scrgbClr r="0" g="0" b="0"/>
+          </a:fillRef>
+          <a:effectRef idx="0">
+            <a:scrgbClr r="0" g="0" b="0"/>
+          </a:effectRef>
+          <a:fontRef idx="none"/>
+        </p:style>
+        <p:txBody>
+          <a:bodyPr rot="0" spcFirstLastPara="1" vertOverflow="overflow" horzOverflow="overflow" vert="horz" wrap="square" lIns="50800" tIns="50800" rIns="50800" bIns="50800" numCol="1" spcCol="38100" rtlCol="0" anchor="ctr">
+            <a:spAutoFit/>
+          </a:bodyPr>
+          <a:lstStyle/>
+          <a:p>
+            <a:pPr marL="0" marR="0" indent="0" algn="ctr" defTabSz="584200" rtl="0" fontAlgn="auto" latinLnBrk="0" hangingPunct="0">
+              <a:lnSpc>
+                <a:spcPct val="100000"/>
+              </a:lnSpc>
+              <a:spcBef>
+                <a:spcPts val="0"/>
+              </a:spcBef>
+              <a:spcAft>
+                <a:spcPts val="0"/>
+              </a:spcAft>
+              <a:buClrTx/>
+              <a:buSzTx/>
+              <a:buFontTx/>
+              <a:buNone/>
+              <a:tabLst/>
+            </a:pPr>
+            <a:endParaRPr kumimoji="0" lang="en-US" sz="2400" b="0" i="0" u="none" strike="noStrike" cap="none" spc="0" normalizeH="0" baseline="0">
+              <a:ln>
+                <a:noFill/>
+              </a:ln>
+              <a:solidFill>
+                <a:srgbClr val="FFFFFF"/>
+              </a:solidFill>
+              <a:effectLst/>
+              <a:uFillTx/>
+              <a:latin typeface="+mn-lt"/>
+              <a:ea typeface="+mn-ea"/>
+              <a:cs typeface="+mn-cs"/>
+              <a:sym typeface="Helvetica Light"/>
+            </a:endParaRPr>
+          </a:p>
+        </p:txBody>
+      </p:sp>
+      <p:sp>
+        <p:nvSpPr>
+          <p:cNvPr id="7" name="Right Arrow 6"/>
+          <p:cNvSpPr/>
+          <p:nvPr/>
+        </p:nvSpPr>
+        <p:spPr>
+          <a:xfrm rot="20481430">
+            <a:off x="6413151" y="6787219"/>
+            <a:ext cx="4011598" cy="484632"/>
+          </a:xfrm>
+          <a:prstGeom prst="rightArrow">
+            <a:avLst/>
+          </a:prstGeom>
+          <a:solidFill>
+            <a:schemeClr val="tx1"/>
+          </a:solidFill>
+          <a:ln w="12700" cap="flat">
+            <a:noFill/>
+            <a:miter lim="400000"/>
+          </a:ln>
+          <a:effectLst>
+            <a:outerShdw blurRad="38100" dist="25400" dir="5400000" rotWithShape="0">
+              <a:srgbClr val="000000">
+                <a:alpha val="50000"/>
+              </a:srgbClr>
+            </a:outerShdw>
+          </a:effectLst>
+          <a:sp3d/>
+        </p:spPr>
+        <p:style>
+          <a:lnRef idx="0">
+            <a:scrgbClr r="0" g="0" b="0"/>
+          </a:lnRef>
+          <a:fillRef idx="0">
+            <a:scrgbClr r="0" g="0" b="0"/>
+          </a:fillRef>
+          <a:effectRef idx="0">
+            <a:scrgbClr r="0" g="0" b="0"/>
+          </a:effectRef>
+          <a:fontRef idx="none"/>
+        </p:style>
+        <p:txBody>
+          <a:bodyPr rot="0" spcFirstLastPara="1" vertOverflow="overflow" horzOverflow="overflow" vert="horz" wrap="square" lIns="50800" tIns="50800" rIns="50800" bIns="50800" numCol="1" spcCol="38100" rtlCol="0" anchor="ctr">
+            <a:spAutoFit/>
+          </a:bodyPr>
+          <a:lstStyle/>
+          <a:p>
+            <a:pPr marL="0" marR="0" indent="0" algn="ctr" defTabSz="584200" rtl="0" fontAlgn="auto" latinLnBrk="0" hangingPunct="0">
+              <a:lnSpc>
+                <a:spcPct val="100000"/>
+              </a:lnSpc>
+              <a:spcBef>
+                <a:spcPts val="0"/>
+              </a:spcBef>
+              <a:spcAft>
+                <a:spcPts val="0"/>
+              </a:spcAft>
+              <a:buClrTx/>
+              <a:buSzTx/>
+              <a:buFontTx/>
+              <a:buNone/>
+              <a:tabLst/>
+            </a:pPr>
+            <a:endParaRPr kumimoji="0" lang="en-US" sz="2400" b="0" i="0" u="none" strike="noStrike" cap="none" spc="0" normalizeH="0" baseline="0">
+              <a:ln>
+                <a:noFill/>
+              </a:ln>
+              <a:solidFill>
+                <a:srgbClr val="FFFFFF"/>
+              </a:solidFill>
+              <a:effectLst/>
+              <a:uFillTx/>
+              <a:latin typeface="+mn-lt"/>
+              <a:ea typeface="+mn-ea"/>
+              <a:cs typeface="+mn-cs"/>
+              <a:sym typeface="Helvetica Light"/>
+            </a:endParaRPr>
+          </a:p>
+        </p:txBody>
+      </p:sp>
+    </p:spTree>
+    <p:extLst>
+      <p:ext uri="{BB962C8B-B14F-4D97-AF65-F5344CB8AC3E}">
+        <p14:creationId xmlns:p14="http://schemas.microsoft.com/office/powerpoint/2010/main" val="915535772"/>
+      </p:ext>
+    </p:extLst>
+  </p:cSld>
+  <p:clrMapOvr>
+    <a:masterClrMapping/>
+  </p:clrMapOvr>
+  <p:transition spd="med"/>
+</p:sld>
+</file>
+
+<file path=ppt/slides/slide14.xml><?xml version="1.0" encoding="utf-8"?>
+<p:sld xmlns:a="http://schemas.openxmlformats.org/drawingml/2006/main" xmlns:r="http://schemas.openxmlformats.org/officeDocument/2006/relationships" xmlns:p="http://schemas.openxmlformats.org/presentationml/2006/main">
+  <p:cSld>
+    <p:spTree>
+      <p:nvGrpSpPr>
+        <p:cNvPr id="1" name=""/>
+        <p:cNvGrpSpPr/>
+        <p:nvPr/>
+      </p:nvGrpSpPr>
+      <p:grpSpPr>
+        <a:xfrm>
+          <a:off x="0" y="0"/>
+          <a:ext cx="0" cy="0"/>
+          <a:chOff x="0" y="0"/>
+          <a:chExt cx="0" cy="0"/>
+        </a:xfrm>
+      </p:grpSpPr>
+      <p:sp>
+        <p:nvSpPr>
+          <p:cNvPr id="2" name="Title 1"/>
+          <p:cNvSpPr>
+            <a:spLocks noGrp="1"/>
+          </p:cNvSpPr>
+          <p:nvPr>
+            <p:ph type="title"/>
+          </p:nvPr>
+        </p:nvSpPr>
+        <p:spPr/>
+        <p:txBody>
+          <a:bodyPr/>
+          <a:lstStyle/>
+          <a:p>
+            <a:r>
+              <a:rPr lang="en-US" dirty="0" err="1" smtClean="0"/>
+              <a:t>java.lang.Object</a:t>
+            </a:r>
+            <a:endParaRPr lang="en-US" dirty="0"/>
+          </a:p>
+        </p:txBody>
+      </p:sp>
+      <p:sp>
+        <p:nvSpPr>
+          <p:cNvPr id="3" name="Text Placeholder 2"/>
+          <p:cNvSpPr>
+            <a:spLocks noGrp="1"/>
+          </p:cNvSpPr>
+          <p:nvPr>
+            <p:ph type="body" idx="1"/>
+          </p:nvPr>
+        </p:nvSpPr>
+        <p:spPr>
+          <a:xfrm>
+            <a:off x="289249" y="2603499"/>
+            <a:ext cx="12437706" cy="6913725"/>
+          </a:xfrm>
+        </p:spPr>
+        <p:txBody>
+          <a:bodyPr>
+            <a:normAutofit lnSpcReduction="10000"/>
+          </a:bodyPr>
+          <a:lstStyle/>
+          <a:p>
+            <a:r>
+              <a:rPr lang="en-US" i="1" dirty="0" smtClean="0"/>
+              <a:t>Object</a:t>
+            </a:r>
+            <a:r>
+              <a:rPr lang="en-US" dirty="0" smtClean="0"/>
+              <a:t> does define two methods: </a:t>
+            </a:r>
+            <a:r>
+              <a:rPr lang="en-US" i="1" dirty="0" err="1" smtClean="0"/>
+              <a:t>hashCode</a:t>
+            </a:r>
+            <a:r>
+              <a:rPr lang="en-US" i="1" dirty="0" smtClean="0"/>
+              <a:t>() </a:t>
+            </a:r>
+            <a:r>
+              <a:rPr lang="en-US" dirty="0" smtClean="0"/>
+              <a:t>and </a:t>
+            </a:r>
+            <a:r>
+              <a:rPr lang="en-US" i="1" dirty="0" smtClean="0"/>
+              <a:t>equals()</a:t>
+            </a:r>
+          </a:p>
+          <a:p>
+            <a:r>
+              <a:rPr lang="en-US" dirty="0" smtClean="0"/>
+              <a:t>Those methods will depend on the internal fields of the object</a:t>
+            </a:r>
+          </a:p>
+          <a:p>
+            <a:r>
+              <a:rPr lang="en-US" i="1" dirty="0" smtClean="0"/>
+              <a:t>Important</a:t>
+            </a:r>
+            <a:r>
+              <a:rPr lang="en-US" dirty="0" smtClean="0"/>
+              <a:t>: if two objects are equals, then they </a:t>
+            </a:r>
+            <a:r>
+              <a:rPr lang="en-US" b="1" dirty="0" smtClean="0"/>
+              <a:t>MUST</a:t>
+            </a:r>
+            <a:r>
+              <a:rPr lang="en-US" dirty="0" smtClean="0"/>
+              <a:t> have same hash code </a:t>
+            </a:r>
+          </a:p>
+          <a:p>
+            <a:pPr lvl="1"/>
+            <a:r>
+              <a:rPr lang="en-US" i="1" dirty="0" err="1" smtClean="0"/>
+              <a:t>A.equals</a:t>
+            </a:r>
+            <a:r>
+              <a:rPr lang="en-US" i="1" dirty="0" smtClean="0"/>
+              <a:t>(B)</a:t>
+            </a:r>
+            <a:r>
+              <a:rPr lang="en-US" dirty="0" smtClean="0"/>
+              <a:t> implies </a:t>
+            </a:r>
+            <a:r>
+              <a:rPr lang="en-US" i="1" dirty="0" err="1" smtClean="0"/>
+              <a:t>A.hashCode</a:t>
+            </a:r>
+            <a:r>
+              <a:rPr lang="en-US" i="1" dirty="0" smtClean="0"/>
+              <a:t>()==</a:t>
+            </a:r>
+            <a:r>
+              <a:rPr lang="en-US" i="1" dirty="0" err="1" smtClean="0"/>
+              <a:t>B.hashCode</a:t>
+            </a:r>
+            <a:r>
+              <a:rPr lang="en-US" i="1" dirty="0" smtClean="0"/>
+              <a:t>()</a:t>
+            </a:r>
+          </a:p>
+          <a:p>
+            <a:pPr lvl="1"/>
+            <a:r>
+              <a:rPr lang="en-US" dirty="0" smtClean="0"/>
+              <a:t>The vice-versa is not necessarily true, </a:t>
+            </a:r>
+            <a:r>
+              <a:rPr lang="en-US" dirty="0" err="1" smtClean="0"/>
+              <a:t>ie</a:t>
+            </a:r>
+            <a:r>
+              <a:rPr lang="en-US" dirty="0" smtClean="0"/>
+              <a:t> </a:t>
+            </a:r>
+            <a:r>
+              <a:rPr lang="en-US" i="1" dirty="0" err="1"/>
+              <a:t>A.hashCode</a:t>
+            </a:r>
+            <a:r>
+              <a:rPr lang="en-US" i="1" dirty="0"/>
+              <a:t>()==</a:t>
+            </a:r>
+            <a:r>
+              <a:rPr lang="en-US" i="1" dirty="0" err="1"/>
+              <a:t>B.hashCode</a:t>
+            </a:r>
+            <a:r>
+              <a:rPr lang="en-US" i="1" dirty="0" smtClean="0"/>
+              <a:t>()</a:t>
+            </a:r>
+            <a:r>
+              <a:rPr lang="en-US" dirty="0" smtClean="0"/>
+              <a:t> does not imply </a:t>
+            </a:r>
+            <a:r>
+              <a:rPr lang="en-US" i="1" dirty="0" err="1"/>
+              <a:t>A.equals</a:t>
+            </a:r>
+            <a:r>
+              <a:rPr lang="en-US" i="1" dirty="0"/>
+              <a:t>(B</a:t>
+            </a:r>
+            <a:r>
+              <a:rPr lang="en-US" i="1" dirty="0" smtClean="0"/>
+              <a:t>)</a:t>
+            </a:r>
+            <a:r>
+              <a:rPr lang="en-US" dirty="0" smtClean="0"/>
+              <a:t>, although that could happen</a:t>
+            </a:r>
+          </a:p>
+          <a:p>
+            <a:r>
+              <a:rPr lang="en-US" dirty="0" smtClean="0"/>
+              <a:t>What if constraint is not satisfied? Expect weird bugs when using maps and sets… </a:t>
+            </a:r>
+          </a:p>
+        </p:txBody>
+      </p:sp>
+    </p:spTree>
+    <p:extLst>
+      <p:ext uri="{BB962C8B-B14F-4D97-AF65-F5344CB8AC3E}">
+        <p14:creationId xmlns:p14="http://schemas.microsoft.com/office/powerpoint/2010/main" val="456350598"/>
+      </p:ext>
+    </p:extLst>
+  </p:cSld>
+  <p:clrMapOvr>
+    <a:masterClrMapping/>
+  </p:clrMapOvr>
+  <p:transition spd="med"/>
+</p:sld>
+</file>
+
+<file path=ppt/slides/slide15.xml><?xml version="1.0" encoding="utf-8"?>
+<p:sld xmlns:a="http://schemas.openxmlformats.org/drawingml/2006/main" xmlns:r="http://schemas.openxmlformats.org/officeDocument/2006/relationships" xmlns:p="http://schemas.openxmlformats.org/presentationml/2006/main">
+  <p:cSld>
+    <p:spTree>
+      <p:nvGrpSpPr>
+        <p:cNvPr id="1" name=""/>
+        <p:cNvGrpSpPr/>
+        <p:nvPr/>
+      </p:nvGrpSpPr>
+      <p:grpSpPr>
+        <a:xfrm>
+          <a:off x="0" y="0"/>
+          <a:ext cx="0" cy="0"/>
+          <a:chOff x="0" y="0"/>
+          <a:chExt cx="0" cy="0"/>
+        </a:xfrm>
+      </p:grpSpPr>
+      <p:sp>
+        <p:nvSpPr>
+          <p:cNvPr id="2" name="Title 1"/>
+          <p:cNvSpPr>
+            <a:spLocks noGrp="1"/>
+          </p:cNvSpPr>
+          <p:nvPr>
+            <p:ph type="title"/>
+          </p:nvPr>
+        </p:nvSpPr>
+        <p:spPr/>
+        <p:txBody>
+          <a:bodyPr/>
+          <a:lstStyle/>
+          <a:p>
+            <a:r>
+              <a:rPr lang="en-US" dirty="0" smtClean="0"/>
               <a:t>Homework</a:t>
             </a:r>
             <a:endParaRPr lang="en-US" dirty="0"/>
@@ -3326,6 +4542,3155 @@
       </p:par>
     </p:tnLst>
   </p:timing>
+</p:sld>
+</file>
+
+<file path=ppt/slides/slide2.xml><?xml version="1.0" encoding="utf-8"?>
+<p:sld xmlns:a="http://schemas.openxmlformats.org/drawingml/2006/main" xmlns:r="http://schemas.openxmlformats.org/officeDocument/2006/relationships" xmlns:p="http://schemas.openxmlformats.org/presentationml/2006/main">
+  <p:cSld>
+    <p:spTree>
+      <p:nvGrpSpPr>
+        <p:cNvPr id="1" name=""/>
+        <p:cNvGrpSpPr/>
+        <p:nvPr/>
+      </p:nvGrpSpPr>
+      <p:grpSpPr>
+        <a:xfrm>
+          <a:off x="0" y="0"/>
+          <a:ext cx="0" cy="0"/>
+          <a:chOff x="0" y="0"/>
+          <a:chExt cx="0" cy="0"/>
+        </a:xfrm>
+      </p:grpSpPr>
+      <p:sp>
+        <p:nvSpPr>
+          <p:cNvPr id="5" name="Title 4"/>
+          <p:cNvSpPr>
+            <a:spLocks noGrp="1"/>
+          </p:cNvSpPr>
+          <p:nvPr>
+            <p:ph type="title"/>
+          </p:nvPr>
+        </p:nvSpPr>
+        <p:spPr/>
+        <p:txBody>
+          <a:bodyPr/>
+          <a:lstStyle/>
+          <a:p>
+            <a:r>
+              <a:rPr lang="en-US" dirty="0" smtClean="0"/>
+              <a:t>Hash Function</a:t>
+            </a:r>
+            <a:endParaRPr lang="en-US" dirty="0"/>
+          </a:p>
+        </p:txBody>
+      </p:sp>
+      <p:sp>
+        <p:nvSpPr>
+          <p:cNvPr id="6" name="Text Placeholder 5"/>
+          <p:cNvSpPr>
+            <a:spLocks noGrp="1"/>
+          </p:cNvSpPr>
+          <p:nvPr>
+            <p:ph type="body" idx="1"/>
+          </p:nvPr>
+        </p:nvSpPr>
+        <p:spPr>
+          <a:xfrm>
+            <a:off x="506027" y="2603499"/>
+            <a:ext cx="12011488" cy="6966629"/>
+          </a:xfrm>
+        </p:spPr>
+        <p:txBody>
+          <a:bodyPr/>
+          <a:lstStyle/>
+          <a:p>
+            <a:r>
+              <a:rPr lang="en-US" dirty="0" smtClean="0"/>
+              <a:t>A function that maps data from an arbitrary size to a specific size</a:t>
+            </a:r>
+          </a:p>
+          <a:p>
+            <a:pPr lvl="1"/>
+            <a:r>
+              <a:rPr lang="en-US" dirty="0" err="1"/>
+              <a:t>e</a:t>
+            </a:r>
+            <a:r>
+              <a:rPr lang="en-US" dirty="0" err="1" smtClean="0"/>
+              <a:t>g</a:t>
+            </a:r>
+            <a:r>
+              <a:rPr lang="en-US" dirty="0" smtClean="0"/>
+              <a:t>, mapping strings to a </a:t>
+            </a:r>
+            <a:r>
+              <a:rPr lang="en-US" dirty="0" err="1" smtClean="0"/>
+              <a:t>int</a:t>
+            </a:r>
+            <a:endParaRPr lang="en-US" dirty="0" smtClean="0"/>
+          </a:p>
+          <a:p>
+            <a:r>
+              <a:rPr lang="en-US" i="1" dirty="0"/>
+              <a:t>h</a:t>
+            </a:r>
+            <a:r>
+              <a:rPr lang="en-US" i="1" dirty="0" smtClean="0"/>
+              <a:t>(x)=y</a:t>
+            </a:r>
+            <a:r>
+              <a:rPr lang="en-US" dirty="0" smtClean="0"/>
+              <a:t> , mapping from domain X to a value in domain Y</a:t>
+            </a:r>
+          </a:p>
+          <a:p>
+            <a:r>
+              <a:rPr lang="en-US" dirty="0" smtClean="0"/>
+              <a:t>|X| is often much larger than |Y|</a:t>
+            </a:r>
+            <a:endParaRPr lang="en-US" dirty="0"/>
+          </a:p>
+        </p:txBody>
+      </p:sp>
+    </p:spTree>
+    <p:extLst>
+      <p:ext uri="{BB962C8B-B14F-4D97-AF65-F5344CB8AC3E}">
+        <p14:creationId xmlns:p14="http://schemas.microsoft.com/office/powerpoint/2010/main" val="1747210800"/>
+      </p:ext>
+    </p:extLst>
+  </p:cSld>
+  <p:clrMapOvr>
+    <a:masterClrMapping/>
+  </p:clrMapOvr>
+  <p:transition spd="med"/>
+</p:sld>
+</file>
+
+<file path=ppt/slides/slide3.xml><?xml version="1.0" encoding="utf-8"?>
+<p:sld xmlns:a="http://schemas.openxmlformats.org/drawingml/2006/main" xmlns:r="http://schemas.openxmlformats.org/officeDocument/2006/relationships" xmlns:p="http://schemas.openxmlformats.org/presentationml/2006/main">
+  <p:cSld>
+    <p:spTree>
+      <p:nvGrpSpPr>
+        <p:cNvPr id="1" name=""/>
+        <p:cNvGrpSpPr/>
+        <p:nvPr/>
+      </p:nvGrpSpPr>
+      <p:grpSpPr>
+        <a:xfrm>
+          <a:off x="0" y="0"/>
+          <a:ext cx="0" cy="0"/>
+          <a:chOff x="0" y="0"/>
+          <a:chExt cx="0" cy="0"/>
+        </a:xfrm>
+      </p:grpSpPr>
+      <p:sp>
+        <p:nvSpPr>
+          <p:cNvPr id="2" name="Title 1"/>
+          <p:cNvSpPr>
+            <a:spLocks noGrp="1"/>
+          </p:cNvSpPr>
+          <p:nvPr>
+            <p:ph type="title"/>
+          </p:nvPr>
+        </p:nvSpPr>
+        <p:spPr/>
+        <p:txBody>
+          <a:bodyPr/>
+          <a:lstStyle/>
+          <a:p>
+            <a:r>
+              <a:rPr lang="en-US" dirty="0" smtClean="0"/>
+              <a:t>Hash Properties</a:t>
+            </a:r>
+            <a:endParaRPr lang="en-US" dirty="0"/>
+          </a:p>
+        </p:txBody>
+      </p:sp>
+      <p:sp>
+        <p:nvSpPr>
+          <p:cNvPr id="3" name="Text Placeholder 2"/>
+          <p:cNvSpPr>
+            <a:spLocks noGrp="1"/>
+          </p:cNvSpPr>
+          <p:nvPr>
+            <p:ph type="body" idx="1"/>
+          </p:nvPr>
+        </p:nvSpPr>
+        <p:spPr>
+          <a:xfrm>
+            <a:off x="363983" y="2603499"/>
+            <a:ext cx="12304451" cy="6984384"/>
+          </a:xfrm>
+        </p:spPr>
+        <p:txBody>
+          <a:bodyPr/>
+          <a:lstStyle/>
+          <a:p>
+            <a:r>
+              <a:rPr lang="en-US" i="1" dirty="0" smtClean="0"/>
+              <a:t>Deterministic</a:t>
+            </a:r>
+            <a:r>
+              <a:rPr lang="en-US" dirty="0" smtClean="0"/>
+              <a:t>: for a given input </a:t>
+            </a:r>
+            <a:r>
+              <a:rPr lang="en-US" i="1" dirty="0" smtClean="0"/>
+              <a:t>x’</a:t>
+            </a:r>
+            <a:r>
+              <a:rPr lang="en-US" dirty="0" smtClean="0"/>
+              <a:t>, should always get the same output </a:t>
+            </a:r>
+            <a:r>
+              <a:rPr lang="en-US" i="1" dirty="0" smtClean="0"/>
+              <a:t>y’</a:t>
+            </a:r>
+          </a:p>
+          <a:p>
+            <a:r>
+              <a:rPr lang="en-US" i="1" dirty="0" smtClean="0"/>
+              <a:t>Uniform</a:t>
+            </a:r>
+            <a:r>
+              <a:rPr lang="en-US" dirty="0" smtClean="0"/>
+              <a:t>: mapping from X to Y should be ideally spread uniformly over Y,</a:t>
+            </a:r>
+          </a:p>
+          <a:p>
+            <a:pPr lvl="1"/>
+            <a:r>
+              <a:rPr lang="en-US" dirty="0" smtClean="0"/>
+              <a:t> </a:t>
+            </a:r>
+            <a:r>
+              <a:rPr lang="en-US" dirty="0" err="1" smtClean="0"/>
+              <a:t>ie</a:t>
+            </a:r>
+            <a:r>
+              <a:rPr lang="en-US" dirty="0" smtClean="0"/>
+              <a:t> the number of elements in X that map to a specific </a:t>
+            </a:r>
+            <a:r>
+              <a:rPr lang="en-US" i="1" dirty="0" smtClean="0"/>
+              <a:t>y’</a:t>
+            </a:r>
+            <a:r>
+              <a:rPr lang="en-US" dirty="0" smtClean="0"/>
+              <a:t> should be close to |X|/|Y|</a:t>
+            </a:r>
+          </a:p>
+          <a:p>
+            <a:r>
+              <a:rPr lang="en-US" i="1" dirty="0" smtClean="0"/>
+              <a:t>Performance</a:t>
+            </a:r>
+            <a:r>
+              <a:rPr lang="en-US" dirty="0" smtClean="0"/>
+              <a:t>: either fast (in this course) or slow (security, </a:t>
+            </a:r>
+            <a:r>
+              <a:rPr lang="en-US" dirty="0" err="1" smtClean="0"/>
+              <a:t>eg</a:t>
+            </a:r>
+            <a:r>
+              <a:rPr lang="en-US" dirty="0" smtClean="0"/>
+              <a:t> hashing of passwords)</a:t>
+            </a:r>
+            <a:endParaRPr lang="en-US" i="1" dirty="0"/>
+          </a:p>
+        </p:txBody>
+      </p:sp>
+    </p:spTree>
+    <p:extLst>
+      <p:ext uri="{BB962C8B-B14F-4D97-AF65-F5344CB8AC3E}">
+        <p14:creationId xmlns:p14="http://schemas.microsoft.com/office/powerpoint/2010/main" val="1285393714"/>
+      </p:ext>
+    </p:extLst>
+  </p:cSld>
+  <p:clrMapOvr>
+    <a:masterClrMapping/>
+  </p:clrMapOvr>
+  <p:transition spd="med"/>
+</p:sld>
+</file>
+
+<file path=ppt/slides/slide4.xml><?xml version="1.0" encoding="utf-8"?>
+<p:sld xmlns:a="http://schemas.openxmlformats.org/drawingml/2006/main" xmlns:r="http://schemas.openxmlformats.org/officeDocument/2006/relationships" xmlns:p="http://schemas.openxmlformats.org/presentationml/2006/main">
+  <p:cSld>
+    <p:spTree>
+      <p:nvGrpSpPr>
+        <p:cNvPr id="1" name=""/>
+        <p:cNvGrpSpPr/>
+        <p:nvPr/>
+      </p:nvGrpSpPr>
+      <p:grpSpPr>
+        <a:xfrm>
+          <a:off x="0" y="0"/>
+          <a:ext cx="0" cy="0"/>
+          <a:chOff x="0" y="0"/>
+          <a:chExt cx="0" cy="0"/>
+        </a:xfrm>
+      </p:grpSpPr>
+      <p:sp>
+        <p:nvSpPr>
+          <p:cNvPr id="2" name="Title 1"/>
+          <p:cNvSpPr>
+            <a:spLocks noGrp="1"/>
+          </p:cNvSpPr>
+          <p:nvPr>
+            <p:ph type="title"/>
+          </p:nvPr>
+        </p:nvSpPr>
+        <p:spPr>
+          <a:xfrm>
+            <a:off x="952500" y="93087"/>
+            <a:ext cx="11099800" cy="1409530"/>
+          </a:xfrm>
+        </p:spPr>
+        <p:txBody>
+          <a:bodyPr>
+            <a:normAutofit/>
+          </a:bodyPr>
+          <a:lstStyle/>
+          <a:p>
+            <a:r>
+              <a:rPr lang="en-US" dirty="0" smtClean="0"/>
+              <a:t>Collisions</a:t>
+            </a:r>
+            <a:endParaRPr lang="en-US" dirty="0"/>
+          </a:p>
+        </p:txBody>
+      </p:sp>
+      <p:sp>
+        <p:nvSpPr>
+          <p:cNvPr id="3" name="Text Placeholder 2"/>
+          <p:cNvSpPr>
+            <a:spLocks noGrp="1"/>
+          </p:cNvSpPr>
+          <p:nvPr>
+            <p:ph type="body" idx="1"/>
+          </p:nvPr>
+        </p:nvSpPr>
+        <p:spPr>
+          <a:xfrm>
+            <a:off x="304430" y="2035649"/>
+            <a:ext cx="12443904" cy="1431607"/>
+          </a:xfrm>
+        </p:spPr>
+        <p:txBody>
+          <a:bodyPr>
+            <a:normAutofit fontScale="77500" lnSpcReduction="20000"/>
+          </a:bodyPr>
+          <a:lstStyle/>
+          <a:p>
+            <a:pPr>
+              <a:spcBef>
+                <a:spcPts val="2400"/>
+              </a:spcBef>
+            </a:pPr>
+            <a:r>
+              <a:rPr lang="en-US" dirty="0" smtClean="0"/>
+              <a:t>If |X| &gt; |Y|, you cannot avoid </a:t>
+            </a:r>
+            <a:r>
+              <a:rPr lang="en-US" i="1" dirty="0" smtClean="0"/>
+              <a:t>h(x’)=h(x’’), </a:t>
+            </a:r>
+            <a:r>
+              <a:rPr lang="en-US" dirty="0" smtClean="0"/>
+              <a:t>two different values in X mapping to the same value in Y</a:t>
+            </a:r>
+          </a:p>
+          <a:p>
+            <a:pPr>
+              <a:spcBef>
+                <a:spcPts val="2400"/>
+              </a:spcBef>
+            </a:pPr>
+            <a:r>
+              <a:rPr lang="en-US" dirty="0" smtClean="0"/>
+              <a:t>Ideally, if uniform, no more than |X|/|Y| collisions per element</a:t>
+            </a:r>
+            <a:r>
+              <a:rPr lang="en-US" i="1" dirty="0" smtClean="0"/>
+              <a:t> </a:t>
+            </a:r>
+            <a:endParaRPr lang="en-US" i="1" dirty="0"/>
+          </a:p>
+        </p:txBody>
+      </p:sp>
+      <p:sp>
+        <p:nvSpPr>
+          <p:cNvPr id="4" name="Oval 3"/>
+          <p:cNvSpPr/>
+          <p:nvPr/>
+        </p:nvSpPr>
+        <p:spPr>
+          <a:xfrm>
+            <a:off x="8595475" y="5708430"/>
+            <a:ext cx="2252717" cy="2764221"/>
+          </a:xfrm>
+          <a:prstGeom prst="ellipse">
+            <a:avLst/>
+          </a:prstGeom>
+          <a:solidFill>
+            <a:schemeClr val="accent1">
+              <a:lumMod val="60000"/>
+              <a:lumOff val="40000"/>
+            </a:schemeClr>
+          </a:solidFill>
+          <a:ln w="12700" cap="flat">
+            <a:noFill/>
+            <a:miter lim="400000"/>
+          </a:ln>
+          <a:effectLst>
+            <a:outerShdw blurRad="38100" dist="25400" dir="5400000" rotWithShape="0">
+              <a:srgbClr val="000000">
+                <a:alpha val="50000"/>
+              </a:srgbClr>
+            </a:outerShdw>
+          </a:effectLst>
+          <a:sp3d/>
+        </p:spPr>
+        <p:style>
+          <a:lnRef idx="0">
+            <a:scrgbClr r="0" g="0" b="0"/>
+          </a:lnRef>
+          <a:fillRef idx="0">
+            <a:scrgbClr r="0" g="0" b="0"/>
+          </a:fillRef>
+          <a:effectRef idx="0">
+            <a:scrgbClr r="0" g="0" b="0"/>
+          </a:effectRef>
+          <a:fontRef idx="none"/>
+        </p:style>
+        <p:txBody>
+          <a:bodyPr rot="0" spcFirstLastPara="1" vertOverflow="overflow" horzOverflow="overflow" vert="horz" wrap="square" lIns="50800" tIns="50800" rIns="50800" bIns="50800" numCol="1" spcCol="38100" rtlCol="0" anchor="ctr">
+            <a:spAutoFit/>
+          </a:bodyPr>
+          <a:lstStyle/>
+          <a:p>
+            <a:pPr marL="0" marR="0" indent="0" algn="ctr" defTabSz="584200" rtl="0" fontAlgn="auto" latinLnBrk="0" hangingPunct="0">
+              <a:lnSpc>
+                <a:spcPct val="100000"/>
+              </a:lnSpc>
+              <a:spcBef>
+                <a:spcPts val="0"/>
+              </a:spcBef>
+              <a:spcAft>
+                <a:spcPts val="0"/>
+              </a:spcAft>
+              <a:buClrTx/>
+              <a:buSzTx/>
+              <a:buFontTx/>
+              <a:buNone/>
+              <a:tabLst/>
+            </a:pPr>
+            <a:endParaRPr kumimoji="0" lang="en-US" sz="2400" b="0" i="0" u="none" strike="noStrike" cap="none" spc="0" normalizeH="0" baseline="0">
+              <a:ln>
+                <a:noFill/>
+              </a:ln>
+              <a:solidFill>
+                <a:srgbClr val="FFFFFF"/>
+              </a:solidFill>
+              <a:effectLst/>
+              <a:uFillTx/>
+              <a:latin typeface="+mn-lt"/>
+              <a:ea typeface="+mn-ea"/>
+              <a:cs typeface="+mn-cs"/>
+              <a:sym typeface="Helvetica Light"/>
+            </a:endParaRPr>
+          </a:p>
+        </p:txBody>
+      </p:sp>
+      <p:sp>
+        <p:nvSpPr>
+          <p:cNvPr id="5" name="Oval 4"/>
+          <p:cNvSpPr/>
+          <p:nvPr/>
+        </p:nvSpPr>
+        <p:spPr>
+          <a:xfrm>
+            <a:off x="1237607" y="4762500"/>
+            <a:ext cx="3426373" cy="4656083"/>
+          </a:xfrm>
+          <a:prstGeom prst="ellipse">
+            <a:avLst/>
+          </a:prstGeom>
+          <a:solidFill>
+            <a:schemeClr val="accent1">
+              <a:lumMod val="60000"/>
+              <a:lumOff val="40000"/>
+            </a:schemeClr>
+          </a:solidFill>
+          <a:ln w="12700" cap="flat">
+            <a:noFill/>
+            <a:miter lim="400000"/>
+          </a:ln>
+          <a:effectLst>
+            <a:outerShdw blurRad="38100" dist="25400" dir="5400000" rotWithShape="0">
+              <a:srgbClr val="000000">
+                <a:alpha val="50000"/>
+              </a:srgbClr>
+            </a:outerShdw>
+          </a:effectLst>
+          <a:sp3d/>
+        </p:spPr>
+        <p:style>
+          <a:lnRef idx="0">
+            <a:scrgbClr r="0" g="0" b="0"/>
+          </a:lnRef>
+          <a:fillRef idx="0">
+            <a:scrgbClr r="0" g="0" b="0"/>
+          </a:fillRef>
+          <a:effectRef idx="0">
+            <a:scrgbClr r="0" g="0" b="0"/>
+          </a:effectRef>
+          <a:fontRef idx="none"/>
+        </p:style>
+        <p:txBody>
+          <a:bodyPr rot="0" spcFirstLastPara="1" vertOverflow="overflow" horzOverflow="overflow" vert="horz" wrap="square" lIns="50800" tIns="50800" rIns="50800" bIns="50800" numCol="1" spcCol="38100" rtlCol="0" anchor="ctr">
+            <a:spAutoFit/>
+          </a:bodyPr>
+          <a:lstStyle/>
+          <a:p>
+            <a:pPr marL="0" marR="0" indent="0" algn="ctr" defTabSz="584200" rtl="0" fontAlgn="auto" latinLnBrk="0" hangingPunct="0">
+              <a:lnSpc>
+                <a:spcPct val="100000"/>
+              </a:lnSpc>
+              <a:spcBef>
+                <a:spcPts val="0"/>
+              </a:spcBef>
+              <a:spcAft>
+                <a:spcPts val="0"/>
+              </a:spcAft>
+              <a:buClrTx/>
+              <a:buSzTx/>
+              <a:buFontTx/>
+              <a:buNone/>
+              <a:tabLst/>
+            </a:pPr>
+            <a:endParaRPr kumimoji="0" lang="en-US" sz="2400" b="0" i="0" u="none" strike="noStrike" cap="none" spc="0" normalizeH="0" baseline="0" dirty="0">
+              <a:ln>
+                <a:noFill/>
+              </a:ln>
+              <a:solidFill>
+                <a:srgbClr val="FFFFFF"/>
+              </a:solidFill>
+              <a:effectLst/>
+              <a:uFillTx/>
+              <a:latin typeface="+mn-lt"/>
+              <a:ea typeface="+mn-ea"/>
+              <a:cs typeface="+mn-cs"/>
+              <a:sym typeface="Helvetica Light"/>
+            </a:endParaRPr>
+          </a:p>
+        </p:txBody>
+      </p:sp>
+      <p:sp>
+        <p:nvSpPr>
+          <p:cNvPr id="6" name="TextBox 5"/>
+          <p:cNvSpPr txBox="1"/>
+          <p:nvPr/>
+        </p:nvSpPr>
+        <p:spPr>
+          <a:xfrm>
+            <a:off x="9516648" y="5078450"/>
+            <a:ext cx="410369" cy="656590"/>
+          </a:xfrm>
+          <a:prstGeom prst="rect">
+            <a:avLst/>
+          </a:prstGeom>
+          <a:noFill/>
+          <a:ln w="12700" cap="flat">
+            <a:noFill/>
+            <a:miter lim="400000"/>
+          </a:ln>
+          <a:effectLst/>
+          <a:sp3d/>
+        </p:spPr>
+        <p:style>
+          <a:lnRef idx="0">
+            <a:scrgbClr r="0" g="0" b="0"/>
+          </a:lnRef>
+          <a:fillRef idx="0">
+            <a:scrgbClr r="0" g="0" b="0"/>
+          </a:fillRef>
+          <a:effectRef idx="0">
+            <a:scrgbClr r="0" g="0" b="0"/>
+          </a:effectRef>
+          <a:fontRef idx="none"/>
+        </p:style>
+        <p:txBody>
+          <a:bodyPr rot="0" spcFirstLastPara="1" vertOverflow="overflow" horzOverflow="overflow" vert="horz" wrap="none" lIns="50800" tIns="50800" rIns="50800" bIns="50800" numCol="1" spcCol="38100" rtlCol="0" anchor="ctr">
+            <a:spAutoFit/>
+          </a:bodyPr>
+          <a:lstStyle/>
+          <a:p>
+            <a:pPr marL="0" marR="0" indent="0" algn="ctr" defTabSz="584200" rtl="0" fontAlgn="auto" latinLnBrk="0" hangingPunct="0">
+              <a:lnSpc>
+                <a:spcPct val="100000"/>
+              </a:lnSpc>
+              <a:spcBef>
+                <a:spcPts val="0"/>
+              </a:spcBef>
+              <a:spcAft>
+                <a:spcPts val="0"/>
+              </a:spcAft>
+              <a:buClrTx/>
+              <a:buSzTx/>
+              <a:buFontTx/>
+              <a:buNone/>
+              <a:tabLst/>
+            </a:pPr>
+            <a:r>
+              <a:rPr lang="en-US" dirty="0"/>
+              <a:t>Y</a:t>
+            </a:r>
+            <a:endParaRPr kumimoji="0" lang="en-US" sz="3600" b="0" i="0" u="none" strike="noStrike" cap="none" spc="0" normalizeH="0" baseline="0" dirty="0">
+              <a:ln>
+                <a:noFill/>
+              </a:ln>
+              <a:solidFill>
+                <a:srgbClr val="000000"/>
+              </a:solidFill>
+              <a:effectLst/>
+              <a:uFillTx/>
+              <a:latin typeface="+mn-lt"/>
+              <a:ea typeface="+mn-ea"/>
+              <a:cs typeface="+mn-cs"/>
+              <a:sym typeface="Helvetica Light"/>
+            </a:endParaRPr>
+          </a:p>
+        </p:txBody>
+      </p:sp>
+      <p:sp>
+        <p:nvSpPr>
+          <p:cNvPr id="7" name="TextBox 6"/>
+          <p:cNvSpPr txBox="1"/>
+          <p:nvPr/>
+        </p:nvSpPr>
+        <p:spPr>
+          <a:xfrm>
+            <a:off x="2745608" y="4105910"/>
+            <a:ext cx="410370" cy="656590"/>
+          </a:xfrm>
+          <a:prstGeom prst="rect">
+            <a:avLst/>
+          </a:prstGeom>
+          <a:noFill/>
+          <a:ln w="12700" cap="flat">
+            <a:noFill/>
+            <a:miter lim="400000"/>
+          </a:ln>
+          <a:effectLst/>
+          <a:sp3d/>
+        </p:spPr>
+        <p:style>
+          <a:lnRef idx="0">
+            <a:scrgbClr r="0" g="0" b="0"/>
+          </a:lnRef>
+          <a:fillRef idx="0">
+            <a:scrgbClr r="0" g="0" b="0"/>
+          </a:fillRef>
+          <a:effectRef idx="0">
+            <a:scrgbClr r="0" g="0" b="0"/>
+          </a:effectRef>
+          <a:fontRef idx="none"/>
+        </p:style>
+        <p:txBody>
+          <a:bodyPr rot="0" spcFirstLastPara="1" vertOverflow="overflow" horzOverflow="overflow" vert="horz" wrap="none" lIns="50800" tIns="50800" rIns="50800" bIns="50800" numCol="1" spcCol="38100" rtlCol="0" anchor="ctr">
+            <a:spAutoFit/>
+          </a:bodyPr>
+          <a:lstStyle/>
+          <a:p>
+            <a:pPr marL="0" marR="0" indent="0" algn="ctr" defTabSz="584200" rtl="0" fontAlgn="auto" latinLnBrk="0" hangingPunct="0">
+              <a:lnSpc>
+                <a:spcPct val="100000"/>
+              </a:lnSpc>
+              <a:spcBef>
+                <a:spcPts val="0"/>
+              </a:spcBef>
+              <a:spcAft>
+                <a:spcPts val="0"/>
+              </a:spcAft>
+              <a:buClrTx/>
+              <a:buSzTx/>
+              <a:buFontTx/>
+              <a:buNone/>
+              <a:tabLst/>
+            </a:pPr>
+            <a:r>
+              <a:rPr kumimoji="0" lang="en-US" sz="3600" b="0" i="0" u="none" strike="noStrike" cap="none" spc="0" normalizeH="0" baseline="0" dirty="0" smtClean="0">
+                <a:ln>
+                  <a:noFill/>
+                </a:ln>
+                <a:solidFill>
+                  <a:srgbClr val="000000"/>
+                </a:solidFill>
+                <a:effectLst/>
+                <a:uFillTx/>
+                <a:latin typeface="+mn-lt"/>
+                <a:ea typeface="+mn-ea"/>
+                <a:cs typeface="+mn-cs"/>
+                <a:sym typeface="Helvetica Light"/>
+              </a:rPr>
+              <a:t>X</a:t>
+            </a:r>
+            <a:endParaRPr kumimoji="0" lang="en-US" sz="3600" b="0" i="0" u="none" strike="noStrike" cap="none" spc="0" normalizeH="0" baseline="0" dirty="0">
+              <a:ln>
+                <a:noFill/>
+              </a:ln>
+              <a:solidFill>
+                <a:srgbClr val="000000"/>
+              </a:solidFill>
+              <a:effectLst/>
+              <a:uFillTx/>
+              <a:latin typeface="+mn-lt"/>
+              <a:ea typeface="+mn-ea"/>
+              <a:cs typeface="+mn-cs"/>
+              <a:sym typeface="Helvetica Light"/>
+            </a:endParaRPr>
+          </a:p>
+        </p:txBody>
+      </p:sp>
+      <p:sp>
+        <p:nvSpPr>
+          <p:cNvPr id="8" name="Oval 7"/>
+          <p:cNvSpPr/>
+          <p:nvPr/>
+        </p:nvSpPr>
+        <p:spPr>
+          <a:xfrm>
+            <a:off x="2698545" y="5399053"/>
+            <a:ext cx="252248" cy="241738"/>
+          </a:xfrm>
+          <a:prstGeom prst="ellipse">
+            <a:avLst/>
+          </a:prstGeom>
+          <a:solidFill>
+            <a:srgbClr val="C00000"/>
+          </a:solidFill>
+          <a:ln w="12700" cap="flat">
+            <a:noFill/>
+            <a:miter lim="400000"/>
+          </a:ln>
+          <a:effectLst>
+            <a:outerShdw blurRad="38100" dist="25400" dir="5400000" rotWithShape="0">
+              <a:srgbClr val="000000">
+                <a:alpha val="50000"/>
+              </a:srgbClr>
+            </a:outerShdw>
+          </a:effectLst>
+          <a:sp3d/>
+        </p:spPr>
+        <p:style>
+          <a:lnRef idx="0">
+            <a:scrgbClr r="0" g="0" b="0"/>
+          </a:lnRef>
+          <a:fillRef idx="0">
+            <a:scrgbClr r="0" g="0" b="0"/>
+          </a:fillRef>
+          <a:effectRef idx="0">
+            <a:scrgbClr r="0" g="0" b="0"/>
+          </a:effectRef>
+          <a:fontRef idx="none"/>
+        </p:style>
+        <p:txBody>
+          <a:bodyPr rot="0" spcFirstLastPara="1" vertOverflow="overflow" horzOverflow="overflow" vert="horz" wrap="square" lIns="50800" tIns="50800" rIns="50800" bIns="50800" numCol="1" spcCol="38100" rtlCol="0" anchor="ctr">
+            <a:spAutoFit/>
+          </a:bodyPr>
+          <a:lstStyle/>
+          <a:p>
+            <a:pPr marL="0" marR="0" indent="0" algn="ctr" defTabSz="584200" rtl="0" fontAlgn="auto" latinLnBrk="0" hangingPunct="0">
+              <a:lnSpc>
+                <a:spcPct val="100000"/>
+              </a:lnSpc>
+              <a:spcBef>
+                <a:spcPts val="0"/>
+              </a:spcBef>
+              <a:spcAft>
+                <a:spcPts val="0"/>
+              </a:spcAft>
+              <a:buClrTx/>
+              <a:buSzTx/>
+              <a:buFontTx/>
+              <a:buNone/>
+              <a:tabLst/>
+            </a:pPr>
+            <a:endParaRPr kumimoji="0" lang="en-US" sz="2400" b="0" i="0" u="none" strike="noStrike" cap="none" spc="0" normalizeH="0" baseline="0">
+              <a:ln>
+                <a:noFill/>
+              </a:ln>
+              <a:solidFill>
+                <a:srgbClr val="FFFFFF"/>
+              </a:solidFill>
+              <a:effectLst/>
+              <a:uFillTx/>
+              <a:latin typeface="+mn-lt"/>
+              <a:ea typeface="+mn-ea"/>
+              <a:cs typeface="+mn-cs"/>
+              <a:sym typeface="Helvetica Light"/>
+            </a:endParaRPr>
+          </a:p>
+        </p:txBody>
+      </p:sp>
+      <p:cxnSp>
+        <p:nvCxnSpPr>
+          <p:cNvPr id="9" name="Straight Connector 8"/>
+          <p:cNvCxnSpPr>
+            <a:stCxn id="8" idx="6"/>
+            <a:endCxn id="10" idx="2"/>
+          </p:cNvCxnSpPr>
+          <p:nvPr/>
+        </p:nvCxnSpPr>
+        <p:spPr>
+          <a:xfrm>
+            <a:off x="2950793" y="5519922"/>
+            <a:ext cx="6455543" cy="900063"/>
+          </a:xfrm>
+          <a:prstGeom prst="line">
+            <a:avLst/>
+          </a:prstGeom>
+          <a:noFill/>
+          <a:ln w="25400" cap="flat">
+            <a:solidFill>
+              <a:srgbClr val="000000"/>
+            </a:solidFill>
+            <a:prstDash val="solid"/>
+            <a:miter lim="400000"/>
+          </a:ln>
+          <a:effectLst/>
+          <a:sp3d/>
+        </p:spPr>
+        <p:style>
+          <a:lnRef idx="0">
+            <a:scrgbClr r="0" g="0" b="0"/>
+          </a:lnRef>
+          <a:fillRef idx="0">
+            <a:scrgbClr r="0" g="0" b="0"/>
+          </a:fillRef>
+          <a:effectRef idx="0">
+            <a:scrgbClr r="0" g="0" b="0"/>
+          </a:effectRef>
+          <a:fontRef idx="none"/>
+        </p:style>
+      </p:cxnSp>
+      <p:sp>
+        <p:nvSpPr>
+          <p:cNvPr id="10" name="Oval 9"/>
+          <p:cNvSpPr/>
+          <p:nvPr/>
+        </p:nvSpPr>
+        <p:spPr>
+          <a:xfrm>
+            <a:off x="9406336" y="6299116"/>
+            <a:ext cx="252248" cy="241738"/>
+          </a:xfrm>
+          <a:prstGeom prst="ellipse">
+            <a:avLst/>
+          </a:prstGeom>
+          <a:solidFill>
+            <a:srgbClr val="C00000"/>
+          </a:solidFill>
+          <a:ln w="12700" cap="flat">
+            <a:noFill/>
+            <a:miter lim="400000"/>
+          </a:ln>
+          <a:effectLst>
+            <a:outerShdw blurRad="38100" dist="25400" dir="5400000" rotWithShape="0">
+              <a:srgbClr val="000000">
+                <a:alpha val="50000"/>
+              </a:srgbClr>
+            </a:outerShdw>
+          </a:effectLst>
+          <a:sp3d/>
+        </p:spPr>
+        <p:style>
+          <a:lnRef idx="0">
+            <a:scrgbClr r="0" g="0" b="0"/>
+          </a:lnRef>
+          <a:fillRef idx="0">
+            <a:scrgbClr r="0" g="0" b="0"/>
+          </a:fillRef>
+          <a:effectRef idx="0">
+            <a:scrgbClr r="0" g="0" b="0"/>
+          </a:effectRef>
+          <a:fontRef idx="none"/>
+        </p:style>
+        <p:txBody>
+          <a:bodyPr rot="0" spcFirstLastPara="1" vertOverflow="overflow" horzOverflow="overflow" vert="horz" wrap="square" lIns="50800" tIns="50800" rIns="50800" bIns="50800" numCol="1" spcCol="38100" rtlCol="0" anchor="ctr">
+            <a:spAutoFit/>
+          </a:bodyPr>
+          <a:lstStyle/>
+          <a:p>
+            <a:pPr marL="0" marR="0" indent="0" algn="ctr" defTabSz="584200" rtl="0" fontAlgn="auto" latinLnBrk="0" hangingPunct="0">
+              <a:lnSpc>
+                <a:spcPct val="100000"/>
+              </a:lnSpc>
+              <a:spcBef>
+                <a:spcPts val="0"/>
+              </a:spcBef>
+              <a:spcAft>
+                <a:spcPts val="0"/>
+              </a:spcAft>
+              <a:buClrTx/>
+              <a:buSzTx/>
+              <a:buFontTx/>
+              <a:buNone/>
+              <a:tabLst/>
+            </a:pPr>
+            <a:endParaRPr kumimoji="0" lang="en-US" sz="2400" b="0" i="0" u="none" strike="noStrike" cap="none" spc="0" normalizeH="0" baseline="0">
+              <a:ln>
+                <a:noFill/>
+              </a:ln>
+              <a:solidFill>
+                <a:srgbClr val="FFFFFF"/>
+              </a:solidFill>
+              <a:effectLst/>
+              <a:uFillTx/>
+              <a:latin typeface="+mn-lt"/>
+              <a:ea typeface="+mn-ea"/>
+              <a:cs typeface="+mn-cs"/>
+              <a:sym typeface="Helvetica Light"/>
+            </a:endParaRPr>
+          </a:p>
+        </p:txBody>
+      </p:sp>
+      <p:sp>
+        <p:nvSpPr>
+          <p:cNvPr id="14" name="Oval 13"/>
+          <p:cNvSpPr/>
+          <p:nvPr/>
+        </p:nvSpPr>
+        <p:spPr>
+          <a:xfrm>
+            <a:off x="2025322" y="7520868"/>
+            <a:ext cx="252248" cy="241738"/>
+          </a:xfrm>
+          <a:prstGeom prst="ellipse">
+            <a:avLst/>
+          </a:prstGeom>
+          <a:solidFill>
+            <a:srgbClr val="C00000"/>
+          </a:solidFill>
+          <a:ln w="12700" cap="flat">
+            <a:noFill/>
+            <a:miter lim="400000"/>
+          </a:ln>
+          <a:effectLst>
+            <a:outerShdw blurRad="38100" dist="25400" dir="5400000" rotWithShape="0">
+              <a:srgbClr val="000000">
+                <a:alpha val="50000"/>
+              </a:srgbClr>
+            </a:outerShdw>
+          </a:effectLst>
+          <a:sp3d/>
+        </p:spPr>
+        <p:style>
+          <a:lnRef idx="0">
+            <a:scrgbClr r="0" g="0" b="0"/>
+          </a:lnRef>
+          <a:fillRef idx="0">
+            <a:scrgbClr r="0" g="0" b="0"/>
+          </a:fillRef>
+          <a:effectRef idx="0">
+            <a:scrgbClr r="0" g="0" b="0"/>
+          </a:effectRef>
+          <a:fontRef idx="none"/>
+        </p:style>
+        <p:txBody>
+          <a:bodyPr rot="0" spcFirstLastPara="1" vertOverflow="overflow" horzOverflow="overflow" vert="horz" wrap="square" lIns="50800" tIns="50800" rIns="50800" bIns="50800" numCol="1" spcCol="38100" rtlCol="0" anchor="ctr">
+            <a:spAutoFit/>
+          </a:bodyPr>
+          <a:lstStyle/>
+          <a:p>
+            <a:pPr marL="0" marR="0" indent="0" algn="ctr" defTabSz="584200" rtl="0" fontAlgn="auto" latinLnBrk="0" hangingPunct="0">
+              <a:lnSpc>
+                <a:spcPct val="100000"/>
+              </a:lnSpc>
+              <a:spcBef>
+                <a:spcPts val="0"/>
+              </a:spcBef>
+              <a:spcAft>
+                <a:spcPts val="0"/>
+              </a:spcAft>
+              <a:buClrTx/>
+              <a:buSzTx/>
+              <a:buFontTx/>
+              <a:buNone/>
+              <a:tabLst/>
+            </a:pPr>
+            <a:endParaRPr kumimoji="0" lang="en-US" sz="2400" b="0" i="0" u="none" strike="noStrike" cap="none" spc="0" normalizeH="0" baseline="0">
+              <a:ln>
+                <a:noFill/>
+              </a:ln>
+              <a:solidFill>
+                <a:srgbClr val="FFFFFF"/>
+              </a:solidFill>
+              <a:effectLst/>
+              <a:uFillTx/>
+              <a:latin typeface="+mn-lt"/>
+              <a:ea typeface="+mn-ea"/>
+              <a:cs typeface="+mn-cs"/>
+              <a:sym typeface="Helvetica Light"/>
+            </a:endParaRPr>
+          </a:p>
+        </p:txBody>
+      </p:sp>
+      <p:cxnSp>
+        <p:nvCxnSpPr>
+          <p:cNvPr id="15" name="Straight Connector 14"/>
+          <p:cNvCxnSpPr>
+            <a:stCxn id="14" idx="6"/>
+            <a:endCxn id="10" idx="3"/>
+          </p:cNvCxnSpPr>
+          <p:nvPr/>
+        </p:nvCxnSpPr>
+        <p:spPr>
+          <a:xfrm flipV="1">
+            <a:off x="2277570" y="6505452"/>
+            <a:ext cx="7165707" cy="1136285"/>
+          </a:xfrm>
+          <a:prstGeom prst="line">
+            <a:avLst/>
+          </a:prstGeom>
+          <a:noFill/>
+          <a:ln w="25400" cap="flat">
+            <a:solidFill>
+              <a:srgbClr val="000000"/>
+            </a:solidFill>
+            <a:prstDash val="solid"/>
+            <a:miter lim="400000"/>
+          </a:ln>
+          <a:effectLst/>
+          <a:sp3d/>
+        </p:spPr>
+        <p:style>
+          <a:lnRef idx="0">
+            <a:scrgbClr r="0" g="0" b="0"/>
+          </a:lnRef>
+          <a:fillRef idx="0">
+            <a:scrgbClr r="0" g="0" b="0"/>
+          </a:fillRef>
+          <a:effectRef idx="0">
+            <a:scrgbClr r="0" g="0" b="0"/>
+          </a:effectRef>
+          <a:fontRef idx="none"/>
+        </p:style>
+      </p:cxnSp>
+      <p:sp>
+        <p:nvSpPr>
+          <p:cNvPr id="17" name="TextBox 16"/>
+          <p:cNvSpPr txBox="1"/>
+          <p:nvPr/>
+        </p:nvSpPr>
+        <p:spPr>
+          <a:xfrm>
+            <a:off x="9222403" y="6514244"/>
+            <a:ext cx="615554" cy="656590"/>
+          </a:xfrm>
+          <a:prstGeom prst="rect">
+            <a:avLst/>
+          </a:prstGeom>
+          <a:noFill/>
+          <a:ln w="12700" cap="flat">
+            <a:noFill/>
+            <a:miter lim="400000"/>
+          </a:ln>
+          <a:effectLst/>
+          <a:sp3d/>
+        </p:spPr>
+        <p:style>
+          <a:lnRef idx="0">
+            <a:scrgbClr r="0" g="0" b="0"/>
+          </a:lnRef>
+          <a:fillRef idx="0">
+            <a:scrgbClr r="0" g="0" b="0"/>
+          </a:fillRef>
+          <a:effectRef idx="0">
+            <a:scrgbClr r="0" g="0" b="0"/>
+          </a:effectRef>
+          <a:fontRef idx="none"/>
+        </p:style>
+        <p:txBody>
+          <a:bodyPr rot="0" spcFirstLastPara="1" vertOverflow="overflow" horzOverflow="overflow" vert="horz" wrap="none" lIns="50800" tIns="50800" rIns="50800" bIns="50800" numCol="1" spcCol="38100" rtlCol="0" anchor="ctr">
+            <a:spAutoFit/>
+          </a:bodyPr>
+          <a:lstStyle/>
+          <a:p>
+            <a:pPr marL="0" marR="0" indent="0" algn="ctr" defTabSz="584200" rtl="0" fontAlgn="auto" latinLnBrk="0" hangingPunct="0">
+              <a:lnSpc>
+                <a:spcPct val="100000"/>
+              </a:lnSpc>
+              <a:spcBef>
+                <a:spcPts val="0"/>
+              </a:spcBef>
+              <a:spcAft>
+                <a:spcPts val="0"/>
+              </a:spcAft>
+              <a:buClrTx/>
+              <a:buSzTx/>
+              <a:buFontTx/>
+              <a:buNone/>
+              <a:tabLst/>
+            </a:pPr>
+            <a:r>
+              <a:rPr lang="en-US" dirty="0" smtClean="0"/>
+              <a:t>42</a:t>
+            </a:r>
+            <a:endParaRPr kumimoji="0" lang="en-US" sz="3600" b="0" i="0" u="none" strike="noStrike" cap="none" spc="0" normalizeH="0" baseline="0" dirty="0">
+              <a:ln>
+                <a:noFill/>
+              </a:ln>
+              <a:solidFill>
+                <a:srgbClr val="000000"/>
+              </a:solidFill>
+              <a:effectLst/>
+              <a:uFillTx/>
+              <a:latin typeface="+mn-lt"/>
+              <a:ea typeface="+mn-ea"/>
+              <a:cs typeface="+mn-cs"/>
+              <a:sym typeface="Helvetica Light"/>
+            </a:endParaRPr>
+          </a:p>
+        </p:txBody>
+      </p:sp>
+      <p:sp>
+        <p:nvSpPr>
+          <p:cNvPr id="18" name="TextBox 17"/>
+          <p:cNvSpPr txBox="1"/>
+          <p:nvPr/>
+        </p:nvSpPr>
+        <p:spPr>
+          <a:xfrm>
+            <a:off x="2298884" y="5580357"/>
+            <a:ext cx="1051570" cy="656590"/>
+          </a:xfrm>
+          <a:prstGeom prst="rect">
+            <a:avLst/>
+          </a:prstGeom>
+          <a:noFill/>
+          <a:ln w="12700" cap="flat">
+            <a:noFill/>
+            <a:miter lim="400000"/>
+          </a:ln>
+          <a:effectLst/>
+          <a:sp3d/>
+        </p:spPr>
+        <p:style>
+          <a:lnRef idx="0">
+            <a:scrgbClr r="0" g="0" b="0"/>
+          </a:lnRef>
+          <a:fillRef idx="0">
+            <a:scrgbClr r="0" g="0" b="0"/>
+          </a:fillRef>
+          <a:effectRef idx="0">
+            <a:scrgbClr r="0" g="0" b="0"/>
+          </a:effectRef>
+          <a:fontRef idx="none"/>
+        </p:style>
+        <p:txBody>
+          <a:bodyPr rot="0" spcFirstLastPara="1" vertOverflow="overflow" horzOverflow="overflow" vert="horz" wrap="none" lIns="50800" tIns="50800" rIns="50800" bIns="50800" numCol="1" spcCol="38100" rtlCol="0" anchor="ctr">
+            <a:spAutoFit/>
+          </a:bodyPr>
+          <a:lstStyle/>
+          <a:p>
+            <a:pPr marL="0" marR="0" indent="0" algn="ctr" defTabSz="584200" rtl="0" fontAlgn="auto" latinLnBrk="0" hangingPunct="0">
+              <a:lnSpc>
+                <a:spcPct val="100000"/>
+              </a:lnSpc>
+              <a:spcBef>
+                <a:spcPts val="0"/>
+              </a:spcBef>
+              <a:spcAft>
+                <a:spcPts val="0"/>
+              </a:spcAft>
+              <a:buClrTx/>
+              <a:buSzTx/>
+              <a:buFontTx/>
+              <a:buNone/>
+              <a:tabLst/>
+            </a:pPr>
+            <a:r>
+              <a:rPr kumimoji="0" lang="en-US" sz="3600" b="0" i="0" u="none" strike="noStrike" cap="none" spc="0" normalizeH="0" baseline="0" dirty="0" smtClean="0">
+                <a:ln>
+                  <a:noFill/>
+                </a:ln>
+                <a:solidFill>
+                  <a:srgbClr val="000000"/>
+                </a:solidFill>
+                <a:effectLst/>
+                <a:uFillTx/>
+                <a:latin typeface="+mn-lt"/>
+                <a:ea typeface="+mn-ea"/>
+                <a:cs typeface="+mn-cs"/>
+                <a:sym typeface="Helvetica Light"/>
+              </a:rPr>
+              <a:t>“foo”</a:t>
+            </a:r>
+            <a:endParaRPr kumimoji="0" lang="en-US" sz="3600" b="0" i="0" u="none" strike="noStrike" cap="none" spc="0" normalizeH="0" baseline="0" dirty="0">
+              <a:ln>
+                <a:noFill/>
+              </a:ln>
+              <a:solidFill>
+                <a:srgbClr val="000000"/>
+              </a:solidFill>
+              <a:effectLst/>
+              <a:uFillTx/>
+              <a:latin typeface="+mn-lt"/>
+              <a:ea typeface="+mn-ea"/>
+              <a:cs typeface="+mn-cs"/>
+              <a:sym typeface="Helvetica Light"/>
+            </a:endParaRPr>
+          </a:p>
+        </p:txBody>
+      </p:sp>
+      <p:sp>
+        <p:nvSpPr>
+          <p:cNvPr id="19" name="TextBox 18"/>
+          <p:cNvSpPr txBox="1"/>
+          <p:nvPr/>
+        </p:nvSpPr>
+        <p:spPr>
+          <a:xfrm>
+            <a:off x="1612836" y="7641737"/>
+            <a:ext cx="1077219" cy="656590"/>
+          </a:xfrm>
+          <a:prstGeom prst="rect">
+            <a:avLst/>
+          </a:prstGeom>
+          <a:noFill/>
+          <a:ln w="12700" cap="flat">
+            <a:noFill/>
+            <a:miter lim="400000"/>
+          </a:ln>
+          <a:effectLst/>
+          <a:sp3d/>
+        </p:spPr>
+        <p:style>
+          <a:lnRef idx="0">
+            <a:scrgbClr r="0" g="0" b="0"/>
+          </a:lnRef>
+          <a:fillRef idx="0">
+            <a:scrgbClr r="0" g="0" b="0"/>
+          </a:fillRef>
+          <a:effectRef idx="0">
+            <a:scrgbClr r="0" g="0" b="0"/>
+          </a:effectRef>
+          <a:fontRef idx="none"/>
+        </p:style>
+        <p:txBody>
+          <a:bodyPr rot="0" spcFirstLastPara="1" vertOverflow="overflow" horzOverflow="overflow" vert="horz" wrap="none" lIns="50800" tIns="50800" rIns="50800" bIns="50800" numCol="1" spcCol="38100" rtlCol="0" anchor="ctr">
+            <a:spAutoFit/>
+          </a:bodyPr>
+          <a:lstStyle/>
+          <a:p>
+            <a:pPr marL="0" marR="0" indent="0" algn="ctr" defTabSz="584200" rtl="0" fontAlgn="auto" latinLnBrk="0" hangingPunct="0">
+              <a:lnSpc>
+                <a:spcPct val="100000"/>
+              </a:lnSpc>
+              <a:spcBef>
+                <a:spcPts val="0"/>
+              </a:spcBef>
+              <a:spcAft>
+                <a:spcPts val="0"/>
+              </a:spcAft>
+              <a:buClrTx/>
+              <a:buSzTx/>
+              <a:buFontTx/>
+              <a:buNone/>
+              <a:tabLst/>
+            </a:pPr>
+            <a:r>
+              <a:rPr kumimoji="0" lang="en-US" sz="3600" b="0" i="0" u="none" strike="noStrike" cap="none" spc="0" normalizeH="0" baseline="0" dirty="0" smtClean="0">
+                <a:ln>
+                  <a:noFill/>
+                </a:ln>
+                <a:solidFill>
+                  <a:srgbClr val="000000"/>
+                </a:solidFill>
+                <a:effectLst/>
+                <a:uFillTx/>
+                <a:latin typeface="+mn-lt"/>
+                <a:ea typeface="+mn-ea"/>
+                <a:cs typeface="+mn-cs"/>
+                <a:sym typeface="Helvetica Light"/>
+              </a:rPr>
+              <a:t>“bar”</a:t>
+            </a:r>
+            <a:endParaRPr kumimoji="0" lang="en-US" sz="3600" b="0" i="0" u="none" strike="noStrike" cap="none" spc="0" normalizeH="0" baseline="0" dirty="0">
+              <a:ln>
+                <a:noFill/>
+              </a:ln>
+              <a:solidFill>
+                <a:srgbClr val="000000"/>
+              </a:solidFill>
+              <a:effectLst/>
+              <a:uFillTx/>
+              <a:latin typeface="+mn-lt"/>
+              <a:ea typeface="+mn-ea"/>
+              <a:cs typeface="+mn-cs"/>
+              <a:sym typeface="Helvetica Light"/>
+            </a:endParaRPr>
+          </a:p>
+        </p:txBody>
+      </p:sp>
+    </p:spTree>
+    <p:extLst>
+      <p:ext uri="{BB962C8B-B14F-4D97-AF65-F5344CB8AC3E}">
+        <p14:creationId xmlns:p14="http://schemas.microsoft.com/office/powerpoint/2010/main" val="494281588"/>
+      </p:ext>
+    </p:extLst>
+  </p:cSld>
+  <p:clrMapOvr>
+    <a:masterClrMapping/>
+  </p:clrMapOvr>
+  <p:transition spd="med"/>
+</p:sld>
+</file>
+
+<file path=ppt/slides/slide5.xml><?xml version="1.0" encoding="utf-8"?>
+<p:sld xmlns:a="http://schemas.openxmlformats.org/drawingml/2006/main" xmlns:r="http://schemas.openxmlformats.org/officeDocument/2006/relationships" xmlns:p="http://schemas.openxmlformats.org/presentationml/2006/main">
+  <p:cSld>
+    <p:spTree>
+      <p:nvGrpSpPr>
+        <p:cNvPr id="1" name=""/>
+        <p:cNvGrpSpPr/>
+        <p:nvPr/>
+      </p:nvGrpSpPr>
+      <p:grpSpPr>
+        <a:xfrm>
+          <a:off x="0" y="0"/>
+          <a:ext cx="0" cy="0"/>
+          <a:chOff x="0" y="0"/>
+          <a:chExt cx="0" cy="0"/>
+        </a:xfrm>
+      </p:grpSpPr>
+      <p:sp>
+        <p:nvSpPr>
+          <p:cNvPr id="2" name="Title 1"/>
+          <p:cNvSpPr>
+            <a:spLocks noGrp="1"/>
+          </p:cNvSpPr>
+          <p:nvPr>
+            <p:ph type="title"/>
+          </p:nvPr>
+        </p:nvSpPr>
+        <p:spPr/>
+        <p:txBody>
+          <a:bodyPr/>
+          <a:lstStyle/>
+          <a:p>
+            <a:r>
+              <a:rPr lang="en-US" dirty="0" smtClean="0"/>
+              <a:t>Hash Maps</a:t>
+            </a:r>
+            <a:endParaRPr lang="en-US" dirty="0"/>
+          </a:p>
+        </p:txBody>
+      </p:sp>
+      <p:sp>
+        <p:nvSpPr>
+          <p:cNvPr id="3" name="Text Placeholder 2"/>
+          <p:cNvSpPr>
+            <a:spLocks noGrp="1"/>
+          </p:cNvSpPr>
+          <p:nvPr>
+            <p:ph type="body" idx="1"/>
+          </p:nvPr>
+        </p:nvSpPr>
+        <p:spPr>
+          <a:xfrm>
+            <a:off x="301841" y="2603499"/>
+            <a:ext cx="12499759" cy="6931117"/>
+          </a:xfrm>
+        </p:spPr>
+        <p:txBody>
+          <a:bodyPr/>
+          <a:lstStyle/>
+          <a:p>
+            <a:r>
+              <a:rPr lang="en-US" dirty="0" smtClean="0"/>
+              <a:t>Still a map from a K key to a V value</a:t>
+            </a:r>
+          </a:p>
+          <a:p>
+            <a:r>
+              <a:rPr lang="en-US" dirty="0" smtClean="0"/>
+              <a:t>No requirement on ordering of K keys, just being able to compute an </a:t>
+            </a:r>
+            <a:r>
+              <a:rPr lang="en-US" i="1" dirty="0" smtClean="0"/>
+              <a:t>hash</a:t>
+            </a:r>
+            <a:r>
+              <a:rPr lang="en-US" dirty="0" smtClean="0"/>
+              <a:t> of it</a:t>
+            </a:r>
+          </a:p>
+          <a:p>
+            <a:r>
+              <a:rPr lang="en-US" dirty="0" smtClean="0"/>
+              <a:t>In Java, all objects inherits from </a:t>
+            </a:r>
+            <a:r>
+              <a:rPr lang="en-US" i="1" dirty="0" err="1" smtClean="0"/>
+              <a:t>java.lang.Object</a:t>
+            </a:r>
+            <a:r>
+              <a:rPr lang="en-US" dirty="0" smtClean="0"/>
+              <a:t>, which defines </a:t>
+            </a:r>
+            <a:r>
+              <a:rPr lang="en-US" dirty="0"/>
+              <a:t>a </a:t>
+            </a:r>
+            <a:r>
+              <a:rPr lang="en-US" i="1" dirty="0" err="1" smtClean="0"/>
+              <a:t>hashCode</a:t>
+            </a:r>
+            <a:r>
+              <a:rPr lang="en-US" i="1" dirty="0" smtClean="0"/>
+              <a:t>()</a:t>
+            </a:r>
+            <a:r>
+              <a:rPr lang="en-US" dirty="0" smtClean="0"/>
+              <a:t> method</a:t>
+            </a:r>
+          </a:p>
+          <a:p>
+            <a:r>
+              <a:rPr lang="en-US" dirty="0" smtClean="0"/>
+              <a:t>Hash code used as an index for an internal array</a:t>
+            </a:r>
+          </a:p>
+          <a:p>
+            <a:endParaRPr lang="en-US" dirty="0"/>
+          </a:p>
+        </p:txBody>
+      </p:sp>
+    </p:spTree>
+    <p:extLst>
+      <p:ext uri="{BB962C8B-B14F-4D97-AF65-F5344CB8AC3E}">
+        <p14:creationId xmlns:p14="http://schemas.microsoft.com/office/powerpoint/2010/main" val="3869495699"/>
+      </p:ext>
+    </p:extLst>
+  </p:cSld>
+  <p:clrMapOvr>
+    <a:masterClrMapping/>
+  </p:clrMapOvr>
+  <p:transition spd="med"/>
+</p:sld>
+</file>
+
+<file path=ppt/slides/slide6.xml><?xml version="1.0" encoding="utf-8"?>
+<p:sld xmlns:a="http://schemas.openxmlformats.org/drawingml/2006/main" xmlns:r="http://schemas.openxmlformats.org/officeDocument/2006/relationships" xmlns:p="http://schemas.openxmlformats.org/presentationml/2006/main">
+  <p:cSld>
+    <p:spTree>
+      <p:nvGrpSpPr>
+        <p:cNvPr id="1" name=""/>
+        <p:cNvGrpSpPr/>
+        <p:nvPr/>
+      </p:nvGrpSpPr>
+      <p:grpSpPr>
+        <a:xfrm>
+          <a:off x="0" y="0"/>
+          <a:ext cx="0" cy="0"/>
+          <a:chOff x="0" y="0"/>
+          <a:chExt cx="0" cy="0"/>
+        </a:xfrm>
+      </p:grpSpPr>
+      <p:sp>
+        <p:nvSpPr>
+          <p:cNvPr id="2" name="Title 1"/>
+          <p:cNvSpPr>
+            <a:spLocks noGrp="1"/>
+          </p:cNvSpPr>
+          <p:nvPr>
+            <p:ph type="title"/>
+          </p:nvPr>
+        </p:nvSpPr>
+        <p:spPr/>
+        <p:txBody>
+          <a:bodyPr/>
+          <a:lstStyle/>
+          <a:p>
+            <a:r>
+              <a:rPr lang="en-US" dirty="0" smtClean="0"/>
+              <a:t>Example</a:t>
+            </a:r>
+            <a:endParaRPr lang="en-US" dirty="0"/>
+          </a:p>
+        </p:txBody>
+      </p:sp>
+      <p:sp>
+        <p:nvSpPr>
+          <p:cNvPr id="3" name="Text Placeholder 2"/>
+          <p:cNvSpPr>
+            <a:spLocks noGrp="1"/>
+          </p:cNvSpPr>
+          <p:nvPr>
+            <p:ph type="body" idx="1"/>
+          </p:nvPr>
+        </p:nvSpPr>
+        <p:spPr>
+          <a:xfrm>
+            <a:off x="251927" y="2603500"/>
+            <a:ext cx="5589035" cy="6286500"/>
+          </a:xfrm>
+        </p:spPr>
+        <p:txBody>
+          <a:bodyPr/>
+          <a:lstStyle/>
+          <a:p>
+            <a:r>
+              <a:rPr lang="en-US" i="1" dirty="0"/>
+              <a:t>put</a:t>
+            </a:r>
+            <a:r>
+              <a:rPr lang="en-US" dirty="0"/>
+              <a:t>(“foo”, v</a:t>
+            </a:r>
+            <a:r>
+              <a:rPr lang="en-US" dirty="0" smtClean="0"/>
+              <a:t>)</a:t>
+            </a:r>
+          </a:p>
+          <a:p>
+            <a:r>
+              <a:rPr lang="en-US" dirty="0" smtClean="0"/>
+              <a:t>h(“foo”)=42</a:t>
+            </a:r>
+          </a:p>
+          <a:p>
+            <a:r>
+              <a:rPr lang="en-US" dirty="0"/>
+              <a:t>h</a:t>
+            </a:r>
+            <a:r>
+              <a:rPr lang="en-US" dirty="0" smtClean="0"/>
+              <a:t>(“foo”)%10 = 2</a:t>
+            </a:r>
+          </a:p>
+          <a:p>
+            <a:r>
+              <a:rPr lang="en-US" dirty="0" smtClean="0"/>
+              <a:t>Benefit: operations (insert/search/</a:t>
+            </a:r>
+            <a:r>
+              <a:rPr lang="en-US" dirty="0" err="1" smtClean="0"/>
+              <a:t>etc</a:t>
+            </a:r>
+            <a:r>
+              <a:rPr lang="en-US" dirty="0" smtClean="0"/>
+              <a:t>) have cost due to hash independent of size N of the collection</a:t>
+            </a:r>
+          </a:p>
+        </p:txBody>
+      </p:sp>
+      <p:graphicFrame>
+        <p:nvGraphicFramePr>
+          <p:cNvPr id="4" name="Table 3"/>
+          <p:cNvGraphicFramePr>
+            <a:graphicFrameLocks noGrp="1"/>
+          </p:cNvGraphicFramePr>
+          <p:nvPr>
+            <p:extLst>
+              <p:ext uri="{D42A27DB-BD31-4B8C-83A1-F6EECF244321}">
+                <p14:modId xmlns:p14="http://schemas.microsoft.com/office/powerpoint/2010/main" val="995286433"/>
+              </p:ext>
+            </p:extLst>
+          </p:nvPr>
+        </p:nvGraphicFramePr>
+        <p:xfrm>
+          <a:off x="8194940" y="3460750"/>
+          <a:ext cx="1384916" cy="4572000"/>
+        </p:xfrm>
+        <a:graphic>
+          <a:graphicData uri="http://schemas.openxmlformats.org/drawingml/2006/table">
+            <a:tbl>
+              <a:tblPr firstRow="1" bandRow="1">
+                <a:tableStyleId>{5940675A-B579-460E-94D1-54222C63F5DA}</a:tableStyleId>
+              </a:tblPr>
+              <a:tblGrid>
+                <a:gridCol w="1384916">
+                  <a:extLst>
+                    <a:ext uri="{9D8B030D-6E8A-4147-A177-3AD203B41FA5}">
+                      <a16:colId xmlns:a16="http://schemas.microsoft.com/office/drawing/2014/main" val="4160022659"/>
+                    </a:ext>
+                  </a:extLst>
+                </a:gridCol>
+              </a:tblGrid>
+              <a:tr h="370840">
+                <a:tc>
+                  <a:txBody>
+                    <a:bodyPr/>
+                    <a:lstStyle/>
+                    <a:p>
+                      <a:endParaRPr lang="en-US" sz="2400" dirty="0"/>
+                    </a:p>
+                  </a:txBody>
+                  <a:tcPr/>
+                </a:tc>
+                <a:extLst>
+                  <a:ext uri="{0D108BD9-81ED-4DB2-BD59-A6C34878D82A}">
+                    <a16:rowId xmlns:a16="http://schemas.microsoft.com/office/drawing/2014/main" val="4282801958"/>
+                  </a:ext>
+                </a:extLst>
+              </a:tr>
+              <a:tr h="370840">
+                <a:tc>
+                  <a:txBody>
+                    <a:bodyPr/>
+                    <a:lstStyle/>
+                    <a:p>
+                      <a:endParaRPr lang="en-US" sz="2400"/>
+                    </a:p>
+                  </a:txBody>
+                  <a:tcPr/>
+                </a:tc>
+                <a:extLst>
+                  <a:ext uri="{0D108BD9-81ED-4DB2-BD59-A6C34878D82A}">
+                    <a16:rowId xmlns:a16="http://schemas.microsoft.com/office/drawing/2014/main" val="798434366"/>
+                  </a:ext>
+                </a:extLst>
+              </a:tr>
+              <a:tr h="370840">
+                <a:tc>
+                  <a:txBody>
+                    <a:bodyPr/>
+                    <a:lstStyle/>
+                    <a:p>
+                      <a:r>
+                        <a:rPr lang="en-US" sz="2400" dirty="0" smtClean="0"/>
+                        <a:t>[2] = v</a:t>
+                      </a:r>
+                      <a:endParaRPr lang="en-US" sz="2400" dirty="0"/>
+                    </a:p>
+                  </a:txBody>
+                  <a:tcPr>
+                    <a:solidFill>
+                      <a:schemeClr val="accent6">
+                        <a:lumMod val="40000"/>
+                        <a:lumOff val="60000"/>
+                      </a:schemeClr>
+                    </a:solidFill>
+                  </a:tcPr>
+                </a:tc>
+                <a:extLst>
+                  <a:ext uri="{0D108BD9-81ED-4DB2-BD59-A6C34878D82A}">
+                    <a16:rowId xmlns:a16="http://schemas.microsoft.com/office/drawing/2014/main" val="2169252965"/>
+                  </a:ext>
+                </a:extLst>
+              </a:tr>
+              <a:tr h="370840">
+                <a:tc>
+                  <a:txBody>
+                    <a:bodyPr/>
+                    <a:lstStyle/>
+                    <a:p>
+                      <a:endParaRPr lang="en-US" sz="2400"/>
+                    </a:p>
+                  </a:txBody>
+                  <a:tcPr/>
+                </a:tc>
+                <a:extLst>
+                  <a:ext uri="{0D108BD9-81ED-4DB2-BD59-A6C34878D82A}">
+                    <a16:rowId xmlns:a16="http://schemas.microsoft.com/office/drawing/2014/main" val="1524533945"/>
+                  </a:ext>
+                </a:extLst>
+              </a:tr>
+              <a:tr h="370840">
+                <a:tc>
+                  <a:txBody>
+                    <a:bodyPr/>
+                    <a:lstStyle/>
+                    <a:p>
+                      <a:endParaRPr lang="en-US" sz="2400"/>
+                    </a:p>
+                  </a:txBody>
+                  <a:tcPr/>
+                </a:tc>
+                <a:extLst>
+                  <a:ext uri="{0D108BD9-81ED-4DB2-BD59-A6C34878D82A}">
+                    <a16:rowId xmlns:a16="http://schemas.microsoft.com/office/drawing/2014/main" val="409864673"/>
+                  </a:ext>
+                </a:extLst>
+              </a:tr>
+              <a:tr h="370840">
+                <a:tc>
+                  <a:txBody>
+                    <a:bodyPr/>
+                    <a:lstStyle/>
+                    <a:p>
+                      <a:endParaRPr lang="en-US" sz="2400"/>
+                    </a:p>
+                  </a:txBody>
+                  <a:tcPr/>
+                </a:tc>
+                <a:extLst>
+                  <a:ext uri="{0D108BD9-81ED-4DB2-BD59-A6C34878D82A}">
+                    <a16:rowId xmlns:a16="http://schemas.microsoft.com/office/drawing/2014/main" val="2991110043"/>
+                  </a:ext>
+                </a:extLst>
+              </a:tr>
+              <a:tr h="370840">
+                <a:tc>
+                  <a:txBody>
+                    <a:bodyPr/>
+                    <a:lstStyle/>
+                    <a:p>
+                      <a:endParaRPr lang="en-US" sz="2400"/>
+                    </a:p>
+                  </a:txBody>
+                  <a:tcPr/>
+                </a:tc>
+                <a:extLst>
+                  <a:ext uri="{0D108BD9-81ED-4DB2-BD59-A6C34878D82A}">
+                    <a16:rowId xmlns:a16="http://schemas.microsoft.com/office/drawing/2014/main" val="2186952955"/>
+                  </a:ext>
+                </a:extLst>
+              </a:tr>
+              <a:tr h="370840">
+                <a:tc>
+                  <a:txBody>
+                    <a:bodyPr/>
+                    <a:lstStyle/>
+                    <a:p>
+                      <a:endParaRPr lang="en-US" sz="2400" dirty="0"/>
+                    </a:p>
+                  </a:txBody>
+                  <a:tcPr/>
+                </a:tc>
+                <a:extLst>
+                  <a:ext uri="{0D108BD9-81ED-4DB2-BD59-A6C34878D82A}">
+                    <a16:rowId xmlns:a16="http://schemas.microsoft.com/office/drawing/2014/main" val="1603927885"/>
+                  </a:ext>
+                </a:extLst>
+              </a:tr>
+              <a:tr h="370840">
+                <a:tc>
+                  <a:txBody>
+                    <a:bodyPr/>
+                    <a:lstStyle/>
+                    <a:p>
+                      <a:endParaRPr lang="en-US" sz="2400" dirty="0"/>
+                    </a:p>
+                  </a:txBody>
+                  <a:tcPr/>
+                </a:tc>
+                <a:extLst>
+                  <a:ext uri="{0D108BD9-81ED-4DB2-BD59-A6C34878D82A}">
+                    <a16:rowId xmlns:a16="http://schemas.microsoft.com/office/drawing/2014/main" val="1920198281"/>
+                  </a:ext>
+                </a:extLst>
+              </a:tr>
+              <a:tr h="370840">
+                <a:tc>
+                  <a:txBody>
+                    <a:bodyPr/>
+                    <a:lstStyle/>
+                    <a:p>
+                      <a:endParaRPr lang="en-US" sz="2400" dirty="0"/>
+                    </a:p>
+                  </a:txBody>
+                  <a:tcPr/>
+                </a:tc>
+                <a:extLst>
+                  <a:ext uri="{0D108BD9-81ED-4DB2-BD59-A6C34878D82A}">
+                    <a16:rowId xmlns:a16="http://schemas.microsoft.com/office/drawing/2014/main" val="3322929971"/>
+                  </a:ext>
+                </a:extLst>
+              </a:tr>
+            </a:tbl>
+          </a:graphicData>
+        </a:graphic>
+      </p:graphicFrame>
+      <p:sp>
+        <p:nvSpPr>
+          <p:cNvPr id="6" name="TextBox 5"/>
+          <p:cNvSpPr txBox="1"/>
+          <p:nvPr/>
+        </p:nvSpPr>
+        <p:spPr>
+          <a:xfrm>
+            <a:off x="5444152" y="2703830"/>
+            <a:ext cx="6886501" cy="656590"/>
+          </a:xfrm>
+          <a:prstGeom prst="rect">
+            <a:avLst/>
+          </a:prstGeom>
+          <a:noFill/>
+          <a:ln w="12700" cap="flat">
+            <a:noFill/>
+            <a:miter lim="400000"/>
+          </a:ln>
+          <a:effectLst/>
+          <a:sp3d/>
+        </p:spPr>
+        <p:style>
+          <a:lnRef idx="0">
+            <a:scrgbClr r="0" g="0" b="0"/>
+          </a:lnRef>
+          <a:fillRef idx="0">
+            <a:scrgbClr r="0" g="0" b="0"/>
+          </a:fillRef>
+          <a:effectRef idx="0">
+            <a:scrgbClr r="0" g="0" b="0"/>
+          </a:effectRef>
+          <a:fontRef idx="none"/>
+        </p:style>
+        <p:txBody>
+          <a:bodyPr rot="0" spcFirstLastPara="1" vertOverflow="overflow" horzOverflow="overflow" vert="horz" wrap="none" lIns="50800" tIns="50800" rIns="50800" bIns="50800" numCol="1" spcCol="38100" rtlCol="0" anchor="ctr">
+            <a:spAutoFit/>
+          </a:bodyPr>
+          <a:lstStyle/>
+          <a:p>
+            <a:pPr marL="0" marR="0" indent="0" algn="ctr" defTabSz="584200" rtl="0" fontAlgn="auto" latinLnBrk="0" hangingPunct="0">
+              <a:lnSpc>
+                <a:spcPct val="100000"/>
+              </a:lnSpc>
+              <a:spcBef>
+                <a:spcPts val="0"/>
+              </a:spcBef>
+              <a:spcAft>
+                <a:spcPts val="0"/>
+              </a:spcAft>
+              <a:buClrTx/>
+              <a:buSzTx/>
+              <a:buFontTx/>
+              <a:buNone/>
+              <a:tabLst/>
+            </a:pPr>
+            <a:r>
+              <a:rPr kumimoji="0" lang="en-US" sz="3600" b="0" i="0" u="none" strike="noStrike" cap="none" spc="0" normalizeH="0" baseline="0" dirty="0" smtClean="0">
+                <a:ln>
+                  <a:noFill/>
+                </a:ln>
+                <a:solidFill>
+                  <a:srgbClr val="000000"/>
+                </a:solidFill>
+                <a:effectLst/>
+                <a:uFillTx/>
+                <a:latin typeface="+mn-lt"/>
+                <a:ea typeface="+mn-ea"/>
+                <a:cs typeface="+mn-cs"/>
+                <a:sym typeface="Helvetica Light"/>
+              </a:rPr>
+              <a:t>Internal array buffer of size M=10</a:t>
+            </a:r>
+            <a:endParaRPr kumimoji="0" lang="en-US" sz="3600" b="0" i="0" u="none" strike="noStrike" cap="none" spc="0" normalizeH="0" baseline="0" dirty="0">
+              <a:ln>
+                <a:noFill/>
+              </a:ln>
+              <a:solidFill>
+                <a:srgbClr val="000000"/>
+              </a:solidFill>
+              <a:effectLst/>
+              <a:uFillTx/>
+              <a:latin typeface="+mn-lt"/>
+              <a:ea typeface="+mn-ea"/>
+              <a:cs typeface="+mn-cs"/>
+              <a:sym typeface="Helvetica Light"/>
+            </a:endParaRPr>
+          </a:p>
+        </p:txBody>
+      </p:sp>
+    </p:spTree>
+    <p:extLst>
+      <p:ext uri="{BB962C8B-B14F-4D97-AF65-F5344CB8AC3E}">
+        <p14:creationId xmlns:p14="http://schemas.microsoft.com/office/powerpoint/2010/main" val="1801764282"/>
+      </p:ext>
+    </p:extLst>
+  </p:cSld>
+  <p:clrMapOvr>
+    <a:masterClrMapping/>
+  </p:clrMapOvr>
+  <p:transition spd="med"/>
+</p:sld>
+</file>
+
+<file path=ppt/slides/slide7.xml><?xml version="1.0" encoding="utf-8"?>
+<p:sld xmlns:a="http://schemas.openxmlformats.org/drawingml/2006/main" xmlns:r="http://schemas.openxmlformats.org/officeDocument/2006/relationships" xmlns:p="http://schemas.openxmlformats.org/presentationml/2006/main">
+  <p:cSld>
+    <p:spTree>
+      <p:nvGrpSpPr>
+        <p:cNvPr id="1" name=""/>
+        <p:cNvGrpSpPr/>
+        <p:nvPr/>
+      </p:nvGrpSpPr>
+      <p:grpSpPr>
+        <a:xfrm>
+          <a:off x="0" y="0"/>
+          <a:ext cx="0" cy="0"/>
+          <a:chOff x="0" y="0"/>
+          <a:chExt cx="0" cy="0"/>
+        </a:xfrm>
+      </p:grpSpPr>
+      <p:sp>
+        <p:nvSpPr>
+          <p:cNvPr id="2" name="Title 1"/>
+          <p:cNvSpPr>
+            <a:spLocks noGrp="1"/>
+          </p:cNvSpPr>
+          <p:nvPr>
+            <p:ph type="title"/>
+          </p:nvPr>
+        </p:nvSpPr>
+        <p:spPr/>
+        <p:txBody>
+          <a:bodyPr/>
+          <a:lstStyle/>
+          <a:p>
+            <a:r>
+              <a:rPr lang="en-US" dirty="0" smtClean="0"/>
+              <a:t>What About Collisions?</a:t>
+            </a:r>
+            <a:endParaRPr lang="en-US" dirty="0"/>
+          </a:p>
+        </p:txBody>
+      </p:sp>
+      <p:sp>
+        <p:nvSpPr>
+          <p:cNvPr id="4" name="Text Placeholder 2"/>
+          <p:cNvSpPr>
+            <a:spLocks noGrp="1"/>
+          </p:cNvSpPr>
+          <p:nvPr>
+            <p:ph type="body" idx="1"/>
+          </p:nvPr>
+        </p:nvSpPr>
+        <p:spPr>
+          <a:xfrm>
+            <a:off x="952500" y="2603499"/>
+            <a:ext cx="4374102" cy="6745773"/>
+          </a:xfrm>
+        </p:spPr>
+        <p:txBody>
+          <a:bodyPr/>
+          <a:lstStyle/>
+          <a:p>
+            <a:r>
+              <a:rPr lang="en-US" i="1" dirty="0"/>
+              <a:t>put</a:t>
+            </a:r>
+            <a:r>
+              <a:rPr lang="en-US" dirty="0"/>
+              <a:t>(“foo”, v</a:t>
+            </a:r>
+            <a:r>
+              <a:rPr lang="en-US" dirty="0" smtClean="0"/>
+              <a:t>)</a:t>
+            </a:r>
+          </a:p>
+          <a:p>
+            <a:r>
+              <a:rPr lang="en-US" dirty="0"/>
+              <a:t>p</a:t>
+            </a:r>
+            <a:r>
+              <a:rPr lang="en-US" dirty="0" smtClean="0"/>
+              <a:t>ut(“bar”, z)</a:t>
+            </a:r>
+          </a:p>
+          <a:p>
+            <a:r>
+              <a:rPr lang="en-US" dirty="0" smtClean="0"/>
+              <a:t>h(“foo”)=h(“bar”)</a:t>
+            </a:r>
+          </a:p>
+          <a:p>
+            <a:pPr lvl="1"/>
+            <a:r>
+              <a:rPr lang="en-US" dirty="0" err="1" smtClean="0"/>
+              <a:t>ie</a:t>
+            </a:r>
+            <a:r>
+              <a:rPr lang="en-US" dirty="0" smtClean="0"/>
+              <a:t>, collision due to same hash</a:t>
+            </a:r>
+          </a:p>
+          <a:p>
+            <a:r>
+              <a:rPr lang="en-US" dirty="0"/>
+              <a:t>h</a:t>
+            </a:r>
+            <a:r>
+              <a:rPr lang="en-US" dirty="0" smtClean="0"/>
+              <a:t>(“foo”)%10 = 2</a:t>
+            </a:r>
+          </a:p>
+          <a:p>
+            <a:r>
+              <a:rPr lang="en-US" dirty="0" smtClean="0"/>
+              <a:t>What to do?</a:t>
+            </a:r>
+          </a:p>
+        </p:txBody>
+      </p:sp>
+      <p:graphicFrame>
+        <p:nvGraphicFramePr>
+          <p:cNvPr id="5" name="Table 4"/>
+          <p:cNvGraphicFramePr>
+            <a:graphicFrameLocks noGrp="1"/>
+          </p:cNvGraphicFramePr>
+          <p:nvPr>
+            <p:extLst>
+              <p:ext uri="{D42A27DB-BD31-4B8C-83A1-F6EECF244321}">
+                <p14:modId xmlns:p14="http://schemas.microsoft.com/office/powerpoint/2010/main" val="4254269038"/>
+              </p:ext>
+            </p:extLst>
+          </p:nvPr>
+        </p:nvGraphicFramePr>
+        <p:xfrm>
+          <a:off x="8194940" y="3460750"/>
+          <a:ext cx="1384916" cy="4572000"/>
+        </p:xfrm>
+        <a:graphic>
+          <a:graphicData uri="http://schemas.openxmlformats.org/drawingml/2006/table">
+            <a:tbl>
+              <a:tblPr firstRow="1" bandRow="1">
+                <a:tableStyleId>{5940675A-B579-460E-94D1-54222C63F5DA}</a:tableStyleId>
+              </a:tblPr>
+              <a:tblGrid>
+                <a:gridCol w="1384916">
+                  <a:extLst>
+                    <a:ext uri="{9D8B030D-6E8A-4147-A177-3AD203B41FA5}">
+                      <a16:colId xmlns:a16="http://schemas.microsoft.com/office/drawing/2014/main" val="4160022659"/>
+                    </a:ext>
+                  </a:extLst>
+                </a:gridCol>
+              </a:tblGrid>
+              <a:tr h="370840">
+                <a:tc>
+                  <a:txBody>
+                    <a:bodyPr/>
+                    <a:lstStyle/>
+                    <a:p>
+                      <a:endParaRPr lang="en-US" sz="2400" dirty="0"/>
+                    </a:p>
+                  </a:txBody>
+                  <a:tcPr/>
+                </a:tc>
+                <a:extLst>
+                  <a:ext uri="{0D108BD9-81ED-4DB2-BD59-A6C34878D82A}">
+                    <a16:rowId xmlns:a16="http://schemas.microsoft.com/office/drawing/2014/main" val="4282801958"/>
+                  </a:ext>
+                </a:extLst>
+              </a:tr>
+              <a:tr h="370840">
+                <a:tc>
+                  <a:txBody>
+                    <a:bodyPr/>
+                    <a:lstStyle/>
+                    <a:p>
+                      <a:endParaRPr lang="en-US" sz="2400"/>
+                    </a:p>
+                  </a:txBody>
+                  <a:tcPr/>
+                </a:tc>
+                <a:extLst>
+                  <a:ext uri="{0D108BD9-81ED-4DB2-BD59-A6C34878D82A}">
+                    <a16:rowId xmlns:a16="http://schemas.microsoft.com/office/drawing/2014/main" val="798434366"/>
+                  </a:ext>
+                </a:extLst>
+              </a:tr>
+              <a:tr h="370840">
+                <a:tc>
+                  <a:txBody>
+                    <a:bodyPr/>
+                    <a:lstStyle/>
+                    <a:p>
+                      <a:r>
+                        <a:rPr lang="en-US" sz="2400" dirty="0" smtClean="0"/>
+                        <a:t>v or z?</a:t>
+                      </a:r>
+                      <a:endParaRPr lang="en-US" sz="2400" dirty="0"/>
+                    </a:p>
+                  </a:txBody>
+                  <a:tcPr>
+                    <a:solidFill>
+                      <a:schemeClr val="accent6">
+                        <a:lumMod val="40000"/>
+                        <a:lumOff val="60000"/>
+                      </a:schemeClr>
+                    </a:solidFill>
+                  </a:tcPr>
+                </a:tc>
+                <a:extLst>
+                  <a:ext uri="{0D108BD9-81ED-4DB2-BD59-A6C34878D82A}">
+                    <a16:rowId xmlns:a16="http://schemas.microsoft.com/office/drawing/2014/main" val="2169252965"/>
+                  </a:ext>
+                </a:extLst>
+              </a:tr>
+              <a:tr h="370840">
+                <a:tc>
+                  <a:txBody>
+                    <a:bodyPr/>
+                    <a:lstStyle/>
+                    <a:p>
+                      <a:endParaRPr lang="en-US" sz="2400"/>
+                    </a:p>
+                  </a:txBody>
+                  <a:tcPr/>
+                </a:tc>
+                <a:extLst>
+                  <a:ext uri="{0D108BD9-81ED-4DB2-BD59-A6C34878D82A}">
+                    <a16:rowId xmlns:a16="http://schemas.microsoft.com/office/drawing/2014/main" val="1524533945"/>
+                  </a:ext>
+                </a:extLst>
+              </a:tr>
+              <a:tr h="370840">
+                <a:tc>
+                  <a:txBody>
+                    <a:bodyPr/>
+                    <a:lstStyle/>
+                    <a:p>
+                      <a:endParaRPr lang="en-US" sz="2400"/>
+                    </a:p>
+                  </a:txBody>
+                  <a:tcPr/>
+                </a:tc>
+                <a:extLst>
+                  <a:ext uri="{0D108BD9-81ED-4DB2-BD59-A6C34878D82A}">
+                    <a16:rowId xmlns:a16="http://schemas.microsoft.com/office/drawing/2014/main" val="409864673"/>
+                  </a:ext>
+                </a:extLst>
+              </a:tr>
+              <a:tr h="370840">
+                <a:tc>
+                  <a:txBody>
+                    <a:bodyPr/>
+                    <a:lstStyle/>
+                    <a:p>
+                      <a:endParaRPr lang="en-US" sz="2400"/>
+                    </a:p>
+                  </a:txBody>
+                  <a:tcPr/>
+                </a:tc>
+                <a:extLst>
+                  <a:ext uri="{0D108BD9-81ED-4DB2-BD59-A6C34878D82A}">
+                    <a16:rowId xmlns:a16="http://schemas.microsoft.com/office/drawing/2014/main" val="2991110043"/>
+                  </a:ext>
+                </a:extLst>
+              </a:tr>
+              <a:tr h="370840">
+                <a:tc>
+                  <a:txBody>
+                    <a:bodyPr/>
+                    <a:lstStyle/>
+                    <a:p>
+                      <a:endParaRPr lang="en-US" sz="2400"/>
+                    </a:p>
+                  </a:txBody>
+                  <a:tcPr/>
+                </a:tc>
+                <a:extLst>
+                  <a:ext uri="{0D108BD9-81ED-4DB2-BD59-A6C34878D82A}">
+                    <a16:rowId xmlns:a16="http://schemas.microsoft.com/office/drawing/2014/main" val="2186952955"/>
+                  </a:ext>
+                </a:extLst>
+              </a:tr>
+              <a:tr h="370840">
+                <a:tc>
+                  <a:txBody>
+                    <a:bodyPr/>
+                    <a:lstStyle/>
+                    <a:p>
+                      <a:endParaRPr lang="en-US" sz="2400" dirty="0"/>
+                    </a:p>
+                  </a:txBody>
+                  <a:tcPr/>
+                </a:tc>
+                <a:extLst>
+                  <a:ext uri="{0D108BD9-81ED-4DB2-BD59-A6C34878D82A}">
+                    <a16:rowId xmlns:a16="http://schemas.microsoft.com/office/drawing/2014/main" val="1603927885"/>
+                  </a:ext>
+                </a:extLst>
+              </a:tr>
+              <a:tr h="370840">
+                <a:tc>
+                  <a:txBody>
+                    <a:bodyPr/>
+                    <a:lstStyle/>
+                    <a:p>
+                      <a:endParaRPr lang="en-US" sz="2400" dirty="0"/>
+                    </a:p>
+                  </a:txBody>
+                  <a:tcPr/>
+                </a:tc>
+                <a:extLst>
+                  <a:ext uri="{0D108BD9-81ED-4DB2-BD59-A6C34878D82A}">
+                    <a16:rowId xmlns:a16="http://schemas.microsoft.com/office/drawing/2014/main" val="1920198281"/>
+                  </a:ext>
+                </a:extLst>
+              </a:tr>
+              <a:tr h="370840">
+                <a:tc>
+                  <a:txBody>
+                    <a:bodyPr/>
+                    <a:lstStyle/>
+                    <a:p>
+                      <a:endParaRPr lang="en-US" sz="2400" dirty="0"/>
+                    </a:p>
+                  </a:txBody>
+                  <a:tcPr/>
+                </a:tc>
+                <a:extLst>
+                  <a:ext uri="{0D108BD9-81ED-4DB2-BD59-A6C34878D82A}">
+                    <a16:rowId xmlns:a16="http://schemas.microsoft.com/office/drawing/2014/main" val="3322929971"/>
+                  </a:ext>
+                </a:extLst>
+              </a:tr>
+            </a:tbl>
+          </a:graphicData>
+        </a:graphic>
+      </p:graphicFrame>
+      <p:sp>
+        <p:nvSpPr>
+          <p:cNvPr id="6" name="TextBox 5"/>
+          <p:cNvSpPr txBox="1"/>
+          <p:nvPr/>
+        </p:nvSpPr>
+        <p:spPr>
+          <a:xfrm>
+            <a:off x="5444152" y="2703830"/>
+            <a:ext cx="6886501" cy="656590"/>
+          </a:xfrm>
+          <a:prstGeom prst="rect">
+            <a:avLst/>
+          </a:prstGeom>
+          <a:noFill/>
+          <a:ln w="12700" cap="flat">
+            <a:noFill/>
+            <a:miter lim="400000"/>
+          </a:ln>
+          <a:effectLst/>
+          <a:sp3d/>
+        </p:spPr>
+        <p:style>
+          <a:lnRef idx="0">
+            <a:scrgbClr r="0" g="0" b="0"/>
+          </a:lnRef>
+          <a:fillRef idx="0">
+            <a:scrgbClr r="0" g="0" b="0"/>
+          </a:fillRef>
+          <a:effectRef idx="0">
+            <a:scrgbClr r="0" g="0" b="0"/>
+          </a:effectRef>
+          <a:fontRef idx="none"/>
+        </p:style>
+        <p:txBody>
+          <a:bodyPr rot="0" spcFirstLastPara="1" vertOverflow="overflow" horzOverflow="overflow" vert="horz" wrap="none" lIns="50800" tIns="50800" rIns="50800" bIns="50800" numCol="1" spcCol="38100" rtlCol="0" anchor="ctr">
+            <a:spAutoFit/>
+          </a:bodyPr>
+          <a:lstStyle/>
+          <a:p>
+            <a:pPr marL="0" marR="0" indent="0" algn="ctr" defTabSz="584200" rtl="0" fontAlgn="auto" latinLnBrk="0" hangingPunct="0">
+              <a:lnSpc>
+                <a:spcPct val="100000"/>
+              </a:lnSpc>
+              <a:spcBef>
+                <a:spcPts val="0"/>
+              </a:spcBef>
+              <a:spcAft>
+                <a:spcPts val="0"/>
+              </a:spcAft>
+              <a:buClrTx/>
+              <a:buSzTx/>
+              <a:buFontTx/>
+              <a:buNone/>
+              <a:tabLst/>
+            </a:pPr>
+            <a:r>
+              <a:rPr kumimoji="0" lang="en-US" sz="3600" b="0" i="0" u="none" strike="noStrike" cap="none" spc="0" normalizeH="0" baseline="0" dirty="0" smtClean="0">
+                <a:ln>
+                  <a:noFill/>
+                </a:ln>
+                <a:solidFill>
+                  <a:srgbClr val="000000"/>
+                </a:solidFill>
+                <a:effectLst/>
+                <a:uFillTx/>
+                <a:latin typeface="+mn-lt"/>
+                <a:ea typeface="+mn-ea"/>
+                <a:cs typeface="+mn-cs"/>
+                <a:sym typeface="Helvetica Light"/>
+              </a:rPr>
+              <a:t>Internal array buffer of size M=10</a:t>
+            </a:r>
+            <a:endParaRPr kumimoji="0" lang="en-US" sz="3600" b="0" i="0" u="none" strike="noStrike" cap="none" spc="0" normalizeH="0" baseline="0" dirty="0">
+              <a:ln>
+                <a:noFill/>
+              </a:ln>
+              <a:solidFill>
+                <a:srgbClr val="000000"/>
+              </a:solidFill>
+              <a:effectLst/>
+              <a:uFillTx/>
+              <a:latin typeface="+mn-lt"/>
+              <a:ea typeface="+mn-ea"/>
+              <a:cs typeface="+mn-cs"/>
+              <a:sym typeface="Helvetica Light"/>
+            </a:endParaRPr>
+          </a:p>
+        </p:txBody>
+      </p:sp>
+    </p:spTree>
+    <p:extLst>
+      <p:ext uri="{BB962C8B-B14F-4D97-AF65-F5344CB8AC3E}">
+        <p14:creationId xmlns:p14="http://schemas.microsoft.com/office/powerpoint/2010/main" val="3324450203"/>
+      </p:ext>
+    </p:extLst>
+  </p:cSld>
+  <p:clrMapOvr>
+    <a:masterClrMapping/>
+  </p:clrMapOvr>
+  <p:transition spd="med"/>
+</p:sld>
+</file>
+
+<file path=ppt/slides/slide8.xml><?xml version="1.0" encoding="utf-8"?>
+<p:sld xmlns:a="http://schemas.openxmlformats.org/drawingml/2006/main" xmlns:r="http://schemas.openxmlformats.org/officeDocument/2006/relationships" xmlns:p="http://schemas.openxmlformats.org/presentationml/2006/main">
+  <p:cSld>
+    <p:spTree>
+      <p:nvGrpSpPr>
+        <p:cNvPr id="1" name=""/>
+        <p:cNvGrpSpPr/>
+        <p:nvPr/>
+      </p:nvGrpSpPr>
+      <p:grpSpPr>
+        <a:xfrm>
+          <a:off x="0" y="0"/>
+          <a:ext cx="0" cy="0"/>
+          <a:chOff x="0" y="0"/>
+          <a:chExt cx="0" cy="0"/>
+        </a:xfrm>
+      </p:grpSpPr>
+      <p:sp>
+        <p:nvSpPr>
+          <p:cNvPr id="2" name="Title 1"/>
+          <p:cNvSpPr>
+            <a:spLocks noGrp="1"/>
+          </p:cNvSpPr>
+          <p:nvPr>
+            <p:ph type="title"/>
+          </p:nvPr>
+        </p:nvSpPr>
+        <p:spPr/>
+        <p:txBody>
+          <a:bodyPr/>
+          <a:lstStyle/>
+          <a:p>
+            <a:r>
+              <a:rPr lang="en-US" dirty="0" smtClean="0"/>
+              <a:t>Different Strategies</a:t>
+            </a:r>
+            <a:endParaRPr lang="en-US" dirty="0"/>
+          </a:p>
+        </p:txBody>
+      </p:sp>
+      <p:sp>
+        <p:nvSpPr>
+          <p:cNvPr id="4" name="Text Placeholder 2"/>
+          <p:cNvSpPr>
+            <a:spLocks noGrp="1"/>
+          </p:cNvSpPr>
+          <p:nvPr>
+            <p:ph type="body" idx="1"/>
+          </p:nvPr>
+        </p:nvSpPr>
+        <p:spPr>
+          <a:xfrm>
+            <a:off x="952500" y="2603499"/>
+            <a:ext cx="4374102" cy="6745773"/>
+          </a:xfrm>
+        </p:spPr>
+        <p:txBody>
+          <a:bodyPr/>
+          <a:lstStyle/>
+          <a:p>
+            <a:r>
+              <a:rPr lang="en-US" i="1" dirty="0"/>
+              <a:t>put</a:t>
+            </a:r>
+            <a:r>
+              <a:rPr lang="en-US" dirty="0"/>
+              <a:t>(“foo”, v</a:t>
+            </a:r>
+            <a:r>
+              <a:rPr lang="en-US" dirty="0" smtClean="0"/>
+              <a:t>)</a:t>
+            </a:r>
+          </a:p>
+          <a:p>
+            <a:r>
+              <a:rPr lang="en-US" dirty="0"/>
+              <a:t>p</a:t>
+            </a:r>
+            <a:r>
+              <a:rPr lang="en-US" dirty="0" smtClean="0"/>
+              <a:t>ut(“bar”, z)</a:t>
+            </a:r>
+          </a:p>
+          <a:p>
+            <a:r>
+              <a:rPr lang="en-US" dirty="0" smtClean="0"/>
+              <a:t>h(“foo”)=h(“bar”)</a:t>
+            </a:r>
+          </a:p>
+          <a:p>
+            <a:pPr lvl="1"/>
+            <a:r>
+              <a:rPr lang="en-US" dirty="0" err="1" smtClean="0"/>
+              <a:t>ie</a:t>
+            </a:r>
+            <a:r>
+              <a:rPr lang="en-US" dirty="0" smtClean="0"/>
+              <a:t>, collision due to same hash</a:t>
+            </a:r>
+          </a:p>
+          <a:p>
+            <a:r>
+              <a:rPr lang="en-US" dirty="0" smtClean="0"/>
+              <a:t>Use list at each position sharing same hash</a:t>
+            </a:r>
+          </a:p>
+        </p:txBody>
+      </p:sp>
+      <p:graphicFrame>
+        <p:nvGraphicFramePr>
+          <p:cNvPr id="5" name="Table 4"/>
+          <p:cNvGraphicFramePr>
+            <a:graphicFrameLocks noGrp="1"/>
+          </p:cNvGraphicFramePr>
+          <p:nvPr>
+            <p:extLst>
+              <p:ext uri="{D42A27DB-BD31-4B8C-83A1-F6EECF244321}">
+                <p14:modId xmlns:p14="http://schemas.microsoft.com/office/powerpoint/2010/main" val="3749869819"/>
+              </p:ext>
+            </p:extLst>
+          </p:nvPr>
+        </p:nvGraphicFramePr>
+        <p:xfrm>
+          <a:off x="6612077" y="3690386"/>
+          <a:ext cx="1384916" cy="4572000"/>
+        </p:xfrm>
+        <a:graphic>
+          <a:graphicData uri="http://schemas.openxmlformats.org/drawingml/2006/table">
+            <a:tbl>
+              <a:tblPr firstRow="1" bandRow="1">
+                <a:tableStyleId>{5940675A-B579-460E-94D1-54222C63F5DA}</a:tableStyleId>
+              </a:tblPr>
+              <a:tblGrid>
+                <a:gridCol w="1384916">
+                  <a:extLst>
+                    <a:ext uri="{9D8B030D-6E8A-4147-A177-3AD203B41FA5}">
+                      <a16:colId xmlns:a16="http://schemas.microsoft.com/office/drawing/2014/main" val="4160022659"/>
+                    </a:ext>
+                  </a:extLst>
+                </a:gridCol>
+              </a:tblGrid>
+              <a:tr h="370840">
+                <a:tc>
+                  <a:txBody>
+                    <a:bodyPr/>
+                    <a:lstStyle/>
+                    <a:p>
+                      <a:endParaRPr lang="en-US" sz="2400" dirty="0"/>
+                    </a:p>
+                  </a:txBody>
+                  <a:tcPr/>
+                </a:tc>
+                <a:extLst>
+                  <a:ext uri="{0D108BD9-81ED-4DB2-BD59-A6C34878D82A}">
+                    <a16:rowId xmlns:a16="http://schemas.microsoft.com/office/drawing/2014/main" val="4282801958"/>
+                  </a:ext>
+                </a:extLst>
+              </a:tr>
+              <a:tr h="370840">
+                <a:tc>
+                  <a:txBody>
+                    <a:bodyPr/>
+                    <a:lstStyle/>
+                    <a:p>
+                      <a:endParaRPr lang="en-US" sz="2400"/>
+                    </a:p>
+                  </a:txBody>
+                  <a:tcPr/>
+                </a:tc>
+                <a:extLst>
+                  <a:ext uri="{0D108BD9-81ED-4DB2-BD59-A6C34878D82A}">
+                    <a16:rowId xmlns:a16="http://schemas.microsoft.com/office/drawing/2014/main" val="798434366"/>
+                  </a:ext>
+                </a:extLst>
+              </a:tr>
+              <a:tr h="370840">
+                <a:tc>
+                  <a:txBody>
+                    <a:bodyPr/>
+                    <a:lstStyle/>
+                    <a:p>
+                      <a:endParaRPr lang="en-US" sz="2400" dirty="0"/>
+                    </a:p>
+                  </a:txBody>
+                  <a:tcPr>
+                    <a:solidFill>
+                      <a:schemeClr val="accent6">
+                        <a:lumMod val="40000"/>
+                        <a:lumOff val="60000"/>
+                      </a:schemeClr>
+                    </a:solidFill>
+                  </a:tcPr>
+                </a:tc>
+                <a:extLst>
+                  <a:ext uri="{0D108BD9-81ED-4DB2-BD59-A6C34878D82A}">
+                    <a16:rowId xmlns:a16="http://schemas.microsoft.com/office/drawing/2014/main" val="2169252965"/>
+                  </a:ext>
+                </a:extLst>
+              </a:tr>
+              <a:tr h="370840">
+                <a:tc>
+                  <a:txBody>
+                    <a:bodyPr/>
+                    <a:lstStyle/>
+                    <a:p>
+                      <a:endParaRPr lang="en-US" sz="2400"/>
+                    </a:p>
+                  </a:txBody>
+                  <a:tcPr/>
+                </a:tc>
+                <a:extLst>
+                  <a:ext uri="{0D108BD9-81ED-4DB2-BD59-A6C34878D82A}">
+                    <a16:rowId xmlns:a16="http://schemas.microsoft.com/office/drawing/2014/main" val="1524533945"/>
+                  </a:ext>
+                </a:extLst>
+              </a:tr>
+              <a:tr h="370840">
+                <a:tc>
+                  <a:txBody>
+                    <a:bodyPr/>
+                    <a:lstStyle/>
+                    <a:p>
+                      <a:endParaRPr lang="en-US" sz="2400"/>
+                    </a:p>
+                  </a:txBody>
+                  <a:tcPr/>
+                </a:tc>
+                <a:extLst>
+                  <a:ext uri="{0D108BD9-81ED-4DB2-BD59-A6C34878D82A}">
+                    <a16:rowId xmlns:a16="http://schemas.microsoft.com/office/drawing/2014/main" val="409864673"/>
+                  </a:ext>
+                </a:extLst>
+              </a:tr>
+              <a:tr h="370840">
+                <a:tc>
+                  <a:txBody>
+                    <a:bodyPr/>
+                    <a:lstStyle/>
+                    <a:p>
+                      <a:endParaRPr lang="en-US" sz="2400"/>
+                    </a:p>
+                  </a:txBody>
+                  <a:tcPr/>
+                </a:tc>
+                <a:extLst>
+                  <a:ext uri="{0D108BD9-81ED-4DB2-BD59-A6C34878D82A}">
+                    <a16:rowId xmlns:a16="http://schemas.microsoft.com/office/drawing/2014/main" val="2991110043"/>
+                  </a:ext>
+                </a:extLst>
+              </a:tr>
+              <a:tr h="370840">
+                <a:tc>
+                  <a:txBody>
+                    <a:bodyPr/>
+                    <a:lstStyle/>
+                    <a:p>
+                      <a:endParaRPr lang="en-US" sz="2400"/>
+                    </a:p>
+                  </a:txBody>
+                  <a:tcPr/>
+                </a:tc>
+                <a:extLst>
+                  <a:ext uri="{0D108BD9-81ED-4DB2-BD59-A6C34878D82A}">
+                    <a16:rowId xmlns:a16="http://schemas.microsoft.com/office/drawing/2014/main" val="2186952955"/>
+                  </a:ext>
+                </a:extLst>
+              </a:tr>
+              <a:tr h="370840">
+                <a:tc>
+                  <a:txBody>
+                    <a:bodyPr/>
+                    <a:lstStyle/>
+                    <a:p>
+                      <a:endParaRPr lang="en-US" sz="2400" dirty="0"/>
+                    </a:p>
+                  </a:txBody>
+                  <a:tcPr/>
+                </a:tc>
+                <a:extLst>
+                  <a:ext uri="{0D108BD9-81ED-4DB2-BD59-A6C34878D82A}">
+                    <a16:rowId xmlns:a16="http://schemas.microsoft.com/office/drawing/2014/main" val="1603927885"/>
+                  </a:ext>
+                </a:extLst>
+              </a:tr>
+              <a:tr h="370840">
+                <a:tc>
+                  <a:txBody>
+                    <a:bodyPr/>
+                    <a:lstStyle/>
+                    <a:p>
+                      <a:endParaRPr lang="en-US" sz="2400" dirty="0"/>
+                    </a:p>
+                  </a:txBody>
+                  <a:tcPr/>
+                </a:tc>
+                <a:extLst>
+                  <a:ext uri="{0D108BD9-81ED-4DB2-BD59-A6C34878D82A}">
+                    <a16:rowId xmlns:a16="http://schemas.microsoft.com/office/drawing/2014/main" val="1920198281"/>
+                  </a:ext>
+                </a:extLst>
+              </a:tr>
+              <a:tr h="370840">
+                <a:tc>
+                  <a:txBody>
+                    <a:bodyPr/>
+                    <a:lstStyle/>
+                    <a:p>
+                      <a:endParaRPr lang="en-US" sz="2400" dirty="0"/>
+                    </a:p>
+                  </a:txBody>
+                  <a:tcPr/>
+                </a:tc>
+                <a:extLst>
+                  <a:ext uri="{0D108BD9-81ED-4DB2-BD59-A6C34878D82A}">
+                    <a16:rowId xmlns:a16="http://schemas.microsoft.com/office/drawing/2014/main" val="3322929971"/>
+                  </a:ext>
+                </a:extLst>
+              </a:tr>
+            </a:tbl>
+          </a:graphicData>
+        </a:graphic>
+      </p:graphicFrame>
+      <p:sp>
+        <p:nvSpPr>
+          <p:cNvPr id="6" name="TextBox 5"/>
+          <p:cNvSpPr txBox="1"/>
+          <p:nvPr/>
+        </p:nvSpPr>
+        <p:spPr>
+          <a:xfrm>
+            <a:off x="5444152" y="2703830"/>
+            <a:ext cx="6886501" cy="656590"/>
+          </a:xfrm>
+          <a:prstGeom prst="rect">
+            <a:avLst/>
+          </a:prstGeom>
+          <a:noFill/>
+          <a:ln w="12700" cap="flat">
+            <a:noFill/>
+            <a:miter lim="400000"/>
+          </a:ln>
+          <a:effectLst/>
+          <a:sp3d/>
+        </p:spPr>
+        <p:style>
+          <a:lnRef idx="0">
+            <a:scrgbClr r="0" g="0" b="0"/>
+          </a:lnRef>
+          <a:fillRef idx="0">
+            <a:scrgbClr r="0" g="0" b="0"/>
+          </a:fillRef>
+          <a:effectRef idx="0">
+            <a:scrgbClr r="0" g="0" b="0"/>
+          </a:effectRef>
+          <a:fontRef idx="none"/>
+        </p:style>
+        <p:txBody>
+          <a:bodyPr rot="0" spcFirstLastPara="1" vertOverflow="overflow" horzOverflow="overflow" vert="horz" wrap="none" lIns="50800" tIns="50800" rIns="50800" bIns="50800" numCol="1" spcCol="38100" rtlCol="0" anchor="ctr">
+            <a:spAutoFit/>
+          </a:bodyPr>
+          <a:lstStyle/>
+          <a:p>
+            <a:pPr marL="0" marR="0" indent="0" algn="ctr" defTabSz="584200" rtl="0" fontAlgn="auto" latinLnBrk="0" hangingPunct="0">
+              <a:lnSpc>
+                <a:spcPct val="100000"/>
+              </a:lnSpc>
+              <a:spcBef>
+                <a:spcPts val="0"/>
+              </a:spcBef>
+              <a:spcAft>
+                <a:spcPts val="0"/>
+              </a:spcAft>
+              <a:buClrTx/>
+              <a:buSzTx/>
+              <a:buFontTx/>
+              <a:buNone/>
+              <a:tabLst/>
+            </a:pPr>
+            <a:r>
+              <a:rPr kumimoji="0" lang="en-US" sz="3600" b="0" i="0" u="none" strike="noStrike" cap="none" spc="0" normalizeH="0" baseline="0" dirty="0" smtClean="0">
+                <a:ln>
+                  <a:noFill/>
+                </a:ln>
+                <a:solidFill>
+                  <a:srgbClr val="000000"/>
+                </a:solidFill>
+                <a:effectLst/>
+                <a:uFillTx/>
+                <a:latin typeface="+mn-lt"/>
+                <a:ea typeface="+mn-ea"/>
+                <a:cs typeface="+mn-cs"/>
+                <a:sym typeface="Helvetica Light"/>
+              </a:rPr>
+              <a:t>Internal array buffer of size M=10</a:t>
+            </a:r>
+            <a:endParaRPr kumimoji="0" lang="en-US" sz="3600" b="0" i="0" u="none" strike="noStrike" cap="none" spc="0" normalizeH="0" baseline="0" dirty="0">
+              <a:ln>
+                <a:noFill/>
+              </a:ln>
+              <a:solidFill>
+                <a:srgbClr val="000000"/>
+              </a:solidFill>
+              <a:effectLst/>
+              <a:uFillTx/>
+              <a:latin typeface="+mn-lt"/>
+              <a:ea typeface="+mn-ea"/>
+              <a:cs typeface="+mn-cs"/>
+              <a:sym typeface="Helvetica Light"/>
+            </a:endParaRPr>
+          </a:p>
+        </p:txBody>
+      </p:sp>
+      <p:sp>
+        <p:nvSpPr>
+          <p:cNvPr id="7" name="Oval 6"/>
+          <p:cNvSpPr/>
+          <p:nvPr/>
+        </p:nvSpPr>
+        <p:spPr>
+          <a:xfrm>
+            <a:off x="8538249" y="4487454"/>
+            <a:ext cx="698305" cy="663615"/>
+          </a:xfrm>
+          <a:prstGeom prst="ellipse">
+            <a:avLst/>
+          </a:prstGeom>
+          <a:solidFill>
+            <a:schemeClr val="accent3"/>
+          </a:solidFill>
+          <a:ln w="12700" cap="flat">
+            <a:noFill/>
+            <a:miter lim="400000"/>
+          </a:ln>
+          <a:effectLst>
+            <a:outerShdw blurRad="38100" dist="25400" dir="5400000" rotWithShape="0">
+              <a:srgbClr val="000000">
+                <a:alpha val="50000"/>
+              </a:srgbClr>
+            </a:outerShdw>
+          </a:effectLst>
+          <a:sp3d/>
+        </p:spPr>
+        <p:style>
+          <a:lnRef idx="0">
+            <a:scrgbClr r="0" g="0" b="0"/>
+          </a:lnRef>
+          <a:fillRef idx="0">
+            <a:scrgbClr r="0" g="0" b="0"/>
+          </a:fillRef>
+          <a:effectRef idx="0">
+            <a:scrgbClr r="0" g="0" b="0"/>
+          </a:effectRef>
+          <a:fontRef idx="none"/>
+        </p:style>
+        <p:txBody>
+          <a:bodyPr rot="0" spcFirstLastPara="1" vertOverflow="overflow" horzOverflow="overflow" vert="horz" wrap="square" lIns="50800" tIns="50800" rIns="50800" bIns="50800" numCol="1" spcCol="38100" rtlCol="0" anchor="ctr">
+            <a:spAutoFit/>
+          </a:bodyPr>
+          <a:lstStyle/>
+          <a:p>
+            <a:pPr marL="0" marR="0" indent="0" algn="ctr" defTabSz="584200" rtl="0" fontAlgn="auto" latinLnBrk="0" hangingPunct="0">
+              <a:lnSpc>
+                <a:spcPct val="100000"/>
+              </a:lnSpc>
+              <a:spcBef>
+                <a:spcPts val="0"/>
+              </a:spcBef>
+              <a:spcAft>
+                <a:spcPts val="0"/>
+              </a:spcAft>
+              <a:buClrTx/>
+              <a:buSzTx/>
+              <a:buFontTx/>
+              <a:buNone/>
+              <a:tabLst/>
+            </a:pPr>
+            <a:r>
+              <a:rPr kumimoji="0" lang="en-US" sz="2400" b="0" i="0" u="none" strike="noStrike" cap="none" spc="0" normalizeH="0" baseline="0" dirty="0" smtClean="0">
+                <a:ln>
+                  <a:noFill/>
+                </a:ln>
+                <a:solidFill>
+                  <a:schemeClr val="tx1"/>
+                </a:solidFill>
+                <a:effectLst/>
+                <a:uFillTx/>
+                <a:latin typeface="+mn-lt"/>
+                <a:ea typeface="+mn-ea"/>
+                <a:cs typeface="+mn-cs"/>
+                <a:sym typeface="Helvetica Light"/>
+              </a:rPr>
+              <a:t>v</a:t>
+            </a:r>
+            <a:endParaRPr kumimoji="0" lang="en-US" sz="2400" b="0" i="0" u="none" strike="noStrike" cap="none" spc="0" normalizeH="0" baseline="0" dirty="0">
+              <a:ln>
+                <a:noFill/>
+              </a:ln>
+              <a:solidFill>
+                <a:schemeClr val="tx1"/>
+              </a:solidFill>
+              <a:effectLst/>
+              <a:uFillTx/>
+              <a:latin typeface="+mn-lt"/>
+              <a:ea typeface="+mn-ea"/>
+              <a:cs typeface="+mn-cs"/>
+              <a:sym typeface="Helvetica Light"/>
+            </a:endParaRPr>
+          </a:p>
+        </p:txBody>
+      </p:sp>
+      <p:sp>
+        <p:nvSpPr>
+          <p:cNvPr id="8" name="Oval 7"/>
+          <p:cNvSpPr/>
+          <p:nvPr/>
+        </p:nvSpPr>
+        <p:spPr>
+          <a:xfrm>
+            <a:off x="9744269" y="4487454"/>
+            <a:ext cx="698305" cy="663615"/>
+          </a:xfrm>
+          <a:prstGeom prst="ellipse">
+            <a:avLst/>
+          </a:prstGeom>
+          <a:solidFill>
+            <a:schemeClr val="accent3"/>
+          </a:solidFill>
+          <a:ln w="12700" cap="flat">
+            <a:noFill/>
+            <a:miter lim="400000"/>
+          </a:ln>
+          <a:effectLst>
+            <a:outerShdw blurRad="38100" dist="25400" dir="5400000" rotWithShape="0">
+              <a:srgbClr val="000000">
+                <a:alpha val="50000"/>
+              </a:srgbClr>
+            </a:outerShdw>
+          </a:effectLst>
+          <a:sp3d/>
+        </p:spPr>
+        <p:style>
+          <a:lnRef idx="0">
+            <a:scrgbClr r="0" g="0" b="0"/>
+          </a:lnRef>
+          <a:fillRef idx="0">
+            <a:scrgbClr r="0" g="0" b="0"/>
+          </a:fillRef>
+          <a:effectRef idx="0">
+            <a:scrgbClr r="0" g="0" b="0"/>
+          </a:effectRef>
+          <a:fontRef idx="none"/>
+        </p:style>
+        <p:txBody>
+          <a:bodyPr rot="0" spcFirstLastPara="1" vertOverflow="overflow" horzOverflow="overflow" vert="horz" wrap="square" lIns="50800" tIns="50800" rIns="50800" bIns="50800" numCol="1" spcCol="38100" rtlCol="0" anchor="ctr">
+            <a:spAutoFit/>
+          </a:bodyPr>
+          <a:lstStyle/>
+          <a:p>
+            <a:pPr marL="0" marR="0" indent="0" algn="ctr" defTabSz="584200" rtl="0" fontAlgn="auto" latinLnBrk="0" hangingPunct="0">
+              <a:lnSpc>
+                <a:spcPct val="100000"/>
+              </a:lnSpc>
+              <a:spcBef>
+                <a:spcPts val="0"/>
+              </a:spcBef>
+              <a:spcAft>
+                <a:spcPts val="0"/>
+              </a:spcAft>
+              <a:buClrTx/>
+              <a:buSzTx/>
+              <a:buFontTx/>
+              <a:buNone/>
+              <a:tabLst/>
+            </a:pPr>
+            <a:r>
+              <a:rPr lang="en-US" sz="2400" dirty="0">
+                <a:solidFill>
+                  <a:schemeClr val="tx1"/>
+                </a:solidFill>
+              </a:rPr>
+              <a:t>z</a:t>
+            </a:r>
+            <a:endParaRPr kumimoji="0" lang="en-US" sz="2400" b="0" i="0" u="none" strike="noStrike" cap="none" spc="0" normalizeH="0" baseline="0" dirty="0">
+              <a:ln>
+                <a:noFill/>
+              </a:ln>
+              <a:solidFill>
+                <a:schemeClr val="tx1"/>
+              </a:solidFill>
+              <a:effectLst/>
+              <a:uFillTx/>
+              <a:latin typeface="+mn-lt"/>
+              <a:ea typeface="+mn-ea"/>
+              <a:cs typeface="+mn-cs"/>
+              <a:sym typeface="Helvetica Light"/>
+            </a:endParaRPr>
+          </a:p>
+        </p:txBody>
+      </p:sp>
+      <p:cxnSp>
+        <p:nvCxnSpPr>
+          <p:cNvPr id="10" name="Straight Arrow Connector 9"/>
+          <p:cNvCxnSpPr>
+            <a:endCxn id="7" idx="2"/>
+          </p:cNvCxnSpPr>
+          <p:nvPr/>
+        </p:nvCxnSpPr>
+        <p:spPr>
+          <a:xfrm>
+            <a:off x="8030534" y="4819262"/>
+            <a:ext cx="507715" cy="0"/>
+          </a:xfrm>
+          <a:prstGeom prst="straightConnector1">
+            <a:avLst/>
+          </a:prstGeom>
+          <a:noFill/>
+          <a:ln w="25400" cap="flat">
+            <a:solidFill>
+              <a:srgbClr val="000000"/>
+            </a:solidFill>
+            <a:prstDash val="solid"/>
+            <a:miter lim="400000"/>
+            <a:tailEnd type="triangle"/>
+          </a:ln>
+          <a:effectLst/>
+          <a:sp3d/>
+        </p:spPr>
+        <p:style>
+          <a:lnRef idx="0">
+            <a:scrgbClr r="0" g="0" b="0"/>
+          </a:lnRef>
+          <a:fillRef idx="0">
+            <a:scrgbClr r="0" g="0" b="0"/>
+          </a:fillRef>
+          <a:effectRef idx="0">
+            <a:scrgbClr r="0" g="0" b="0"/>
+          </a:effectRef>
+          <a:fontRef idx="none"/>
+        </p:style>
+      </p:cxnSp>
+      <p:cxnSp>
+        <p:nvCxnSpPr>
+          <p:cNvPr id="13" name="Straight Arrow Connector 12"/>
+          <p:cNvCxnSpPr>
+            <a:stCxn id="7" idx="6"/>
+            <a:endCxn id="8" idx="2"/>
+          </p:cNvCxnSpPr>
+          <p:nvPr/>
+        </p:nvCxnSpPr>
+        <p:spPr>
+          <a:xfrm>
+            <a:off x="9236554" y="4819262"/>
+            <a:ext cx="507715" cy="0"/>
+          </a:xfrm>
+          <a:prstGeom prst="straightConnector1">
+            <a:avLst/>
+          </a:prstGeom>
+          <a:noFill/>
+          <a:ln w="25400" cap="flat">
+            <a:solidFill>
+              <a:srgbClr val="000000"/>
+            </a:solidFill>
+            <a:prstDash val="solid"/>
+            <a:miter lim="400000"/>
+            <a:tailEnd type="triangle"/>
+          </a:ln>
+          <a:effectLst/>
+          <a:sp3d/>
+        </p:spPr>
+        <p:style>
+          <a:lnRef idx="0">
+            <a:scrgbClr r="0" g="0" b="0"/>
+          </a:lnRef>
+          <a:fillRef idx="0">
+            <a:scrgbClr r="0" g="0" b="0"/>
+          </a:fillRef>
+          <a:effectRef idx="0">
+            <a:scrgbClr r="0" g="0" b="0"/>
+          </a:effectRef>
+          <a:fontRef idx="none"/>
+        </p:style>
+      </p:cxnSp>
+    </p:spTree>
+    <p:extLst>
+      <p:ext uri="{BB962C8B-B14F-4D97-AF65-F5344CB8AC3E}">
+        <p14:creationId xmlns:p14="http://schemas.microsoft.com/office/powerpoint/2010/main" val="4113112754"/>
+      </p:ext>
+    </p:extLst>
+  </p:cSld>
+  <p:clrMapOvr>
+    <a:masterClrMapping/>
+  </p:clrMapOvr>
+  <p:transition spd="med"/>
+</p:sld>
+</file>
+
+<file path=ppt/slides/slide9.xml><?xml version="1.0" encoding="utf-8"?>
+<p:sld xmlns:a="http://schemas.openxmlformats.org/drawingml/2006/main" xmlns:r="http://schemas.openxmlformats.org/officeDocument/2006/relationships" xmlns:p="http://schemas.openxmlformats.org/presentationml/2006/main">
+  <p:cSld>
+    <p:spTree>
+      <p:nvGrpSpPr>
+        <p:cNvPr id="1" name=""/>
+        <p:cNvGrpSpPr/>
+        <p:nvPr/>
+      </p:nvGrpSpPr>
+      <p:grpSpPr>
+        <a:xfrm>
+          <a:off x="0" y="0"/>
+          <a:ext cx="0" cy="0"/>
+          <a:chOff x="0" y="0"/>
+          <a:chExt cx="0" cy="0"/>
+        </a:xfrm>
+      </p:grpSpPr>
+      <p:sp>
+        <p:nvSpPr>
+          <p:cNvPr id="2" name="Title 1"/>
+          <p:cNvSpPr>
+            <a:spLocks noGrp="1"/>
+          </p:cNvSpPr>
+          <p:nvPr>
+            <p:ph type="title"/>
+          </p:nvPr>
+        </p:nvSpPr>
+        <p:spPr/>
+        <p:txBody>
+          <a:bodyPr/>
+          <a:lstStyle/>
+          <a:p>
+            <a:r>
+              <a:rPr lang="en-US" dirty="0" smtClean="0"/>
+              <a:t>Cost</a:t>
+            </a:r>
+            <a:endParaRPr lang="en-US" dirty="0"/>
+          </a:p>
+        </p:txBody>
+      </p:sp>
+      <p:sp>
+        <p:nvSpPr>
+          <p:cNvPr id="3" name="Text Placeholder 2"/>
+          <p:cNvSpPr>
+            <a:spLocks noGrp="1"/>
+          </p:cNvSpPr>
+          <p:nvPr>
+            <p:ph type="body" idx="1"/>
+          </p:nvPr>
+        </p:nvSpPr>
+        <p:spPr/>
+        <p:txBody>
+          <a:bodyPr/>
+          <a:lstStyle/>
+          <a:p>
+            <a:r>
+              <a:rPr lang="en-US" dirty="0" smtClean="0"/>
+              <a:t>Worst case: </a:t>
+            </a:r>
+            <a:r>
+              <a:rPr lang="en-US" b="1" dirty="0" smtClean="0"/>
+              <a:t>O(N)</a:t>
+            </a:r>
+            <a:r>
+              <a:rPr lang="en-US" dirty="0" smtClean="0"/>
+              <a:t> if all elements end up in same “bucket” (</a:t>
+            </a:r>
+            <a:r>
+              <a:rPr lang="en-US" dirty="0" err="1" smtClean="0"/>
+              <a:t>ie</a:t>
+            </a:r>
+            <a:r>
+              <a:rPr lang="en-US" dirty="0" smtClean="0"/>
+              <a:t> same value for </a:t>
+            </a:r>
+            <a:r>
+              <a:rPr lang="en-US" i="1" dirty="0" smtClean="0"/>
+              <a:t>h()%M</a:t>
+            </a:r>
+            <a:r>
+              <a:rPr lang="en-US" dirty="0" smtClean="0"/>
+              <a:t>), the map would be equivalent to a list</a:t>
+            </a:r>
+          </a:p>
+          <a:p>
+            <a:pPr lvl="1"/>
+            <a:r>
+              <a:rPr lang="en-US" dirty="0"/>
+              <a:t>o</a:t>
+            </a:r>
+            <a:r>
+              <a:rPr lang="en-US" dirty="0" smtClean="0"/>
+              <a:t>perations to search on list would be O(N), albeit insert would be O(1) </a:t>
+            </a:r>
+          </a:p>
+          <a:p>
+            <a:r>
+              <a:rPr lang="en-US" dirty="0" smtClean="0"/>
+              <a:t>But, </a:t>
+            </a:r>
+            <a:r>
+              <a:rPr lang="en-US" b="1" dirty="0" smtClean="0"/>
+              <a:t>if</a:t>
+            </a:r>
+            <a:r>
+              <a:rPr lang="en-US" dirty="0" smtClean="0"/>
+              <a:t> M large enough compared to N, and hash function is uniform enough, you can have a </a:t>
+            </a:r>
+            <a:r>
+              <a:rPr lang="en-US" b="1" dirty="0" smtClean="0"/>
+              <a:t>O(1) </a:t>
+            </a:r>
+            <a:r>
+              <a:rPr lang="en-US" dirty="0" smtClean="0"/>
+              <a:t>cost in many cases</a:t>
+            </a:r>
+          </a:p>
+          <a:p>
+            <a:pPr lvl="1"/>
+            <a:r>
+              <a:rPr lang="en-US" dirty="0"/>
+              <a:t>e</a:t>
+            </a:r>
+            <a:r>
+              <a:rPr lang="en-US" dirty="0" smtClean="0"/>
+              <a:t>ven if you have some collisions, it will not be a problem, as you would have a small number of elements in the list </a:t>
+            </a:r>
+            <a:endParaRPr lang="en-US" dirty="0"/>
+          </a:p>
+        </p:txBody>
+      </p:sp>
+    </p:spTree>
+    <p:extLst>
+      <p:ext uri="{BB962C8B-B14F-4D97-AF65-F5344CB8AC3E}">
+        <p14:creationId xmlns:p14="http://schemas.microsoft.com/office/powerpoint/2010/main" val="2733894855"/>
+      </p:ext>
+    </p:extLst>
+  </p:cSld>
+  <p:clrMapOvr>
+    <a:masterClrMapping/>
+  </p:clrMapOvr>
+  <p:transition spd="med"/>
 </p:sld>
 </file>
 

--- a/docs/slides/06/06_hash_maps.pptx
+++ b/docs/slides/06/06_hash_maps.pptx
@@ -2170,7 +2170,7 @@
           </a:ln>
           <a:extLst>
             <a:ext uri="{C572A759-6A51-4108-AA02-DFA0A04FC94B}">
-              <ma14:wrappingTextBoxFlag xmlns:ma14="http://schemas.microsoft.com/office/mac/drawingml/2011/main" xmlns="" val="1"/>
+              <ma14:wrappingTextBoxFlag xmlns="" xmlns:ma14="http://schemas.microsoft.com/office/mac/drawingml/2011/main" val="1"/>
             </a:ext>
           </a:extLst>
         </p:spPr>
@@ -2209,7 +2209,7 @@
           </a:ln>
           <a:extLst>
             <a:ext uri="{C572A759-6A51-4108-AA02-DFA0A04FC94B}">
-              <ma14:wrappingTextBoxFlag xmlns:ma14="http://schemas.microsoft.com/office/mac/drawingml/2011/main" xmlns="" val="1"/>
+              <ma14:wrappingTextBoxFlag xmlns="" xmlns:ma14="http://schemas.microsoft.com/office/mac/drawingml/2011/main" val="1"/>
             </a:ext>
           </a:extLst>
         </p:spPr>
@@ -3303,7 +3303,15 @@
           <a:p>
             <a:r>
               <a:rPr lang="en-US" dirty="0" smtClean="0"/>
-              <a:t>So in most case, we are in O(1) Hash vs O(log N) RBT</a:t>
+              <a:t>So in most </a:t>
+            </a:r>
+            <a:r>
+              <a:rPr lang="en-US" dirty="0" smtClean="0"/>
+              <a:t>cases, </a:t>
+            </a:r>
+            <a:r>
+              <a:rPr lang="en-US" dirty="0" smtClean="0"/>
+              <a:t>we are in O(1) Hash vs O(log N) RBT</a:t>
             </a:r>
           </a:p>
           <a:p>

--- a/docs/slides/06/06_hash_maps.pptx
+++ b/docs/slides/06/06_hash_maps.pptx
@@ -2170,7 +2170,7 @@
           </a:ln>
           <a:extLst>
             <a:ext uri="{C572A759-6A51-4108-AA02-DFA0A04FC94B}">
-              <ma14:wrappingTextBoxFlag xmlns="" xmlns:ma14="http://schemas.microsoft.com/office/mac/drawingml/2011/main" val="1"/>
+              <ma14:wrappingTextBoxFlag xmlns:ma14="http://schemas.microsoft.com/office/mac/drawingml/2011/main" val="1"/>
             </a:ext>
           </a:extLst>
         </p:spPr>
@@ -2209,7 +2209,7 @@
           </a:ln>
           <a:extLst>
             <a:ext uri="{C572A759-6A51-4108-AA02-DFA0A04FC94B}">
-              <ma14:wrappingTextBoxFlag xmlns="" xmlns:ma14="http://schemas.microsoft.com/office/mac/drawingml/2011/main" val="1"/>
+              <ma14:wrappingTextBoxFlag xmlns:ma14="http://schemas.microsoft.com/office/mac/drawingml/2011/main" val="1"/>
             </a:ext>
           </a:extLst>
         </p:spPr>
@@ -3303,15 +3303,7 @@
           <a:p>
             <a:r>
               <a:rPr lang="en-US" dirty="0" smtClean="0"/>
-              <a:t>So in most </a:t>
-            </a:r>
-            <a:r>
-              <a:rPr lang="en-US" dirty="0" smtClean="0"/>
-              <a:t>cases, </a:t>
-            </a:r>
-            <a:r>
-              <a:rPr lang="en-US" dirty="0" smtClean="0"/>
-              <a:t>we are in O(1) Hash vs O(log N) RBT</a:t>
+              <a:t>So in most cases, we are in O(1) Hash vs O(log N) RBT</a:t>
             </a:r>
           </a:p>
           <a:p>
@@ -3769,8 +3761,13 @@
           <a:p>
             <a:r>
               <a:rPr lang="en-US" dirty="0" smtClean="0"/>
-              <a:t>// h(foo) = 42  ,  42 % M = 5</a:t>
-            </a:r>
+              <a:t>// h(foo) = 42  ,  42 % M = </a:t>
+            </a:r>
+            <a:r>
+              <a:rPr lang="en-US" dirty="0" smtClean="0"/>
+              <a:t>2</a:t>
+            </a:r>
+            <a:endParaRPr lang="en-US" dirty="0" smtClean="0"/>
           </a:p>
           <a:p>
             <a:r>
@@ -3845,7 +3842,7 @@
                 <a:gridCol w="1384916">
                   <a:extLst>
                     <a:ext uri="{9D8B030D-6E8A-4147-A177-3AD203B41FA5}">
-                      <a16:colId xmlns:a16="http://schemas.microsoft.com/office/drawing/2014/main" val="4160022659"/>
+                      <a16:colId xmlns:a16="http://schemas.microsoft.com/office/drawing/2014/main" xmlns="" val="4160022659"/>
                     </a:ext>
                   </a:extLst>
                 </a:gridCol>
@@ -3863,7 +3860,7 @@
                 </a:tc>
                 <a:extLst>
                   <a:ext uri="{0D108BD9-81ED-4DB2-BD59-A6C34878D82A}">
-                    <a16:rowId xmlns:a16="http://schemas.microsoft.com/office/drawing/2014/main" val="4282801958"/>
+                    <a16:rowId xmlns:a16="http://schemas.microsoft.com/office/drawing/2014/main" xmlns="" val="4282801958"/>
                   </a:ext>
                 </a:extLst>
               </a:tr>
@@ -3880,7 +3877,7 @@
                 </a:tc>
                 <a:extLst>
                   <a:ext uri="{0D108BD9-81ED-4DB2-BD59-A6C34878D82A}">
-                    <a16:rowId xmlns:a16="http://schemas.microsoft.com/office/drawing/2014/main" val="798434366"/>
+                    <a16:rowId xmlns:a16="http://schemas.microsoft.com/office/drawing/2014/main" xmlns="" val="798434366"/>
                   </a:ext>
                 </a:extLst>
               </a:tr>
@@ -3908,7 +3905,7 @@
                 </a:tc>
                 <a:extLst>
                   <a:ext uri="{0D108BD9-81ED-4DB2-BD59-A6C34878D82A}">
-                    <a16:rowId xmlns:a16="http://schemas.microsoft.com/office/drawing/2014/main" val="2169252965"/>
+                    <a16:rowId xmlns:a16="http://schemas.microsoft.com/office/drawing/2014/main" xmlns="" val="2169252965"/>
                   </a:ext>
                 </a:extLst>
               </a:tr>
@@ -3925,7 +3922,7 @@
                 </a:tc>
                 <a:extLst>
                   <a:ext uri="{0D108BD9-81ED-4DB2-BD59-A6C34878D82A}">
-                    <a16:rowId xmlns:a16="http://schemas.microsoft.com/office/drawing/2014/main" val="1524533945"/>
+                    <a16:rowId xmlns:a16="http://schemas.microsoft.com/office/drawing/2014/main" xmlns="" val="1524533945"/>
                   </a:ext>
                 </a:extLst>
               </a:tr>
@@ -3942,7 +3939,7 @@
                 </a:tc>
                 <a:extLst>
                   <a:ext uri="{0D108BD9-81ED-4DB2-BD59-A6C34878D82A}">
-                    <a16:rowId xmlns:a16="http://schemas.microsoft.com/office/drawing/2014/main" val="409864673"/>
+                    <a16:rowId xmlns:a16="http://schemas.microsoft.com/office/drawing/2014/main" xmlns="" val="409864673"/>
                   </a:ext>
                 </a:extLst>
               </a:tr>
@@ -3963,7 +3960,7 @@
                 </a:tc>
                 <a:extLst>
                   <a:ext uri="{0D108BD9-81ED-4DB2-BD59-A6C34878D82A}">
-                    <a16:rowId xmlns:a16="http://schemas.microsoft.com/office/drawing/2014/main" val="2991110043"/>
+                    <a16:rowId xmlns:a16="http://schemas.microsoft.com/office/drawing/2014/main" xmlns="" val="2991110043"/>
                   </a:ext>
                 </a:extLst>
               </a:tr>
@@ -3980,7 +3977,7 @@
                 </a:tc>
                 <a:extLst>
                   <a:ext uri="{0D108BD9-81ED-4DB2-BD59-A6C34878D82A}">
-                    <a16:rowId xmlns:a16="http://schemas.microsoft.com/office/drawing/2014/main" val="2186952955"/>
+                    <a16:rowId xmlns:a16="http://schemas.microsoft.com/office/drawing/2014/main" xmlns="" val="2186952955"/>
                   </a:ext>
                 </a:extLst>
               </a:tr>
@@ -3997,7 +3994,7 @@
                 </a:tc>
                 <a:extLst>
                   <a:ext uri="{0D108BD9-81ED-4DB2-BD59-A6C34878D82A}">
-                    <a16:rowId xmlns:a16="http://schemas.microsoft.com/office/drawing/2014/main" val="1603927885"/>
+                    <a16:rowId xmlns:a16="http://schemas.microsoft.com/office/drawing/2014/main" xmlns="" val="1603927885"/>
                   </a:ext>
                 </a:extLst>
               </a:tr>
@@ -4014,7 +4011,7 @@
                 </a:tc>
                 <a:extLst>
                   <a:ext uri="{0D108BD9-81ED-4DB2-BD59-A6C34878D82A}">
-                    <a16:rowId xmlns:a16="http://schemas.microsoft.com/office/drawing/2014/main" val="1920198281"/>
+                    <a16:rowId xmlns:a16="http://schemas.microsoft.com/office/drawing/2014/main" xmlns="" val="1920198281"/>
                   </a:ext>
                 </a:extLst>
               </a:tr>
@@ -4031,7 +4028,7 @@
                 </a:tc>
                 <a:extLst>
                   <a:ext uri="{0D108BD9-81ED-4DB2-BD59-A6C34878D82A}">
-                    <a16:rowId xmlns:a16="http://schemas.microsoft.com/office/drawing/2014/main" val="3322929971"/>
+                    <a16:rowId xmlns:a16="http://schemas.microsoft.com/office/drawing/2014/main" xmlns="" val="3322929971"/>
                   </a:ext>
                 </a:extLst>
               </a:tr>
@@ -4273,7 +4270,7 @@
         </p:spPr>
         <p:txBody>
           <a:bodyPr>
-            <a:normAutofit lnSpcReduction="10000"/>
+            <a:normAutofit fontScale="92500"/>
           </a:bodyPr>
           <a:lstStyle/>
           <a:p>
@@ -6127,7 +6124,7 @@
                 <a:gridCol w="1384916">
                   <a:extLst>
                     <a:ext uri="{9D8B030D-6E8A-4147-A177-3AD203B41FA5}">
-                      <a16:colId xmlns:a16="http://schemas.microsoft.com/office/drawing/2014/main" val="4160022659"/>
+                      <a16:colId xmlns:a16="http://schemas.microsoft.com/office/drawing/2014/main" xmlns="" val="4160022659"/>
                     </a:ext>
                   </a:extLst>
                 </a:gridCol>
@@ -6145,7 +6142,7 @@
                 </a:tc>
                 <a:extLst>
                   <a:ext uri="{0D108BD9-81ED-4DB2-BD59-A6C34878D82A}">
-                    <a16:rowId xmlns:a16="http://schemas.microsoft.com/office/drawing/2014/main" val="4282801958"/>
+                    <a16:rowId xmlns:a16="http://schemas.microsoft.com/office/drawing/2014/main" xmlns="" val="4282801958"/>
                   </a:ext>
                 </a:extLst>
               </a:tr>
@@ -6162,7 +6159,7 @@
                 </a:tc>
                 <a:extLst>
                   <a:ext uri="{0D108BD9-81ED-4DB2-BD59-A6C34878D82A}">
-                    <a16:rowId xmlns:a16="http://schemas.microsoft.com/office/drawing/2014/main" val="798434366"/>
+                    <a16:rowId xmlns:a16="http://schemas.microsoft.com/office/drawing/2014/main" xmlns="" val="798434366"/>
                   </a:ext>
                 </a:extLst>
               </a:tr>
@@ -6190,7 +6187,7 @@
                 </a:tc>
                 <a:extLst>
                   <a:ext uri="{0D108BD9-81ED-4DB2-BD59-A6C34878D82A}">
-                    <a16:rowId xmlns:a16="http://schemas.microsoft.com/office/drawing/2014/main" val="2169252965"/>
+                    <a16:rowId xmlns:a16="http://schemas.microsoft.com/office/drawing/2014/main" xmlns="" val="2169252965"/>
                   </a:ext>
                 </a:extLst>
               </a:tr>
@@ -6207,7 +6204,7 @@
                 </a:tc>
                 <a:extLst>
                   <a:ext uri="{0D108BD9-81ED-4DB2-BD59-A6C34878D82A}">
-                    <a16:rowId xmlns:a16="http://schemas.microsoft.com/office/drawing/2014/main" val="1524533945"/>
+                    <a16:rowId xmlns:a16="http://schemas.microsoft.com/office/drawing/2014/main" xmlns="" val="1524533945"/>
                   </a:ext>
                 </a:extLst>
               </a:tr>
@@ -6224,7 +6221,7 @@
                 </a:tc>
                 <a:extLst>
                   <a:ext uri="{0D108BD9-81ED-4DB2-BD59-A6C34878D82A}">
-                    <a16:rowId xmlns:a16="http://schemas.microsoft.com/office/drawing/2014/main" val="409864673"/>
+                    <a16:rowId xmlns:a16="http://schemas.microsoft.com/office/drawing/2014/main" xmlns="" val="409864673"/>
                   </a:ext>
                 </a:extLst>
               </a:tr>
@@ -6241,7 +6238,7 @@
                 </a:tc>
                 <a:extLst>
                   <a:ext uri="{0D108BD9-81ED-4DB2-BD59-A6C34878D82A}">
-                    <a16:rowId xmlns:a16="http://schemas.microsoft.com/office/drawing/2014/main" val="2991110043"/>
+                    <a16:rowId xmlns:a16="http://schemas.microsoft.com/office/drawing/2014/main" xmlns="" val="2991110043"/>
                   </a:ext>
                 </a:extLst>
               </a:tr>
@@ -6258,7 +6255,7 @@
                 </a:tc>
                 <a:extLst>
                   <a:ext uri="{0D108BD9-81ED-4DB2-BD59-A6C34878D82A}">
-                    <a16:rowId xmlns:a16="http://schemas.microsoft.com/office/drawing/2014/main" val="2186952955"/>
+                    <a16:rowId xmlns:a16="http://schemas.microsoft.com/office/drawing/2014/main" xmlns="" val="2186952955"/>
                   </a:ext>
                 </a:extLst>
               </a:tr>
@@ -6275,7 +6272,7 @@
                 </a:tc>
                 <a:extLst>
                   <a:ext uri="{0D108BD9-81ED-4DB2-BD59-A6C34878D82A}">
-                    <a16:rowId xmlns:a16="http://schemas.microsoft.com/office/drawing/2014/main" val="1603927885"/>
+                    <a16:rowId xmlns:a16="http://schemas.microsoft.com/office/drawing/2014/main" xmlns="" val="1603927885"/>
                   </a:ext>
                 </a:extLst>
               </a:tr>
@@ -6292,7 +6289,7 @@
                 </a:tc>
                 <a:extLst>
                   <a:ext uri="{0D108BD9-81ED-4DB2-BD59-A6C34878D82A}">
-                    <a16:rowId xmlns:a16="http://schemas.microsoft.com/office/drawing/2014/main" val="1920198281"/>
+                    <a16:rowId xmlns:a16="http://schemas.microsoft.com/office/drawing/2014/main" xmlns="" val="1920198281"/>
                   </a:ext>
                 </a:extLst>
               </a:tr>
@@ -6309,7 +6306,7 @@
                 </a:tc>
                 <a:extLst>
                   <a:ext uri="{0D108BD9-81ED-4DB2-BD59-A6C34878D82A}">
-                    <a16:rowId xmlns:a16="http://schemas.microsoft.com/office/drawing/2014/main" val="3322929971"/>
+                    <a16:rowId xmlns:a16="http://schemas.microsoft.com/office/drawing/2014/main" xmlns="" val="3322929971"/>
                   </a:ext>
                 </a:extLst>
               </a:tr>
@@ -6567,7 +6564,7 @@
                 <a:gridCol w="1384916">
                   <a:extLst>
                     <a:ext uri="{9D8B030D-6E8A-4147-A177-3AD203B41FA5}">
-                      <a16:colId xmlns:a16="http://schemas.microsoft.com/office/drawing/2014/main" val="4160022659"/>
+                      <a16:colId xmlns:a16="http://schemas.microsoft.com/office/drawing/2014/main" xmlns="" val="4160022659"/>
                     </a:ext>
                   </a:extLst>
                 </a:gridCol>
@@ -6585,7 +6582,7 @@
                 </a:tc>
                 <a:extLst>
                   <a:ext uri="{0D108BD9-81ED-4DB2-BD59-A6C34878D82A}">
-                    <a16:rowId xmlns:a16="http://schemas.microsoft.com/office/drawing/2014/main" val="4282801958"/>
+                    <a16:rowId xmlns:a16="http://schemas.microsoft.com/office/drawing/2014/main" xmlns="" val="4282801958"/>
                   </a:ext>
                 </a:extLst>
               </a:tr>
@@ -6602,7 +6599,7 @@
                 </a:tc>
                 <a:extLst>
                   <a:ext uri="{0D108BD9-81ED-4DB2-BD59-A6C34878D82A}">
-                    <a16:rowId xmlns:a16="http://schemas.microsoft.com/office/drawing/2014/main" val="798434366"/>
+                    <a16:rowId xmlns:a16="http://schemas.microsoft.com/office/drawing/2014/main" xmlns="" val="798434366"/>
                   </a:ext>
                 </a:extLst>
               </a:tr>
@@ -6630,7 +6627,7 @@
                 </a:tc>
                 <a:extLst>
                   <a:ext uri="{0D108BD9-81ED-4DB2-BD59-A6C34878D82A}">
-                    <a16:rowId xmlns:a16="http://schemas.microsoft.com/office/drawing/2014/main" val="2169252965"/>
+                    <a16:rowId xmlns:a16="http://schemas.microsoft.com/office/drawing/2014/main" xmlns="" val="2169252965"/>
                   </a:ext>
                 </a:extLst>
               </a:tr>
@@ -6647,7 +6644,7 @@
                 </a:tc>
                 <a:extLst>
                   <a:ext uri="{0D108BD9-81ED-4DB2-BD59-A6C34878D82A}">
-                    <a16:rowId xmlns:a16="http://schemas.microsoft.com/office/drawing/2014/main" val="1524533945"/>
+                    <a16:rowId xmlns:a16="http://schemas.microsoft.com/office/drawing/2014/main" xmlns="" val="1524533945"/>
                   </a:ext>
                 </a:extLst>
               </a:tr>
@@ -6664,7 +6661,7 @@
                 </a:tc>
                 <a:extLst>
                   <a:ext uri="{0D108BD9-81ED-4DB2-BD59-A6C34878D82A}">
-                    <a16:rowId xmlns:a16="http://schemas.microsoft.com/office/drawing/2014/main" val="409864673"/>
+                    <a16:rowId xmlns:a16="http://schemas.microsoft.com/office/drawing/2014/main" xmlns="" val="409864673"/>
                   </a:ext>
                 </a:extLst>
               </a:tr>
@@ -6681,7 +6678,7 @@
                 </a:tc>
                 <a:extLst>
                   <a:ext uri="{0D108BD9-81ED-4DB2-BD59-A6C34878D82A}">
-                    <a16:rowId xmlns:a16="http://schemas.microsoft.com/office/drawing/2014/main" val="2991110043"/>
+                    <a16:rowId xmlns:a16="http://schemas.microsoft.com/office/drawing/2014/main" xmlns="" val="2991110043"/>
                   </a:ext>
                 </a:extLst>
               </a:tr>
@@ -6698,7 +6695,7 @@
                 </a:tc>
                 <a:extLst>
                   <a:ext uri="{0D108BD9-81ED-4DB2-BD59-A6C34878D82A}">
-                    <a16:rowId xmlns:a16="http://schemas.microsoft.com/office/drawing/2014/main" val="2186952955"/>
+                    <a16:rowId xmlns:a16="http://schemas.microsoft.com/office/drawing/2014/main" xmlns="" val="2186952955"/>
                   </a:ext>
                 </a:extLst>
               </a:tr>
@@ -6715,7 +6712,7 @@
                 </a:tc>
                 <a:extLst>
                   <a:ext uri="{0D108BD9-81ED-4DB2-BD59-A6C34878D82A}">
-                    <a16:rowId xmlns:a16="http://schemas.microsoft.com/office/drawing/2014/main" val="1603927885"/>
+                    <a16:rowId xmlns:a16="http://schemas.microsoft.com/office/drawing/2014/main" xmlns="" val="1603927885"/>
                   </a:ext>
                 </a:extLst>
               </a:tr>
@@ -6732,7 +6729,7 @@
                 </a:tc>
                 <a:extLst>
                   <a:ext uri="{0D108BD9-81ED-4DB2-BD59-A6C34878D82A}">
-                    <a16:rowId xmlns:a16="http://schemas.microsoft.com/office/drawing/2014/main" val="1920198281"/>
+                    <a16:rowId xmlns:a16="http://schemas.microsoft.com/office/drawing/2014/main" xmlns="" val="1920198281"/>
                   </a:ext>
                 </a:extLst>
               </a:tr>
@@ -6749,7 +6746,7 @@
                 </a:tc>
                 <a:extLst>
                   <a:ext uri="{0D108BD9-81ED-4DB2-BD59-A6C34878D82A}">
-                    <a16:rowId xmlns:a16="http://schemas.microsoft.com/office/drawing/2014/main" val="3322929971"/>
+                    <a16:rowId xmlns:a16="http://schemas.microsoft.com/office/drawing/2014/main" xmlns="" val="3322929971"/>
                   </a:ext>
                 </a:extLst>
               </a:tr>
@@ -6997,7 +6994,7 @@
                 <a:gridCol w="1384916">
                   <a:extLst>
                     <a:ext uri="{9D8B030D-6E8A-4147-A177-3AD203B41FA5}">
-                      <a16:colId xmlns:a16="http://schemas.microsoft.com/office/drawing/2014/main" val="4160022659"/>
+                      <a16:colId xmlns:a16="http://schemas.microsoft.com/office/drawing/2014/main" xmlns="" val="4160022659"/>
                     </a:ext>
                   </a:extLst>
                 </a:gridCol>
@@ -7015,7 +7012,7 @@
                 </a:tc>
                 <a:extLst>
                   <a:ext uri="{0D108BD9-81ED-4DB2-BD59-A6C34878D82A}">
-                    <a16:rowId xmlns:a16="http://schemas.microsoft.com/office/drawing/2014/main" val="4282801958"/>
+                    <a16:rowId xmlns:a16="http://schemas.microsoft.com/office/drawing/2014/main" xmlns="" val="4282801958"/>
                   </a:ext>
                 </a:extLst>
               </a:tr>
@@ -7032,7 +7029,7 @@
                 </a:tc>
                 <a:extLst>
                   <a:ext uri="{0D108BD9-81ED-4DB2-BD59-A6C34878D82A}">
-                    <a16:rowId xmlns:a16="http://schemas.microsoft.com/office/drawing/2014/main" val="798434366"/>
+                    <a16:rowId xmlns:a16="http://schemas.microsoft.com/office/drawing/2014/main" xmlns="" val="798434366"/>
                   </a:ext>
                 </a:extLst>
               </a:tr>
@@ -7056,7 +7053,7 @@
                 </a:tc>
                 <a:extLst>
                   <a:ext uri="{0D108BD9-81ED-4DB2-BD59-A6C34878D82A}">
-                    <a16:rowId xmlns:a16="http://schemas.microsoft.com/office/drawing/2014/main" val="2169252965"/>
+                    <a16:rowId xmlns:a16="http://schemas.microsoft.com/office/drawing/2014/main" xmlns="" val="2169252965"/>
                   </a:ext>
                 </a:extLst>
               </a:tr>
@@ -7073,7 +7070,7 @@
                 </a:tc>
                 <a:extLst>
                   <a:ext uri="{0D108BD9-81ED-4DB2-BD59-A6C34878D82A}">
-                    <a16:rowId xmlns:a16="http://schemas.microsoft.com/office/drawing/2014/main" val="1524533945"/>
+                    <a16:rowId xmlns:a16="http://schemas.microsoft.com/office/drawing/2014/main" xmlns="" val="1524533945"/>
                   </a:ext>
                 </a:extLst>
               </a:tr>
@@ -7090,7 +7087,7 @@
                 </a:tc>
                 <a:extLst>
                   <a:ext uri="{0D108BD9-81ED-4DB2-BD59-A6C34878D82A}">
-                    <a16:rowId xmlns:a16="http://schemas.microsoft.com/office/drawing/2014/main" val="409864673"/>
+                    <a16:rowId xmlns:a16="http://schemas.microsoft.com/office/drawing/2014/main" xmlns="" val="409864673"/>
                   </a:ext>
                 </a:extLst>
               </a:tr>
@@ -7107,7 +7104,7 @@
                 </a:tc>
                 <a:extLst>
                   <a:ext uri="{0D108BD9-81ED-4DB2-BD59-A6C34878D82A}">
-                    <a16:rowId xmlns:a16="http://schemas.microsoft.com/office/drawing/2014/main" val="2991110043"/>
+                    <a16:rowId xmlns:a16="http://schemas.microsoft.com/office/drawing/2014/main" xmlns="" val="2991110043"/>
                   </a:ext>
                 </a:extLst>
               </a:tr>
@@ -7124,7 +7121,7 @@
                 </a:tc>
                 <a:extLst>
                   <a:ext uri="{0D108BD9-81ED-4DB2-BD59-A6C34878D82A}">
-                    <a16:rowId xmlns:a16="http://schemas.microsoft.com/office/drawing/2014/main" val="2186952955"/>
+                    <a16:rowId xmlns:a16="http://schemas.microsoft.com/office/drawing/2014/main" xmlns="" val="2186952955"/>
                   </a:ext>
                 </a:extLst>
               </a:tr>
@@ -7141,7 +7138,7 @@
                 </a:tc>
                 <a:extLst>
                   <a:ext uri="{0D108BD9-81ED-4DB2-BD59-A6C34878D82A}">
-                    <a16:rowId xmlns:a16="http://schemas.microsoft.com/office/drawing/2014/main" val="1603927885"/>
+                    <a16:rowId xmlns:a16="http://schemas.microsoft.com/office/drawing/2014/main" xmlns="" val="1603927885"/>
                   </a:ext>
                 </a:extLst>
               </a:tr>
@@ -7158,7 +7155,7 @@
                 </a:tc>
                 <a:extLst>
                   <a:ext uri="{0D108BD9-81ED-4DB2-BD59-A6C34878D82A}">
-                    <a16:rowId xmlns:a16="http://schemas.microsoft.com/office/drawing/2014/main" val="1920198281"/>
+                    <a16:rowId xmlns:a16="http://schemas.microsoft.com/office/drawing/2014/main" xmlns="" val="1920198281"/>
                   </a:ext>
                 </a:extLst>
               </a:tr>
@@ -7175,7 +7172,7 @@
                 </a:tc>
                 <a:extLst>
                   <a:ext uri="{0D108BD9-81ED-4DB2-BD59-A6C34878D82A}">
-                    <a16:rowId xmlns:a16="http://schemas.microsoft.com/office/drawing/2014/main" val="3322929971"/>
+                    <a16:rowId xmlns:a16="http://schemas.microsoft.com/office/drawing/2014/main" xmlns="" val="3322929971"/>
                   </a:ext>
                 </a:extLst>
               </a:tr>

--- a/docs/slides/06/06_hash_maps.pptx
+++ b/docs/slides/06/06_hash_maps.pptx
@@ -2170,7 +2170,7 @@
           </a:ln>
           <a:extLst>
             <a:ext uri="{C572A759-6A51-4108-AA02-DFA0A04FC94B}">
-              <ma14:wrappingTextBoxFlag xmlns:ma14="http://schemas.microsoft.com/office/mac/drawingml/2011/main" val="1"/>
+              <ma14:wrappingTextBoxFlag xmlns:ma14="http://schemas.microsoft.com/office/mac/drawingml/2011/main" xmlns="" val="1"/>
             </a:ext>
           </a:extLst>
         </p:spPr>
@@ -2209,7 +2209,7 @@
           </a:ln>
           <a:extLst>
             <a:ext uri="{C572A759-6A51-4108-AA02-DFA0A04FC94B}">
-              <ma14:wrappingTextBoxFlag xmlns:ma14="http://schemas.microsoft.com/office/mac/drawingml/2011/main" val="1"/>
+              <ma14:wrappingTextBoxFlag xmlns:ma14="http://schemas.microsoft.com/office/mac/drawingml/2011/main" xmlns="" val="1"/>
             </a:ext>
           </a:extLst>
         </p:spPr>
@@ -3191,8 +3191,16 @@
           <a:p>
             <a:pPr algn="r"/>
             <a:r>
-              <a:rPr lang="en-US" dirty="0" smtClean="0"/>
-              <a:t>Dr. Andrea Arcuri</a:t>
+              <a:rPr lang="en-US" smtClean="0"/>
+              <a:t>Prof</a:t>
+            </a:r>
+            <a:r>
+              <a:rPr lang="en-US" smtClean="0"/>
+              <a:t>. </a:t>
+            </a:r>
+            <a:r>
+              <a:rPr lang="en-US" dirty="0" smtClean="0"/>
+              <a:t>Andrea Arcuri</a:t>
             </a:r>
             <a:endParaRPr lang="en-US" dirty="0"/>
           </a:p>
@@ -3761,13 +3769,8 @@
           <a:p>
             <a:r>
               <a:rPr lang="en-US" dirty="0" smtClean="0"/>
-              <a:t>// h(foo) = 42  ,  42 % M = </a:t>
-            </a:r>
-            <a:r>
-              <a:rPr lang="en-US" dirty="0" smtClean="0"/>
-              <a:t>2</a:t>
-            </a:r>
-            <a:endParaRPr lang="en-US" dirty="0" smtClean="0"/>
+              <a:t>// h(foo) = 42  ,  42 % M = 2</a:t>
+            </a:r>
           </a:p>
           <a:p>
             <a:r>
@@ -3842,7 +3845,7 @@
                 <a:gridCol w="1384916">
                   <a:extLst>
                     <a:ext uri="{9D8B030D-6E8A-4147-A177-3AD203B41FA5}">
-                      <a16:colId xmlns:a16="http://schemas.microsoft.com/office/drawing/2014/main" xmlns="" val="4160022659"/>
+                      <a16:colId xmlns:a16="http://schemas.microsoft.com/office/drawing/2014/main" val="4160022659"/>
                     </a:ext>
                   </a:extLst>
                 </a:gridCol>
@@ -3860,7 +3863,7 @@
                 </a:tc>
                 <a:extLst>
                   <a:ext uri="{0D108BD9-81ED-4DB2-BD59-A6C34878D82A}">
-                    <a16:rowId xmlns:a16="http://schemas.microsoft.com/office/drawing/2014/main" xmlns="" val="4282801958"/>
+                    <a16:rowId xmlns:a16="http://schemas.microsoft.com/office/drawing/2014/main" val="4282801958"/>
                   </a:ext>
                 </a:extLst>
               </a:tr>
@@ -3877,7 +3880,7 @@
                 </a:tc>
                 <a:extLst>
                   <a:ext uri="{0D108BD9-81ED-4DB2-BD59-A6C34878D82A}">
-                    <a16:rowId xmlns:a16="http://schemas.microsoft.com/office/drawing/2014/main" xmlns="" val="798434366"/>
+                    <a16:rowId xmlns:a16="http://schemas.microsoft.com/office/drawing/2014/main" val="798434366"/>
                   </a:ext>
                 </a:extLst>
               </a:tr>
@@ -3905,7 +3908,7 @@
                 </a:tc>
                 <a:extLst>
                   <a:ext uri="{0D108BD9-81ED-4DB2-BD59-A6C34878D82A}">
-                    <a16:rowId xmlns:a16="http://schemas.microsoft.com/office/drawing/2014/main" xmlns="" val="2169252965"/>
+                    <a16:rowId xmlns:a16="http://schemas.microsoft.com/office/drawing/2014/main" val="2169252965"/>
                   </a:ext>
                 </a:extLst>
               </a:tr>
@@ -3922,7 +3925,7 @@
                 </a:tc>
                 <a:extLst>
                   <a:ext uri="{0D108BD9-81ED-4DB2-BD59-A6C34878D82A}">
-                    <a16:rowId xmlns:a16="http://schemas.microsoft.com/office/drawing/2014/main" xmlns="" val="1524533945"/>
+                    <a16:rowId xmlns:a16="http://schemas.microsoft.com/office/drawing/2014/main" val="1524533945"/>
                   </a:ext>
                 </a:extLst>
               </a:tr>
@@ -3939,7 +3942,7 @@
                 </a:tc>
                 <a:extLst>
                   <a:ext uri="{0D108BD9-81ED-4DB2-BD59-A6C34878D82A}">
-                    <a16:rowId xmlns:a16="http://schemas.microsoft.com/office/drawing/2014/main" xmlns="" val="409864673"/>
+                    <a16:rowId xmlns:a16="http://schemas.microsoft.com/office/drawing/2014/main" val="409864673"/>
                   </a:ext>
                 </a:extLst>
               </a:tr>
@@ -3960,7 +3963,7 @@
                 </a:tc>
                 <a:extLst>
                   <a:ext uri="{0D108BD9-81ED-4DB2-BD59-A6C34878D82A}">
-                    <a16:rowId xmlns:a16="http://schemas.microsoft.com/office/drawing/2014/main" xmlns="" val="2991110043"/>
+                    <a16:rowId xmlns:a16="http://schemas.microsoft.com/office/drawing/2014/main" val="2991110043"/>
                   </a:ext>
                 </a:extLst>
               </a:tr>
@@ -3977,7 +3980,7 @@
                 </a:tc>
                 <a:extLst>
                   <a:ext uri="{0D108BD9-81ED-4DB2-BD59-A6C34878D82A}">
-                    <a16:rowId xmlns:a16="http://schemas.microsoft.com/office/drawing/2014/main" xmlns="" val="2186952955"/>
+                    <a16:rowId xmlns:a16="http://schemas.microsoft.com/office/drawing/2014/main" val="2186952955"/>
                   </a:ext>
                 </a:extLst>
               </a:tr>
@@ -3994,7 +3997,7 @@
                 </a:tc>
                 <a:extLst>
                   <a:ext uri="{0D108BD9-81ED-4DB2-BD59-A6C34878D82A}">
-                    <a16:rowId xmlns:a16="http://schemas.microsoft.com/office/drawing/2014/main" xmlns="" val="1603927885"/>
+                    <a16:rowId xmlns:a16="http://schemas.microsoft.com/office/drawing/2014/main" val="1603927885"/>
                   </a:ext>
                 </a:extLst>
               </a:tr>
@@ -4011,7 +4014,7 @@
                 </a:tc>
                 <a:extLst>
                   <a:ext uri="{0D108BD9-81ED-4DB2-BD59-A6C34878D82A}">
-                    <a16:rowId xmlns:a16="http://schemas.microsoft.com/office/drawing/2014/main" xmlns="" val="1920198281"/>
+                    <a16:rowId xmlns:a16="http://schemas.microsoft.com/office/drawing/2014/main" val="1920198281"/>
                   </a:ext>
                 </a:extLst>
               </a:tr>
@@ -4028,7 +4031,7 @@
                 </a:tc>
                 <a:extLst>
                   <a:ext uri="{0D108BD9-81ED-4DB2-BD59-A6C34878D82A}">
-                    <a16:rowId xmlns:a16="http://schemas.microsoft.com/office/drawing/2014/main" xmlns="" val="3322929971"/>
+                    <a16:rowId xmlns:a16="http://schemas.microsoft.com/office/drawing/2014/main" val="3322929971"/>
                   </a:ext>
                 </a:extLst>
               </a:tr>
@@ -4270,7 +4273,7 @@
         </p:spPr>
         <p:txBody>
           <a:bodyPr>
-            <a:normAutofit fontScale="92500"/>
+            <a:normAutofit lnSpcReduction="10000"/>
           </a:bodyPr>
           <a:lstStyle/>
           <a:p>
@@ -6124,7 +6127,7 @@
                 <a:gridCol w="1384916">
                   <a:extLst>
                     <a:ext uri="{9D8B030D-6E8A-4147-A177-3AD203B41FA5}">
-                      <a16:colId xmlns:a16="http://schemas.microsoft.com/office/drawing/2014/main" xmlns="" val="4160022659"/>
+                      <a16:colId xmlns:a16="http://schemas.microsoft.com/office/drawing/2014/main" val="4160022659"/>
                     </a:ext>
                   </a:extLst>
                 </a:gridCol>
@@ -6142,7 +6145,7 @@
                 </a:tc>
                 <a:extLst>
                   <a:ext uri="{0D108BD9-81ED-4DB2-BD59-A6C34878D82A}">
-                    <a16:rowId xmlns:a16="http://schemas.microsoft.com/office/drawing/2014/main" xmlns="" val="4282801958"/>
+                    <a16:rowId xmlns:a16="http://schemas.microsoft.com/office/drawing/2014/main" val="4282801958"/>
                   </a:ext>
                 </a:extLst>
               </a:tr>
@@ -6159,7 +6162,7 @@
                 </a:tc>
                 <a:extLst>
                   <a:ext uri="{0D108BD9-81ED-4DB2-BD59-A6C34878D82A}">
-                    <a16:rowId xmlns:a16="http://schemas.microsoft.com/office/drawing/2014/main" xmlns="" val="798434366"/>
+                    <a16:rowId xmlns:a16="http://schemas.microsoft.com/office/drawing/2014/main" val="798434366"/>
                   </a:ext>
                 </a:extLst>
               </a:tr>
@@ -6187,7 +6190,7 @@
                 </a:tc>
                 <a:extLst>
                   <a:ext uri="{0D108BD9-81ED-4DB2-BD59-A6C34878D82A}">
-                    <a16:rowId xmlns:a16="http://schemas.microsoft.com/office/drawing/2014/main" xmlns="" val="2169252965"/>
+                    <a16:rowId xmlns:a16="http://schemas.microsoft.com/office/drawing/2014/main" val="2169252965"/>
                   </a:ext>
                 </a:extLst>
               </a:tr>
@@ -6204,7 +6207,7 @@
                 </a:tc>
                 <a:extLst>
                   <a:ext uri="{0D108BD9-81ED-4DB2-BD59-A6C34878D82A}">
-                    <a16:rowId xmlns:a16="http://schemas.microsoft.com/office/drawing/2014/main" xmlns="" val="1524533945"/>
+                    <a16:rowId xmlns:a16="http://schemas.microsoft.com/office/drawing/2014/main" val="1524533945"/>
                   </a:ext>
                 </a:extLst>
               </a:tr>
@@ -6221,7 +6224,7 @@
                 </a:tc>
                 <a:extLst>
                   <a:ext uri="{0D108BD9-81ED-4DB2-BD59-A6C34878D82A}">
-                    <a16:rowId xmlns:a16="http://schemas.microsoft.com/office/drawing/2014/main" xmlns="" val="409864673"/>
+                    <a16:rowId xmlns:a16="http://schemas.microsoft.com/office/drawing/2014/main" val="409864673"/>
                   </a:ext>
                 </a:extLst>
               </a:tr>
@@ -6238,7 +6241,7 @@
                 </a:tc>
                 <a:extLst>
                   <a:ext uri="{0D108BD9-81ED-4DB2-BD59-A6C34878D82A}">
-                    <a16:rowId xmlns:a16="http://schemas.microsoft.com/office/drawing/2014/main" xmlns="" val="2991110043"/>
+                    <a16:rowId xmlns:a16="http://schemas.microsoft.com/office/drawing/2014/main" val="2991110043"/>
                   </a:ext>
                 </a:extLst>
               </a:tr>
@@ -6255,7 +6258,7 @@
                 </a:tc>
                 <a:extLst>
                   <a:ext uri="{0D108BD9-81ED-4DB2-BD59-A6C34878D82A}">
-                    <a16:rowId xmlns:a16="http://schemas.microsoft.com/office/drawing/2014/main" xmlns="" val="2186952955"/>
+                    <a16:rowId xmlns:a16="http://schemas.microsoft.com/office/drawing/2014/main" val="2186952955"/>
                   </a:ext>
                 </a:extLst>
               </a:tr>
@@ -6272,7 +6275,7 @@
                 </a:tc>
                 <a:extLst>
                   <a:ext uri="{0D108BD9-81ED-4DB2-BD59-A6C34878D82A}">
-                    <a16:rowId xmlns:a16="http://schemas.microsoft.com/office/drawing/2014/main" xmlns="" val="1603927885"/>
+                    <a16:rowId xmlns:a16="http://schemas.microsoft.com/office/drawing/2014/main" val="1603927885"/>
                   </a:ext>
                 </a:extLst>
               </a:tr>
@@ -6289,7 +6292,7 @@
                 </a:tc>
                 <a:extLst>
                   <a:ext uri="{0D108BD9-81ED-4DB2-BD59-A6C34878D82A}">
-                    <a16:rowId xmlns:a16="http://schemas.microsoft.com/office/drawing/2014/main" xmlns="" val="1920198281"/>
+                    <a16:rowId xmlns:a16="http://schemas.microsoft.com/office/drawing/2014/main" val="1920198281"/>
                   </a:ext>
                 </a:extLst>
               </a:tr>
@@ -6306,7 +6309,7 @@
                 </a:tc>
                 <a:extLst>
                   <a:ext uri="{0D108BD9-81ED-4DB2-BD59-A6C34878D82A}">
-                    <a16:rowId xmlns:a16="http://schemas.microsoft.com/office/drawing/2014/main" xmlns="" val="3322929971"/>
+                    <a16:rowId xmlns:a16="http://schemas.microsoft.com/office/drawing/2014/main" val="3322929971"/>
                   </a:ext>
                 </a:extLst>
               </a:tr>
@@ -6564,7 +6567,7 @@
                 <a:gridCol w="1384916">
                   <a:extLst>
                     <a:ext uri="{9D8B030D-6E8A-4147-A177-3AD203B41FA5}">
-                      <a16:colId xmlns:a16="http://schemas.microsoft.com/office/drawing/2014/main" xmlns="" val="4160022659"/>
+                      <a16:colId xmlns:a16="http://schemas.microsoft.com/office/drawing/2014/main" val="4160022659"/>
                     </a:ext>
                   </a:extLst>
                 </a:gridCol>
@@ -6582,7 +6585,7 @@
                 </a:tc>
                 <a:extLst>
                   <a:ext uri="{0D108BD9-81ED-4DB2-BD59-A6C34878D82A}">
-                    <a16:rowId xmlns:a16="http://schemas.microsoft.com/office/drawing/2014/main" xmlns="" val="4282801958"/>
+                    <a16:rowId xmlns:a16="http://schemas.microsoft.com/office/drawing/2014/main" val="4282801958"/>
                   </a:ext>
                 </a:extLst>
               </a:tr>
@@ -6599,7 +6602,7 @@
                 </a:tc>
                 <a:extLst>
                   <a:ext uri="{0D108BD9-81ED-4DB2-BD59-A6C34878D82A}">
-                    <a16:rowId xmlns:a16="http://schemas.microsoft.com/office/drawing/2014/main" xmlns="" val="798434366"/>
+                    <a16:rowId xmlns:a16="http://schemas.microsoft.com/office/drawing/2014/main" val="798434366"/>
                   </a:ext>
                 </a:extLst>
               </a:tr>
@@ -6627,7 +6630,7 @@
                 </a:tc>
                 <a:extLst>
                   <a:ext uri="{0D108BD9-81ED-4DB2-BD59-A6C34878D82A}">
-                    <a16:rowId xmlns:a16="http://schemas.microsoft.com/office/drawing/2014/main" xmlns="" val="2169252965"/>
+                    <a16:rowId xmlns:a16="http://schemas.microsoft.com/office/drawing/2014/main" val="2169252965"/>
                   </a:ext>
                 </a:extLst>
               </a:tr>
@@ -6644,7 +6647,7 @@
                 </a:tc>
                 <a:extLst>
                   <a:ext uri="{0D108BD9-81ED-4DB2-BD59-A6C34878D82A}">
-                    <a16:rowId xmlns:a16="http://schemas.microsoft.com/office/drawing/2014/main" xmlns="" val="1524533945"/>
+                    <a16:rowId xmlns:a16="http://schemas.microsoft.com/office/drawing/2014/main" val="1524533945"/>
                   </a:ext>
                 </a:extLst>
               </a:tr>
@@ -6661,7 +6664,7 @@
                 </a:tc>
                 <a:extLst>
                   <a:ext uri="{0D108BD9-81ED-4DB2-BD59-A6C34878D82A}">
-                    <a16:rowId xmlns:a16="http://schemas.microsoft.com/office/drawing/2014/main" xmlns="" val="409864673"/>
+                    <a16:rowId xmlns:a16="http://schemas.microsoft.com/office/drawing/2014/main" val="409864673"/>
                   </a:ext>
                 </a:extLst>
               </a:tr>
@@ -6678,7 +6681,7 @@
                 </a:tc>
                 <a:extLst>
                   <a:ext uri="{0D108BD9-81ED-4DB2-BD59-A6C34878D82A}">
-                    <a16:rowId xmlns:a16="http://schemas.microsoft.com/office/drawing/2014/main" xmlns="" val="2991110043"/>
+                    <a16:rowId xmlns:a16="http://schemas.microsoft.com/office/drawing/2014/main" val="2991110043"/>
                   </a:ext>
                 </a:extLst>
               </a:tr>
@@ -6695,7 +6698,7 @@
                 </a:tc>
                 <a:extLst>
                   <a:ext uri="{0D108BD9-81ED-4DB2-BD59-A6C34878D82A}">
-                    <a16:rowId xmlns:a16="http://schemas.microsoft.com/office/drawing/2014/main" xmlns="" val="2186952955"/>
+                    <a16:rowId xmlns:a16="http://schemas.microsoft.com/office/drawing/2014/main" val="2186952955"/>
                   </a:ext>
                 </a:extLst>
               </a:tr>
@@ -6712,7 +6715,7 @@
                 </a:tc>
                 <a:extLst>
                   <a:ext uri="{0D108BD9-81ED-4DB2-BD59-A6C34878D82A}">
-                    <a16:rowId xmlns:a16="http://schemas.microsoft.com/office/drawing/2014/main" xmlns="" val="1603927885"/>
+                    <a16:rowId xmlns:a16="http://schemas.microsoft.com/office/drawing/2014/main" val="1603927885"/>
                   </a:ext>
                 </a:extLst>
               </a:tr>
@@ -6729,7 +6732,7 @@
                 </a:tc>
                 <a:extLst>
                   <a:ext uri="{0D108BD9-81ED-4DB2-BD59-A6C34878D82A}">
-                    <a16:rowId xmlns:a16="http://schemas.microsoft.com/office/drawing/2014/main" xmlns="" val="1920198281"/>
+                    <a16:rowId xmlns:a16="http://schemas.microsoft.com/office/drawing/2014/main" val="1920198281"/>
                   </a:ext>
                 </a:extLst>
               </a:tr>
@@ -6746,7 +6749,7 @@
                 </a:tc>
                 <a:extLst>
                   <a:ext uri="{0D108BD9-81ED-4DB2-BD59-A6C34878D82A}">
-                    <a16:rowId xmlns:a16="http://schemas.microsoft.com/office/drawing/2014/main" xmlns="" val="3322929971"/>
+                    <a16:rowId xmlns:a16="http://schemas.microsoft.com/office/drawing/2014/main" val="3322929971"/>
                   </a:ext>
                 </a:extLst>
               </a:tr>
@@ -6994,7 +6997,7 @@
                 <a:gridCol w="1384916">
                   <a:extLst>
                     <a:ext uri="{9D8B030D-6E8A-4147-A177-3AD203B41FA5}">
-                      <a16:colId xmlns:a16="http://schemas.microsoft.com/office/drawing/2014/main" xmlns="" val="4160022659"/>
+                      <a16:colId xmlns:a16="http://schemas.microsoft.com/office/drawing/2014/main" val="4160022659"/>
                     </a:ext>
                   </a:extLst>
                 </a:gridCol>
@@ -7012,7 +7015,7 @@
                 </a:tc>
                 <a:extLst>
                   <a:ext uri="{0D108BD9-81ED-4DB2-BD59-A6C34878D82A}">
-                    <a16:rowId xmlns:a16="http://schemas.microsoft.com/office/drawing/2014/main" xmlns="" val="4282801958"/>
+                    <a16:rowId xmlns:a16="http://schemas.microsoft.com/office/drawing/2014/main" val="4282801958"/>
                   </a:ext>
                 </a:extLst>
               </a:tr>
@@ -7029,7 +7032,7 @@
                 </a:tc>
                 <a:extLst>
                   <a:ext uri="{0D108BD9-81ED-4DB2-BD59-A6C34878D82A}">
-                    <a16:rowId xmlns:a16="http://schemas.microsoft.com/office/drawing/2014/main" xmlns="" val="798434366"/>
+                    <a16:rowId xmlns:a16="http://schemas.microsoft.com/office/drawing/2014/main" val="798434366"/>
                   </a:ext>
                 </a:extLst>
               </a:tr>
@@ -7053,7 +7056,7 @@
                 </a:tc>
                 <a:extLst>
                   <a:ext uri="{0D108BD9-81ED-4DB2-BD59-A6C34878D82A}">
-                    <a16:rowId xmlns:a16="http://schemas.microsoft.com/office/drawing/2014/main" xmlns="" val="2169252965"/>
+                    <a16:rowId xmlns:a16="http://schemas.microsoft.com/office/drawing/2014/main" val="2169252965"/>
                   </a:ext>
                 </a:extLst>
               </a:tr>
@@ -7070,7 +7073,7 @@
                 </a:tc>
                 <a:extLst>
                   <a:ext uri="{0D108BD9-81ED-4DB2-BD59-A6C34878D82A}">
-                    <a16:rowId xmlns:a16="http://schemas.microsoft.com/office/drawing/2014/main" xmlns="" val="1524533945"/>
+                    <a16:rowId xmlns:a16="http://schemas.microsoft.com/office/drawing/2014/main" val="1524533945"/>
                   </a:ext>
                 </a:extLst>
               </a:tr>
@@ -7087,7 +7090,7 @@
                 </a:tc>
                 <a:extLst>
                   <a:ext uri="{0D108BD9-81ED-4DB2-BD59-A6C34878D82A}">
-                    <a16:rowId xmlns:a16="http://schemas.microsoft.com/office/drawing/2014/main" xmlns="" val="409864673"/>
+                    <a16:rowId xmlns:a16="http://schemas.microsoft.com/office/drawing/2014/main" val="409864673"/>
                   </a:ext>
                 </a:extLst>
               </a:tr>
@@ -7104,7 +7107,7 @@
                 </a:tc>
                 <a:extLst>
                   <a:ext uri="{0D108BD9-81ED-4DB2-BD59-A6C34878D82A}">
-                    <a16:rowId xmlns:a16="http://schemas.microsoft.com/office/drawing/2014/main" xmlns="" val="2991110043"/>
+                    <a16:rowId xmlns:a16="http://schemas.microsoft.com/office/drawing/2014/main" val="2991110043"/>
                   </a:ext>
                 </a:extLst>
               </a:tr>
@@ -7121,7 +7124,7 @@
                 </a:tc>
                 <a:extLst>
                   <a:ext uri="{0D108BD9-81ED-4DB2-BD59-A6C34878D82A}">
-                    <a16:rowId xmlns:a16="http://schemas.microsoft.com/office/drawing/2014/main" xmlns="" val="2186952955"/>
+                    <a16:rowId xmlns:a16="http://schemas.microsoft.com/office/drawing/2014/main" val="2186952955"/>
                   </a:ext>
                 </a:extLst>
               </a:tr>
@@ -7138,7 +7141,7 @@
                 </a:tc>
                 <a:extLst>
                   <a:ext uri="{0D108BD9-81ED-4DB2-BD59-A6C34878D82A}">
-                    <a16:rowId xmlns:a16="http://schemas.microsoft.com/office/drawing/2014/main" xmlns="" val="1603927885"/>
+                    <a16:rowId xmlns:a16="http://schemas.microsoft.com/office/drawing/2014/main" val="1603927885"/>
                   </a:ext>
                 </a:extLst>
               </a:tr>
@@ -7155,7 +7158,7 @@
                 </a:tc>
                 <a:extLst>
                   <a:ext uri="{0D108BD9-81ED-4DB2-BD59-A6C34878D82A}">
-                    <a16:rowId xmlns:a16="http://schemas.microsoft.com/office/drawing/2014/main" xmlns="" val="1920198281"/>
+                    <a16:rowId xmlns:a16="http://schemas.microsoft.com/office/drawing/2014/main" val="1920198281"/>
                   </a:ext>
                 </a:extLst>
               </a:tr>
@@ -7172,7 +7175,7 @@
                 </a:tc>
                 <a:extLst>
                   <a:ext uri="{0D108BD9-81ED-4DB2-BD59-A6C34878D82A}">
-                    <a16:rowId xmlns:a16="http://schemas.microsoft.com/office/drawing/2014/main" xmlns="" val="3322929971"/>
+                    <a16:rowId xmlns:a16="http://schemas.microsoft.com/office/drawing/2014/main" val="3322929971"/>
                   </a:ext>
                 </a:extLst>
               </a:tr>

--- a/docs/slides/06/06_hash_maps.pptx
+++ b/docs/slides/06/06_hash_maps.pptx
@@ -5,7 +5,7 @@
     <p:sldMasterId id="2147483648" r:id="rId1"/>
   </p:sldMasterIdLst>
   <p:notesMasterIdLst>
-    <p:notesMasterId r:id="rId17"/>
+    <p:notesMasterId r:id="rId19"/>
   </p:notesMasterIdLst>
   <p:sldIdLst>
     <p:sldId id="281" r:id="rId2"/>
@@ -16,13 +16,15 @@
     <p:sldId id="287" r:id="rId7"/>
     <p:sldId id="288" r:id="rId8"/>
     <p:sldId id="289" r:id="rId9"/>
-    <p:sldId id="290" r:id="rId10"/>
-    <p:sldId id="291" r:id="rId11"/>
-    <p:sldId id="292" r:id="rId12"/>
-    <p:sldId id="293" r:id="rId13"/>
-    <p:sldId id="294" r:id="rId14"/>
-    <p:sldId id="295" r:id="rId15"/>
-    <p:sldId id="282" r:id="rId16"/>
+    <p:sldId id="297" r:id="rId10"/>
+    <p:sldId id="295" r:id="rId11"/>
+    <p:sldId id="290" r:id="rId12"/>
+    <p:sldId id="291" r:id="rId13"/>
+    <p:sldId id="292" r:id="rId14"/>
+    <p:sldId id="293" r:id="rId15"/>
+    <p:sldId id="294" r:id="rId16"/>
+    <p:sldId id="296" r:id="rId17"/>
+    <p:sldId id="282" r:id="rId18"/>
   </p:sldIdLst>
   <p:sldSz cx="13004800" cy="9753600"/>
   <p:notesSz cx="6858000" cy="9144000"/>
@@ -2170,7 +2172,7 @@
           </a:ln>
           <a:extLst>
             <a:ext uri="{C572A759-6A51-4108-AA02-DFA0A04FC94B}">
-              <ma14:wrappingTextBoxFlag xmlns:ma14="http://schemas.microsoft.com/office/mac/drawingml/2011/main" xmlns="" val="1"/>
+              <ma14:wrappingTextBoxFlag xmlns="" xmlns:ma14="http://schemas.microsoft.com/office/mac/drawingml/2011/main" val="1"/>
             </a:ext>
           </a:extLst>
         </p:spPr>
@@ -2209,7 +2211,7 @@
           </a:ln>
           <a:extLst>
             <a:ext uri="{C572A759-6A51-4108-AA02-DFA0A04FC94B}">
-              <ma14:wrappingTextBoxFlag xmlns:ma14="http://schemas.microsoft.com/office/mac/drawingml/2011/main" xmlns="" val="1"/>
+              <ma14:wrappingTextBoxFlag xmlns="" xmlns:ma14="http://schemas.microsoft.com/office/mac/drawingml/2011/main" val="1"/>
             </a:ext>
           </a:extLst>
         </p:spPr>
@@ -3192,11 +3194,7 @@
             <a:pPr algn="r"/>
             <a:r>
               <a:rPr lang="en-US" smtClean="0"/>
-              <a:t>Prof</a:t>
-            </a:r>
-            <a:r>
-              <a:rPr lang="en-US" smtClean="0"/>
-              <a:t>. </a:t>
+              <a:t>Prof. </a:t>
             </a:r>
             <a:r>
               <a:rPr lang="en-US" dirty="0" smtClean="0"/>
@@ -3260,8 +3258,8 @@
           <a:lstStyle/>
           <a:p>
             <a:r>
-              <a:rPr lang="en-US" dirty="0" smtClean="0"/>
-              <a:t>Hash or RBT?</a:t>
+              <a:rPr lang="en-US" dirty="0" err="1" smtClean="0"/>
+              <a:t>java.lang.Object</a:t>
             </a:r>
             <a:endParaRPr lang="en-US" dirty="0"/>
           </a:p>
@@ -3279,8 +3277,8 @@
         </p:nvSpPr>
         <p:spPr>
           <a:xfrm>
-            <a:off x="307909" y="2603499"/>
-            <a:ext cx="12447037" cy="6867071"/>
+            <a:off x="289249" y="2603499"/>
+            <a:ext cx="12437706" cy="6913725"/>
           </a:xfrm>
         </p:spPr>
         <p:txBody>
@@ -3290,68 +3288,148 @@
           <a:lstStyle/>
           <a:p>
             <a:r>
-              <a:rPr lang="en-US" dirty="0" smtClean="0"/>
-              <a:t>Hash Maps is the most popular and widely used</a:t>
-            </a:r>
-          </a:p>
-          <a:p>
-            <a:r>
-              <a:rPr lang="en-US" dirty="0" smtClean="0"/>
-              <a:t>If you know how much data you </a:t>
+              <a:rPr lang="en-US" i="1" dirty="0" smtClean="0"/>
+              <a:t>Object</a:t>
+            </a:r>
+            <a:r>
+              <a:rPr lang="en-US" dirty="0" smtClean="0"/>
+              <a:t> does define two methods: </a:t>
+            </a:r>
+            <a:r>
+              <a:rPr lang="en-US" i="1" dirty="0" err="1" smtClean="0"/>
+              <a:t>hashCode</a:t>
+            </a:r>
+            <a:r>
+              <a:rPr lang="en-US" i="1" dirty="0" smtClean="0"/>
+              <a:t>() </a:t>
+            </a:r>
+            <a:r>
+              <a:rPr lang="en-US" dirty="0" smtClean="0"/>
+              <a:t>and </a:t>
+            </a:r>
+            <a:r>
+              <a:rPr lang="en-US" i="1" dirty="0" smtClean="0"/>
+              <a:t>equals()</a:t>
+            </a:r>
+          </a:p>
+          <a:p>
+            <a:r>
+              <a:rPr lang="en-US" dirty="0" smtClean="0"/>
+              <a:t>Those methods will depend on the internal fields of the object</a:t>
+            </a:r>
+          </a:p>
+          <a:p>
+            <a:r>
+              <a:rPr lang="en-US" i="1" dirty="0" smtClean="0"/>
+              <a:t>Important</a:t>
+            </a:r>
+            <a:r>
+              <a:rPr lang="en-US" dirty="0" smtClean="0"/>
+              <a:t>: if two objects are equals, then they </a:t>
+            </a:r>
+            <a:r>
+              <a:rPr lang="en-US" b="1" dirty="0" smtClean="0"/>
+              <a:t>MUST</a:t>
+            </a:r>
+            <a:r>
+              <a:rPr lang="en-US" dirty="0" smtClean="0"/>
+              <a:t> have same hash code </a:t>
+            </a:r>
+          </a:p>
+          <a:p>
+            <a:pPr lvl="1"/>
+            <a:r>
+              <a:rPr lang="en-US" i="1" dirty="0" err="1" smtClean="0"/>
+              <a:t>A.equals</a:t>
+            </a:r>
+            <a:r>
+              <a:rPr lang="en-US" i="1" dirty="0" smtClean="0"/>
+              <a:t>(B)</a:t>
+            </a:r>
+            <a:r>
+              <a:rPr lang="en-US" dirty="0" smtClean="0"/>
+              <a:t> implies </a:t>
+            </a:r>
+            <a:r>
+              <a:rPr lang="en-US" i="1" dirty="0" err="1" smtClean="0"/>
+              <a:t>A.hashCode</a:t>
+            </a:r>
+            <a:r>
+              <a:rPr lang="en-US" i="1" dirty="0" smtClean="0"/>
+              <a:t>()==</a:t>
+            </a:r>
+            <a:r>
+              <a:rPr lang="en-US" i="1" dirty="0" err="1" smtClean="0"/>
+              <a:t>B.hashCode</a:t>
+            </a:r>
+            <a:r>
+              <a:rPr lang="en-US" i="1" dirty="0" smtClean="0"/>
+              <a:t>()</a:t>
+            </a:r>
+          </a:p>
+          <a:p>
+            <a:pPr lvl="1"/>
+            <a:r>
+              <a:rPr lang="en-US" dirty="0" smtClean="0"/>
+              <a:t>The vice-versa is not necessarily true, </a:t>
             </a:r>
             <a:r>
               <a:rPr lang="en-US" dirty="0" err="1" smtClean="0"/>
-              <a:t>ll</a:t>
-            </a:r>
-            <a:r>
-              <a:rPr lang="en-US" dirty="0" smtClean="0"/>
-              <a:t> insert at most, can choose a good large enough M</a:t>
-            </a:r>
-          </a:p>
-          <a:p>
-            <a:r>
-              <a:rPr lang="en-US" dirty="0" smtClean="0"/>
-              <a:t>So in most cases, we are in O(1) Hash vs O(log N) RBT</a:t>
-            </a:r>
-          </a:p>
-          <a:p>
-            <a:r>
-              <a:rPr lang="en-US" dirty="0" smtClean="0"/>
-              <a:t>But Hash can be O(N) in worst case, vs RBT </a:t>
-            </a:r>
-            <a:r>
-              <a:rPr lang="en-US" b="1" dirty="0" smtClean="0"/>
-              <a:t>guarantees</a:t>
-            </a:r>
-            <a:r>
-              <a:rPr lang="en-US" dirty="0" smtClean="0"/>
-              <a:t> O(log N) in all cases</a:t>
-            </a:r>
-          </a:p>
-          <a:p>
-            <a:pPr lvl="1"/>
-            <a:r>
-              <a:rPr lang="en-US" dirty="0" err="1" smtClean="0"/>
-              <a:t>eg</a:t>
-            </a:r>
-            <a:r>
-              <a:rPr lang="en-US" dirty="0" smtClean="0"/>
-              <a:t>, in critical systems where you MUST guarantee a response within a certain amount of time, might want to use RBT</a:t>
-            </a:r>
-          </a:p>
-          <a:p>
-            <a:r>
-              <a:rPr lang="en-US" dirty="0" smtClean="0"/>
-              <a:t>Hash does not need ordering of keys</a:t>
-            </a:r>
-            <a:endParaRPr lang="en-US" dirty="0"/>
+              <a:t>ie</a:t>
+            </a:r>
+            <a:r>
+              <a:rPr lang="en-US" dirty="0" smtClean="0"/>
+              <a:t> </a:t>
+            </a:r>
+            <a:r>
+              <a:rPr lang="en-US" i="1" dirty="0" err="1"/>
+              <a:t>A.hashCode</a:t>
+            </a:r>
+            <a:r>
+              <a:rPr lang="en-US" i="1" dirty="0"/>
+              <a:t>()==</a:t>
+            </a:r>
+            <a:r>
+              <a:rPr lang="en-US" i="1" dirty="0" err="1"/>
+              <a:t>B.hashCode</a:t>
+            </a:r>
+            <a:r>
+              <a:rPr lang="en-US" i="1" dirty="0" smtClean="0"/>
+              <a:t>()</a:t>
+            </a:r>
+            <a:r>
+              <a:rPr lang="en-US" dirty="0" smtClean="0"/>
+              <a:t> does not imply </a:t>
+            </a:r>
+            <a:r>
+              <a:rPr lang="en-US" i="1" dirty="0" err="1"/>
+              <a:t>A.equals</a:t>
+            </a:r>
+            <a:r>
+              <a:rPr lang="en-US" i="1" dirty="0"/>
+              <a:t>(B</a:t>
+            </a:r>
+            <a:r>
+              <a:rPr lang="en-US" i="1" dirty="0" smtClean="0"/>
+              <a:t>)</a:t>
+            </a:r>
+            <a:r>
+              <a:rPr lang="en-US" dirty="0" smtClean="0"/>
+              <a:t>, although that could happen</a:t>
+            </a:r>
+          </a:p>
+          <a:p>
+            <a:r>
+              <a:rPr lang="en-US" dirty="0" smtClean="0"/>
+              <a:t>What if constraint is not satisfied? Expect weird bugs when using maps and sets… </a:t>
+            </a:r>
           </a:p>
         </p:txBody>
       </p:sp>
     </p:spTree>
     <p:extLst>
       <p:ext uri="{BB962C8B-B14F-4D97-AF65-F5344CB8AC3E}">
-        <p14:creationId xmlns:p14="http://schemas.microsoft.com/office/powerpoint/2010/main" val="2899007638"/>
+        <p14:creationId xmlns:p14="http://schemas.microsoft.com/office/powerpoint/2010/main" val="456350598"/>
       </p:ext>
     </p:extLst>
   </p:cSld>
@@ -3396,7 +3474,7 @@
           <a:p>
             <a:r>
               <a:rPr lang="en-US" dirty="0" smtClean="0"/>
-              <a:t>Set</a:t>
+              <a:t>Cost</a:t>
             </a:r>
             <a:endParaRPr lang="en-US" dirty="0"/>
           </a:p>
@@ -3412,42 +3490,22 @@
             <p:ph type="body" idx="1"/>
           </p:nvPr>
         </p:nvSpPr>
-        <p:spPr>
-          <a:xfrm>
-            <a:off x="242596" y="2603500"/>
-            <a:ext cx="11809704" cy="6286500"/>
-          </a:xfrm>
-        </p:spPr>
+        <p:spPr/>
         <p:txBody>
           <a:bodyPr/>
           <a:lstStyle/>
           <a:p>
             <a:r>
               <a:rPr lang="en-US" dirty="0" smtClean="0"/>
-              <a:t>In mathematics, a </a:t>
-            </a:r>
-            <a:r>
-              <a:rPr lang="en-US" i="1" dirty="0" smtClean="0"/>
-              <a:t>set</a:t>
-            </a:r>
-            <a:r>
-              <a:rPr lang="en-US" dirty="0" smtClean="0"/>
-              <a:t> is a collection of elements where:</a:t>
-            </a:r>
-          </a:p>
-          <a:p>
-            <a:pPr lvl="1"/>
-            <a:r>
-              <a:rPr lang="en-US" dirty="0" smtClean="0"/>
-              <a:t>1) </a:t>
-            </a:r>
-            <a:r>
-              <a:rPr lang="en-US" i="1" dirty="0" smtClean="0"/>
-              <a:t>ordering is not important</a:t>
-            </a:r>
-            <a:r>
-              <a:rPr lang="en-US" dirty="0" smtClean="0"/>
-              <a:t>: </a:t>
+              <a:t>Worst case: </a:t>
+            </a:r>
+            <a:r>
+              <a:rPr lang="en-US" b="1" dirty="0" smtClean="0"/>
+              <a:t>O(N)</a:t>
+            </a:r>
+            <a:r>
+              <a:rPr lang="en-US" dirty="0" smtClean="0"/>
+              <a:t> if all elements end up in same “bucket” (</a:t>
             </a:r>
             <a:r>
               <a:rPr lang="en-US" dirty="0" err="1" smtClean="0"/>
@@ -3455,42 +3513,59 @@
             </a:r>
             <a:r>
               <a:rPr lang="en-US" dirty="0" smtClean="0"/>
-              <a:t> {1,2,3} is equivalent to {2,3,1}</a:t>
+              <a:t> same value for </a:t>
+            </a:r>
+            <a:r>
+              <a:rPr lang="en-US" i="1" dirty="0" smtClean="0"/>
+              <a:t>h()%M</a:t>
+            </a:r>
+            <a:r>
+              <a:rPr lang="en-US" dirty="0" smtClean="0"/>
+              <a:t>), the map would be equivalent to a list</a:t>
             </a:r>
           </a:p>
           <a:p>
             <a:pPr lvl="1"/>
             <a:r>
-              <a:rPr lang="en-US" dirty="0" smtClean="0"/>
-              <a:t>2) </a:t>
-            </a:r>
-            <a:r>
-              <a:rPr lang="en-US" i="1" dirty="0" smtClean="0"/>
-              <a:t>no repetitions</a:t>
-            </a:r>
-            <a:r>
-              <a:rPr lang="en-US" dirty="0" smtClean="0"/>
-              <a:t>: </a:t>
-            </a:r>
-            <a:r>
-              <a:rPr lang="en-US" dirty="0" err="1" smtClean="0"/>
-              <a:t>ie</a:t>
-            </a:r>
-            <a:r>
-              <a:rPr lang="en-US" dirty="0" smtClean="0"/>
-              <a:t> {1,2} is the same as {2,1,1,2,2,1,1,2,1}</a:t>
-            </a:r>
-          </a:p>
-          <a:p>
-            <a:r>
-              <a:rPr lang="en-US" dirty="0" smtClean="0"/>
-              <a:t>How to implement a Set in Java?</a:t>
-            </a:r>
-          </a:p>
-          <a:p>
-            <a:r>
-              <a:rPr lang="en-US" dirty="0" smtClean="0"/>
-              <a:t>Easy: use an internal Map&lt;K,V&gt; were your values in the set are the keys K, and you just ignore the values V</a:t>
+              <a:rPr lang="en-US" dirty="0"/>
+              <a:t>o</a:t>
+            </a:r>
+            <a:r>
+              <a:rPr lang="en-US" dirty="0" smtClean="0"/>
+              <a:t>perations to search on list would be O(N), albeit insert would be O(1) </a:t>
+            </a:r>
+          </a:p>
+          <a:p>
+            <a:r>
+              <a:rPr lang="en-US" dirty="0" smtClean="0"/>
+              <a:t>But, </a:t>
+            </a:r>
+            <a:r>
+              <a:rPr lang="en-US" b="1" dirty="0" smtClean="0"/>
+              <a:t>if</a:t>
+            </a:r>
+            <a:r>
+              <a:rPr lang="en-US" dirty="0" smtClean="0"/>
+              <a:t> M large enough compared to N, and hash function is uniform enough, you can have a </a:t>
+            </a:r>
+            <a:r>
+              <a:rPr lang="en-US" b="1" dirty="0" smtClean="0"/>
+              <a:t>O(1) </a:t>
+            </a:r>
+            <a:r>
+              <a:rPr lang="en-US" dirty="0" smtClean="0"/>
+              <a:t>cost in many cases</a:t>
+            </a:r>
+          </a:p>
+          <a:p>
+            <a:pPr lvl="1"/>
+            <a:r>
+              <a:rPr lang="en-US" dirty="0"/>
+              <a:t>e</a:t>
+            </a:r>
+            <a:r>
+              <a:rPr lang="en-US" dirty="0" smtClean="0"/>
+              <a:t>ven if you have some collisions, it will not be a problem, as you would have a small number of elements in the list </a:t>
             </a:r>
             <a:endParaRPr lang="en-US" dirty="0"/>
           </a:p>
@@ -3499,7 +3574,7 @@
     </p:spTree>
     <p:extLst>
       <p:ext uri="{BB962C8B-B14F-4D97-AF65-F5344CB8AC3E}">
-        <p14:creationId xmlns:p14="http://schemas.microsoft.com/office/powerpoint/2010/main" val="3617998510"/>
+        <p14:creationId xmlns:p14="http://schemas.microsoft.com/office/powerpoint/2010/main" val="2733894855"/>
       </p:ext>
     </p:extLst>
   </p:cSld>
@@ -3544,7 +3619,7 @@
           <a:p>
             <a:r>
               <a:rPr lang="en-US" dirty="0" smtClean="0"/>
-              <a:t>Keys and Immutability</a:t>
+              <a:t>Hash or RBT?</a:t>
             </a:r>
             <a:endParaRPr lang="en-US" dirty="0"/>
           </a:p>
@@ -3562,27 +3637,85 @@
         </p:nvSpPr>
         <p:spPr>
           <a:xfrm>
-            <a:off x="326571" y="2603500"/>
-            <a:ext cx="11725729" cy="6286500"/>
+            <a:off x="307909" y="2603499"/>
+            <a:ext cx="12447037" cy="6867071"/>
           </a:xfrm>
         </p:spPr>
         <p:txBody>
-          <a:bodyPr/>
+          <a:bodyPr>
+            <a:normAutofit lnSpcReduction="10000"/>
+          </a:bodyPr>
           <a:lstStyle/>
           <a:p>
             <a:r>
+              <a:rPr lang="en-US" dirty="0" smtClean="0"/>
+              <a:t>Hash Maps is the most popular and widely used</a:t>
+            </a:r>
+          </a:p>
+          <a:p>
+            <a:r>
+              <a:rPr lang="en-US" dirty="0" smtClean="0"/>
+              <a:t>If you know how much data you </a:t>
+            </a:r>
+            <a:r>
+              <a:rPr lang="en-US" dirty="0" err="1" smtClean="0"/>
+              <a:t>ll</a:t>
+            </a:r>
+            <a:r>
+              <a:rPr lang="en-US" dirty="0" smtClean="0"/>
+              <a:t> insert at most, can choose a good large enough M</a:t>
+            </a:r>
+          </a:p>
+          <a:p>
+            <a:r>
+              <a:rPr lang="en-US" dirty="0" smtClean="0"/>
+              <a:t>So in most cases, we are in </a:t>
+            </a:r>
+            <a:r>
               <a:rPr lang="en-US" i="1" dirty="0" smtClean="0"/>
-              <a:t>Immutable Object</a:t>
-            </a:r>
-            <a:r>
-              <a:rPr lang="en-US" dirty="0" smtClean="0"/>
-              <a:t>: an object whose state cannot be changed once created</a:t>
-            </a:r>
-          </a:p>
-          <a:p>
-            <a:r>
-              <a:rPr lang="en-US" dirty="0" smtClean="0"/>
-              <a:t>Example: Strings are immutable </a:t>
+              <a:t>O(1)</a:t>
+            </a:r>
+            <a:r>
+              <a:rPr lang="en-US" dirty="0" smtClean="0"/>
+              <a:t> Hash vs </a:t>
+            </a:r>
+            <a:r>
+              <a:rPr lang="en-US" i="1" dirty="0" smtClean="0"/>
+              <a:t>O(log N)</a:t>
+            </a:r>
+            <a:r>
+              <a:rPr lang="en-US" dirty="0" smtClean="0"/>
+              <a:t> RBT</a:t>
+            </a:r>
+          </a:p>
+          <a:p>
+            <a:r>
+              <a:rPr lang="en-US" dirty="0" smtClean="0"/>
+              <a:t>But Hash can be </a:t>
+            </a:r>
+            <a:r>
+              <a:rPr lang="en-US" i="1" dirty="0" smtClean="0"/>
+              <a:t>O(N)</a:t>
+            </a:r>
+            <a:r>
+              <a:rPr lang="en-US" dirty="0" smtClean="0"/>
+              <a:t> in worst case, vs RBT </a:t>
+            </a:r>
+            <a:r>
+              <a:rPr lang="en-US" b="1" dirty="0" smtClean="0"/>
+              <a:t>guarantees</a:t>
+            </a:r>
+            <a:r>
+              <a:rPr lang="en-US" dirty="0" smtClean="0"/>
+              <a:t> </a:t>
+            </a:r>
+            <a:r>
+              <a:rPr lang="en-US" i="1" dirty="0" smtClean="0"/>
+              <a:t>O(log N)</a:t>
+            </a:r>
+            <a:r>
+              <a:rPr lang="en-US" dirty="0" smtClean="0"/>
+              <a:t> in all cases</a:t>
             </a:r>
           </a:p>
           <a:p>
@@ -3593,57 +3726,13 @@
             </a:r>
             <a:r>
               <a:rPr lang="en-US" dirty="0" smtClean="0"/>
-              <a:t>, concatenation with + and methods like </a:t>
-            </a:r>
-            <a:r>
-              <a:rPr lang="en-US" i="1" dirty="0" err="1" smtClean="0"/>
-              <a:t>toUpperCase</a:t>
-            </a:r>
-            <a:r>
-              <a:rPr lang="en-US" i="1" dirty="0" smtClean="0"/>
-              <a:t>()</a:t>
-            </a:r>
-            <a:r>
-              <a:rPr lang="en-US" dirty="0" smtClean="0"/>
-              <a:t> and </a:t>
-            </a:r>
-            <a:r>
-              <a:rPr lang="en-US" i="1" dirty="0" smtClean="0"/>
-              <a:t>substring()</a:t>
-            </a:r>
-            <a:r>
-              <a:rPr lang="en-US" dirty="0" smtClean="0"/>
-              <a:t> do NOT change the String, but rather </a:t>
-            </a:r>
-            <a:r>
-              <a:rPr lang="en-US" i="1" dirty="0" smtClean="0"/>
-              <a:t>create</a:t>
-            </a:r>
-            <a:r>
-              <a:rPr lang="en-US" dirty="0" smtClean="0"/>
-              <a:t> a NEW one</a:t>
-            </a:r>
-          </a:p>
-          <a:p>
-            <a:r>
-              <a:rPr lang="en-US" dirty="0" smtClean="0"/>
-              <a:t>Keys in a Map/Set </a:t>
-            </a:r>
-            <a:r>
-              <a:rPr lang="en-US" b="1" dirty="0" smtClean="0"/>
-              <a:t>MUST</a:t>
-            </a:r>
-            <a:r>
-              <a:rPr lang="en-US" dirty="0" smtClean="0"/>
-              <a:t> be </a:t>
-            </a:r>
-            <a:r>
-              <a:rPr lang="en-US" i="1" dirty="0" smtClean="0"/>
-              <a:t>immutable</a:t>
-            </a:r>
-            <a:r>
-              <a:rPr lang="en-US" dirty="0" smtClean="0"/>
-              <a:t>… why?</a:t>
+              <a:t>, in critical systems where you MUST guarantee a response within a certain amount of time, might want to use RBT</a:t>
+            </a:r>
+          </a:p>
+          <a:p>
+            <a:r>
+              <a:rPr lang="en-US" dirty="0" smtClean="0"/>
+              <a:t>Hash does not need ordering of keys</a:t>
             </a:r>
             <a:endParaRPr lang="en-US" dirty="0"/>
           </a:p>
@@ -3652,7 +3741,7 @@
     </p:spTree>
     <p:extLst>
       <p:ext uri="{BB962C8B-B14F-4D97-AF65-F5344CB8AC3E}">
-        <p14:creationId xmlns:p14="http://schemas.microsoft.com/office/powerpoint/2010/main" val="567953678"/>
+        <p14:creationId xmlns:p14="http://schemas.microsoft.com/office/powerpoint/2010/main" val="2899007638"/>
       </p:ext>
     </p:extLst>
   </p:cSld>
@@ -3697,6 +3786,335 @@
           <a:p>
             <a:r>
               <a:rPr lang="en-US" dirty="0" smtClean="0"/>
+              <a:t>Set</a:t>
+            </a:r>
+            <a:endParaRPr lang="en-US" dirty="0"/>
+          </a:p>
+        </p:txBody>
+      </p:sp>
+      <p:sp>
+        <p:nvSpPr>
+          <p:cNvPr id="3" name="Text Placeholder 2"/>
+          <p:cNvSpPr>
+            <a:spLocks noGrp="1"/>
+          </p:cNvSpPr>
+          <p:nvPr>
+            <p:ph type="body" idx="1"/>
+          </p:nvPr>
+        </p:nvSpPr>
+        <p:spPr>
+          <a:xfrm>
+            <a:off x="242596" y="2603500"/>
+            <a:ext cx="11809704" cy="6286500"/>
+          </a:xfrm>
+        </p:spPr>
+        <p:txBody>
+          <a:bodyPr/>
+          <a:lstStyle/>
+          <a:p>
+            <a:r>
+              <a:rPr lang="en-US" dirty="0" smtClean="0"/>
+              <a:t>In mathematics, a </a:t>
+            </a:r>
+            <a:r>
+              <a:rPr lang="en-US" i="1" dirty="0" smtClean="0"/>
+              <a:t>set</a:t>
+            </a:r>
+            <a:r>
+              <a:rPr lang="en-US" dirty="0" smtClean="0"/>
+              <a:t> is a collection of elements where:</a:t>
+            </a:r>
+          </a:p>
+          <a:p>
+            <a:pPr lvl="1"/>
+            <a:r>
+              <a:rPr lang="en-US" dirty="0" smtClean="0"/>
+              <a:t>1) </a:t>
+            </a:r>
+            <a:r>
+              <a:rPr lang="en-US" i="1" dirty="0" smtClean="0"/>
+              <a:t>ordering is not important</a:t>
+            </a:r>
+            <a:r>
+              <a:rPr lang="en-US" dirty="0" smtClean="0"/>
+              <a:t>: </a:t>
+            </a:r>
+            <a:r>
+              <a:rPr lang="en-US" dirty="0" err="1" smtClean="0"/>
+              <a:t>ie</a:t>
+            </a:r>
+            <a:r>
+              <a:rPr lang="en-US" dirty="0" smtClean="0"/>
+              <a:t> {1,2,3} is equivalent to {2,3,1}</a:t>
+            </a:r>
+          </a:p>
+          <a:p>
+            <a:pPr lvl="1"/>
+            <a:r>
+              <a:rPr lang="en-US" dirty="0" smtClean="0"/>
+              <a:t>2) </a:t>
+            </a:r>
+            <a:r>
+              <a:rPr lang="en-US" i="1" dirty="0" smtClean="0"/>
+              <a:t>no repetitions</a:t>
+            </a:r>
+            <a:r>
+              <a:rPr lang="en-US" dirty="0" smtClean="0"/>
+              <a:t>: </a:t>
+            </a:r>
+            <a:r>
+              <a:rPr lang="en-US" dirty="0" err="1" smtClean="0"/>
+              <a:t>ie</a:t>
+            </a:r>
+            <a:r>
+              <a:rPr lang="en-US" dirty="0" smtClean="0"/>
+              <a:t> {1,2} is the same as {2,1,1,2,2,1,1,2,1}</a:t>
+            </a:r>
+          </a:p>
+          <a:p>
+            <a:r>
+              <a:rPr lang="en-US" dirty="0" smtClean="0"/>
+              <a:t>How to implement a Set in Java?</a:t>
+            </a:r>
+          </a:p>
+          <a:p>
+            <a:r>
+              <a:rPr lang="en-US" dirty="0" smtClean="0"/>
+              <a:t>Easy: use an internal </a:t>
+            </a:r>
+            <a:r>
+              <a:rPr lang="en-US" i="1" dirty="0" smtClean="0"/>
+              <a:t>Map&lt;K,V&gt;</a:t>
+            </a:r>
+            <a:r>
+              <a:rPr lang="en-US" dirty="0" smtClean="0"/>
+              <a:t> were your values in the set are the </a:t>
+            </a:r>
+            <a:r>
+              <a:rPr lang="en-US" dirty="0" smtClean="0"/>
+              <a:t>keys </a:t>
+            </a:r>
+            <a:r>
+              <a:rPr lang="en-US" i="1" dirty="0" smtClean="0"/>
+              <a:t>K</a:t>
+            </a:r>
+            <a:r>
+              <a:rPr lang="en-US" dirty="0" smtClean="0"/>
+              <a:t>, </a:t>
+            </a:r>
+            <a:r>
+              <a:rPr lang="en-US" dirty="0" smtClean="0"/>
+              <a:t>and you just ignore the values </a:t>
+            </a:r>
+            <a:r>
+              <a:rPr lang="en-US" i="1" dirty="0" smtClean="0"/>
+              <a:t>V</a:t>
+            </a:r>
+            <a:endParaRPr lang="en-US" i="1" dirty="0"/>
+          </a:p>
+        </p:txBody>
+      </p:sp>
+    </p:spTree>
+    <p:extLst>
+      <p:ext uri="{BB962C8B-B14F-4D97-AF65-F5344CB8AC3E}">
+        <p14:creationId xmlns:p14="http://schemas.microsoft.com/office/powerpoint/2010/main" val="3617998510"/>
+      </p:ext>
+    </p:extLst>
+  </p:cSld>
+  <p:clrMapOvr>
+    <a:masterClrMapping/>
+  </p:clrMapOvr>
+  <p:transition spd="med"/>
+</p:sld>
+</file>
+
+<file path=ppt/slides/slide14.xml><?xml version="1.0" encoding="utf-8"?>
+<p:sld xmlns:a="http://schemas.openxmlformats.org/drawingml/2006/main" xmlns:r="http://schemas.openxmlformats.org/officeDocument/2006/relationships" xmlns:p="http://schemas.openxmlformats.org/presentationml/2006/main">
+  <p:cSld>
+    <p:spTree>
+      <p:nvGrpSpPr>
+        <p:cNvPr id="1" name=""/>
+        <p:cNvGrpSpPr/>
+        <p:nvPr/>
+      </p:nvGrpSpPr>
+      <p:grpSpPr>
+        <a:xfrm>
+          <a:off x="0" y="0"/>
+          <a:ext cx="0" cy="0"/>
+          <a:chOff x="0" y="0"/>
+          <a:chExt cx="0" cy="0"/>
+        </a:xfrm>
+      </p:grpSpPr>
+      <p:sp>
+        <p:nvSpPr>
+          <p:cNvPr id="2" name="Title 1"/>
+          <p:cNvSpPr>
+            <a:spLocks noGrp="1"/>
+          </p:cNvSpPr>
+          <p:nvPr>
+            <p:ph type="title"/>
+          </p:nvPr>
+        </p:nvSpPr>
+        <p:spPr/>
+        <p:txBody>
+          <a:bodyPr/>
+          <a:lstStyle/>
+          <a:p>
+            <a:r>
+              <a:rPr lang="en-US" dirty="0" smtClean="0"/>
+              <a:t>Keys and Immutability</a:t>
+            </a:r>
+            <a:endParaRPr lang="en-US" dirty="0"/>
+          </a:p>
+        </p:txBody>
+      </p:sp>
+      <p:sp>
+        <p:nvSpPr>
+          <p:cNvPr id="3" name="Text Placeholder 2"/>
+          <p:cNvSpPr>
+            <a:spLocks noGrp="1"/>
+          </p:cNvSpPr>
+          <p:nvPr>
+            <p:ph type="body" idx="1"/>
+          </p:nvPr>
+        </p:nvSpPr>
+        <p:spPr>
+          <a:xfrm>
+            <a:off x="326571" y="2603500"/>
+            <a:ext cx="11725729" cy="6286500"/>
+          </a:xfrm>
+        </p:spPr>
+        <p:txBody>
+          <a:bodyPr/>
+          <a:lstStyle/>
+          <a:p>
+            <a:r>
+              <a:rPr lang="en-US" i="1" dirty="0" smtClean="0"/>
+              <a:t>Immutable Object</a:t>
+            </a:r>
+            <a:r>
+              <a:rPr lang="en-US" dirty="0" smtClean="0"/>
+              <a:t>: an object whose state cannot be changed once created</a:t>
+            </a:r>
+          </a:p>
+          <a:p>
+            <a:r>
+              <a:rPr lang="en-US" dirty="0" smtClean="0"/>
+              <a:t>Example: Strings are immutable </a:t>
+            </a:r>
+          </a:p>
+          <a:p>
+            <a:pPr lvl="1"/>
+            <a:r>
+              <a:rPr lang="en-US" dirty="0" err="1" smtClean="0"/>
+              <a:t>eg</a:t>
+            </a:r>
+            <a:r>
+              <a:rPr lang="en-US" dirty="0" smtClean="0"/>
+              <a:t>, concatenation with + and methods like </a:t>
+            </a:r>
+            <a:r>
+              <a:rPr lang="en-US" i="1" dirty="0" err="1" smtClean="0"/>
+              <a:t>toUpperCase</a:t>
+            </a:r>
+            <a:r>
+              <a:rPr lang="en-US" i="1" dirty="0" smtClean="0"/>
+              <a:t>()</a:t>
+            </a:r>
+            <a:r>
+              <a:rPr lang="en-US" dirty="0" smtClean="0"/>
+              <a:t> and </a:t>
+            </a:r>
+            <a:r>
+              <a:rPr lang="en-US" i="1" dirty="0" smtClean="0"/>
+              <a:t>substring()</a:t>
+            </a:r>
+            <a:r>
+              <a:rPr lang="en-US" dirty="0" smtClean="0"/>
+              <a:t> do NOT change the String, but rather </a:t>
+            </a:r>
+            <a:r>
+              <a:rPr lang="en-US" i="1" dirty="0" smtClean="0"/>
+              <a:t>create</a:t>
+            </a:r>
+            <a:r>
+              <a:rPr lang="en-US" dirty="0" smtClean="0"/>
+              <a:t> a NEW one</a:t>
+            </a:r>
+          </a:p>
+          <a:p>
+            <a:r>
+              <a:rPr lang="en-US" dirty="0" smtClean="0"/>
+              <a:t>Keys in a Map/Set </a:t>
+            </a:r>
+            <a:r>
+              <a:rPr lang="en-US" b="1" dirty="0" smtClean="0"/>
+              <a:t>MUST</a:t>
+            </a:r>
+            <a:r>
+              <a:rPr lang="en-US" dirty="0" smtClean="0"/>
+              <a:t> be </a:t>
+            </a:r>
+            <a:r>
+              <a:rPr lang="en-US" i="1" dirty="0" smtClean="0"/>
+              <a:t>immutable</a:t>
+            </a:r>
+            <a:r>
+              <a:rPr lang="en-US" dirty="0" smtClean="0"/>
+              <a:t>… why?</a:t>
+            </a:r>
+            <a:endParaRPr lang="en-US" dirty="0"/>
+          </a:p>
+        </p:txBody>
+      </p:sp>
+    </p:spTree>
+    <p:extLst>
+      <p:ext uri="{BB962C8B-B14F-4D97-AF65-F5344CB8AC3E}">
+        <p14:creationId xmlns:p14="http://schemas.microsoft.com/office/powerpoint/2010/main" val="567953678"/>
+      </p:ext>
+    </p:extLst>
+  </p:cSld>
+  <p:clrMapOvr>
+    <a:masterClrMapping/>
+  </p:clrMapOvr>
+  <p:transition spd="med"/>
+</p:sld>
+</file>
+
+<file path=ppt/slides/slide15.xml><?xml version="1.0" encoding="utf-8"?>
+<p:sld xmlns:a="http://schemas.openxmlformats.org/drawingml/2006/main" xmlns:r="http://schemas.openxmlformats.org/officeDocument/2006/relationships" xmlns:p="http://schemas.openxmlformats.org/presentationml/2006/main">
+  <p:cSld>
+    <p:spTree>
+      <p:nvGrpSpPr>
+        <p:cNvPr id="1" name=""/>
+        <p:cNvGrpSpPr/>
+        <p:nvPr/>
+      </p:nvGrpSpPr>
+      <p:grpSpPr>
+        <a:xfrm>
+          <a:off x="0" y="0"/>
+          <a:ext cx="0" cy="0"/>
+          <a:chOff x="0" y="0"/>
+          <a:chExt cx="0" cy="0"/>
+        </a:xfrm>
+      </p:grpSpPr>
+      <p:sp>
+        <p:nvSpPr>
+          <p:cNvPr id="2" name="Title 1"/>
+          <p:cNvSpPr>
+            <a:spLocks noGrp="1"/>
+          </p:cNvSpPr>
+          <p:nvPr>
+            <p:ph type="title"/>
+          </p:nvPr>
+        </p:nvSpPr>
+        <p:spPr/>
+        <p:txBody>
+          <a:bodyPr/>
+          <a:lstStyle/>
+          <a:p>
+            <a:r>
+              <a:rPr lang="en-US" dirty="0" smtClean="0"/>
               <a:t>Different Hash</a:t>
             </a:r>
             <a:endParaRPr lang="en-US" dirty="0"/>
@@ -3725,95 +4143,116 @@
           </a:bodyPr>
           <a:lstStyle/>
           <a:p>
-            <a:r>
-              <a:rPr lang="en-US" dirty="0" smtClean="0"/>
+            <a:pPr marL="0" indent="0">
+              <a:buNone/>
+            </a:pPr>
+            <a:r>
+              <a:rPr lang="en-US" i="1" dirty="0" smtClean="0"/>
               <a:t>Foo </a:t>
             </a:r>
             <a:r>
-              <a:rPr lang="en-US" dirty="0" err="1" smtClean="0"/>
+              <a:rPr lang="en-US" i="1" dirty="0" err="1" smtClean="0"/>
               <a:t>foo</a:t>
             </a:r>
             <a:r>
-              <a:rPr lang="en-US" dirty="0" smtClean="0"/>
+              <a:rPr lang="en-US" i="1" dirty="0" smtClean="0"/>
               <a:t> = new Foo();</a:t>
             </a:r>
           </a:p>
           <a:p>
-            <a:r>
-              <a:rPr lang="en-US" dirty="0" err="1" smtClean="0"/>
+            <a:pPr marL="0" indent="0">
+              <a:buNone/>
+            </a:pPr>
+            <a:r>
+              <a:rPr lang="en-US" i="1" dirty="0" err="1" smtClean="0"/>
               <a:t>set.add</a:t>
             </a:r>
             <a:r>
-              <a:rPr lang="en-US" dirty="0" smtClean="0"/>
+              <a:rPr lang="en-US" i="1" dirty="0" smtClean="0"/>
               <a:t>(foo);</a:t>
             </a:r>
           </a:p>
           <a:p>
-            <a:r>
-              <a:rPr lang="en-US" dirty="0" err="1" smtClean="0"/>
+            <a:pPr marL="0" indent="0">
+              <a:buNone/>
+            </a:pPr>
+            <a:r>
+              <a:rPr lang="en-US" i="1" dirty="0" err="1" smtClean="0"/>
               <a:t>assertTrue</a:t>
             </a:r>
             <a:r>
-              <a:rPr lang="en-US" dirty="0" smtClean="0"/>
+              <a:rPr lang="en-US" i="1" dirty="0" smtClean="0"/>
               <a:t>(</a:t>
             </a:r>
             <a:r>
-              <a:rPr lang="en-US" dirty="0" err="1" smtClean="0"/>
+              <a:rPr lang="en-US" i="1" dirty="0" err="1" smtClean="0"/>
               <a:t>set.contains</a:t>
             </a:r>
             <a:r>
-              <a:rPr lang="en-US" dirty="0" smtClean="0"/>
+              <a:rPr lang="en-US" i="1" dirty="0" smtClean="0"/>
               <a:t>(foo));</a:t>
             </a:r>
           </a:p>
           <a:p>
-            <a:r>
-              <a:rPr lang="en-US" dirty="0" smtClean="0"/>
+            <a:pPr marL="0" indent="0">
+              <a:buNone/>
+            </a:pPr>
+            <a:r>
+              <a:rPr lang="en-US" i="1" dirty="0" smtClean="0"/>
               <a:t>// h(foo) = 42  ,  42 % M = 2</a:t>
             </a:r>
           </a:p>
           <a:p>
-            <a:r>
-              <a:rPr lang="en-US" dirty="0" err="1" smtClean="0"/>
+            <a:pPr marL="0" indent="0">
+              <a:buNone/>
+            </a:pPr>
+            <a:r>
+              <a:rPr lang="en-US" i="1" dirty="0" err="1" smtClean="0"/>
               <a:t>foo.setSomeVariable</a:t>
             </a:r>
             <a:r>
-              <a:rPr lang="en-US" dirty="0" smtClean="0"/>
+              <a:rPr lang="en-US" i="1" dirty="0" smtClean="0"/>
               <a:t>(…);</a:t>
             </a:r>
           </a:p>
           <a:p>
-            <a:r>
-              <a:rPr lang="en-US" dirty="0" smtClean="0"/>
+            <a:pPr marL="0" indent="0">
+              <a:buNone/>
+            </a:pPr>
+            <a:r>
+              <a:rPr lang="en-US" i="1" dirty="0" smtClean="0"/>
               <a:t>// </a:t>
             </a:r>
             <a:r>
-              <a:rPr lang="en-US" dirty="0"/>
+              <a:rPr lang="en-US" i="1" dirty="0"/>
               <a:t>h(foo</a:t>
             </a:r>
             <a:r>
-              <a:rPr lang="en-US" dirty="0" smtClean="0"/>
+              <a:rPr lang="en-US" i="1" dirty="0" smtClean="0"/>
               <a:t>) = 55  ,  55 % M = 5</a:t>
             </a:r>
           </a:p>
           <a:p>
-            <a:r>
-              <a:rPr lang="en-US" dirty="0" err="1" smtClean="0"/>
+            <a:pPr marL="0" indent="0">
+              <a:buNone/>
+            </a:pPr>
+            <a:r>
+              <a:rPr lang="en-US" i="1" dirty="0" err="1" smtClean="0"/>
               <a:t>assertFalse</a:t>
             </a:r>
             <a:r>
-              <a:rPr lang="en-US" dirty="0" smtClean="0"/>
+              <a:rPr lang="en-US" i="1" dirty="0" smtClean="0"/>
               <a:t>(</a:t>
             </a:r>
             <a:r>
-              <a:rPr lang="en-US" dirty="0" err="1" smtClean="0"/>
+              <a:rPr lang="en-US" i="1" dirty="0" err="1" smtClean="0"/>
               <a:t>set.contains</a:t>
             </a:r>
             <a:r>
-              <a:rPr lang="en-US" dirty="0" smtClean="0"/>
+              <a:rPr lang="en-US" i="1" dirty="0" smtClean="0"/>
               <a:t>(foo));</a:t>
             </a:r>
-            <a:endParaRPr lang="en-US" dirty="0"/>
+            <a:endParaRPr lang="en-US" i="1" dirty="0"/>
           </a:p>
         </p:txBody>
       </p:sp>
@@ -4215,7 +4654,7 @@
 </p:sld>
 </file>
 
-<file path=ppt/slides/slide14.xml><?xml version="1.0" encoding="utf-8"?>
+<file path=ppt/slides/slide16.xml><?xml version="1.0" encoding="utf-8"?>
 <p:sld xmlns:a="http://schemas.openxmlformats.org/drawingml/2006/main" xmlns:r="http://schemas.openxmlformats.org/officeDocument/2006/relationships" xmlns:p="http://schemas.openxmlformats.org/presentationml/2006/main">
   <p:cSld>
     <p:spTree>
@@ -4248,8 +4687,8 @@
           <a:lstStyle/>
           <a:p>
             <a:r>
-              <a:rPr lang="en-US" dirty="0" err="1" smtClean="0"/>
-              <a:t>java.lang.Object</a:t>
+              <a:rPr lang="en-US" dirty="0" smtClean="0"/>
+              <a:t>Using Maps and Sets</a:t>
             </a:r>
             <a:endParaRPr lang="en-US" dirty="0"/>
           </a:p>
@@ -4267,159 +4706,162 @@
         </p:nvSpPr>
         <p:spPr>
           <a:xfrm>
-            <a:off x="289249" y="2603499"/>
-            <a:ext cx="12437706" cy="6913725"/>
+            <a:off x="342900" y="2603499"/>
+            <a:ext cx="12392526" cy="6901447"/>
           </a:xfrm>
         </p:spPr>
         <p:txBody>
           <a:bodyPr>
-            <a:normAutofit lnSpcReduction="10000"/>
+            <a:normAutofit/>
           </a:bodyPr>
           <a:lstStyle/>
           <a:p>
             <a:r>
+              <a:rPr lang="en-US" dirty="0" smtClean="0"/>
+              <a:t>Can only use a </a:t>
+            </a:r>
+            <a:r>
               <a:rPr lang="en-US" i="1" dirty="0" smtClean="0"/>
-              <a:t>Object</a:t>
-            </a:r>
-            <a:r>
-              <a:rPr lang="en-US" dirty="0" smtClean="0"/>
-              <a:t> does define two methods: </a:t>
+              <a:t>Set</a:t>
+            </a:r>
+            <a:r>
+              <a:rPr lang="en-US" dirty="0" smtClean="0"/>
+              <a:t> for </a:t>
+            </a:r>
+            <a:r>
+              <a:rPr lang="en-US" b="1" dirty="0" smtClean="0"/>
+              <a:t>immutable</a:t>
+            </a:r>
+            <a:r>
+              <a:rPr lang="en-US" dirty="0" smtClean="0"/>
+              <a:t> types</a:t>
+            </a:r>
+          </a:p>
+          <a:p>
+            <a:r>
+              <a:rPr lang="en-US" dirty="0" smtClean="0"/>
+              <a:t>What if you need a collection of mutable types </a:t>
+            </a:r>
+            <a:r>
+              <a:rPr lang="en-US" i="1" dirty="0" smtClean="0"/>
+              <a:t>&lt;X&gt;</a:t>
+            </a:r>
+            <a:r>
+              <a:rPr lang="en-US" dirty="0" smtClean="0"/>
+              <a:t>? </a:t>
+            </a:r>
+          </a:p>
+          <a:p>
+            <a:pPr lvl="1"/>
+            <a:r>
+              <a:rPr lang="en-US" dirty="0" smtClean="0"/>
+              <a:t>creating a </a:t>
+            </a:r>
+            <a:r>
+              <a:rPr lang="en-US" i="1" dirty="0" smtClean="0"/>
+              <a:t>Set&lt;X&gt;</a:t>
+            </a:r>
+            <a:r>
+              <a:rPr lang="en-US" dirty="0" smtClean="0"/>
+              <a:t> would wrong! </a:t>
+            </a:r>
+          </a:p>
+          <a:p>
+            <a:r>
+              <a:rPr lang="en-US" dirty="0" smtClean="0"/>
+              <a:t>Option 1: rather use a list, </a:t>
+            </a:r>
+            <a:r>
+              <a:rPr lang="en-US" dirty="0" err="1" smtClean="0"/>
+              <a:t>eg</a:t>
+            </a:r>
+            <a:r>
+              <a:rPr lang="en-US" dirty="0" smtClean="0"/>
+              <a:t> </a:t>
+            </a:r>
+            <a:r>
+              <a:rPr lang="en-US" i="1" dirty="0" smtClean="0"/>
+              <a:t>List&lt;X&gt;</a:t>
+            </a:r>
+          </a:p>
+          <a:p>
+            <a:pPr lvl="1"/>
+            <a:r>
+              <a:rPr lang="en-US" dirty="0" smtClean="0"/>
+              <a:t>however, it would allow duplicates</a:t>
+            </a:r>
+          </a:p>
+          <a:p>
+            <a:r>
+              <a:rPr lang="en-US" dirty="0" smtClean="0"/>
+              <a:t>Option 2: use a map </a:t>
+            </a:r>
+            <a:r>
+              <a:rPr lang="en-US" i="1" dirty="0"/>
+              <a:t>Map&lt;K,X&gt;</a:t>
+            </a:r>
+            <a:r>
+              <a:rPr lang="en-US" dirty="0"/>
+              <a:t> </a:t>
+            </a:r>
+            <a:r>
+              <a:rPr lang="en-US" dirty="0" smtClean="0"/>
+              <a:t>where the key is an immutable field derived from </a:t>
+            </a:r>
+            <a:r>
+              <a:rPr lang="en-US" i="1" dirty="0" smtClean="0"/>
+              <a:t>X</a:t>
+            </a:r>
+          </a:p>
+          <a:p>
+            <a:pPr lvl="1"/>
+            <a:r>
+              <a:rPr lang="en-US" dirty="0" err="1" smtClean="0"/>
+              <a:t>eg</a:t>
+            </a:r>
+            <a:r>
+              <a:rPr lang="en-US" dirty="0" smtClean="0"/>
+              <a:t>, if mutable </a:t>
+            </a:r>
+            <a:r>
+              <a:rPr lang="en-US" i="1" dirty="0" smtClean="0"/>
+              <a:t>User</a:t>
+            </a:r>
+            <a:r>
+              <a:rPr lang="en-US" dirty="0" smtClean="0"/>
+              <a:t>, </a:t>
             </a:r>
             <a:r>
               <a:rPr lang="en-US" i="1" dirty="0" err="1" smtClean="0"/>
-              <a:t>hashCode</a:t>
+              <a:t>map.put</a:t>
             </a:r>
             <a:r>
               <a:rPr lang="en-US" i="1" dirty="0" smtClean="0"/>
-              <a:t>() </a:t>
-            </a:r>
-            <a:r>
-              <a:rPr lang="en-US" dirty="0" smtClean="0"/>
-              <a:t>and </a:t>
+              <a:t>(</a:t>
+            </a:r>
+            <a:r>
+              <a:rPr lang="en-US" i="1" dirty="0" err="1" smtClean="0"/>
+              <a:t>user.getId</a:t>
             </a:r>
             <a:r>
               <a:rPr lang="en-US" i="1" dirty="0" smtClean="0"/>
-              <a:t>equals()</a:t>
-            </a:r>
-          </a:p>
-          <a:p>
-            <a:r>
-              <a:rPr lang="en-US" dirty="0" smtClean="0"/>
-              <a:t>Those methods will depend on the internal fields of the object</a:t>
-            </a:r>
-          </a:p>
-          <a:p>
-            <a:r>
-              <a:rPr lang="en-US" i="1" dirty="0" smtClean="0"/>
-              <a:t>Important</a:t>
-            </a:r>
-            <a:r>
-              <a:rPr lang="en-US" dirty="0" smtClean="0"/>
-              <a:t>: if two objects are equals, then they </a:t>
-            </a:r>
-            <a:r>
-              <a:rPr lang="en-US" b="1" dirty="0" smtClean="0"/>
-              <a:t>MUST</a:t>
-            </a:r>
-            <a:r>
-              <a:rPr lang="en-US" dirty="0" smtClean="0"/>
-              <a:t> have same hash code </a:t>
+              <a:t>(), user)</a:t>
+            </a:r>
+            <a:r>
+              <a:rPr lang="en-US" dirty="0" smtClean="0"/>
+              <a:t>, where the id could be a String (recall strings are immutable)</a:t>
             </a:r>
           </a:p>
           <a:p>
             <a:pPr lvl="1"/>
-            <a:r>
-              <a:rPr lang="en-US" i="1" dirty="0" err="1" smtClean="0"/>
-              <a:t>A.equals</a:t>
-            </a:r>
-            <a:r>
-              <a:rPr lang="en-US" i="1" dirty="0" smtClean="0"/>
-              <a:t>(B)</a:t>
-            </a:r>
-            <a:r>
-              <a:rPr lang="en-US" dirty="0" smtClean="0"/>
-              <a:t> implies </a:t>
-            </a:r>
-            <a:r>
-              <a:rPr lang="en-US" i="1" dirty="0" err="1" smtClean="0"/>
-              <a:t>A.hashCode</a:t>
-            </a:r>
-            <a:r>
-              <a:rPr lang="en-US" i="1" dirty="0" smtClean="0"/>
-              <a:t>()==</a:t>
-            </a:r>
-            <a:r>
-              <a:rPr lang="en-US" i="1" dirty="0" err="1" smtClean="0"/>
-              <a:t>B.hashCode</a:t>
-            </a:r>
-            <a:r>
-              <a:rPr lang="en-US" i="1" dirty="0" smtClean="0"/>
-              <a:t>()</a:t>
-            </a:r>
-          </a:p>
-          <a:p>
-            <a:pPr lvl="1"/>
-            <a:r>
-              <a:rPr lang="en-US" dirty="0" smtClean="0"/>
-              <a:t>The vice-versa is not necessarily true, </a:t>
-            </a:r>
-            <a:r>
-              <a:rPr lang="en-US" dirty="0" err="1" smtClean="0"/>
-              <a:t>ie</a:t>
-            </a:r>
-            <a:r>
-              <a:rPr lang="en-US" dirty="0" smtClean="0"/>
-              <a:t> </a:t>
-            </a:r>
-            <a:r>
-              <a:rPr lang="en-US" i="1" dirty="0" err="1"/>
-              <a:t>A.hashCode</a:t>
-            </a:r>
-            <a:r>
-              <a:rPr lang="en-US" i="1" dirty="0"/>
-              <a:t>()==</a:t>
-            </a:r>
-            <a:r>
-              <a:rPr lang="en-US" i="1" dirty="0" err="1"/>
-              <a:t>B.hashCode</a:t>
-            </a:r>
-            <a:r>
-              <a:rPr lang="en-US" i="1" dirty="0" smtClean="0"/>
-              <a:t>()</a:t>
-            </a:r>
-            <a:r>
-              <a:rPr lang="en-US" dirty="0" smtClean="0"/>
-              <a:t> does not imply </a:t>
-            </a:r>
-            <a:r>
-              <a:rPr lang="en-US" i="1" dirty="0" err="1"/>
-              <a:t>A.equals</a:t>
-            </a:r>
-            <a:r>
-              <a:rPr lang="en-US" i="1" dirty="0"/>
-              <a:t>(B</a:t>
-            </a:r>
-            <a:r>
-              <a:rPr lang="en-US" i="1" dirty="0" smtClean="0"/>
-              <a:t>)</a:t>
-            </a:r>
-            <a:r>
-              <a:rPr lang="en-US" dirty="0" smtClean="0"/>
-              <a:t>, although that could happen</a:t>
-            </a:r>
-          </a:p>
-          <a:p>
-            <a:r>
-              <a:rPr lang="en-US" dirty="0" smtClean="0"/>
-              <a:t>What if constraint is not satisfied? Expect weird bugs when using maps and sets… </a:t>
-            </a:r>
+            <a:endParaRPr lang="en-US" dirty="0"/>
           </a:p>
         </p:txBody>
       </p:sp>
     </p:spTree>
     <p:extLst>
       <p:ext uri="{BB962C8B-B14F-4D97-AF65-F5344CB8AC3E}">
-        <p14:creationId xmlns:p14="http://schemas.microsoft.com/office/powerpoint/2010/main" val="456350598"/>
+        <p14:creationId xmlns:p14="http://schemas.microsoft.com/office/powerpoint/2010/main" val="1598794574"/>
       </p:ext>
     </p:extLst>
   </p:cSld>
@@ -4430,7 +4872,7 @@
 </p:sld>
 </file>
 
-<file path=ppt/slides/slide15.xml><?xml version="1.0" encoding="utf-8"?>
+<file path=ppt/slides/slide17.xml><?xml version="1.0" encoding="utf-8"?>
 <p:sld xmlns:a="http://schemas.openxmlformats.org/drawingml/2006/main" xmlns:r="http://schemas.openxmlformats.org/officeDocument/2006/relationships" xmlns:p="http://schemas.openxmlformats.org/presentationml/2006/main">
   <p:cSld>
     <p:spTree>
@@ -6056,30 +6498,26 @@
           <a:p>
             <a:r>
               <a:rPr lang="en-US" i="1" dirty="0"/>
-              <a:t>put</a:t>
-            </a:r>
-            <a:r>
-              <a:rPr lang="en-US" dirty="0"/>
-              <a:t>(“foo”, v</a:t>
-            </a:r>
-            <a:r>
-              <a:rPr lang="en-US" dirty="0" smtClean="0"/>
+              <a:t>put(“foo”, v</a:t>
+            </a:r>
+            <a:r>
+              <a:rPr lang="en-US" i="1" dirty="0" smtClean="0"/>
               <a:t>)</a:t>
             </a:r>
           </a:p>
           <a:p>
             <a:r>
-              <a:rPr lang="en-US" dirty="0" smtClean="0"/>
+              <a:rPr lang="en-US" i="1" dirty="0" smtClean="0"/>
               <a:t>h(“foo”)=42</a:t>
             </a:r>
           </a:p>
           <a:p>
             <a:r>
-              <a:rPr lang="en-US" dirty="0"/>
+              <a:rPr lang="en-US" i="1" dirty="0"/>
               <a:t>h</a:t>
             </a:r>
             <a:r>
-              <a:rPr lang="en-US" dirty="0" smtClean="0"/>
+              <a:rPr lang="en-US" i="1" dirty="0" smtClean="0"/>
               <a:t>(“foo”)%10 = 2</a:t>
             </a:r>
           </a:p>
@@ -6483,30 +6921,26 @@
           <a:p>
             <a:r>
               <a:rPr lang="en-US" i="1" dirty="0"/>
-              <a:t>put</a:t>
-            </a:r>
-            <a:r>
-              <a:rPr lang="en-US" dirty="0"/>
-              <a:t>(“foo”, v</a:t>
-            </a:r>
-            <a:r>
-              <a:rPr lang="en-US" dirty="0" smtClean="0"/>
+              <a:t>put(“foo”, v</a:t>
+            </a:r>
+            <a:r>
+              <a:rPr lang="en-US" i="1" dirty="0" smtClean="0"/>
               <a:t>)</a:t>
             </a:r>
           </a:p>
           <a:p>
             <a:r>
-              <a:rPr lang="en-US" dirty="0"/>
+              <a:rPr lang="en-US" i="1" dirty="0"/>
               <a:t>p</a:t>
             </a:r>
             <a:r>
-              <a:rPr lang="en-US" dirty="0" smtClean="0"/>
+              <a:rPr lang="en-US" i="1" dirty="0" smtClean="0"/>
               <a:t>ut(“bar”, z)</a:t>
             </a:r>
           </a:p>
           <a:p>
             <a:r>
-              <a:rPr lang="en-US" dirty="0" smtClean="0"/>
+              <a:rPr lang="en-US" i="1" dirty="0" smtClean="0"/>
               <a:t>h(“foo”)=h(“bar”)</a:t>
             </a:r>
           </a:p>
@@ -6523,11 +6957,11 @@
           </a:p>
           <a:p>
             <a:r>
-              <a:rPr lang="en-US" dirty="0"/>
+              <a:rPr lang="en-US" i="1" dirty="0"/>
               <a:t>h</a:t>
             </a:r>
             <a:r>
-              <a:rPr lang="en-US" dirty="0" smtClean="0"/>
+              <a:rPr lang="en-US" i="1" dirty="0" smtClean="0"/>
               <a:t>(“foo”)%10 = 2</a:t>
             </a:r>
           </a:p>
@@ -6913,40 +7347,38 @@
         </p:nvSpPr>
         <p:spPr>
           <a:xfrm>
-            <a:off x="952500" y="2603499"/>
-            <a:ext cx="4374102" cy="6745773"/>
+            <a:off x="240632" y="2603499"/>
+            <a:ext cx="5203520" cy="6745773"/>
           </a:xfrm>
         </p:spPr>
         <p:txBody>
-          <a:bodyPr/>
+          <a:bodyPr>
+            <a:normAutofit fontScale="92500"/>
+          </a:bodyPr>
           <a:lstStyle/>
           <a:p>
             <a:r>
               <a:rPr lang="en-US" i="1" dirty="0"/>
-              <a:t>put</a:t>
-            </a:r>
-            <a:r>
-              <a:rPr lang="en-US" dirty="0"/>
-              <a:t>(“foo”, v</a:t>
-            </a:r>
-            <a:r>
-              <a:rPr lang="en-US" dirty="0" smtClean="0"/>
+              <a:t>put(“foo”, v</a:t>
+            </a:r>
+            <a:r>
+              <a:rPr lang="en-US" i="1" dirty="0" smtClean="0"/>
               <a:t>)</a:t>
             </a:r>
           </a:p>
           <a:p>
             <a:r>
-              <a:rPr lang="en-US" dirty="0"/>
+              <a:rPr lang="en-US" i="1" dirty="0"/>
               <a:t>p</a:t>
             </a:r>
             <a:r>
-              <a:rPr lang="en-US" dirty="0" smtClean="0"/>
+              <a:rPr lang="en-US" i="1" dirty="0" smtClean="0"/>
               <a:t>ut(“bar”, z)</a:t>
             </a:r>
           </a:p>
           <a:p>
             <a:r>
-              <a:rPr lang="en-US" dirty="0" smtClean="0"/>
+              <a:rPr lang="en-US" i="1" dirty="0" smtClean="0"/>
               <a:t>h(“foo”)=h(“bar”)</a:t>
             </a:r>
           </a:p>
@@ -6964,8 +7396,19 @@
           <a:p>
             <a:r>
               <a:rPr lang="en-US" dirty="0" smtClean="0"/>
-              <a:t>Use list at each position sharing same hash</a:t>
-            </a:r>
+              <a:t>Use list at each position sharing same </a:t>
+            </a:r>
+            <a:r>
+              <a:rPr lang="en-US" dirty="0" smtClean="0"/>
+              <a:t>hash</a:t>
+            </a:r>
+          </a:p>
+          <a:p>
+            <a:r>
+              <a:rPr lang="en-US" dirty="0" smtClean="0"/>
+              <a:t>Nodes containing keys and values</a:t>
+            </a:r>
+            <a:endParaRPr lang="en-US" dirty="0" smtClean="0"/>
           </a:p>
         </p:txBody>
       </p:sp>
@@ -7281,8 +7724,8 @@
         </p:nvSpPr>
         <p:spPr>
           <a:xfrm>
-            <a:off x="8538249" y="4487454"/>
-            <a:ext cx="698305" cy="663615"/>
+            <a:off x="8717905" y="4254982"/>
+            <a:ext cx="1249440" cy="1182965"/>
           </a:xfrm>
           <a:prstGeom prst="ellipse">
             <a:avLst/>
@@ -7352,6 +7795,41 @@
                 <a:cs typeface="+mn-cs"/>
                 <a:sym typeface="Helvetica Light"/>
               </a:rPr>
+              <a:t>“foo”</a:t>
+            </a:r>
+          </a:p>
+          <a:p>
+            <a:pPr marL="0" marR="0" indent="0" algn="ctr" defTabSz="584200" rtl="0" fontAlgn="auto" latinLnBrk="0" hangingPunct="0">
+              <a:lnSpc>
+                <a:spcPct val="100000"/>
+              </a:lnSpc>
+              <a:spcBef>
+                <a:spcPts val="0"/>
+              </a:spcBef>
+              <a:spcAft>
+                <a:spcPts val="0"/>
+              </a:spcAft>
+              <a:buClrTx/>
+              <a:buSzTx/>
+              <a:buFontTx/>
+              <a:buNone/>
+              <a:tabLst/>
+            </a:pPr>
+            <a:r>
+              <a:rPr kumimoji="0" lang="en-US" sz="2400" b="0" i="0" u="none" strike="noStrike" cap="none" spc="0" normalizeH="0" baseline="0" dirty="0" smtClean="0">
+                <a:ln>
+                  <a:noFill/>
+                </a:ln>
+                <a:solidFill>
+                  <a:schemeClr val="tx1"/>
+                </a:solidFill>
+                <a:effectLst/>
+                <a:uFillTx/>
+                <a:latin typeface="+mn-lt"/>
+                <a:ea typeface="+mn-ea"/>
+                <a:cs typeface="+mn-cs"/>
+                <a:sym typeface="Helvetica Light"/>
+              </a:rPr>
               <a:t>v</a:t>
             </a:r>
             <a:endParaRPr kumimoji="0" lang="en-US" sz="2400" b="0" i="0" u="none" strike="noStrike" cap="none" spc="0" normalizeH="0" baseline="0" dirty="0">
@@ -7379,8 +7857,8 @@
         </p:nvSpPr>
         <p:spPr>
           <a:xfrm>
-            <a:off x="9744269" y="4487454"/>
-            <a:ext cx="698305" cy="663615"/>
+            <a:off x="10676898" y="4254982"/>
+            <a:ext cx="1264625" cy="1182965"/>
           </a:xfrm>
           <a:prstGeom prst="ellipse">
             <a:avLst/>
@@ -7436,12 +7914,20 @@
               <a:tabLst/>
             </a:pPr>
             <a:r>
-              <a:rPr lang="en-US" sz="2400" dirty="0">
+              <a:rPr lang="en-US" sz="2400" dirty="0" smtClean="0">
                 <a:solidFill>
                   <a:schemeClr val="tx1"/>
                 </a:solidFill>
               </a:rPr>
-              <a:t>z</a:t>
+              <a:t>“</a:t>
+            </a:r>
+            <a:r>
+              <a:rPr lang="en-US" sz="2400" dirty="0" err="1" smtClean="0">
+                <a:solidFill>
+                  <a:schemeClr val="tx1"/>
+                </a:solidFill>
+              </a:rPr>
+              <a:t>bar”z</a:t>
             </a:r>
             <a:endParaRPr kumimoji="0" lang="en-US" sz="2400" b="0" i="0" u="none" strike="noStrike" cap="none" spc="0" normalizeH="0" baseline="0" dirty="0">
               <a:ln>
@@ -7470,8 +7956,8 @@
         </p:nvCxnSpPr>
         <p:spPr>
           <a:xfrm>
-            <a:off x="8030534" y="4819262"/>
-            <a:ext cx="507715" cy="0"/>
+            <a:off x="8008352" y="4846465"/>
+            <a:ext cx="709553" cy="0"/>
           </a:xfrm>
           <a:prstGeom prst="straightConnector1">
             <a:avLst/>
@@ -7512,8 +7998,8 @@
         </p:nvCxnSpPr>
         <p:spPr>
           <a:xfrm>
-            <a:off x="9236554" y="4819262"/>
-            <a:ext cx="507715" cy="0"/>
+            <a:off x="9967345" y="4846465"/>
+            <a:ext cx="709553" cy="0"/>
           </a:xfrm>
           <a:prstGeom prst="straightConnector1">
             <a:avLst/>
@@ -7574,124 +8060,1028 @@
           <a:chExt cx="0" cy="0"/>
         </a:xfrm>
       </p:grpSpPr>
+      <p:graphicFrame>
+        <p:nvGraphicFramePr>
+          <p:cNvPr id="4" name="Table 3"/>
+          <p:cNvGraphicFramePr>
+            <a:graphicFrameLocks noGrp="1"/>
+          </p:cNvGraphicFramePr>
+          <p:nvPr>
+            <p:extLst>
+              <p:ext uri="{D42A27DB-BD31-4B8C-83A1-F6EECF244321}">
+                <p14:modId xmlns:p14="http://schemas.microsoft.com/office/powerpoint/2010/main" val="2443060525"/>
+              </p:ext>
+            </p:extLst>
+          </p:nvPr>
+        </p:nvGraphicFramePr>
+        <p:xfrm>
+          <a:off x="4193730" y="3251234"/>
+          <a:ext cx="1384916" cy="4572000"/>
+        </p:xfrm>
+        <a:graphic>
+          <a:graphicData uri="http://schemas.openxmlformats.org/drawingml/2006/table">
+            <a:tbl>
+              <a:tblPr firstRow="1" bandRow="1">
+                <a:tableStyleId>{5940675A-B579-460E-94D1-54222C63F5DA}</a:tableStyleId>
+              </a:tblPr>
+              <a:tblGrid>
+                <a:gridCol w="1384916">
+                  <a:extLst>
+                    <a:ext uri="{9D8B030D-6E8A-4147-A177-3AD203B41FA5}">
+                      <a16:colId xmlns:a16="http://schemas.microsoft.com/office/drawing/2014/main" val="4160022659"/>
+                    </a:ext>
+                  </a:extLst>
+                </a:gridCol>
+              </a:tblGrid>
+              <a:tr h="370840">
+                <a:tc>
+                  <a:txBody>
+                    <a:bodyPr/>
+                    <a:lstStyle/>
+                    <a:p>
+                      <a:endParaRPr lang="en-US" sz="2400" dirty="0"/>
+                    </a:p>
+                  </a:txBody>
+                  <a:tcPr/>
+                </a:tc>
+                <a:extLst>
+                  <a:ext uri="{0D108BD9-81ED-4DB2-BD59-A6C34878D82A}">
+                    <a16:rowId xmlns:a16="http://schemas.microsoft.com/office/drawing/2014/main" val="4282801958"/>
+                  </a:ext>
+                </a:extLst>
+              </a:tr>
+              <a:tr h="370840">
+                <a:tc>
+                  <a:txBody>
+                    <a:bodyPr/>
+                    <a:lstStyle/>
+                    <a:p>
+                      <a:endParaRPr lang="en-US" sz="2400"/>
+                    </a:p>
+                  </a:txBody>
+                  <a:tcPr/>
+                </a:tc>
+                <a:extLst>
+                  <a:ext uri="{0D108BD9-81ED-4DB2-BD59-A6C34878D82A}">
+                    <a16:rowId xmlns:a16="http://schemas.microsoft.com/office/drawing/2014/main" val="798434366"/>
+                  </a:ext>
+                </a:extLst>
+              </a:tr>
+              <a:tr h="370840">
+                <a:tc>
+                  <a:txBody>
+                    <a:bodyPr/>
+                    <a:lstStyle/>
+                    <a:p>
+                      <a:endParaRPr lang="en-US" sz="2400" dirty="0"/>
+                    </a:p>
+                  </a:txBody>
+                  <a:tcPr>
+                    <a:solidFill>
+                      <a:schemeClr val="accent6">
+                        <a:lumMod val="40000"/>
+                        <a:lumOff val="60000"/>
+                      </a:schemeClr>
+                    </a:solidFill>
+                  </a:tcPr>
+                </a:tc>
+                <a:extLst>
+                  <a:ext uri="{0D108BD9-81ED-4DB2-BD59-A6C34878D82A}">
+                    <a16:rowId xmlns:a16="http://schemas.microsoft.com/office/drawing/2014/main" val="2169252965"/>
+                  </a:ext>
+                </a:extLst>
+              </a:tr>
+              <a:tr h="370840">
+                <a:tc>
+                  <a:txBody>
+                    <a:bodyPr/>
+                    <a:lstStyle/>
+                    <a:p>
+                      <a:endParaRPr lang="en-US" sz="2400"/>
+                    </a:p>
+                  </a:txBody>
+                  <a:tcPr/>
+                </a:tc>
+                <a:extLst>
+                  <a:ext uri="{0D108BD9-81ED-4DB2-BD59-A6C34878D82A}">
+                    <a16:rowId xmlns:a16="http://schemas.microsoft.com/office/drawing/2014/main" val="1524533945"/>
+                  </a:ext>
+                </a:extLst>
+              </a:tr>
+              <a:tr h="370840">
+                <a:tc>
+                  <a:txBody>
+                    <a:bodyPr/>
+                    <a:lstStyle/>
+                    <a:p>
+                      <a:endParaRPr lang="en-US" sz="2400"/>
+                    </a:p>
+                  </a:txBody>
+                  <a:tcPr/>
+                </a:tc>
+                <a:extLst>
+                  <a:ext uri="{0D108BD9-81ED-4DB2-BD59-A6C34878D82A}">
+                    <a16:rowId xmlns:a16="http://schemas.microsoft.com/office/drawing/2014/main" val="409864673"/>
+                  </a:ext>
+                </a:extLst>
+              </a:tr>
+              <a:tr h="370840">
+                <a:tc>
+                  <a:txBody>
+                    <a:bodyPr/>
+                    <a:lstStyle/>
+                    <a:p>
+                      <a:endParaRPr lang="en-US" sz="2400"/>
+                    </a:p>
+                  </a:txBody>
+                  <a:tcPr/>
+                </a:tc>
+                <a:extLst>
+                  <a:ext uri="{0D108BD9-81ED-4DB2-BD59-A6C34878D82A}">
+                    <a16:rowId xmlns:a16="http://schemas.microsoft.com/office/drawing/2014/main" val="2991110043"/>
+                  </a:ext>
+                </a:extLst>
+              </a:tr>
+              <a:tr h="370840">
+                <a:tc>
+                  <a:txBody>
+                    <a:bodyPr/>
+                    <a:lstStyle/>
+                    <a:p>
+                      <a:endParaRPr lang="en-US" sz="2400"/>
+                    </a:p>
+                  </a:txBody>
+                  <a:tcPr/>
+                </a:tc>
+                <a:extLst>
+                  <a:ext uri="{0D108BD9-81ED-4DB2-BD59-A6C34878D82A}">
+                    <a16:rowId xmlns:a16="http://schemas.microsoft.com/office/drawing/2014/main" val="2186952955"/>
+                  </a:ext>
+                </a:extLst>
+              </a:tr>
+              <a:tr h="370840">
+                <a:tc>
+                  <a:txBody>
+                    <a:bodyPr/>
+                    <a:lstStyle/>
+                    <a:p>
+                      <a:endParaRPr lang="en-US" sz="2400" dirty="0"/>
+                    </a:p>
+                  </a:txBody>
+                  <a:tcPr/>
+                </a:tc>
+                <a:extLst>
+                  <a:ext uri="{0D108BD9-81ED-4DB2-BD59-A6C34878D82A}">
+                    <a16:rowId xmlns:a16="http://schemas.microsoft.com/office/drawing/2014/main" val="1603927885"/>
+                  </a:ext>
+                </a:extLst>
+              </a:tr>
+              <a:tr h="370840">
+                <a:tc>
+                  <a:txBody>
+                    <a:bodyPr/>
+                    <a:lstStyle/>
+                    <a:p>
+                      <a:endParaRPr lang="en-US" sz="2400" dirty="0"/>
+                    </a:p>
+                  </a:txBody>
+                  <a:tcPr/>
+                </a:tc>
+                <a:extLst>
+                  <a:ext uri="{0D108BD9-81ED-4DB2-BD59-A6C34878D82A}">
+                    <a16:rowId xmlns:a16="http://schemas.microsoft.com/office/drawing/2014/main" val="1920198281"/>
+                  </a:ext>
+                </a:extLst>
+              </a:tr>
+              <a:tr h="370840">
+                <a:tc>
+                  <a:txBody>
+                    <a:bodyPr/>
+                    <a:lstStyle/>
+                    <a:p>
+                      <a:endParaRPr lang="en-US" sz="2400" dirty="0"/>
+                    </a:p>
+                  </a:txBody>
+                  <a:tcPr/>
+                </a:tc>
+                <a:extLst>
+                  <a:ext uri="{0D108BD9-81ED-4DB2-BD59-A6C34878D82A}">
+                    <a16:rowId xmlns:a16="http://schemas.microsoft.com/office/drawing/2014/main" val="3322929971"/>
+                  </a:ext>
+                </a:extLst>
+              </a:tr>
+            </a:tbl>
+          </a:graphicData>
+        </a:graphic>
+      </p:graphicFrame>
       <p:sp>
         <p:nvSpPr>
-          <p:cNvPr id="2" name="Title 1"/>
-          <p:cNvSpPr>
-            <a:spLocks noGrp="1"/>
-          </p:cNvSpPr>
-          <p:nvPr>
-            <p:ph type="title"/>
-          </p:nvPr>
+          <p:cNvPr id="6" name="Oval 5"/>
+          <p:cNvSpPr/>
+          <p:nvPr/>
         </p:nvSpPr>
-        <p:spPr/>
+        <p:spPr>
+          <a:xfrm>
+            <a:off x="6299558" y="3815830"/>
+            <a:ext cx="1249440" cy="1182965"/>
+          </a:xfrm>
+          <a:prstGeom prst="ellipse">
+            <a:avLst/>
+          </a:prstGeom>
+          <a:solidFill>
+            <a:schemeClr val="accent3"/>
+          </a:solidFill>
+          <a:ln w="12700" cap="flat">
+            <a:noFill/>
+            <a:miter lim="400000"/>
+          </a:ln>
+          <a:effectLst>
+            <a:outerShdw blurRad="38100" dist="25400" dir="5400000" rotWithShape="0">
+              <a:srgbClr val="000000">
+                <a:alpha val="50000"/>
+              </a:srgbClr>
+            </a:outerShdw>
+          </a:effectLst>
+          <a:sp3d/>
+        </p:spPr>
+        <p:style>
+          <a:lnRef idx="0">
+            <a:scrgbClr r="0" g="0" b="0"/>
+          </a:lnRef>
+          <a:fillRef idx="0">
+            <a:scrgbClr r="0" g="0" b="0"/>
+          </a:fillRef>
+          <a:effectRef idx="0">
+            <a:scrgbClr r="0" g="0" b="0"/>
+          </a:effectRef>
+          <a:fontRef idx="none"/>
+        </p:style>
         <p:txBody>
-          <a:bodyPr/>
+          <a:bodyPr rot="0" spcFirstLastPara="1" vertOverflow="overflow" horzOverflow="overflow" vert="horz" wrap="square" lIns="50800" tIns="50800" rIns="50800" bIns="50800" numCol="1" spcCol="38100" rtlCol="0" anchor="ctr">
+            <a:spAutoFit/>
+          </a:bodyPr>
           <a:lstStyle/>
           <a:p>
-            <a:r>
-              <a:rPr lang="en-US" dirty="0" smtClean="0"/>
-              <a:t>Cost</a:t>
-            </a:r>
-            <a:endParaRPr lang="en-US" dirty="0"/>
+            <a:pPr marL="0" marR="0" indent="0" algn="ctr" defTabSz="584200" rtl="0" fontAlgn="auto" latinLnBrk="0" hangingPunct="0">
+              <a:lnSpc>
+                <a:spcPct val="100000"/>
+              </a:lnSpc>
+              <a:spcBef>
+                <a:spcPts val="0"/>
+              </a:spcBef>
+              <a:spcAft>
+                <a:spcPts val="0"/>
+              </a:spcAft>
+              <a:buClrTx/>
+              <a:buSzTx/>
+              <a:buFontTx/>
+              <a:buNone/>
+              <a:tabLst/>
+            </a:pPr>
+            <a:r>
+              <a:rPr kumimoji="0" lang="en-US" sz="2400" b="0" i="0" u="none" strike="noStrike" cap="none" spc="0" normalizeH="0" baseline="0" dirty="0" smtClean="0">
+                <a:ln>
+                  <a:noFill/>
+                </a:ln>
+                <a:solidFill>
+                  <a:schemeClr val="tx1"/>
+                </a:solidFill>
+                <a:effectLst/>
+                <a:uFillTx/>
+                <a:latin typeface="+mn-lt"/>
+                <a:ea typeface="+mn-ea"/>
+                <a:cs typeface="+mn-cs"/>
+                <a:sym typeface="Helvetica Light"/>
+              </a:rPr>
+              <a:t>“foo”</a:t>
+            </a:r>
+          </a:p>
+          <a:p>
+            <a:pPr marL="0" marR="0" indent="0" algn="ctr" defTabSz="584200" rtl="0" fontAlgn="auto" latinLnBrk="0" hangingPunct="0">
+              <a:lnSpc>
+                <a:spcPct val="100000"/>
+              </a:lnSpc>
+              <a:spcBef>
+                <a:spcPts val="0"/>
+              </a:spcBef>
+              <a:spcAft>
+                <a:spcPts val="0"/>
+              </a:spcAft>
+              <a:buClrTx/>
+              <a:buSzTx/>
+              <a:buFontTx/>
+              <a:buNone/>
+              <a:tabLst/>
+            </a:pPr>
+            <a:r>
+              <a:rPr kumimoji="0" lang="en-US" sz="2400" b="0" i="0" u="none" strike="noStrike" cap="none" spc="0" normalizeH="0" baseline="0" dirty="0" smtClean="0">
+                <a:ln>
+                  <a:noFill/>
+                </a:ln>
+                <a:solidFill>
+                  <a:schemeClr val="tx1"/>
+                </a:solidFill>
+                <a:effectLst/>
+                <a:uFillTx/>
+                <a:latin typeface="+mn-lt"/>
+                <a:ea typeface="+mn-ea"/>
+                <a:cs typeface="+mn-cs"/>
+                <a:sym typeface="Helvetica Light"/>
+              </a:rPr>
+              <a:t>v</a:t>
+            </a:r>
+            <a:endParaRPr kumimoji="0" lang="en-US" sz="2400" b="0" i="0" u="none" strike="noStrike" cap="none" spc="0" normalizeH="0" baseline="0" dirty="0">
+              <a:ln>
+                <a:noFill/>
+              </a:ln>
+              <a:solidFill>
+                <a:schemeClr val="tx1"/>
+              </a:solidFill>
+              <a:effectLst/>
+              <a:uFillTx/>
+              <a:latin typeface="+mn-lt"/>
+              <a:ea typeface="+mn-ea"/>
+              <a:cs typeface="+mn-cs"/>
+              <a:sym typeface="Helvetica Light"/>
+            </a:endParaRPr>
           </a:p>
         </p:txBody>
       </p:sp>
       <p:sp>
         <p:nvSpPr>
-          <p:cNvPr id="3" name="Text Placeholder 2"/>
-          <p:cNvSpPr>
-            <a:spLocks noGrp="1"/>
-          </p:cNvSpPr>
-          <p:nvPr>
-            <p:ph type="body" idx="1"/>
-          </p:nvPr>
+          <p:cNvPr id="7" name="Oval 6"/>
+          <p:cNvSpPr/>
+          <p:nvPr/>
         </p:nvSpPr>
-        <p:spPr/>
+        <p:spPr>
+          <a:xfrm>
+            <a:off x="8258551" y="3815830"/>
+            <a:ext cx="1264625" cy="1182965"/>
+          </a:xfrm>
+          <a:prstGeom prst="ellipse">
+            <a:avLst/>
+          </a:prstGeom>
+          <a:solidFill>
+            <a:schemeClr val="accent3"/>
+          </a:solidFill>
+          <a:ln w="12700" cap="flat">
+            <a:noFill/>
+            <a:miter lim="400000"/>
+          </a:ln>
+          <a:effectLst>
+            <a:outerShdw blurRad="38100" dist="25400" dir="5400000" rotWithShape="0">
+              <a:srgbClr val="000000">
+                <a:alpha val="50000"/>
+              </a:srgbClr>
+            </a:outerShdw>
+          </a:effectLst>
+          <a:sp3d/>
+        </p:spPr>
+        <p:style>
+          <a:lnRef idx="0">
+            <a:scrgbClr r="0" g="0" b="0"/>
+          </a:lnRef>
+          <a:fillRef idx="0">
+            <a:scrgbClr r="0" g="0" b="0"/>
+          </a:fillRef>
+          <a:effectRef idx="0">
+            <a:scrgbClr r="0" g="0" b="0"/>
+          </a:effectRef>
+          <a:fontRef idx="none"/>
+        </p:style>
         <p:txBody>
-          <a:bodyPr/>
+          <a:bodyPr rot="0" spcFirstLastPara="1" vertOverflow="overflow" horzOverflow="overflow" vert="horz" wrap="square" lIns="50800" tIns="50800" rIns="50800" bIns="50800" numCol="1" spcCol="38100" rtlCol="0" anchor="ctr">
+            <a:spAutoFit/>
+          </a:bodyPr>
           <a:lstStyle/>
           <a:p>
-            <a:r>
-              <a:rPr lang="en-US" dirty="0" smtClean="0"/>
-              <a:t>Worst case: </a:t>
-            </a:r>
-            <a:r>
-              <a:rPr lang="en-US" b="1" dirty="0" smtClean="0"/>
-              <a:t>O(N)</a:t>
-            </a:r>
-            <a:r>
-              <a:rPr lang="en-US" dirty="0" smtClean="0"/>
-              <a:t> if all elements end up in same “bucket” (</a:t>
-            </a:r>
-            <a:r>
-              <a:rPr lang="en-US" dirty="0" err="1" smtClean="0"/>
-              <a:t>ie</a:t>
-            </a:r>
-            <a:r>
-              <a:rPr lang="en-US" dirty="0" smtClean="0"/>
-              <a:t> same value for </a:t>
+            <a:pPr marL="0" marR="0" indent="0" algn="ctr" defTabSz="584200" rtl="0" fontAlgn="auto" latinLnBrk="0" hangingPunct="0">
+              <a:lnSpc>
+                <a:spcPct val="100000"/>
+              </a:lnSpc>
+              <a:spcBef>
+                <a:spcPts val="0"/>
+              </a:spcBef>
+              <a:spcAft>
+                <a:spcPts val="0"/>
+              </a:spcAft>
+              <a:buClrTx/>
+              <a:buSzTx/>
+              <a:buFontTx/>
+              <a:buNone/>
+              <a:tabLst/>
+            </a:pPr>
+            <a:r>
+              <a:rPr lang="en-US" sz="2400" dirty="0" smtClean="0">
+                <a:solidFill>
+                  <a:schemeClr val="tx1"/>
+                </a:solidFill>
+              </a:rPr>
+              <a:t>“</a:t>
+            </a:r>
+            <a:r>
+              <a:rPr lang="en-US" sz="2400" dirty="0" err="1" smtClean="0">
+                <a:solidFill>
+                  <a:schemeClr val="tx1"/>
+                </a:solidFill>
+              </a:rPr>
+              <a:t>bar”z</a:t>
+            </a:r>
+            <a:endParaRPr kumimoji="0" lang="en-US" sz="2400" b="0" i="0" u="none" strike="noStrike" cap="none" spc="0" normalizeH="0" baseline="0" dirty="0">
+              <a:ln>
+                <a:noFill/>
+              </a:ln>
+              <a:solidFill>
+                <a:schemeClr val="tx1"/>
+              </a:solidFill>
+              <a:effectLst/>
+              <a:uFillTx/>
+              <a:latin typeface="+mn-lt"/>
+              <a:ea typeface="+mn-ea"/>
+              <a:cs typeface="+mn-cs"/>
+              <a:sym typeface="Helvetica Light"/>
+            </a:endParaRPr>
+          </a:p>
+        </p:txBody>
+      </p:sp>
+      <p:cxnSp>
+        <p:nvCxnSpPr>
+          <p:cNvPr id="8" name="Straight Arrow Connector 7"/>
+          <p:cNvCxnSpPr>
+            <a:endCxn id="6" idx="2"/>
+          </p:cNvCxnSpPr>
+          <p:nvPr/>
+        </p:nvCxnSpPr>
+        <p:spPr>
+          <a:xfrm>
+            <a:off x="5590005" y="4407313"/>
+            <a:ext cx="709553" cy="0"/>
+          </a:xfrm>
+          <a:prstGeom prst="straightConnector1">
+            <a:avLst/>
+          </a:prstGeom>
+          <a:noFill/>
+          <a:ln w="25400" cap="flat">
+            <a:solidFill>
+              <a:srgbClr val="000000"/>
+            </a:solidFill>
+            <a:prstDash val="solid"/>
+            <a:miter lim="400000"/>
+            <a:tailEnd type="triangle"/>
+          </a:ln>
+          <a:effectLst/>
+          <a:sp3d/>
+        </p:spPr>
+        <p:style>
+          <a:lnRef idx="0">
+            <a:scrgbClr r="0" g="0" b="0"/>
+          </a:lnRef>
+          <a:fillRef idx="0">
+            <a:scrgbClr r="0" g="0" b="0"/>
+          </a:fillRef>
+          <a:effectRef idx="0">
+            <a:scrgbClr r="0" g="0" b="0"/>
+          </a:effectRef>
+          <a:fontRef idx="none"/>
+        </p:style>
+      </p:cxnSp>
+      <p:cxnSp>
+        <p:nvCxnSpPr>
+          <p:cNvPr id="9" name="Straight Arrow Connector 8"/>
+          <p:cNvCxnSpPr>
+            <a:stCxn id="6" idx="6"/>
+            <a:endCxn id="7" idx="2"/>
+          </p:cNvCxnSpPr>
+          <p:nvPr/>
+        </p:nvCxnSpPr>
+        <p:spPr>
+          <a:xfrm>
+            <a:off x="7548998" y="4407313"/>
+            <a:ext cx="709553" cy="0"/>
+          </a:xfrm>
+          <a:prstGeom prst="straightConnector1">
+            <a:avLst/>
+          </a:prstGeom>
+          <a:noFill/>
+          <a:ln w="25400" cap="flat">
+            <a:solidFill>
+              <a:srgbClr val="000000"/>
+            </a:solidFill>
+            <a:prstDash val="solid"/>
+            <a:miter lim="400000"/>
+            <a:tailEnd type="triangle"/>
+          </a:ln>
+          <a:effectLst/>
+          <a:sp3d/>
+        </p:spPr>
+        <p:style>
+          <a:lnRef idx="0">
+            <a:scrgbClr r="0" g="0" b="0"/>
+          </a:lnRef>
+          <a:fillRef idx="0">
+            <a:scrgbClr r="0" g="0" b="0"/>
+          </a:fillRef>
+          <a:effectRef idx="0">
+            <a:scrgbClr r="0" g="0" b="0"/>
+          </a:effectRef>
+          <a:fontRef idx="none"/>
+        </p:style>
+      </p:cxnSp>
+      <p:sp>
+        <p:nvSpPr>
+          <p:cNvPr id="10" name="TextBox 9"/>
+          <p:cNvSpPr txBox="1"/>
+          <p:nvPr/>
+        </p:nvSpPr>
+        <p:spPr>
+          <a:xfrm>
+            <a:off x="475247" y="501064"/>
+            <a:ext cx="12422606" cy="2318583"/>
+          </a:xfrm>
+          <a:prstGeom prst="rect">
+            <a:avLst/>
+          </a:prstGeom>
+          <a:noFill/>
+          <a:ln w="12700" cap="flat">
+            <a:noFill/>
+            <a:miter lim="400000"/>
+          </a:ln>
+          <a:effectLst/>
+          <a:sp3d/>
+        </p:spPr>
+        <p:style>
+          <a:lnRef idx="0">
+            <a:scrgbClr r="0" g="0" b="0"/>
+          </a:lnRef>
+          <a:fillRef idx="0">
+            <a:scrgbClr r="0" g="0" b="0"/>
+          </a:fillRef>
+          <a:effectRef idx="0">
+            <a:scrgbClr r="0" g="0" b="0"/>
+          </a:effectRef>
+          <a:fontRef idx="none"/>
+        </p:style>
+        <p:txBody>
+          <a:bodyPr rot="0" spcFirstLastPara="1" vertOverflow="overflow" horzOverflow="overflow" vert="horz" wrap="square" lIns="50800" tIns="50800" rIns="50800" bIns="50800" numCol="1" spcCol="38100" rtlCol="0" anchor="ctr">
+            <a:spAutoFit/>
+          </a:bodyPr>
+          <a:lstStyle/>
+          <a:p>
+            <a:pPr marL="0" marR="0" indent="0" algn="l" defTabSz="584200" rtl="0" fontAlgn="auto" latinLnBrk="0" hangingPunct="0">
+              <a:lnSpc>
+                <a:spcPct val="100000"/>
+              </a:lnSpc>
+              <a:spcBef>
+                <a:spcPts val="0"/>
+              </a:spcBef>
+              <a:spcAft>
+                <a:spcPts val="0"/>
+              </a:spcAft>
+              <a:buClrTx/>
+              <a:buSzTx/>
+              <a:buFontTx/>
+              <a:buNone/>
+              <a:tabLst/>
+            </a:pPr>
+            <a:r>
+              <a:rPr kumimoji="0" lang="en-US" sz="3600" b="0" i="1" u="none" strike="noStrike" cap="none" spc="0" normalizeH="0" baseline="0" dirty="0" err="1" smtClean="0">
+                <a:ln>
+                  <a:noFill/>
+                </a:ln>
+                <a:solidFill>
+                  <a:srgbClr val="000000"/>
+                </a:solidFill>
+                <a:effectLst/>
+                <a:uFillTx/>
+                <a:latin typeface="+mn-lt"/>
+                <a:ea typeface="+mn-ea"/>
+                <a:cs typeface="+mn-cs"/>
+                <a:sym typeface="Helvetica Light"/>
+              </a:rPr>
+              <a:t>hashCode</a:t>
+            </a:r>
+            <a:r>
+              <a:rPr kumimoji="0" lang="en-US" sz="3600" b="0" i="1" u="none" strike="noStrike" cap="none" spc="0" normalizeH="0" baseline="0" dirty="0" smtClean="0">
+                <a:ln>
+                  <a:noFill/>
+                </a:ln>
+                <a:solidFill>
+                  <a:srgbClr val="000000"/>
+                </a:solidFill>
+                <a:effectLst/>
+                <a:uFillTx/>
+                <a:latin typeface="+mn-lt"/>
+                <a:ea typeface="+mn-ea"/>
+                <a:cs typeface="+mn-cs"/>
+                <a:sym typeface="Helvetica Light"/>
+              </a:rPr>
+              <a:t>() </a:t>
+            </a:r>
+            <a:r>
+              <a:rPr kumimoji="0" lang="en-US" sz="3600" b="0" i="0" u="none" strike="noStrike" cap="none" spc="0" normalizeH="0" baseline="0" dirty="0" smtClean="0">
+                <a:ln>
+                  <a:noFill/>
+                </a:ln>
+                <a:solidFill>
+                  <a:srgbClr val="000000"/>
+                </a:solidFill>
+                <a:effectLst/>
+                <a:uFillTx/>
+                <a:latin typeface="+mn-lt"/>
+                <a:ea typeface="+mn-ea"/>
+                <a:cs typeface="+mn-cs"/>
+                <a:sym typeface="Helvetica Light"/>
+              </a:rPr>
+              <a:t>computed</a:t>
+            </a:r>
+            <a:r>
+              <a:rPr kumimoji="0" lang="en-US" sz="3600" b="0" i="0" u="none" strike="noStrike" cap="none" spc="0" normalizeH="0" dirty="0" smtClean="0">
+                <a:ln>
+                  <a:noFill/>
+                </a:ln>
+                <a:solidFill>
+                  <a:srgbClr val="000000"/>
+                </a:solidFill>
+                <a:effectLst/>
+                <a:uFillTx/>
+                <a:latin typeface="+mn-lt"/>
+                <a:ea typeface="+mn-ea"/>
+                <a:cs typeface="+mn-cs"/>
+                <a:sym typeface="Helvetica Light"/>
+              </a:rPr>
+              <a:t> on the keys to determine their bucket.</a:t>
+            </a:r>
+          </a:p>
+          <a:p>
+            <a:pPr marL="0" marR="0" indent="0" algn="l" defTabSz="584200" rtl="0" fontAlgn="auto" latinLnBrk="0" hangingPunct="0">
+              <a:lnSpc>
+                <a:spcPct val="100000"/>
+              </a:lnSpc>
+              <a:spcBef>
+                <a:spcPts val="0"/>
+              </a:spcBef>
+              <a:spcAft>
+                <a:spcPts val="0"/>
+              </a:spcAft>
+              <a:buClrTx/>
+              <a:buSzTx/>
+              <a:buFontTx/>
+              <a:buNone/>
+              <a:tabLst/>
+            </a:pPr>
+            <a:r>
+              <a:rPr lang="en-US" dirty="0" smtClean="0"/>
+              <a:t>In this example, assuming </a:t>
             </a:r>
             <a:r>
               <a:rPr lang="en-US" i="1" dirty="0" smtClean="0"/>
-              <a:t>h()%M</a:t>
-            </a:r>
-            <a:r>
-              <a:rPr lang="en-US" dirty="0" smtClean="0"/>
-              <a:t>), the map would be equivalent to a list</a:t>
-            </a:r>
-          </a:p>
-          <a:p>
-            <a:pPr lvl="1"/>
-            <a:r>
-              <a:rPr lang="en-US" dirty="0"/>
-              <a:t>o</a:t>
-            </a:r>
-            <a:r>
-              <a:rPr lang="en-US" dirty="0" smtClean="0"/>
-              <a:t>perations to search on list would be O(N), albeit insert would be O(1) </a:t>
-            </a:r>
-          </a:p>
-          <a:p>
-            <a:r>
-              <a:rPr lang="en-US" dirty="0" smtClean="0"/>
-              <a:t>But, </a:t>
-            </a:r>
-            <a:r>
-              <a:rPr lang="en-US" b="1" dirty="0" smtClean="0"/>
-              <a:t>if</a:t>
-            </a:r>
-            <a:r>
-              <a:rPr lang="en-US" dirty="0" smtClean="0"/>
-              <a:t> M large enough compared to N, and hash function is uniform enough, you can have a </a:t>
-            </a:r>
-            <a:r>
-              <a:rPr lang="en-US" b="1" dirty="0" smtClean="0"/>
-              <a:t>O(1) </a:t>
-            </a:r>
-            <a:r>
-              <a:rPr lang="en-US" dirty="0" smtClean="0"/>
-              <a:t>cost in many cases</a:t>
-            </a:r>
-          </a:p>
-          <a:p>
-            <a:pPr lvl="1"/>
-            <a:r>
-              <a:rPr lang="en-US" dirty="0"/>
-              <a:t>e</a:t>
-            </a:r>
-            <a:r>
-              <a:rPr lang="en-US" dirty="0" smtClean="0"/>
-              <a:t>ven if you have some collisions, it will not be a problem, as you would have a small number of elements in the list </a:t>
-            </a:r>
-            <a:endParaRPr lang="en-US" dirty="0"/>
+              <a:t>“foo”.</a:t>
+            </a:r>
+            <a:r>
+              <a:rPr lang="en-US" i="1" dirty="0" err="1" smtClean="0"/>
+              <a:t>hashCode</a:t>
+            </a:r>
+            <a:r>
+              <a:rPr lang="en-US" i="1" dirty="0" smtClean="0"/>
+              <a:t>()==“bar”.</a:t>
+            </a:r>
+            <a:r>
+              <a:rPr lang="en-US" i="1" dirty="0" err="1" smtClean="0"/>
+              <a:t>hashCode</a:t>
+            </a:r>
+            <a:r>
+              <a:rPr lang="en-US" i="1" dirty="0" smtClean="0"/>
+              <a:t>()</a:t>
+            </a:r>
+            <a:r>
+              <a:rPr lang="en-US" dirty="0" smtClean="0"/>
+              <a:t>, because same bucket.</a:t>
+            </a:r>
+            <a:endParaRPr lang="en-US" i="1" dirty="0" smtClean="0"/>
+          </a:p>
+          <a:p>
+            <a:pPr marL="0" marR="0" indent="0" algn="l" defTabSz="584200" rtl="0" fontAlgn="auto" latinLnBrk="0" hangingPunct="0">
+              <a:lnSpc>
+                <a:spcPct val="100000"/>
+              </a:lnSpc>
+              <a:spcBef>
+                <a:spcPts val="0"/>
+              </a:spcBef>
+              <a:spcAft>
+                <a:spcPts val="0"/>
+              </a:spcAft>
+              <a:buClrTx/>
+              <a:buSzTx/>
+              <a:buFontTx/>
+              <a:buNone/>
+              <a:tabLst/>
+            </a:pPr>
+            <a:r>
+              <a:rPr lang="en-US" dirty="0" smtClean="0"/>
+              <a:t>However, </a:t>
+            </a:r>
+            <a:r>
+              <a:rPr lang="en-US" i="1" dirty="0" smtClean="0"/>
+              <a:t>“</a:t>
+            </a:r>
+            <a:r>
+              <a:rPr lang="en-US" i="1" dirty="0" err="1" smtClean="0"/>
+              <a:t>foo”.equals</a:t>
+            </a:r>
+            <a:r>
+              <a:rPr lang="en-US" i="1" dirty="0" smtClean="0"/>
+              <a:t>(“bar”) </a:t>
+            </a:r>
+            <a:r>
+              <a:rPr lang="en-US" dirty="0" smtClean="0"/>
+              <a:t>is false</a:t>
+            </a:r>
+            <a:endParaRPr kumimoji="0" lang="en-US" sz="3600" b="0" u="none" strike="noStrike" cap="none" spc="0" normalizeH="0" baseline="0" dirty="0">
+              <a:ln>
+                <a:noFill/>
+              </a:ln>
+              <a:solidFill>
+                <a:srgbClr val="000000"/>
+              </a:solidFill>
+              <a:effectLst/>
+              <a:uFillTx/>
+              <a:sym typeface="Helvetica Light"/>
+            </a:endParaRPr>
+          </a:p>
+        </p:txBody>
+      </p:sp>
+      <p:sp>
+        <p:nvSpPr>
+          <p:cNvPr id="12" name="Down Arrow 11"/>
+          <p:cNvSpPr/>
+          <p:nvPr/>
+        </p:nvSpPr>
+        <p:spPr>
+          <a:xfrm rot="18565297">
+            <a:off x="2984390" y="2587654"/>
+            <a:ext cx="671121" cy="2051384"/>
+          </a:xfrm>
+          <a:prstGeom prst="downArrow">
+            <a:avLst/>
+          </a:prstGeom>
+          <a:blipFill rotWithShape="1">
+            <a:blip r:embed="rId2"/>
+            <a:srcRect/>
+            <a:tile tx="0" ty="0" sx="100000" sy="100000" flip="none" algn="tl"/>
+          </a:blipFill>
+          <a:ln w="12700" cap="flat">
+            <a:noFill/>
+            <a:miter lim="400000"/>
+          </a:ln>
+          <a:effectLst>
+            <a:outerShdw blurRad="38100" dist="25400" dir="5400000" rotWithShape="0">
+              <a:srgbClr val="000000">
+                <a:alpha val="50000"/>
+              </a:srgbClr>
+            </a:outerShdw>
+          </a:effectLst>
+          <a:sp3d/>
+        </p:spPr>
+        <p:style>
+          <a:lnRef idx="0">
+            <a:scrgbClr r="0" g="0" b="0"/>
+          </a:lnRef>
+          <a:fillRef idx="0">
+            <a:scrgbClr r="0" g="0" b="0"/>
+          </a:fillRef>
+          <a:effectRef idx="0">
+            <a:scrgbClr r="0" g="0" b="0"/>
+          </a:effectRef>
+          <a:fontRef idx="none"/>
+        </p:style>
+        <p:txBody>
+          <a:bodyPr rot="0" spcFirstLastPara="1" vertOverflow="overflow" horzOverflow="overflow" vert="horz" wrap="square" lIns="50800" tIns="50800" rIns="50800" bIns="50800" numCol="1" spcCol="38100" rtlCol="0" anchor="ctr">
+            <a:spAutoFit/>
+          </a:bodyPr>
+          <a:lstStyle/>
+          <a:p>
+            <a:pPr marL="0" marR="0" indent="0" algn="ctr" defTabSz="584200" rtl="0" fontAlgn="auto" latinLnBrk="0" hangingPunct="0">
+              <a:lnSpc>
+                <a:spcPct val="100000"/>
+              </a:lnSpc>
+              <a:spcBef>
+                <a:spcPts val="0"/>
+              </a:spcBef>
+              <a:spcAft>
+                <a:spcPts val="0"/>
+              </a:spcAft>
+              <a:buClrTx/>
+              <a:buSzTx/>
+              <a:buFontTx/>
+              <a:buNone/>
+              <a:tabLst/>
+            </a:pPr>
+            <a:endParaRPr kumimoji="0" lang="en-US" sz="2400" b="0" i="0" u="none" strike="noStrike" cap="none" spc="0" normalizeH="0" baseline="0">
+              <a:ln>
+                <a:noFill/>
+              </a:ln>
+              <a:solidFill>
+                <a:srgbClr val="FFFFFF"/>
+              </a:solidFill>
+              <a:effectLst/>
+              <a:uFillTx/>
+              <a:latin typeface="+mn-lt"/>
+              <a:ea typeface="+mn-ea"/>
+              <a:cs typeface="+mn-cs"/>
+              <a:sym typeface="Helvetica Light"/>
+            </a:endParaRPr>
+          </a:p>
+        </p:txBody>
+      </p:sp>
+      <p:sp>
+        <p:nvSpPr>
+          <p:cNvPr id="13" name="TextBox 12"/>
+          <p:cNvSpPr txBox="1"/>
+          <p:nvPr/>
+        </p:nvSpPr>
+        <p:spPr>
+          <a:xfrm>
+            <a:off x="6526310" y="6517135"/>
+            <a:ext cx="5993732" cy="2872581"/>
+          </a:xfrm>
+          <a:prstGeom prst="rect">
+            <a:avLst/>
+          </a:prstGeom>
+          <a:noFill/>
+          <a:ln w="12700" cap="flat">
+            <a:noFill/>
+            <a:miter lim="400000"/>
+          </a:ln>
+          <a:effectLst/>
+          <a:sp3d/>
+        </p:spPr>
+        <p:style>
+          <a:lnRef idx="0">
+            <a:scrgbClr r="0" g="0" b="0"/>
+          </a:lnRef>
+          <a:fillRef idx="0">
+            <a:scrgbClr r="0" g="0" b="0"/>
+          </a:fillRef>
+          <a:effectRef idx="0">
+            <a:scrgbClr r="0" g="0" b="0"/>
+          </a:effectRef>
+          <a:fontRef idx="none"/>
+        </p:style>
+        <p:txBody>
+          <a:bodyPr rot="0" spcFirstLastPara="1" vertOverflow="overflow" horzOverflow="overflow" vert="horz" wrap="square" lIns="50800" tIns="50800" rIns="50800" bIns="50800" numCol="1" spcCol="38100" rtlCol="0" anchor="ctr">
+            <a:spAutoFit/>
+          </a:bodyPr>
+          <a:lstStyle/>
+          <a:p>
+            <a:pPr marL="0" marR="0" indent="0" algn="l" defTabSz="584200" rtl="0" fontAlgn="auto" latinLnBrk="0" hangingPunct="0">
+              <a:lnSpc>
+                <a:spcPct val="100000"/>
+              </a:lnSpc>
+              <a:spcBef>
+                <a:spcPts val="0"/>
+              </a:spcBef>
+              <a:spcAft>
+                <a:spcPts val="0"/>
+              </a:spcAft>
+              <a:buClrTx/>
+              <a:buSzTx/>
+              <a:buFontTx/>
+              <a:buNone/>
+              <a:tabLst/>
+            </a:pPr>
+            <a:r>
+              <a:rPr lang="en-US" dirty="0" smtClean="0"/>
+              <a:t>Once the bucket is determined with </a:t>
+            </a:r>
+            <a:r>
+              <a:rPr lang="en-US" i="1" dirty="0" err="1" smtClean="0"/>
+              <a:t>hashCode</a:t>
+            </a:r>
+            <a:r>
+              <a:rPr lang="en-US" i="1" dirty="0" smtClean="0"/>
+              <a:t>()</a:t>
+            </a:r>
+            <a:r>
+              <a:rPr lang="en-US" dirty="0" smtClean="0"/>
+              <a:t>, we use </a:t>
+            </a:r>
+            <a:r>
+              <a:rPr lang="en-US" i="1" dirty="0" smtClean="0"/>
+              <a:t>equals() </a:t>
+            </a:r>
+            <a:r>
+              <a:rPr lang="en-US" dirty="0" smtClean="0"/>
+              <a:t>on the </a:t>
+            </a:r>
+            <a:r>
+              <a:rPr lang="en-US" i="1" dirty="0" smtClean="0"/>
+              <a:t>keys</a:t>
+            </a:r>
+            <a:r>
+              <a:rPr lang="en-US" dirty="0" smtClean="0"/>
+              <a:t> in the list (one at a time), to see if there is a match </a:t>
+            </a:r>
+            <a:endParaRPr kumimoji="0" lang="en-US" sz="3600" b="0" u="none" strike="noStrike" cap="none" spc="0" normalizeH="0" baseline="0" dirty="0">
+              <a:ln>
+                <a:noFill/>
+              </a:ln>
+              <a:solidFill>
+                <a:srgbClr val="000000"/>
+              </a:solidFill>
+              <a:effectLst/>
+              <a:uFillTx/>
+              <a:sym typeface="Helvetica Light"/>
+            </a:endParaRPr>
+          </a:p>
+        </p:txBody>
+      </p:sp>
+      <p:sp>
+        <p:nvSpPr>
+          <p:cNvPr id="14" name="Up Arrow 13"/>
+          <p:cNvSpPr/>
+          <p:nvPr/>
+        </p:nvSpPr>
+        <p:spPr>
+          <a:xfrm>
+            <a:off x="7548998" y="4834119"/>
+            <a:ext cx="715878" cy="1416061"/>
+          </a:xfrm>
+          <a:prstGeom prst="upArrow">
+            <a:avLst/>
+          </a:prstGeom>
+          <a:blipFill rotWithShape="1">
+            <a:blip r:embed="rId2"/>
+            <a:srcRect/>
+            <a:tile tx="0" ty="0" sx="100000" sy="100000" flip="none" algn="tl"/>
+          </a:blipFill>
+          <a:ln w="12700" cap="flat">
+            <a:noFill/>
+            <a:miter lim="400000"/>
+          </a:ln>
+          <a:effectLst>
+            <a:outerShdw blurRad="38100" dist="25400" dir="5400000" rotWithShape="0">
+              <a:srgbClr val="000000">
+                <a:alpha val="50000"/>
+              </a:srgbClr>
+            </a:outerShdw>
+          </a:effectLst>
+          <a:sp3d/>
+        </p:spPr>
+        <p:style>
+          <a:lnRef idx="0">
+            <a:scrgbClr r="0" g="0" b="0"/>
+          </a:lnRef>
+          <a:fillRef idx="0">
+            <a:scrgbClr r="0" g="0" b="0"/>
+          </a:fillRef>
+          <a:effectRef idx="0">
+            <a:scrgbClr r="0" g="0" b="0"/>
+          </a:effectRef>
+          <a:fontRef idx="none"/>
+        </p:style>
+        <p:txBody>
+          <a:bodyPr rot="0" spcFirstLastPara="1" vertOverflow="overflow" horzOverflow="overflow" vert="horz" wrap="square" lIns="50800" tIns="50800" rIns="50800" bIns="50800" numCol="1" spcCol="38100" rtlCol="0" anchor="ctr">
+            <a:spAutoFit/>
+          </a:bodyPr>
+          <a:lstStyle/>
+          <a:p>
+            <a:pPr marL="0" marR="0" indent="0" algn="ctr" defTabSz="584200" rtl="0" fontAlgn="auto" latinLnBrk="0" hangingPunct="0">
+              <a:lnSpc>
+                <a:spcPct val="100000"/>
+              </a:lnSpc>
+              <a:spcBef>
+                <a:spcPts val="0"/>
+              </a:spcBef>
+              <a:spcAft>
+                <a:spcPts val="0"/>
+              </a:spcAft>
+              <a:buClrTx/>
+              <a:buSzTx/>
+              <a:buFontTx/>
+              <a:buNone/>
+              <a:tabLst/>
+            </a:pPr>
+            <a:endParaRPr kumimoji="0" lang="en-US" sz="2400" b="0" i="0" u="none" strike="noStrike" cap="none" spc="0" normalizeH="0" baseline="0">
+              <a:ln>
+                <a:noFill/>
+              </a:ln>
+              <a:solidFill>
+                <a:srgbClr val="FFFFFF"/>
+              </a:solidFill>
+              <a:effectLst/>
+              <a:uFillTx/>
+              <a:latin typeface="+mn-lt"/>
+              <a:ea typeface="+mn-ea"/>
+              <a:cs typeface="+mn-cs"/>
+              <a:sym typeface="Helvetica Light"/>
+            </a:endParaRPr>
           </a:p>
         </p:txBody>
       </p:sp>
     </p:spTree>
     <p:extLst>
       <p:ext uri="{BB962C8B-B14F-4D97-AF65-F5344CB8AC3E}">
-        <p14:creationId xmlns:p14="http://schemas.microsoft.com/office/powerpoint/2010/main" val="2733894855"/>
+        <p14:creationId xmlns:p14="http://schemas.microsoft.com/office/powerpoint/2010/main" val="2023459324"/>
       </p:ext>
     </p:extLst>
   </p:cSld>

--- a/docs/slides/06/06_hash_maps.pptx
+++ b/docs/slides/06/06_hash_maps.pptx
@@ -2172,7 +2172,7 @@
           </a:ln>
           <a:extLst>
             <a:ext uri="{C572A759-6A51-4108-AA02-DFA0A04FC94B}">
-              <ma14:wrappingTextBoxFlag xmlns="" xmlns:ma14="http://schemas.microsoft.com/office/mac/drawingml/2011/main" val="1"/>
+              <ma14:wrappingTextBoxFlag xmlns:ma14="http://schemas.microsoft.com/office/mac/drawingml/2011/main" xmlns="" val="1"/>
             </a:ext>
           </a:extLst>
         </p:spPr>
@@ -2211,7 +2211,7 @@
           </a:ln>
           <a:extLst>
             <a:ext uri="{C572A759-6A51-4108-AA02-DFA0A04FC94B}">
-              <ma14:wrappingTextBoxFlag xmlns="" xmlns:ma14="http://schemas.microsoft.com/office/mac/drawingml/2011/main" val="1"/>
+              <ma14:wrappingTextBoxFlag xmlns:ma14="http://schemas.microsoft.com/office/mac/drawingml/2011/main" xmlns="" val="1"/>
             </a:ext>
           </a:extLst>
         </p:spPr>
@@ -3143,31 +3143,26 @@
           <a:p>
             <a:pPr algn="l"/>
             <a:r>
-              <a:rPr lang="en-US" sz="6600" dirty="0" smtClean="0"/>
+              <a:rPr lang="en-US" sz="6600" dirty="0"/>
               <a:t>PG4200: Algorithms And Data Structures</a:t>
             </a:r>
             <a:br>
-              <a:rPr lang="en-US" sz="6600" dirty="0" smtClean="0"/>
+              <a:rPr lang="en-US" sz="6600" dirty="0"/>
             </a:br>
-            <a:r>
-              <a:rPr lang="en-US" sz="6600" dirty="0" smtClean="0"/>
-              <a:t/>
-            </a:r>
             <a:br>
-              <a:rPr lang="en-US" sz="6600" dirty="0" smtClean="0"/>
+              <a:rPr lang="en-US" sz="6600" dirty="0"/>
             </a:br>
             <a:r>
-              <a:rPr lang="en-US" sz="6600" dirty="0" smtClean="0"/>
+              <a:rPr lang="en-US" sz="6600" dirty="0"/>
               <a:t>Lesson 06: </a:t>
             </a:r>
             <a:br>
-              <a:rPr lang="en-US" sz="6600" dirty="0" smtClean="0"/>
+              <a:rPr lang="en-US" sz="6600" dirty="0"/>
             </a:br>
             <a:r>
-              <a:rPr lang="en-US" sz="6600" dirty="0" smtClean="0"/>
+              <a:rPr lang="en-US" sz="6600" dirty="0"/>
               <a:t>Hash Maps and Sets</a:t>
             </a:r>
-            <a:endParaRPr lang="en-US" sz="6600" dirty="0"/>
           </a:p>
         </p:txBody>
       </p:sp>
@@ -3193,14 +3188,13 @@
           <a:p>
             <a:pPr algn="r"/>
             <a:r>
-              <a:rPr lang="en-US" smtClean="0"/>
+              <a:rPr lang="en-US"/>
               <a:t>Prof. </a:t>
             </a:r>
             <a:r>
-              <a:rPr lang="en-US" dirty="0" smtClean="0"/>
+              <a:rPr lang="en-US" dirty="0"/>
               <a:t>Andrea Arcuri</a:t>
             </a:r>
-            <a:endParaRPr lang="en-US" dirty="0"/>
           </a:p>
         </p:txBody>
       </p:sp>
@@ -3215,13 +3209,6 @@
     <a:masterClrMapping/>
   </p:clrMapOvr>
   <p:transition spd="med"/>
-  <p:timing>
-    <p:tnLst>
-      <p:par>
-        <p:cTn id="1" dur="indefinite" restart="never" nodeType="tmRoot"/>
-      </p:par>
-    </p:tnLst>
-  </p:timing>
 </p:sld>
 </file>
 
@@ -3258,7 +3245,7 @@
           <a:lstStyle/>
           <a:p>
             <a:r>
-              <a:rPr lang="en-US" dirty="0" err="1" smtClean="0"/>
+              <a:rPr lang="en-US" dirty="0" err="1"/>
               <a:t>java.lang.Object</a:t>
             </a:r>
             <a:endParaRPr lang="en-US" dirty="0"/>
@@ -3288,98 +3275,67 @@
           <a:lstStyle/>
           <a:p>
             <a:r>
-              <a:rPr lang="en-US" i="1" dirty="0" smtClean="0"/>
+              <a:rPr lang="en-US" i="1" dirty="0"/>
               <a:t>Object</a:t>
             </a:r>
             <a:r>
-              <a:rPr lang="en-US" dirty="0" smtClean="0"/>
+              <a:rPr lang="en-US" dirty="0"/>
               <a:t> does define two methods: </a:t>
             </a:r>
             <a:r>
-              <a:rPr lang="en-US" i="1" dirty="0" err="1" smtClean="0"/>
+              <a:rPr lang="en-US" i="1" dirty="0" err="1"/>
               <a:t>hashCode</a:t>
             </a:r>
             <a:r>
-              <a:rPr lang="en-US" i="1" dirty="0" smtClean="0"/>
+              <a:rPr lang="en-US" i="1" dirty="0"/>
               <a:t>() </a:t>
             </a:r>
             <a:r>
-              <a:rPr lang="en-US" dirty="0" smtClean="0"/>
+              <a:rPr lang="en-US" dirty="0"/>
               <a:t>and </a:t>
             </a:r>
             <a:r>
-              <a:rPr lang="en-US" i="1" dirty="0" smtClean="0"/>
+              <a:rPr lang="en-US" i="1" dirty="0"/>
               <a:t>equals()</a:t>
             </a:r>
           </a:p>
           <a:p>
             <a:r>
-              <a:rPr lang="en-US" dirty="0" smtClean="0"/>
+              <a:rPr lang="en-US" dirty="0"/>
               <a:t>Those methods will depend on the internal fields of the object</a:t>
             </a:r>
           </a:p>
           <a:p>
             <a:r>
-              <a:rPr lang="en-US" i="1" dirty="0" smtClean="0"/>
+              <a:rPr lang="en-US" i="1" dirty="0"/>
               <a:t>Important</a:t>
             </a:r>
             <a:r>
-              <a:rPr lang="en-US" dirty="0" smtClean="0"/>
+              <a:rPr lang="en-US" dirty="0"/>
               <a:t>: if two objects are equals, then they </a:t>
             </a:r>
             <a:r>
-              <a:rPr lang="en-US" b="1" dirty="0" smtClean="0"/>
+              <a:rPr lang="en-US" b="1" dirty="0"/>
               <a:t>MUST</a:t>
             </a:r>
             <a:r>
-              <a:rPr lang="en-US" dirty="0" smtClean="0"/>
+              <a:rPr lang="en-US" dirty="0"/>
               <a:t> have same hash code </a:t>
             </a:r>
           </a:p>
           <a:p>
             <a:pPr lvl="1"/>
             <a:r>
-              <a:rPr lang="en-US" i="1" dirty="0" err="1" smtClean="0"/>
+              <a:rPr lang="en-US" i="1" dirty="0" err="1"/>
               <a:t>A.equals</a:t>
             </a:r>
             <a:r>
-              <a:rPr lang="en-US" i="1" dirty="0" smtClean="0"/>
+              <a:rPr lang="en-US" i="1" dirty="0"/>
               <a:t>(B)</a:t>
             </a:r>
             <a:r>
-              <a:rPr lang="en-US" dirty="0" smtClean="0"/>
+              <a:rPr lang="en-US" dirty="0"/>
               <a:t> implies </a:t>
-            </a:r>
-            <a:r>
-              <a:rPr lang="en-US" i="1" dirty="0" err="1" smtClean="0"/>
-              <a:t>A.hashCode</a:t>
-            </a:r>
-            <a:r>
-              <a:rPr lang="en-US" i="1" dirty="0" smtClean="0"/>
-              <a:t>()==</a:t>
-            </a:r>
-            <a:r>
-              <a:rPr lang="en-US" i="1" dirty="0" err="1" smtClean="0"/>
-              <a:t>B.hashCode</a:t>
-            </a:r>
-            <a:r>
-              <a:rPr lang="en-US" i="1" dirty="0" smtClean="0"/>
-              <a:t>()</a:t>
-            </a:r>
-          </a:p>
-          <a:p>
-            <a:pPr lvl="1"/>
-            <a:r>
-              <a:rPr lang="en-US" dirty="0" smtClean="0"/>
-              <a:t>The vice-versa is not necessarily true, </a:t>
-            </a:r>
-            <a:r>
-              <a:rPr lang="en-US" dirty="0" err="1" smtClean="0"/>
-              <a:t>ie</a:t>
-            </a:r>
-            <a:r>
-              <a:rPr lang="en-US" dirty="0" smtClean="0"/>
-              <a:t> </a:t>
             </a:r>
             <a:r>
               <a:rPr lang="en-US" i="1" dirty="0" err="1"/>
@@ -3394,11 +3350,42 @@
               <a:t>B.hashCode</a:t>
             </a:r>
             <a:r>
-              <a:rPr lang="en-US" i="1" dirty="0" smtClean="0"/>
+              <a:rPr lang="en-US" i="1" dirty="0"/>
               <a:t>()</a:t>
             </a:r>
-            <a:r>
-              <a:rPr lang="en-US" dirty="0" smtClean="0"/>
+          </a:p>
+          <a:p>
+            <a:pPr lvl="1"/>
+            <a:r>
+              <a:rPr lang="en-US" dirty="0"/>
+              <a:t>The vice-versa is not necessarily true, </a:t>
+            </a:r>
+            <a:r>
+              <a:rPr lang="en-US" dirty="0" err="1"/>
+              <a:t>ie</a:t>
+            </a:r>
+            <a:r>
+              <a:rPr lang="en-US" dirty="0"/>
+              <a:t> </a:t>
+            </a:r>
+            <a:r>
+              <a:rPr lang="en-US" i="1" dirty="0" err="1"/>
+              <a:t>A.hashCode</a:t>
+            </a:r>
+            <a:r>
+              <a:rPr lang="en-US" i="1" dirty="0"/>
+              <a:t>()==</a:t>
+            </a:r>
+            <a:r>
+              <a:rPr lang="en-US" i="1" dirty="0" err="1"/>
+              <a:t>B.hashCode</a:t>
+            </a:r>
+            <a:r>
+              <a:rPr lang="en-US" i="1" dirty="0"/>
+              <a:t>()</a:t>
+            </a:r>
+            <a:r>
+              <a:rPr lang="en-US" dirty="0"/>
               <a:t> does not imply </a:t>
             </a:r>
             <a:r>
@@ -3407,20 +3394,16 @@
             </a:r>
             <a:r>
               <a:rPr lang="en-US" i="1" dirty="0"/>
-              <a:t>(B</a:t>
-            </a:r>
-            <a:r>
-              <a:rPr lang="en-US" i="1" dirty="0" smtClean="0"/>
-              <a:t>)</a:t>
-            </a:r>
-            <a:r>
-              <a:rPr lang="en-US" dirty="0" smtClean="0"/>
+              <a:t>(B)</a:t>
+            </a:r>
+            <a:r>
+              <a:rPr lang="en-US" dirty="0"/>
               <a:t>, although that could happen</a:t>
             </a:r>
           </a:p>
           <a:p>
             <a:r>
-              <a:rPr lang="en-US" dirty="0" smtClean="0"/>
+              <a:rPr lang="en-US" dirty="0"/>
               <a:t>What if constraint is not satisfied? Expect weird bugs when using maps and sets… </a:t>
             </a:r>
           </a:p>
@@ -3473,10 +3456,9 @@
           <a:lstStyle/>
           <a:p>
             <a:r>
-              <a:rPr lang="en-US" dirty="0" smtClean="0"/>
+              <a:rPr lang="en-US" dirty="0"/>
               <a:t>Cost</a:t>
             </a:r>
-            <a:endParaRPr lang="en-US" dirty="0"/>
           </a:p>
         </p:txBody>
       </p:sp>
@@ -3496,31 +3478,31 @@
           <a:lstStyle/>
           <a:p>
             <a:r>
-              <a:rPr lang="en-US" dirty="0" smtClean="0"/>
+              <a:rPr lang="en-US" dirty="0"/>
               <a:t>Worst case: </a:t>
             </a:r>
             <a:r>
-              <a:rPr lang="en-US" b="1" dirty="0" smtClean="0"/>
+              <a:rPr lang="en-US" b="1" dirty="0"/>
               <a:t>O(N)</a:t>
             </a:r>
             <a:r>
-              <a:rPr lang="en-US" dirty="0" smtClean="0"/>
+              <a:rPr lang="en-US" dirty="0"/>
               <a:t> if all elements end up in same “bucket” (</a:t>
             </a:r>
             <a:r>
-              <a:rPr lang="en-US" dirty="0" err="1" smtClean="0"/>
+              <a:rPr lang="en-US" dirty="0" err="1"/>
               <a:t>ie</a:t>
             </a:r>
             <a:r>
-              <a:rPr lang="en-US" dirty="0" smtClean="0"/>
+              <a:rPr lang="en-US" dirty="0"/>
               <a:t> same value for </a:t>
             </a:r>
             <a:r>
-              <a:rPr lang="en-US" i="1" dirty="0" smtClean="0"/>
+              <a:rPr lang="en-US" i="1" dirty="0"/>
               <a:t>h()%M</a:t>
             </a:r>
             <a:r>
-              <a:rPr lang="en-US" dirty="0" smtClean="0"/>
+              <a:rPr lang="en-US" dirty="0"/>
               <a:t>), the map would be equivalent to a list</a:t>
             </a:r>
           </a:p>
@@ -3528,32 +3510,28 @@
             <a:pPr lvl="1"/>
             <a:r>
               <a:rPr lang="en-US" dirty="0"/>
-              <a:t>o</a:t>
-            </a:r>
-            <a:r>
-              <a:rPr lang="en-US" dirty="0" smtClean="0"/>
-              <a:t>perations to search on list would be O(N), albeit insert would be O(1) </a:t>
-            </a:r>
-          </a:p>
-          <a:p>
-            <a:r>
-              <a:rPr lang="en-US" dirty="0" smtClean="0"/>
+              <a:t>operations to search on list would be O(N), albeit insert would be O(1) </a:t>
+            </a:r>
+          </a:p>
+          <a:p>
+            <a:r>
+              <a:rPr lang="en-US" dirty="0"/>
               <a:t>But, </a:t>
             </a:r>
             <a:r>
-              <a:rPr lang="en-US" b="1" dirty="0" smtClean="0"/>
+              <a:rPr lang="en-US" b="1" dirty="0"/>
               <a:t>if</a:t>
             </a:r>
             <a:r>
-              <a:rPr lang="en-US" dirty="0" smtClean="0"/>
+              <a:rPr lang="en-US" dirty="0"/>
               <a:t> M large enough compared to N, and hash function is uniform enough, you can have a </a:t>
             </a:r>
             <a:r>
-              <a:rPr lang="en-US" b="1" dirty="0" smtClean="0"/>
+              <a:rPr lang="en-US" b="1" dirty="0"/>
               <a:t>O(1) </a:t>
             </a:r>
             <a:r>
-              <a:rPr lang="en-US" dirty="0" smtClean="0"/>
+              <a:rPr lang="en-US" dirty="0"/>
               <a:t>cost in many cases</a:t>
             </a:r>
           </a:p>
@@ -3561,13 +3539,8 @@
             <a:pPr lvl="1"/>
             <a:r>
               <a:rPr lang="en-US" dirty="0"/>
-              <a:t>e</a:t>
-            </a:r>
-            <a:r>
-              <a:rPr lang="en-US" dirty="0" smtClean="0"/>
-              <a:t>ven if you have some collisions, it will not be a problem, as you would have a small number of elements in the list </a:t>
-            </a:r>
-            <a:endParaRPr lang="en-US" dirty="0"/>
+              <a:t>even if you have some collisions, it will not be a problem, as you would have a small number of elements in the list </a:t>
+            </a:r>
           </a:p>
         </p:txBody>
       </p:sp>
@@ -3618,10 +3591,9 @@
           <a:lstStyle/>
           <a:p>
             <a:r>
-              <a:rPr lang="en-US" dirty="0" smtClean="0"/>
+              <a:rPr lang="en-US" dirty="0"/>
               <a:t>Hash or RBT?</a:t>
             </a:r>
-            <a:endParaRPr lang="en-US" dirty="0"/>
           </a:p>
         </p:txBody>
       </p:sp>
@@ -3648,93 +3620,92 @@
           <a:lstStyle/>
           <a:p>
             <a:r>
-              <a:rPr lang="en-US" dirty="0" smtClean="0"/>
+              <a:rPr lang="en-US" dirty="0"/>
               <a:t>Hash Maps is the most popular and widely used</a:t>
             </a:r>
           </a:p>
           <a:p>
             <a:r>
-              <a:rPr lang="en-US" dirty="0" smtClean="0"/>
+              <a:rPr lang="en-US" dirty="0"/>
               <a:t>If you know how much data you </a:t>
             </a:r>
             <a:r>
-              <a:rPr lang="en-US" dirty="0" err="1" smtClean="0"/>
+              <a:rPr lang="en-US" dirty="0" err="1"/>
               <a:t>ll</a:t>
             </a:r>
             <a:r>
-              <a:rPr lang="en-US" dirty="0" smtClean="0"/>
+              <a:rPr lang="en-US" dirty="0"/>
               <a:t> insert at most, can choose a good large enough M</a:t>
             </a:r>
           </a:p>
           <a:p>
             <a:r>
-              <a:rPr lang="en-US" dirty="0" smtClean="0"/>
+              <a:rPr lang="en-US" dirty="0"/>
               <a:t>So in most cases, we are in </a:t>
             </a:r>
             <a:r>
-              <a:rPr lang="en-US" i="1" dirty="0" smtClean="0"/>
+              <a:rPr lang="en-US" i="1" dirty="0"/>
               <a:t>O(1)</a:t>
             </a:r>
             <a:r>
-              <a:rPr lang="en-US" dirty="0" smtClean="0"/>
+              <a:rPr lang="en-US" dirty="0"/>
               <a:t> Hash vs </a:t>
             </a:r>
             <a:r>
-              <a:rPr lang="en-US" i="1" dirty="0" smtClean="0"/>
+              <a:rPr lang="en-US" i="1" dirty="0"/>
               <a:t>O(log N)</a:t>
             </a:r>
             <a:r>
-              <a:rPr lang="en-US" dirty="0" smtClean="0"/>
+              <a:rPr lang="en-US" dirty="0"/>
               <a:t> RBT</a:t>
             </a:r>
           </a:p>
           <a:p>
             <a:r>
-              <a:rPr lang="en-US" dirty="0" smtClean="0"/>
+              <a:rPr lang="en-US" dirty="0"/>
               <a:t>But Hash can be </a:t>
             </a:r>
             <a:r>
-              <a:rPr lang="en-US" i="1" dirty="0" smtClean="0"/>
+              <a:rPr lang="en-US" i="1" dirty="0"/>
               <a:t>O(N)</a:t>
             </a:r>
             <a:r>
-              <a:rPr lang="en-US" dirty="0" smtClean="0"/>
+              <a:rPr lang="en-US" dirty="0"/>
               <a:t> in worst case, vs RBT </a:t>
             </a:r>
             <a:r>
-              <a:rPr lang="en-US" b="1" dirty="0" smtClean="0"/>
+              <a:rPr lang="en-US" b="1" dirty="0"/>
               <a:t>guarantees</a:t>
             </a:r>
             <a:r>
-              <a:rPr lang="en-US" dirty="0" smtClean="0"/>
+              <a:rPr lang="en-US" dirty="0"/>
               <a:t> </a:t>
             </a:r>
             <a:r>
-              <a:rPr lang="en-US" i="1" dirty="0" smtClean="0"/>
+              <a:rPr lang="en-US" i="1" dirty="0"/>
               <a:t>O(log N)</a:t>
             </a:r>
             <a:r>
-              <a:rPr lang="en-US" dirty="0" smtClean="0"/>
+              <a:rPr lang="en-US" dirty="0"/>
               <a:t> in all cases</a:t>
             </a:r>
           </a:p>
           <a:p>
             <a:pPr lvl="1"/>
             <a:r>
-              <a:rPr lang="en-US" dirty="0" err="1" smtClean="0"/>
+              <a:rPr lang="en-US" dirty="0" err="1"/>
               <a:t>eg</a:t>
             </a:r>
             <a:r>
-              <a:rPr lang="en-US" dirty="0" smtClean="0"/>
+              <a:rPr lang="en-US" dirty="0"/>
               <a:t>, in critical systems where you MUST guarantee a response within a certain amount of time, might want to use RBT</a:t>
             </a:r>
           </a:p>
           <a:p>
             <a:r>
-              <a:rPr lang="en-US" dirty="0" smtClean="0"/>
+              <a:rPr lang="en-US" dirty="0"/>
               <a:t>Hash does not need ordering of keys</a:t>
             </a:r>
-            <a:endParaRPr lang="en-US" dirty="0"/>
           </a:p>
         </p:txBody>
       </p:sp>
@@ -3785,10 +3756,9 @@
           <a:lstStyle/>
           <a:p>
             <a:r>
-              <a:rPr lang="en-US" dirty="0" smtClean="0"/>
+              <a:rPr lang="en-US" dirty="0"/>
               <a:t>Set</a:t>
             </a:r>
-            <a:endParaRPr lang="en-US" dirty="0"/>
           </a:p>
         </p:txBody>
       </p:sp>
@@ -3813,104 +3783,95 @@
           <a:lstStyle/>
           <a:p>
             <a:r>
-              <a:rPr lang="en-US" dirty="0" smtClean="0"/>
+              <a:rPr lang="en-US" dirty="0"/>
               <a:t>In mathematics, a </a:t>
             </a:r>
             <a:r>
-              <a:rPr lang="en-US" i="1" dirty="0" smtClean="0"/>
+              <a:rPr lang="en-US" i="1" dirty="0"/>
               <a:t>set</a:t>
             </a:r>
             <a:r>
-              <a:rPr lang="en-US" dirty="0" smtClean="0"/>
+              <a:rPr lang="en-US" dirty="0"/>
               <a:t> is a collection of elements where:</a:t>
             </a:r>
           </a:p>
           <a:p>
             <a:pPr lvl="1"/>
             <a:r>
-              <a:rPr lang="en-US" dirty="0" smtClean="0"/>
+              <a:rPr lang="en-US" dirty="0"/>
               <a:t>1) </a:t>
             </a:r>
             <a:r>
-              <a:rPr lang="en-US" i="1" dirty="0" smtClean="0"/>
+              <a:rPr lang="en-US" i="1" dirty="0"/>
               <a:t>ordering is not important</a:t>
             </a:r>
             <a:r>
-              <a:rPr lang="en-US" dirty="0" smtClean="0"/>
+              <a:rPr lang="en-US" dirty="0"/>
               <a:t>: </a:t>
             </a:r>
             <a:r>
-              <a:rPr lang="en-US" dirty="0" err="1" smtClean="0"/>
+              <a:rPr lang="en-US" dirty="0" err="1"/>
               <a:t>ie</a:t>
             </a:r>
             <a:r>
-              <a:rPr lang="en-US" dirty="0" smtClean="0"/>
+              <a:rPr lang="en-US" dirty="0"/>
               <a:t> {1,2,3} is equivalent to {2,3,1}</a:t>
             </a:r>
           </a:p>
           <a:p>
             <a:pPr lvl="1"/>
             <a:r>
-              <a:rPr lang="en-US" dirty="0" smtClean="0"/>
+              <a:rPr lang="en-US" dirty="0"/>
               <a:t>2) </a:t>
             </a:r>
             <a:r>
-              <a:rPr lang="en-US" i="1" dirty="0" smtClean="0"/>
+              <a:rPr lang="en-US" i="1" dirty="0"/>
               <a:t>no repetitions</a:t>
             </a:r>
             <a:r>
-              <a:rPr lang="en-US" dirty="0" smtClean="0"/>
+              <a:rPr lang="en-US" dirty="0"/>
               <a:t>: </a:t>
             </a:r>
             <a:r>
-              <a:rPr lang="en-US" dirty="0" err="1" smtClean="0"/>
+              <a:rPr lang="en-US" dirty="0" err="1"/>
               <a:t>ie</a:t>
             </a:r>
             <a:r>
-              <a:rPr lang="en-US" dirty="0" smtClean="0"/>
+              <a:rPr lang="en-US" dirty="0"/>
               <a:t> {1,2} is the same as {2,1,1,2,2,1,1,2,1}</a:t>
             </a:r>
           </a:p>
           <a:p>
             <a:r>
-              <a:rPr lang="en-US" dirty="0" smtClean="0"/>
+              <a:rPr lang="en-US" dirty="0"/>
               <a:t>How to implement a Set in Java?</a:t>
             </a:r>
           </a:p>
           <a:p>
             <a:r>
-              <a:rPr lang="en-US" dirty="0" smtClean="0"/>
+              <a:rPr lang="en-US" dirty="0"/>
               <a:t>Easy: use an internal </a:t>
             </a:r>
             <a:r>
-              <a:rPr lang="en-US" i="1" dirty="0" smtClean="0"/>
+              <a:rPr lang="en-US" i="1" dirty="0"/>
               <a:t>Map&lt;K,V&gt;</a:t>
             </a:r>
             <a:r>
-              <a:rPr lang="en-US" dirty="0" smtClean="0"/>
-              <a:t> were your values in the set are the </a:t>
-            </a:r>
-            <a:r>
-              <a:rPr lang="en-US" dirty="0" smtClean="0"/>
-              <a:t>keys </a:t>
-            </a:r>
-            <a:r>
-              <a:rPr lang="en-US" i="1" dirty="0" smtClean="0"/>
+              <a:rPr lang="en-US" dirty="0"/>
+              <a:t> were your values in the set are the keys </a:t>
+            </a:r>
+            <a:r>
+              <a:rPr lang="en-US" i="1" dirty="0"/>
               <a:t>K</a:t>
             </a:r>
             <a:r>
-              <a:rPr lang="en-US" dirty="0" smtClean="0"/>
-              <a:t>, </a:t>
-            </a:r>
-            <a:r>
-              <a:rPr lang="en-US" dirty="0" smtClean="0"/>
-              <a:t>and you just ignore the values </a:t>
-            </a:r>
-            <a:r>
-              <a:rPr lang="en-US" i="1" dirty="0" smtClean="0"/>
+              <a:rPr lang="en-US" dirty="0"/>
+              <a:t>, and you just ignore the values </a:t>
+            </a:r>
+            <a:r>
+              <a:rPr lang="en-US" i="1" dirty="0"/>
               <a:t>V</a:t>
             </a:r>
-            <a:endParaRPr lang="en-US" i="1" dirty="0"/>
           </a:p>
         </p:txBody>
       </p:sp>
@@ -3961,10 +3922,9 @@
           <a:lstStyle/>
           <a:p>
             <a:r>
-              <a:rPr lang="en-US" dirty="0" smtClean="0"/>
+              <a:rPr lang="en-US" dirty="0"/>
               <a:t>Keys and Immutability</a:t>
             </a:r>
-            <a:endParaRPr lang="en-US" dirty="0"/>
           </a:p>
         </p:txBody>
       </p:sp>
@@ -3989,81 +3949,80 @@
           <a:lstStyle/>
           <a:p>
             <a:r>
-              <a:rPr lang="en-US" i="1" dirty="0" smtClean="0"/>
+              <a:rPr lang="en-US" i="1" dirty="0"/>
               <a:t>Immutable Object</a:t>
             </a:r>
             <a:r>
-              <a:rPr lang="en-US" dirty="0" smtClean="0"/>
+              <a:rPr lang="en-US" dirty="0"/>
               <a:t>: an object whose state cannot be changed once created</a:t>
             </a:r>
           </a:p>
           <a:p>
             <a:r>
-              <a:rPr lang="en-US" dirty="0" smtClean="0"/>
+              <a:rPr lang="en-US" dirty="0"/>
               <a:t>Example: Strings are immutable </a:t>
             </a:r>
           </a:p>
           <a:p>
             <a:pPr lvl="1"/>
             <a:r>
-              <a:rPr lang="en-US" dirty="0" err="1" smtClean="0"/>
+              <a:rPr lang="en-US" dirty="0" err="1"/>
               <a:t>eg</a:t>
             </a:r>
             <a:r>
-              <a:rPr lang="en-US" dirty="0" smtClean="0"/>
+              <a:rPr lang="en-US" dirty="0"/>
               <a:t>, concatenation with + and methods like </a:t>
             </a:r>
             <a:r>
-              <a:rPr lang="en-US" i="1" dirty="0" err="1" smtClean="0"/>
+              <a:rPr lang="en-US" i="1" dirty="0" err="1"/>
               <a:t>toUpperCase</a:t>
             </a:r>
             <a:r>
-              <a:rPr lang="en-US" i="1" dirty="0" smtClean="0"/>
+              <a:rPr lang="en-US" i="1" dirty="0"/>
               <a:t>()</a:t>
             </a:r>
             <a:r>
-              <a:rPr lang="en-US" dirty="0" smtClean="0"/>
+              <a:rPr lang="en-US" dirty="0"/>
               <a:t> and </a:t>
             </a:r>
             <a:r>
-              <a:rPr lang="en-US" i="1" dirty="0" smtClean="0"/>
+              <a:rPr lang="en-US" i="1" dirty="0"/>
               <a:t>substring()</a:t>
             </a:r>
             <a:r>
-              <a:rPr lang="en-US" dirty="0" smtClean="0"/>
+              <a:rPr lang="en-US" dirty="0"/>
               <a:t> do NOT change the String, but rather </a:t>
             </a:r>
             <a:r>
-              <a:rPr lang="en-US" i="1" dirty="0" smtClean="0"/>
+              <a:rPr lang="en-US" i="1" dirty="0"/>
               <a:t>create</a:t>
             </a:r>
             <a:r>
-              <a:rPr lang="en-US" dirty="0" smtClean="0"/>
+              <a:rPr lang="en-US" dirty="0"/>
               <a:t> a NEW one</a:t>
             </a:r>
           </a:p>
           <a:p>
             <a:r>
-              <a:rPr lang="en-US" dirty="0" smtClean="0"/>
+              <a:rPr lang="en-US" dirty="0"/>
               <a:t>Keys in a Map/Set </a:t>
             </a:r>
             <a:r>
-              <a:rPr lang="en-US" b="1" dirty="0" smtClean="0"/>
+              <a:rPr lang="en-US" b="1" dirty="0"/>
               <a:t>MUST</a:t>
             </a:r>
             <a:r>
-              <a:rPr lang="en-US" dirty="0" smtClean="0"/>
+              <a:rPr lang="en-US" dirty="0"/>
               <a:t> be </a:t>
             </a:r>
             <a:r>
-              <a:rPr lang="en-US" i="1" dirty="0" smtClean="0"/>
+              <a:rPr lang="en-US" i="1" dirty="0"/>
               <a:t>immutable</a:t>
             </a:r>
             <a:r>
-              <a:rPr lang="en-US" dirty="0" smtClean="0"/>
+              <a:rPr lang="en-US" dirty="0"/>
               <a:t>… why?</a:t>
             </a:r>
-            <a:endParaRPr lang="en-US" dirty="0"/>
           </a:p>
         </p:txBody>
       </p:sp>
@@ -4114,10 +4073,9 @@
           <a:lstStyle/>
           <a:p>
             <a:r>
-              <a:rPr lang="en-US" dirty="0" smtClean="0"/>
+              <a:rPr lang="en-US" dirty="0"/>
               <a:t>Different Hash</a:t>
             </a:r>
-            <a:endParaRPr lang="en-US" dirty="0"/>
           </a:p>
         </p:txBody>
       </p:sp>
@@ -4147,15 +4105,15 @@
               <a:buNone/>
             </a:pPr>
             <a:r>
-              <a:rPr lang="en-US" i="1" dirty="0" smtClean="0"/>
+              <a:rPr lang="en-US" i="1" dirty="0"/>
               <a:t>Foo </a:t>
             </a:r>
             <a:r>
-              <a:rPr lang="en-US" i="1" dirty="0" err="1" smtClean="0"/>
+              <a:rPr lang="en-US" i="1" dirty="0" err="1"/>
               <a:t>foo</a:t>
             </a:r>
             <a:r>
-              <a:rPr lang="en-US" i="1" dirty="0" smtClean="0"/>
+              <a:rPr lang="en-US" i="1" dirty="0"/>
               <a:t> = new Foo();</a:t>
             </a:r>
           </a:p>
@@ -4164,11 +4122,11 @@
               <a:buNone/>
             </a:pPr>
             <a:r>
-              <a:rPr lang="en-US" i="1" dirty="0" err="1" smtClean="0"/>
+              <a:rPr lang="en-US" i="1" dirty="0" err="1"/>
               <a:t>set.add</a:t>
             </a:r>
             <a:r>
-              <a:rPr lang="en-US" i="1" dirty="0" smtClean="0"/>
+              <a:rPr lang="en-US" i="1" dirty="0"/>
               <a:t>(foo);</a:t>
             </a:r>
           </a:p>
@@ -4177,19 +4135,19 @@
               <a:buNone/>
             </a:pPr>
             <a:r>
-              <a:rPr lang="en-US" i="1" dirty="0" err="1" smtClean="0"/>
+              <a:rPr lang="en-US" i="1" dirty="0" err="1"/>
               <a:t>assertTrue</a:t>
             </a:r>
             <a:r>
-              <a:rPr lang="en-US" i="1" dirty="0" smtClean="0"/>
+              <a:rPr lang="en-US" i="1" dirty="0"/>
               <a:t>(</a:t>
             </a:r>
             <a:r>
-              <a:rPr lang="en-US" i="1" dirty="0" err="1" smtClean="0"/>
+              <a:rPr lang="en-US" i="1" dirty="0" err="1"/>
               <a:t>set.contains</a:t>
             </a:r>
             <a:r>
-              <a:rPr lang="en-US" i="1" dirty="0" smtClean="0"/>
+              <a:rPr lang="en-US" i="1" dirty="0"/>
               <a:t>(foo));</a:t>
             </a:r>
           </a:p>
@@ -4198,7 +4156,7 @@
               <a:buNone/>
             </a:pPr>
             <a:r>
-              <a:rPr lang="en-US" i="1" dirty="0" smtClean="0"/>
+              <a:rPr lang="en-US" i="1" dirty="0"/>
               <a:t>// h(foo) = 42  ,  42 % M = 2</a:t>
             </a:r>
           </a:p>
@@ -4207,11 +4165,11 @@
               <a:buNone/>
             </a:pPr>
             <a:r>
-              <a:rPr lang="en-US" i="1" dirty="0" err="1" smtClean="0"/>
+              <a:rPr lang="en-US" i="1" dirty="0" err="1"/>
               <a:t>foo.setSomeVariable</a:t>
             </a:r>
             <a:r>
-              <a:rPr lang="en-US" i="1" dirty="0" smtClean="0"/>
+              <a:rPr lang="en-US" i="1" dirty="0"/>
               <a:t>(…);</a:t>
             </a:r>
           </a:p>
@@ -4220,16 +4178,8 @@
               <a:buNone/>
             </a:pPr>
             <a:r>
-              <a:rPr lang="en-US" i="1" dirty="0" smtClean="0"/>
-              <a:t>// </a:t>
-            </a:r>
-            <a:r>
               <a:rPr lang="en-US" i="1" dirty="0"/>
-              <a:t>h(foo</a:t>
-            </a:r>
-            <a:r>
-              <a:rPr lang="en-US" i="1" dirty="0" smtClean="0"/>
-              <a:t>) = 55  ,  55 % M = 5</a:t>
+              <a:t>// h(foo) = 55  ,  55 % M = 5</a:t>
             </a:r>
           </a:p>
           <a:p>
@@ -4237,22 +4187,21 @@
               <a:buNone/>
             </a:pPr>
             <a:r>
-              <a:rPr lang="en-US" i="1" dirty="0" err="1" smtClean="0"/>
+              <a:rPr lang="en-US" i="1" dirty="0" err="1"/>
               <a:t>assertFalse</a:t>
             </a:r>
             <a:r>
-              <a:rPr lang="en-US" i="1" dirty="0" smtClean="0"/>
+              <a:rPr lang="en-US" i="1" dirty="0"/>
               <a:t>(</a:t>
             </a:r>
             <a:r>
-              <a:rPr lang="en-US" i="1" dirty="0" err="1" smtClean="0"/>
+              <a:rPr lang="en-US" i="1" dirty="0" err="1"/>
               <a:t>set.contains</a:t>
             </a:r>
             <a:r>
-              <a:rPr lang="en-US" i="1" dirty="0" smtClean="0"/>
+              <a:rPr lang="en-US" i="1" dirty="0"/>
               <a:t>(foo));</a:t>
             </a:r>
-            <a:endParaRPr lang="en-US" i="1" dirty="0"/>
           </a:p>
         </p:txBody>
       </p:sp>
@@ -4330,10 +4279,9 @@
                     <a:lstStyle/>
                     <a:p>
                       <a:r>
-                        <a:rPr lang="en-US" sz="2400" dirty="0" smtClean="0"/>
+                        <a:rPr lang="en-US" sz="2400" dirty="0"/>
                         <a:t>foo</a:t>
                       </a:r>
-                      <a:endParaRPr lang="en-US" sz="2400" dirty="0"/>
                     </a:p>
                   </a:txBody>
                   <a:tcPr>
@@ -4392,10 +4340,9 @@
                     <a:lstStyle/>
                     <a:p>
                       <a:r>
-                        <a:rPr lang="en-US" sz="2400" dirty="0" smtClean="0"/>
+                        <a:rPr lang="en-US" sz="2400" dirty="0"/>
                         <a:t>miss</a:t>
                       </a:r>
-                      <a:endParaRPr lang="en-US" sz="2400" dirty="0"/>
                     </a:p>
                   </a:txBody>
                   <a:tcPr/>
@@ -4687,10 +4634,9 @@
           <a:lstStyle/>
           <a:p>
             <a:r>
-              <a:rPr lang="en-US" dirty="0" smtClean="0"/>
+              <a:rPr lang="en-US" dirty="0"/>
               <a:t>Using Maps and Sets</a:t>
             </a:r>
-            <a:endParaRPr lang="en-US" dirty="0"/>
           </a:p>
         </p:txBody>
       </p:sp>
@@ -4717,83 +4663,83 @@
           <a:lstStyle/>
           <a:p>
             <a:r>
-              <a:rPr lang="en-US" dirty="0" smtClean="0"/>
+              <a:rPr lang="en-US" dirty="0"/>
               <a:t>Can only use a </a:t>
             </a:r>
             <a:r>
-              <a:rPr lang="en-US" i="1" dirty="0" smtClean="0"/>
+              <a:rPr lang="en-US" i="1" dirty="0"/>
               <a:t>Set</a:t>
             </a:r>
             <a:r>
-              <a:rPr lang="en-US" dirty="0" smtClean="0"/>
+              <a:rPr lang="en-US" dirty="0"/>
               <a:t> for </a:t>
             </a:r>
             <a:r>
-              <a:rPr lang="en-US" b="1" dirty="0" smtClean="0"/>
+              <a:rPr lang="en-US" b="1" dirty="0"/>
               <a:t>immutable</a:t>
             </a:r>
             <a:r>
-              <a:rPr lang="en-US" dirty="0" smtClean="0"/>
+              <a:rPr lang="en-US" dirty="0"/>
               <a:t> types</a:t>
             </a:r>
           </a:p>
           <a:p>
             <a:r>
-              <a:rPr lang="en-US" dirty="0" smtClean="0"/>
+              <a:rPr lang="en-US" dirty="0"/>
               <a:t>What if you need a collection of mutable types </a:t>
             </a:r>
             <a:r>
-              <a:rPr lang="en-US" i="1" dirty="0" smtClean="0"/>
+              <a:rPr lang="en-US" i="1" dirty="0"/>
               <a:t>&lt;X&gt;</a:t>
             </a:r>
             <a:r>
-              <a:rPr lang="en-US" dirty="0" smtClean="0"/>
+              <a:rPr lang="en-US" dirty="0"/>
               <a:t>? </a:t>
             </a:r>
           </a:p>
           <a:p>
             <a:pPr lvl="1"/>
             <a:r>
-              <a:rPr lang="en-US" dirty="0" smtClean="0"/>
+              <a:rPr lang="en-US" dirty="0"/>
               <a:t>creating a </a:t>
             </a:r>
             <a:r>
-              <a:rPr lang="en-US" i="1" dirty="0" smtClean="0"/>
+              <a:rPr lang="en-US" i="1" dirty="0"/>
               <a:t>Set&lt;X&gt;</a:t>
             </a:r>
             <a:r>
-              <a:rPr lang="en-US" dirty="0" smtClean="0"/>
+              <a:rPr lang="en-US" dirty="0"/>
               <a:t> would wrong! </a:t>
             </a:r>
           </a:p>
           <a:p>
             <a:r>
-              <a:rPr lang="en-US" dirty="0" smtClean="0"/>
+              <a:rPr lang="en-US" dirty="0"/>
               <a:t>Option 1: rather use a list, </a:t>
             </a:r>
             <a:r>
-              <a:rPr lang="en-US" dirty="0" err="1" smtClean="0"/>
+              <a:rPr lang="en-US" dirty="0" err="1"/>
               <a:t>eg</a:t>
             </a:r>
             <a:r>
-              <a:rPr lang="en-US" dirty="0" smtClean="0"/>
+              <a:rPr lang="en-US" dirty="0"/>
               <a:t> </a:t>
             </a:r>
             <a:r>
-              <a:rPr lang="en-US" i="1" dirty="0" smtClean="0"/>
+              <a:rPr lang="en-US" i="1" dirty="0"/>
               <a:t>List&lt;X&gt;</a:t>
             </a:r>
           </a:p>
           <a:p>
             <a:pPr lvl="1"/>
             <a:r>
-              <a:rPr lang="en-US" dirty="0" smtClean="0"/>
+              <a:rPr lang="en-US" dirty="0"/>
               <a:t>however, it would allow duplicates</a:t>
             </a:r>
           </a:p>
           <a:p>
             <a:r>
-              <a:rPr lang="en-US" dirty="0" smtClean="0"/>
+              <a:rPr lang="en-US" dirty="0"/>
               <a:t>Option 2: use a map </a:t>
             </a:r>
             <a:r>
@@ -4802,53 +4748,49 @@
             </a:r>
             <a:r>
               <a:rPr lang="en-US" dirty="0"/>
-              <a:t> </a:t>
-            </a:r>
-            <a:r>
-              <a:rPr lang="en-US" dirty="0" smtClean="0"/>
-              <a:t>where the key is an immutable field derived from </a:t>
-            </a:r>
-            <a:r>
-              <a:rPr lang="en-US" i="1" dirty="0" smtClean="0"/>
+              <a:t> where the key is an immutable field derived from </a:t>
+            </a:r>
+            <a:r>
+              <a:rPr lang="en-US" i="1" dirty="0"/>
               <a:t>X</a:t>
             </a:r>
           </a:p>
           <a:p>
             <a:pPr lvl="1"/>
             <a:r>
-              <a:rPr lang="en-US" dirty="0" err="1" smtClean="0"/>
+              <a:rPr lang="en-US" dirty="0" err="1"/>
               <a:t>eg</a:t>
             </a:r>
             <a:r>
-              <a:rPr lang="en-US" dirty="0" smtClean="0"/>
+              <a:rPr lang="en-US" dirty="0"/>
               <a:t>, if mutable </a:t>
             </a:r>
             <a:r>
-              <a:rPr lang="en-US" i="1" dirty="0" smtClean="0"/>
+              <a:rPr lang="en-US" i="1" dirty="0"/>
               <a:t>User</a:t>
             </a:r>
             <a:r>
-              <a:rPr lang="en-US" dirty="0" smtClean="0"/>
+              <a:rPr lang="en-US" dirty="0"/>
               <a:t>, </a:t>
             </a:r>
             <a:r>
-              <a:rPr lang="en-US" i="1" dirty="0" err="1" smtClean="0"/>
+              <a:rPr lang="en-US" i="1" dirty="0" err="1"/>
               <a:t>map.put</a:t>
             </a:r>
             <a:r>
-              <a:rPr lang="en-US" i="1" dirty="0" smtClean="0"/>
+              <a:rPr lang="en-US" i="1" dirty="0"/>
               <a:t>(</a:t>
             </a:r>
             <a:r>
-              <a:rPr lang="en-US" i="1" dirty="0" err="1" smtClean="0"/>
+              <a:rPr lang="en-US" i="1" dirty="0" err="1"/>
               <a:t>user.getId</a:t>
             </a:r>
             <a:r>
-              <a:rPr lang="en-US" i="1" dirty="0" smtClean="0"/>
+              <a:rPr lang="en-US" i="1" dirty="0"/>
               <a:t>(), user)</a:t>
             </a:r>
             <a:r>
-              <a:rPr lang="en-US" dirty="0" smtClean="0"/>
+              <a:rPr lang="en-US" dirty="0"/>
               <a:t>, where the id could be a String (recall strings are immutable)</a:t>
             </a:r>
           </a:p>
@@ -4905,10 +4847,9 @@
           <a:lstStyle/>
           <a:p>
             <a:r>
-              <a:rPr lang="en-US" dirty="0" smtClean="0"/>
+              <a:rPr lang="en-US" dirty="0"/>
               <a:t>Homework</a:t>
             </a:r>
-            <a:endParaRPr lang="en-US" dirty="0"/>
           </a:p>
         </p:txBody>
       </p:sp>
@@ -4933,44 +4874,39 @@
             </a:r>
             <a:r>
               <a:rPr lang="en-US"/>
-              <a:t>Chapter </a:t>
-            </a:r>
-            <a:r>
-              <a:rPr lang="en-US" smtClean="0"/>
-              <a:t>3.4 and 3.5</a:t>
-            </a:r>
-            <a:endParaRPr lang="en-US" dirty="0" smtClean="0"/>
-          </a:p>
-          <a:p>
-            <a:r>
-              <a:rPr lang="en-US" dirty="0" smtClean="0"/>
+              <a:t>Chapter 3.4 and 3.5</a:t>
+            </a:r>
+            <a:endParaRPr lang="en-US" dirty="0"/>
+          </a:p>
+          <a:p>
+            <a:r>
+              <a:rPr lang="en-US" dirty="0"/>
               <a:t>Study code in the </a:t>
             </a:r>
             <a:r>
-              <a:rPr lang="en-US" i="1" dirty="0" smtClean="0"/>
+              <a:rPr lang="en-US" i="1" dirty="0"/>
               <a:t>org.pg4200.les06</a:t>
             </a:r>
             <a:r>
-              <a:rPr lang="en-US" dirty="0" smtClean="0"/>
+              <a:rPr lang="en-US" dirty="0"/>
               <a:t> package</a:t>
             </a:r>
           </a:p>
           <a:p>
             <a:r>
-              <a:rPr lang="en-US" dirty="0" smtClean="0"/>
+              <a:rPr lang="en-US" dirty="0"/>
               <a:t>Do exercises in </a:t>
             </a:r>
             <a:r>
-              <a:rPr lang="en-US" i="1" dirty="0" smtClean="0"/>
+              <a:rPr lang="en-US" i="1" dirty="0"/>
               <a:t>exercises/ex06</a:t>
             </a:r>
           </a:p>
           <a:p>
             <a:r>
-              <a:rPr lang="en-US" dirty="0" smtClean="0"/>
+              <a:rPr lang="en-US" dirty="0"/>
               <a:t>Extra: do exercises in the book</a:t>
             </a:r>
-            <a:endParaRPr lang="en-US" dirty="0"/>
           </a:p>
         </p:txBody>
       </p:sp>
@@ -4985,13 +4921,6 @@
     <a:masterClrMapping/>
   </p:clrMapOvr>
   <p:transition spd="med"/>
-  <p:timing>
-    <p:tnLst>
-      <p:par>
-        <p:cTn id="1" dur="indefinite" restart="never" nodeType="tmRoot"/>
-      </p:par>
-    </p:tnLst>
-  </p:timing>
 </p:sld>
 </file>
 
@@ -5028,10 +4957,9 @@
           <a:lstStyle/>
           <a:p>
             <a:r>
-              <a:rPr lang="en-US" dirty="0" smtClean="0"/>
+              <a:rPr lang="en-US" dirty="0"/>
               <a:t>Hash Function</a:t>
             </a:r>
-            <a:endParaRPr lang="en-US" dirty="0"/>
           </a:p>
         </p:txBody>
       </p:sp>
@@ -5056,7 +4984,7 @@
           <a:lstStyle/>
           <a:p>
             <a:r>
-              <a:rPr lang="en-US" dirty="0" smtClean="0"/>
+              <a:rPr lang="en-US" dirty="0"/>
               <a:t>A function that maps data from an arbitrary size to a specific size</a:t>
             </a:r>
           </a:p>
@@ -5064,42 +4992,33 @@
             <a:pPr lvl="1"/>
             <a:r>
               <a:rPr lang="en-US" dirty="0" err="1"/>
-              <a:t>e</a:t>
-            </a:r>
-            <a:r>
-              <a:rPr lang="en-US" dirty="0" err="1" smtClean="0"/>
-              <a:t>g</a:t>
-            </a:r>
-            <a:r>
-              <a:rPr lang="en-US" dirty="0" smtClean="0"/>
+              <a:t>eg</a:t>
+            </a:r>
+            <a:r>
+              <a:rPr lang="en-US" dirty="0"/>
               <a:t>, mapping strings to a </a:t>
             </a:r>
             <a:r>
-              <a:rPr lang="en-US" dirty="0" err="1" smtClean="0"/>
+              <a:rPr lang="en-US" dirty="0" err="1"/>
               <a:t>int</a:t>
             </a:r>
-            <a:endParaRPr lang="en-US" dirty="0" smtClean="0"/>
+            <a:endParaRPr lang="en-US" dirty="0"/>
           </a:p>
           <a:p>
             <a:r>
               <a:rPr lang="en-US" i="1" dirty="0"/>
-              <a:t>h</a:t>
-            </a:r>
-            <a:r>
-              <a:rPr lang="en-US" i="1" dirty="0" smtClean="0"/>
-              <a:t>(x)=y</a:t>
-            </a:r>
-            <a:r>
-              <a:rPr lang="en-US" dirty="0" smtClean="0"/>
+              <a:t>h(x)=y</a:t>
+            </a:r>
+            <a:r>
+              <a:rPr lang="en-US" dirty="0"/>
               <a:t> , mapping from domain X to a value in domain Y</a:t>
             </a:r>
           </a:p>
           <a:p>
             <a:r>
-              <a:rPr lang="en-US" dirty="0" smtClean="0"/>
+              <a:rPr lang="en-US" dirty="0"/>
               <a:t>|X| is often much larger than |Y|</a:t>
             </a:r>
-            <a:endParaRPr lang="en-US" dirty="0"/>
           </a:p>
         </p:txBody>
       </p:sp>
@@ -5150,10 +5069,9 @@
           <a:lstStyle/>
           <a:p>
             <a:r>
-              <a:rPr lang="en-US" dirty="0" smtClean="0"/>
+              <a:rPr lang="en-US" dirty="0"/>
               <a:t>Hash Properties</a:t>
             </a:r>
-            <a:endParaRPr lang="en-US" dirty="0"/>
           </a:p>
         </p:txBody>
       </p:sp>
@@ -5178,74 +5096,74 @@
           <a:lstStyle/>
           <a:p>
             <a:r>
-              <a:rPr lang="en-US" i="1" dirty="0" smtClean="0"/>
+              <a:rPr lang="en-US" i="1" dirty="0"/>
               <a:t>Deterministic</a:t>
             </a:r>
             <a:r>
-              <a:rPr lang="en-US" dirty="0" smtClean="0"/>
+              <a:rPr lang="en-US" dirty="0"/>
               <a:t>: for a given input </a:t>
             </a:r>
             <a:r>
-              <a:rPr lang="en-US" i="1" dirty="0" smtClean="0"/>
+              <a:rPr lang="en-US" i="1" dirty="0"/>
               <a:t>x’</a:t>
             </a:r>
             <a:r>
-              <a:rPr lang="en-US" dirty="0" smtClean="0"/>
+              <a:rPr lang="en-US" dirty="0"/>
               <a:t>, should always get the same output </a:t>
             </a:r>
             <a:r>
-              <a:rPr lang="en-US" i="1" dirty="0" smtClean="0"/>
+              <a:rPr lang="en-US" i="1" dirty="0"/>
               <a:t>y’</a:t>
             </a:r>
           </a:p>
           <a:p>
             <a:r>
-              <a:rPr lang="en-US" i="1" dirty="0" smtClean="0"/>
+              <a:rPr lang="en-US" i="1" dirty="0"/>
               <a:t>Uniform</a:t>
             </a:r>
             <a:r>
-              <a:rPr lang="en-US" dirty="0" smtClean="0"/>
+              <a:rPr lang="en-US" dirty="0"/>
               <a:t>: mapping from X to Y should be ideally spread uniformly over Y,</a:t>
             </a:r>
           </a:p>
           <a:p>
             <a:pPr lvl="1"/>
             <a:r>
-              <a:rPr lang="en-US" dirty="0" smtClean="0"/>
+              <a:rPr lang="en-US" dirty="0"/>
               <a:t> </a:t>
             </a:r>
             <a:r>
-              <a:rPr lang="en-US" dirty="0" err="1" smtClean="0"/>
+              <a:rPr lang="en-US" dirty="0" err="1"/>
               <a:t>ie</a:t>
             </a:r>
             <a:r>
-              <a:rPr lang="en-US" dirty="0" smtClean="0"/>
+              <a:rPr lang="en-US" dirty="0"/>
               <a:t> the number of elements in X that map to a specific </a:t>
             </a:r>
             <a:r>
-              <a:rPr lang="en-US" i="1" dirty="0" smtClean="0"/>
+              <a:rPr lang="en-US" i="1" dirty="0"/>
               <a:t>y’</a:t>
             </a:r>
             <a:r>
-              <a:rPr lang="en-US" dirty="0" smtClean="0"/>
+              <a:rPr lang="en-US" dirty="0"/>
               <a:t> should be close to |X|/|Y|</a:t>
             </a:r>
           </a:p>
           <a:p>
             <a:r>
-              <a:rPr lang="en-US" i="1" dirty="0" smtClean="0"/>
+              <a:rPr lang="en-US" i="1" dirty="0"/>
               <a:t>Performance</a:t>
             </a:r>
             <a:r>
-              <a:rPr lang="en-US" dirty="0" smtClean="0"/>
+              <a:rPr lang="en-US" dirty="0"/>
               <a:t>: either fast (in this course) or slow (security, </a:t>
             </a:r>
             <a:r>
-              <a:rPr lang="en-US" dirty="0" err="1" smtClean="0"/>
+              <a:rPr lang="en-US" dirty="0" err="1"/>
               <a:t>eg</a:t>
             </a:r>
             <a:r>
-              <a:rPr lang="en-US" dirty="0" smtClean="0"/>
+              <a:rPr lang="en-US" dirty="0"/>
               <a:t> hashing of passwords)</a:t>
             </a:r>
             <a:endParaRPr lang="en-US" i="1" dirty="0"/>
@@ -5306,10 +5224,9 @@
           <a:lstStyle/>
           <a:p>
             <a:r>
-              <a:rPr lang="en-US" dirty="0" smtClean="0"/>
+              <a:rPr lang="en-US" dirty="0"/>
               <a:t>Collisions</a:t>
             </a:r>
-            <a:endParaRPr lang="en-US" dirty="0"/>
           </a:p>
         </p:txBody>
       </p:sp>
@@ -5341,15 +5258,15 @@
               </a:spcBef>
             </a:pPr>
             <a:r>
-              <a:rPr lang="en-US" dirty="0" smtClean="0"/>
+              <a:rPr lang="en-US" dirty="0"/>
               <a:t>If |X| &gt; |Y|, you cannot avoid </a:t>
             </a:r>
             <a:r>
-              <a:rPr lang="en-US" i="1" dirty="0" smtClean="0"/>
+              <a:rPr lang="en-US" i="1" dirty="0"/>
               <a:t>h(x’)=h(x’’), </a:t>
             </a:r>
             <a:r>
-              <a:rPr lang="en-US" dirty="0" smtClean="0"/>
+              <a:rPr lang="en-US" dirty="0"/>
               <a:t>two different values in X mapping to the same value in Y</a:t>
             </a:r>
           </a:p>
@@ -5360,14 +5277,13 @@
               </a:spcBef>
             </a:pPr>
             <a:r>
-              <a:rPr lang="en-US" dirty="0" smtClean="0"/>
+              <a:rPr lang="en-US" dirty="0"/>
               <a:t>Ideally, if uniform, no more than |X|/|Y| collisions per element</a:t>
             </a:r>
             <a:r>
-              <a:rPr lang="en-US" i="1" dirty="0" smtClean="0"/>
+              <a:rPr lang="en-US" i="1" dirty="0"/>
               <a:t> </a:t>
             </a:r>
-            <a:endParaRPr lang="en-US" i="1" dirty="0"/>
           </a:p>
         </p:txBody>
       </p:sp>
@@ -5673,7 +5589,7 @@
               <a:tabLst/>
             </a:pPr>
             <a:r>
-              <a:rPr kumimoji="0" lang="en-US" sz="3600" b="0" i="0" u="none" strike="noStrike" cap="none" spc="0" normalizeH="0" baseline="0" dirty="0" smtClean="0">
+              <a:rPr kumimoji="0" lang="en-US" sz="3600" b="0" i="0" u="none" strike="noStrike" cap="none" spc="0" normalizeH="0" baseline="0" dirty="0">
                 <a:ln>
                   <a:noFill/>
                 </a:ln>
@@ -5689,20 +5605,6 @@
               </a:rPr>
               <a:t>X</a:t>
             </a:r>
-            <a:endParaRPr kumimoji="0" lang="en-US" sz="3600" b="0" i="0" u="none" strike="noStrike" cap="none" spc="0" normalizeH="0" baseline="0" dirty="0">
-              <a:ln>
-                <a:noFill/>
-              </a:ln>
-              <a:solidFill>
-                <a:srgbClr val="000000"/>
-              </a:solidFill>
-              <a:effectLst/>
-              <a:uFillTx/>
-              <a:latin typeface="+mn-lt"/>
-              <a:ea typeface="+mn-ea"/>
-              <a:cs typeface="+mn-cs"/>
-              <a:sym typeface="Helvetica Light"/>
-            </a:endParaRPr>
           </a:p>
         </p:txBody>
       </p:sp>
@@ -6088,7 +5990,7 @@
               <a:tabLst/>
             </a:pPr>
             <a:r>
-              <a:rPr lang="en-US" dirty="0" smtClean="0"/>
+              <a:rPr lang="en-US" dirty="0"/>
               <a:t>42</a:t>
             </a:r>
             <a:endParaRPr kumimoji="0" lang="en-US" sz="3600" b="0" i="0" u="none" strike="noStrike" cap="none" spc="0" normalizeH="0" baseline="0" dirty="0">
@@ -6165,7 +6067,7 @@
               <a:tabLst/>
             </a:pPr>
             <a:r>
-              <a:rPr kumimoji="0" lang="en-US" sz="3600" b="0" i="0" u="none" strike="noStrike" cap="none" spc="0" normalizeH="0" baseline="0" dirty="0" smtClean="0">
+              <a:rPr kumimoji="0" lang="en-US" sz="3600" b="0" i="0" u="none" strike="noStrike" cap="none" spc="0" normalizeH="0" baseline="0" dirty="0">
                 <a:ln>
                   <a:noFill/>
                 </a:ln>
@@ -6181,20 +6083,6 @@
               </a:rPr>
               <a:t>“foo”</a:t>
             </a:r>
-            <a:endParaRPr kumimoji="0" lang="en-US" sz="3600" b="0" i="0" u="none" strike="noStrike" cap="none" spc="0" normalizeH="0" baseline="0" dirty="0">
-              <a:ln>
-                <a:noFill/>
-              </a:ln>
-              <a:solidFill>
-                <a:srgbClr val="000000"/>
-              </a:solidFill>
-              <a:effectLst/>
-              <a:uFillTx/>
-              <a:latin typeface="+mn-lt"/>
-              <a:ea typeface="+mn-ea"/>
-              <a:cs typeface="+mn-cs"/>
-              <a:sym typeface="Helvetica Light"/>
-            </a:endParaRPr>
           </a:p>
         </p:txBody>
       </p:sp>
@@ -6255,7 +6143,7 @@
               <a:tabLst/>
             </a:pPr>
             <a:r>
-              <a:rPr kumimoji="0" lang="en-US" sz="3600" b="0" i="0" u="none" strike="noStrike" cap="none" spc="0" normalizeH="0" baseline="0" dirty="0" smtClean="0">
+              <a:rPr kumimoji="0" lang="en-US" sz="3600" b="0" i="0" u="none" strike="noStrike" cap="none" spc="0" normalizeH="0" baseline="0" dirty="0">
                 <a:ln>
                   <a:noFill/>
                 </a:ln>
@@ -6271,20 +6159,6 @@
               </a:rPr>
               <a:t>“bar”</a:t>
             </a:r>
-            <a:endParaRPr kumimoji="0" lang="en-US" sz="3600" b="0" i="0" u="none" strike="noStrike" cap="none" spc="0" normalizeH="0" baseline="0" dirty="0">
-              <a:ln>
-                <a:noFill/>
-              </a:ln>
-              <a:solidFill>
-                <a:srgbClr val="000000"/>
-              </a:solidFill>
-              <a:effectLst/>
-              <a:uFillTx/>
-              <a:latin typeface="+mn-lt"/>
-              <a:ea typeface="+mn-ea"/>
-              <a:cs typeface="+mn-cs"/>
-              <a:sym typeface="Helvetica Light"/>
-            </a:endParaRPr>
           </a:p>
         </p:txBody>
       </p:sp>
@@ -6335,10 +6209,9 @@
           <a:lstStyle/>
           <a:p>
             <a:r>
-              <a:rPr lang="en-US" dirty="0" smtClean="0"/>
+              <a:rPr lang="en-US" dirty="0"/>
               <a:t>Hash Maps</a:t>
             </a:r>
-            <a:endParaRPr lang="en-US" dirty="0"/>
           </a:p>
         </p:txBody>
       </p:sp>
@@ -6363,57 +6236,53 @@
           <a:lstStyle/>
           <a:p>
             <a:r>
-              <a:rPr lang="en-US" dirty="0" smtClean="0"/>
+              <a:rPr lang="en-US" dirty="0"/>
               <a:t>Still a map from a K key to a V value</a:t>
             </a:r>
           </a:p>
           <a:p>
             <a:r>
-              <a:rPr lang="en-US" dirty="0" smtClean="0"/>
+              <a:rPr lang="en-US" dirty="0"/>
               <a:t>No requirement on ordering of K keys, just being able to compute an </a:t>
             </a:r>
             <a:r>
-              <a:rPr lang="en-US" i="1" dirty="0" smtClean="0"/>
+              <a:rPr lang="en-US" i="1" dirty="0"/>
               <a:t>hash</a:t>
             </a:r>
             <a:r>
-              <a:rPr lang="en-US" dirty="0" smtClean="0"/>
+              <a:rPr lang="en-US" dirty="0"/>
               <a:t> of it</a:t>
             </a:r>
           </a:p>
           <a:p>
             <a:r>
-              <a:rPr lang="en-US" dirty="0" smtClean="0"/>
+              <a:rPr lang="en-US" dirty="0"/>
               <a:t>In Java, all objects inherits from </a:t>
             </a:r>
             <a:r>
-              <a:rPr lang="en-US" i="1" dirty="0" err="1" smtClean="0"/>
+              <a:rPr lang="en-US" i="1" dirty="0" err="1"/>
               <a:t>java.lang.Object</a:t>
             </a:r>
             <a:r>
-              <a:rPr lang="en-US" dirty="0" smtClean="0"/>
-              <a:t>, which defines </a:t>
-            </a:r>
-            <a:r>
-              <a:rPr lang="en-US" dirty="0"/>
-              <a:t>a </a:t>
-            </a:r>
-            <a:r>
-              <a:rPr lang="en-US" i="1" dirty="0" err="1" smtClean="0"/>
+              <a:rPr lang="en-US" dirty="0"/>
+              <a:t>, which defines a </a:t>
+            </a:r>
+            <a:r>
+              <a:rPr lang="en-US" i="1" dirty="0" err="1"/>
               <a:t>hashCode</a:t>
             </a:r>
             <a:r>
-              <a:rPr lang="en-US" i="1" dirty="0" smtClean="0"/>
+              <a:rPr lang="en-US" i="1" dirty="0"/>
               <a:t>()</a:t>
             </a:r>
             <a:r>
-              <a:rPr lang="en-US" dirty="0" smtClean="0"/>
+              <a:rPr lang="en-US" dirty="0"/>
               <a:t> method</a:t>
             </a:r>
           </a:p>
           <a:p>
             <a:r>
-              <a:rPr lang="en-US" dirty="0" smtClean="0"/>
+              <a:rPr lang="en-US" dirty="0"/>
               <a:t>Hash code used as an index for an internal array</a:t>
             </a:r>
           </a:p>
@@ -6469,10 +6338,9 @@
           <a:lstStyle/>
           <a:p>
             <a:r>
-              <a:rPr lang="en-US" dirty="0" smtClean="0"/>
+              <a:rPr lang="en-US" dirty="0"/>
               <a:t>Example</a:t>
             </a:r>
-            <a:endParaRPr lang="en-US" dirty="0"/>
           </a:p>
         </p:txBody>
       </p:sp>
@@ -6498,40 +6366,32 @@
           <a:p>
             <a:r>
               <a:rPr lang="en-US" i="1" dirty="0"/>
-              <a:t>put(“foo”, v</a:t>
-            </a:r>
-            <a:r>
-              <a:rPr lang="en-US" i="1" dirty="0" smtClean="0"/>
-              <a:t>)</a:t>
-            </a:r>
-          </a:p>
-          <a:p>
-            <a:r>
-              <a:rPr lang="en-US" i="1" dirty="0" smtClean="0"/>
+              <a:t>put(“foo”, v)</a:t>
+            </a:r>
+          </a:p>
+          <a:p>
+            <a:r>
+              <a:rPr lang="en-US" i="1" dirty="0"/>
               <a:t>h(“foo”)=42</a:t>
             </a:r>
           </a:p>
           <a:p>
             <a:r>
               <a:rPr lang="en-US" i="1" dirty="0"/>
-              <a:t>h</a:t>
-            </a:r>
-            <a:r>
-              <a:rPr lang="en-US" i="1" dirty="0" smtClean="0"/>
-              <a:t>(“foo”)%10 = 2</a:t>
-            </a:r>
-          </a:p>
-          <a:p>
-            <a:r>
-              <a:rPr lang="en-US" dirty="0" smtClean="0"/>
+              <a:t>h(“foo”)%10 = 2</a:t>
+            </a:r>
+          </a:p>
+          <a:p>
+            <a:r>
+              <a:rPr lang="en-US" dirty="0"/>
               <a:t>Benefit: operations (insert/search/</a:t>
             </a:r>
             <a:r>
-              <a:rPr lang="en-US" dirty="0" err="1" smtClean="0"/>
+              <a:rPr lang="en-US" dirty="0" err="1"/>
               <a:t>etc</a:t>
             </a:r>
             <a:r>
-              <a:rPr lang="en-US" dirty="0" smtClean="0"/>
+              <a:rPr lang="en-US" dirty="0"/>
               <a:t>) have cost due to hash independent of size N of the collection</a:t>
             </a:r>
           </a:p>
@@ -6611,10 +6471,9 @@
                     <a:lstStyle/>
                     <a:p>
                       <a:r>
-                        <a:rPr lang="en-US" sz="2400" dirty="0" smtClean="0"/>
+                        <a:rPr lang="en-US" sz="2400" dirty="0"/>
                         <a:t>[2] = v</a:t>
                       </a:r>
-                      <a:endParaRPr lang="en-US" sz="2400" dirty="0"/>
                     </a:p>
                   </a:txBody>
                   <a:tcPr>
@@ -6812,7 +6671,7 @@
               <a:tabLst/>
             </a:pPr>
             <a:r>
-              <a:rPr kumimoji="0" lang="en-US" sz="3600" b="0" i="0" u="none" strike="noStrike" cap="none" spc="0" normalizeH="0" baseline="0" dirty="0" smtClean="0">
+              <a:rPr kumimoji="0" lang="en-US" sz="3600" b="0" i="0" u="none" strike="noStrike" cap="none" spc="0" normalizeH="0" baseline="0" dirty="0">
                 <a:ln>
                   <a:noFill/>
                 </a:ln>
@@ -6828,20 +6687,6 @@
               </a:rPr>
               <a:t>Internal array buffer of size M=10</a:t>
             </a:r>
-            <a:endParaRPr kumimoji="0" lang="en-US" sz="3600" b="0" i="0" u="none" strike="noStrike" cap="none" spc="0" normalizeH="0" baseline="0" dirty="0">
-              <a:ln>
-                <a:noFill/>
-              </a:ln>
-              <a:solidFill>
-                <a:srgbClr val="000000"/>
-              </a:solidFill>
-              <a:effectLst/>
-              <a:uFillTx/>
-              <a:latin typeface="+mn-lt"/>
-              <a:ea typeface="+mn-ea"/>
-              <a:cs typeface="+mn-cs"/>
-              <a:sym typeface="Helvetica Light"/>
-            </a:endParaRPr>
           </a:p>
         </p:txBody>
       </p:sp>
@@ -6892,10 +6737,9 @@
           <a:lstStyle/>
           <a:p>
             <a:r>
-              <a:rPr lang="en-US" dirty="0" smtClean="0"/>
+              <a:rPr lang="en-US" dirty="0"/>
               <a:t>What About Collisions?</a:t>
             </a:r>
-            <a:endParaRPr lang="en-US" dirty="0"/>
           </a:p>
         </p:txBody>
       </p:sp>
@@ -6921,53 +6765,41 @@
           <a:p>
             <a:r>
               <a:rPr lang="en-US" i="1" dirty="0"/>
-              <a:t>put(“foo”, v</a:t>
-            </a:r>
-            <a:r>
-              <a:rPr lang="en-US" i="1" dirty="0" smtClean="0"/>
-              <a:t>)</a:t>
+              <a:t>put(“foo”, v)</a:t>
             </a:r>
           </a:p>
           <a:p>
             <a:r>
               <a:rPr lang="en-US" i="1" dirty="0"/>
-              <a:t>p</a:t>
-            </a:r>
-            <a:r>
-              <a:rPr lang="en-US" i="1" dirty="0" smtClean="0"/>
-              <a:t>ut(“bar”, z)</a:t>
-            </a:r>
-          </a:p>
-          <a:p>
-            <a:r>
-              <a:rPr lang="en-US" i="1" dirty="0" smtClean="0"/>
+              <a:t>put(“bar”, z)</a:t>
+            </a:r>
+          </a:p>
+          <a:p>
+            <a:r>
+              <a:rPr lang="en-US" i="1" dirty="0"/>
               <a:t>h(“foo”)=h(“bar”)</a:t>
             </a:r>
           </a:p>
           <a:p>
             <a:pPr lvl="1"/>
             <a:r>
-              <a:rPr lang="en-US" dirty="0" err="1" smtClean="0"/>
+              <a:rPr lang="en-US" dirty="0" err="1"/>
               <a:t>ie</a:t>
             </a:r>
             <a:r>
-              <a:rPr lang="en-US" dirty="0" smtClean="0"/>
+              <a:rPr lang="en-US" dirty="0"/>
               <a:t>, collision due to same hash</a:t>
             </a:r>
           </a:p>
           <a:p>
             <a:r>
               <a:rPr lang="en-US" i="1" dirty="0"/>
-              <a:t>h</a:t>
-            </a:r>
-            <a:r>
-              <a:rPr lang="en-US" i="1" dirty="0" smtClean="0"/>
-              <a:t>(“foo”)%10 = 2</a:t>
-            </a:r>
-          </a:p>
-          <a:p>
-            <a:r>
-              <a:rPr lang="en-US" dirty="0" smtClean="0"/>
+              <a:t>h(“foo”)%10 = 2</a:t>
+            </a:r>
+          </a:p>
+          <a:p>
+            <a:r>
+              <a:rPr lang="en-US" dirty="0"/>
               <a:t>What to do?</a:t>
             </a:r>
           </a:p>
@@ -7047,10 +6879,9 @@
                     <a:lstStyle/>
                     <a:p>
                       <a:r>
-                        <a:rPr lang="en-US" sz="2400" dirty="0" smtClean="0"/>
+                        <a:rPr lang="en-US" sz="2400" dirty="0"/>
                         <a:t>v or z?</a:t>
                       </a:r>
-                      <a:endParaRPr lang="en-US" sz="2400" dirty="0"/>
                     </a:p>
                   </a:txBody>
                   <a:tcPr>
@@ -7248,7 +7079,7 @@
               <a:tabLst/>
             </a:pPr>
             <a:r>
-              <a:rPr kumimoji="0" lang="en-US" sz="3600" b="0" i="0" u="none" strike="noStrike" cap="none" spc="0" normalizeH="0" baseline="0" dirty="0" smtClean="0">
+              <a:rPr kumimoji="0" lang="en-US" sz="3600" b="0" i="0" u="none" strike="noStrike" cap="none" spc="0" normalizeH="0" baseline="0" dirty="0">
                 <a:ln>
                   <a:noFill/>
                 </a:ln>
@@ -7264,20 +7095,6 @@
               </a:rPr>
               <a:t>Internal array buffer of size M=10</a:t>
             </a:r>
-            <a:endParaRPr kumimoji="0" lang="en-US" sz="3600" b="0" i="0" u="none" strike="noStrike" cap="none" spc="0" normalizeH="0" baseline="0" dirty="0">
-              <a:ln>
-                <a:noFill/>
-              </a:ln>
-              <a:solidFill>
-                <a:srgbClr val="000000"/>
-              </a:solidFill>
-              <a:effectLst/>
-              <a:uFillTx/>
-              <a:latin typeface="+mn-lt"/>
-              <a:ea typeface="+mn-ea"/>
-              <a:cs typeface="+mn-cs"/>
-              <a:sym typeface="Helvetica Light"/>
-            </a:endParaRPr>
           </a:p>
         </p:txBody>
       </p:sp>
@@ -7328,10 +7145,9 @@
           <a:lstStyle/>
           <a:p>
             <a:r>
-              <a:rPr lang="en-US" dirty="0" smtClean="0"/>
+              <a:rPr lang="en-US" dirty="0"/>
               <a:t>Different Strategies</a:t>
             </a:r>
-            <a:endParaRPr lang="en-US" dirty="0"/>
           </a:p>
         </p:txBody>
       </p:sp>
@@ -7359,56 +7175,43 @@
           <a:p>
             <a:r>
               <a:rPr lang="en-US" i="1" dirty="0"/>
-              <a:t>put(“foo”, v</a:t>
-            </a:r>
-            <a:r>
-              <a:rPr lang="en-US" i="1" dirty="0" smtClean="0"/>
-              <a:t>)</a:t>
+              <a:t>put(“foo”, v)</a:t>
             </a:r>
           </a:p>
           <a:p>
             <a:r>
               <a:rPr lang="en-US" i="1" dirty="0"/>
-              <a:t>p</a:t>
-            </a:r>
-            <a:r>
-              <a:rPr lang="en-US" i="1" dirty="0" smtClean="0"/>
-              <a:t>ut(“bar”, z)</a:t>
-            </a:r>
-          </a:p>
-          <a:p>
-            <a:r>
-              <a:rPr lang="en-US" i="1" dirty="0" smtClean="0"/>
+              <a:t>put(“bar”, z)</a:t>
+            </a:r>
+          </a:p>
+          <a:p>
+            <a:r>
+              <a:rPr lang="en-US" i="1" dirty="0"/>
               <a:t>h(“foo”)=h(“bar”)</a:t>
             </a:r>
           </a:p>
           <a:p>
             <a:pPr lvl="1"/>
             <a:r>
-              <a:rPr lang="en-US" dirty="0" err="1" smtClean="0"/>
+              <a:rPr lang="en-US" dirty="0" err="1"/>
               <a:t>ie</a:t>
             </a:r>
             <a:r>
-              <a:rPr lang="en-US" dirty="0" smtClean="0"/>
+              <a:rPr lang="en-US" dirty="0"/>
               <a:t>, collision due to same hash</a:t>
             </a:r>
           </a:p>
           <a:p>
             <a:r>
-              <a:rPr lang="en-US" dirty="0" smtClean="0"/>
-              <a:t>Use list at each position sharing same </a:t>
-            </a:r>
-            <a:r>
-              <a:rPr lang="en-US" dirty="0" smtClean="0"/>
-              <a:t>hash</a:t>
-            </a:r>
-          </a:p>
-          <a:p>
-            <a:r>
-              <a:rPr lang="en-US" dirty="0" smtClean="0"/>
+              <a:rPr lang="en-US" dirty="0"/>
+              <a:t>Use list at each position sharing same hash</a:t>
+            </a:r>
+          </a:p>
+          <a:p>
+            <a:r>
+              <a:rPr lang="en-US" dirty="0"/>
               <a:t>Nodes containing keys and values</a:t>
             </a:r>
-            <a:endParaRPr lang="en-US" dirty="0" smtClean="0"/>
           </a:p>
         </p:txBody>
       </p:sp>
@@ -7683,7 +7486,7 @@
               <a:tabLst/>
             </a:pPr>
             <a:r>
-              <a:rPr kumimoji="0" lang="en-US" sz="3600" b="0" i="0" u="none" strike="noStrike" cap="none" spc="0" normalizeH="0" baseline="0" dirty="0" smtClean="0">
+              <a:rPr kumimoji="0" lang="en-US" sz="3600" b="0" i="0" u="none" strike="noStrike" cap="none" spc="0" normalizeH="0" baseline="0" dirty="0">
                 <a:ln>
                   <a:noFill/>
                 </a:ln>
@@ -7699,20 +7502,6 @@
               </a:rPr>
               <a:t>Internal array buffer of size M=10</a:t>
             </a:r>
-            <a:endParaRPr kumimoji="0" lang="en-US" sz="3600" b="0" i="0" u="none" strike="noStrike" cap="none" spc="0" normalizeH="0" baseline="0" dirty="0">
-              <a:ln>
-                <a:noFill/>
-              </a:ln>
-              <a:solidFill>
-                <a:srgbClr val="000000"/>
-              </a:solidFill>
-              <a:effectLst/>
-              <a:uFillTx/>
-              <a:latin typeface="+mn-lt"/>
-              <a:ea typeface="+mn-ea"/>
-              <a:cs typeface="+mn-cs"/>
-              <a:sym typeface="Helvetica Light"/>
-            </a:endParaRPr>
           </a:p>
         </p:txBody>
       </p:sp>
@@ -7781,7 +7570,7 @@
               <a:tabLst/>
             </a:pPr>
             <a:r>
-              <a:rPr kumimoji="0" lang="en-US" sz="2400" b="0" i="0" u="none" strike="noStrike" cap="none" spc="0" normalizeH="0" baseline="0" dirty="0" smtClean="0">
+              <a:rPr kumimoji="0" lang="en-US" sz="2400" b="0" i="0" u="none" strike="noStrike" cap="none" spc="0" normalizeH="0" baseline="0" dirty="0">
                 <a:ln>
                   <a:noFill/>
                 </a:ln>
@@ -7816,7 +7605,7 @@
               <a:tabLst/>
             </a:pPr>
             <a:r>
-              <a:rPr kumimoji="0" lang="en-US" sz="2400" b="0" i="0" u="none" strike="noStrike" cap="none" spc="0" normalizeH="0" baseline="0" dirty="0" smtClean="0">
+              <a:rPr kumimoji="0" lang="en-US" sz="2400" b="0" i="0" u="none" strike="noStrike" cap="none" spc="0" normalizeH="0" baseline="0" dirty="0">
                 <a:ln>
                   <a:noFill/>
                 </a:ln>
@@ -7832,20 +7621,6 @@
               </a:rPr>
               <a:t>v</a:t>
             </a:r>
-            <a:endParaRPr kumimoji="0" lang="en-US" sz="2400" b="0" i="0" u="none" strike="noStrike" cap="none" spc="0" normalizeH="0" baseline="0" dirty="0">
-              <a:ln>
-                <a:noFill/>
-              </a:ln>
-              <a:solidFill>
-                <a:schemeClr val="tx1"/>
-              </a:solidFill>
-              <a:effectLst/>
-              <a:uFillTx/>
-              <a:latin typeface="+mn-lt"/>
-              <a:ea typeface="+mn-ea"/>
-              <a:cs typeface="+mn-cs"/>
-              <a:sym typeface="Helvetica Light"/>
-            </a:endParaRPr>
           </a:p>
         </p:txBody>
       </p:sp>
@@ -7914,7 +7689,7 @@
               <a:tabLst/>
             </a:pPr>
             <a:r>
-              <a:rPr lang="en-US" sz="2400" dirty="0" smtClean="0">
+              <a:rPr lang="en-US" sz="2400" dirty="0">
                 <a:solidFill>
                   <a:schemeClr val="tx1"/>
                 </a:solidFill>
@@ -7922,7 +7697,7 @@
               <a:t>“</a:t>
             </a:r>
             <a:r>
-              <a:rPr lang="en-US" sz="2400" dirty="0" err="1" smtClean="0">
+              <a:rPr lang="en-US" sz="2400" dirty="0" err="1">
                 <a:solidFill>
                   <a:schemeClr val="tx1"/>
                 </a:solidFill>
@@ -8069,13 +7844,13 @@
           <p:nvPr>
             <p:extLst>
               <p:ext uri="{D42A27DB-BD31-4B8C-83A1-F6EECF244321}">
-                <p14:modId xmlns:p14="http://schemas.microsoft.com/office/powerpoint/2010/main" val="2443060525"/>
+                <p14:modId xmlns:p14="http://schemas.microsoft.com/office/powerpoint/2010/main" val="3802999951"/>
               </p:ext>
             </p:extLst>
           </p:nvPr>
         </p:nvGraphicFramePr>
         <p:xfrm>
-          <a:off x="4193730" y="3251234"/>
+          <a:off x="4205089" y="3300145"/>
           <a:ext cx="1384916" cy="4572000"/>
         </p:xfrm>
         <a:graphic>
@@ -8339,7 +8114,7 @@
               <a:tabLst/>
             </a:pPr>
             <a:r>
-              <a:rPr kumimoji="0" lang="en-US" sz="2400" b="0" i="0" u="none" strike="noStrike" cap="none" spc="0" normalizeH="0" baseline="0" dirty="0" smtClean="0">
+              <a:rPr kumimoji="0" lang="en-US" sz="2400" b="0" i="0" u="none" strike="noStrike" cap="none" spc="0" normalizeH="0" baseline="0" dirty="0">
                 <a:ln>
                   <a:noFill/>
                 </a:ln>
@@ -8374,7 +8149,7 @@
               <a:tabLst/>
             </a:pPr>
             <a:r>
-              <a:rPr kumimoji="0" lang="en-US" sz="2400" b="0" i="0" u="none" strike="noStrike" cap="none" spc="0" normalizeH="0" baseline="0" dirty="0" smtClean="0">
+              <a:rPr kumimoji="0" lang="en-US" sz="2400" b="0" i="0" u="none" strike="noStrike" cap="none" spc="0" normalizeH="0" baseline="0" dirty="0">
                 <a:ln>
                   <a:noFill/>
                 </a:ln>
@@ -8390,20 +8165,6 @@
               </a:rPr>
               <a:t>v</a:t>
             </a:r>
-            <a:endParaRPr kumimoji="0" lang="en-US" sz="2400" b="0" i="0" u="none" strike="noStrike" cap="none" spc="0" normalizeH="0" baseline="0" dirty="0">
-              <a:ln>
-                <a:noFill/>
-              </a:ln>
-              <a:solidFill>
-                <a:schemeClr val="tx1"/>
-              </a:solidFill>
-              <a:effectLst/>
-              <a:uFillTx/>
-              <a:latin typeface="+mn-lt"/>
-              <a:ea typeface="+mn-ea"/>
-              <a:cs typeface="+mn-cs"/>
-              <a:sym typeface="Helvetica Light"/>
-            </a:endParaRPr>
           </a:p>
         </p:txBody>
       </p:sp>
@@ -8472,7 +8233,7 @@
               <a:tabLst/>
             </a:pPr>
             <a:r>
-              <a:rPr lang="en-US" sz="2400" dirty="0" smtClean="0">
+              <a:rPr lang="en-US" sz="2400" dirty="0">
                 <a:solidFill>
                   <a:schemeClr val="tx1"/>
                 </a:solidFill>
@@ -8480,7 +8241,7 @@
               <a:t>“</a:t>
             </a:r>
             <a:r>
-              <a:rPr lang="en-US" sz="2400" dirty="0" err="1" smtClean="0">
+              <a:rPr lang="en-US" sz="2400" dirty="0" err="1">
                 <a:solidFill>
                   <a:schemeClr val="tx1"/>
                 </a:solidFill>
@@ -8595,8 +8356,8 @@
         </p:nvSpPr>
         <p:spPr>
           <a:xfrm>
-            <a:off x="475247" y="501064"/>
-            <a:ext cx="12422606" cy="2318583"/>
+            <a:off x="0" y="501064"/>
+            <a:ext cx="12897853" cy="2318583"/>
           </a:xfrm>
           <a:prstGeom prst="rect">
             <a:avLst/>
@@ -8644,7 +8405,7 @@
               <a:tabLst/>
             </a:pPr>
             <a:r>
-              <a:rPr kumimoji="0" lang="en-US" sz="3600" b="0" i="1" u="none" strike="noStrike" cap="none" spc="0" normalizeH="0" baseline="0" dirty="0" err="1" smtClean="0">
+              <a:rPr kumimoji="0" lang="en-US" sz="3600" b="0" i="1" u="none" strike="noStrike" cap="none" spc="0" normalizeH="0" baseline="0" dirty="0" err="1">
                 <a:ln>
                   <a:noFill/>
                 </a:ln>
@@ -8661,7 +8422,7 @@
               <a:t>hashCode</a:t>
             </a:r>
             <a:r>
-              <a:rPr kumimoji="0" lang="en-US" sz="3600" b="0" i="1" u="none" strike="noStrike" cap="none" spc="0" normalizeH="0" baseline="0" dirty="0" smtClean="0">
+              <a:rPr kumimoji="0" lang="en-US" sz="3600" b="0" i="1" u="none" strike="noStrike" cap="none" spc="0" normalizeH="0" baseline="0" dirty="0">
                 <a:ln>
                   <a:noFill/>
                 </a:ln>
@@ -8678,7 +8439,7 @@
               <a:t>() </a:t>
             </a:r>
             <a:r>
-              <a:rPr kumimoji="0" lang="en-US" sz="3600" b="0" i="0" u="none" strike="noStrike" cap="none" spc="0" normalizeH="0" baseline="0" dirty="0" smtClean="0">
+              <a:rPr kumimoji="0" lang="en-US" sz="3600" b="0" i="0" u="none" strike="noStrike" cap="none" spc="0" normalizeH="0" baseline="0" dirty="0">
                 <a:ln>
                   <a:noFill/>
                 </a:ln>
@@ -8695,7 +8456,7 @@
               <a:t>computed</a:t>
             </a:r>
             <a:r>
-              <a:rPr kumimoji="0" lang="en-US" sz="3600" b="0" i="0" u="none" strike="noStrike" cap="none" spc="0" normalizeH="0" dirty="0" smtClean="0">
+              <a:rPr kumimoji="0" lang="en-US" sz="3600" b="0" i="0" u="none" strike="noStrike" cap="none" spc="0" normalizeH="0" dirty="0">
                 <a:ln>
                   <a:noFill/>
                 </a:ln>
@@ -8730,34 +8491,34 @@
               <a:tabLst/>
             </a:pPr>
             <a:r>
-              <a:rPr lang="en-US" dirty="0" smtClean="0"/>
+              <a:rPr lang="en-US" dirty="0"/>
               <a:t>In this example, assuming </a:t>
             </a:r>
             <a:r>
-              <a:rPr lang="en-US" i="1" dirty="0" smtClean="0"/>
+              <a:rPr lang="en-US" i="1" dirty="0"/>
               <a:t>“foo”.</a:t>
             </a:r>
             <a:r>
-              <a:rPr lang="en-US" i="1" dirty="0" err="1" smtClean="0"/>
+              <a:rPr lang="en-US" i="1" dirty="0" err="1"/>
               <a:t>hashCode</a:t>
             </a:r>
             <a:r>
-              <a:rPr lang="en-US" i="1" dirty="0" smtClean="0"/>
+              <a:rPr lang="en-US" i="1" dirty="0"/>
               <a:t>()==“bar”.</a:t>
             </a:r>
             <a:r>
-              <a:rPr lang="en-US" i="1" dirty="0" err="1" smtClean="0"/>
+              <a:rPr lang="en-US" i="1" dirty="0" err="1"/>
               <a:t>hashCode</a:t>
             </a:r>
             <a:r>
-              <a:rPr lang="en-US" i="1" dirty="0" smtClean="0"/>
+              <a:rPr lang="en-US" i="1" dirty="0"/>
               <a:t>()</a:t>
             </a:r>
             <a:r>
-              <a:rPr lang="en-US" dirty="0" smtClean="0"/>
+              <a:rPr lang="en-US" dirty="0"/>
               <a:t>, because same bucket.</a:t>
             </a:r>
-            <a:endParaRPr lang="en-US" i="1" dirty="0" smtClean="0"/>
+            <a:endParaRPr lang="en-US" i="1" dirty="0"/>
           </a:p>
           <a:p>
             <a:pPr marL="0" marR="0" indent="0" algn="l" defTabSz="584200" rtl="0" fontAlgn="auto" latinLnBrk="0" hangingPunct="0">
@@ -8777,23 +8538,23 @@
               <a:tabLst/>
             </a:pPr>
             <a:r>
-              <a:rPr lang="en-US" dirty="0" smtClean="0"/>
+              <a:rPr lang="en-US" dirty="0"/>
               <a:t>However, </a:t>
             </a:r>
             <a:r>
-              <a:rPr lang="en-US" i="1" dirty="0" smtClean="0"/>
+              <a:rPr lang="en-US" i="1" dirty="0"/>
               <a:t>“</a:t>
             </a:r>
             <a:r>
-              <a:rPr lang="en-US" i="1" dirty="0" err="1" smtClean="0"/>
+              <a:rPr lang="en-US" i="1" dirty="0" err="1"/>
               <a:t>foo”.equals</a:t>
             </a:r>
             <a:r>
-              <a:rPr lang="en-US" i="1" dirty="0" smtClean="0"/>
+              <a:rPr lang="en-US" i="1" dirty="0"/>
               <a:t>(“bar”) </a:t>
             </a:r>
             <a:r>
-              <a:rPr lang="en-US" dirty="0" smtClean="0"/>
+              <a:rPr lang="en-US" dirty="0"/>
               <a:t>is false</a:t>
             </a:r>
             <a:endParaRPr kumimoji="0" lang="en-US" sz="3600" b="0" u="none" strike="noStrike" cap="none" spc="0" normalizeH="0" baseline="0" dirty="0">
@@ -8901,8 +8662,8 @@
         </p:nvSpPr>
         <p:spPr>
           <a:xfrm>
-            <a:off x="6526310" y="6517135"/>
-            <a:ext cx="5993732" cy="2872581"/>
+            <a:off x="6055360" y="6517135"/>
+            <a:ext cx="6464682" cy="2872581"/>
           </a:xfrm>
           <a:prstGeom prst="rect">
             <a:avLst/>
@@ -8950,35 +8711,35 @@
               <a:tabLst/>
             </a:pPr>
             <a:r>
-              <a:rPr lang="en-US" dirty="0" smtClean="0"/>
+              <a:rPr lang="en-US" dirty="0"/>
               <a:t>Once the bucket is determined with </a:t>
             </a:r>
             <a:r>
-              <a:rPr lang="en-US" i="1" dirty="0" err="1" smtClean="0"/>
+              <a:rPr lang="en-US" i="1" dirty="0" err="1"/>
               <a:t>hashCode</a:t>
             </a:r>
             <a:r>
-              <a:rPr lang="en-US" i="1" dirty="0" smtClean="0"/>
+              <a:rPr lang="en-US" i="1" dirty="0"/>
               <a:t>()</a:t>
             </a:r>
             <a:r>
-              <a:rPr lang="en-US" dirty="0" smtClean="0"/>
+              <a:rPr lang="en-US" dirty="0"/>
               <a:t>, we use </a:t>
             </a:r>
             <a:r>
-              <a:rPr lang="en-US" i="1" dirty="0" smtClean="0"/>
+              <a:rPr lang="en-US" i="1" dirty="0"/>
               <a:t>equals() </a:t>
             </a:r>
             <a:r>
-              <a:rPr lang="en-US" dirty="0" smtClean="0"/>
+              <a:rPr lang="en-US" dirty="0"/>
               <a:t>on the </a:t>
             </a:r>
             <a:r>
-              <a:rPr lang="en-US" i="1" dirty="0" smtClean="0"/>
+              <a:rPr lang="en-US" i="1" dirty="0"/>
               <a:t>keys</a:t>
             </a:r>
             <a:r>
-              <a:rPr lang="en-US" dirty="0" smtClean="0"/>
+              <a:rPr lang="en-US" dirty="0"/>
               <a:t> in the list (one at a time), to see if there is a match </a:t>
             </a:r>
             <a:endParaRPr kumimoji="0" lang="en-US" sz="3600" b="0" u="none" strike="noStrike" cap="none" spc="0" normalizeH="0" baseline="0" dirty="0">

--- a/docs/slides/06/06_hash_maps.pptx
+++ b/docs/slides/06/06_hash_maps.pptx
@@ -2191,7 +2191,7 @@
           </a:ln>
           <a:extLst>
             <a:ext uri="{C572A759-6A51-4108-AA02-DFA0A04FC94B}">
-              <ma14:wrappingTextBoxFlag xmlns="" xmlns:ma14="http://schemas.microsoft.com/office/mac/drawingml/2011/main" val="1"/>
+              <ma14:wrappingTextBoxFlag xmlns:ma14="http://schemas.microsoft.com/office/mac/drawingml/2011/main" xmlns="" val="1"/>
             </a:ext>
           </a:extLst>
         </p:spPr>
@@ -2230,7 +2230,7 @@
           </a:ln>
           <a:extLst>
             <a:ext uri="{C572A759-6A51-4108-AA02-DFA0A04FC94B}">
-              <ma14:wrappingTextBoxFlag xmlns="" xmlns:ma14="http://schemas.microsoft.com/office/mac/drawingml/2011/main" val="1"/>
+              <ma14:wrappingTextBoxFlag xmlns:ma14="http://schemas.microsoft.com/office/mac/drawingml/2011/main" xmlns="" val="1"/>
             </a:ext>
           </a:extLst>
         </p:spPr>
@@ -3207,13 +3207,14 @@
           <a:p>
             <a:pPr algn="r"/>
             <a:r>
-              <a:rPr lang="en-US"/>
-              <a:t>Prof. </a:t>
-            </a:r>
-            <a:r>
-              <a:rPr lang="en-US" dirty="0"/>
-              <a:t>Andrea Arcuri</a:t>
-            </a:r>
+              <a:rPr lang="en-US" dirty="0"/>
+              <a:t>Bogdan </a:t>
+            </a:r>
+            <a:r>
+              <a:rPr lang="en-US" dirty="0" err="1"/>
+              <a:t>Marculescu</a:t>
+            </a:r>
+            <a:endParaRPr lang="en-US" dirty="0"/>
           </a:p>
         </p:txBody>
       </p:sp>
@@ -5385,8 +5386,8 @@
           </a:p>
         </p:txBody>
       </p:sp>
-      <mc:AlternateContent xmlns:mc="http://schemas.openxmlformats.org/markup-compatibility/2006">
-        <mc:Choice xmlns:a14="http://schemas.microsoft.com/office/drawing/2010/main" Requires="a14">
+      <mc:AlternateContent xmlns:mc="http://schemas.openxmlformats.org/markup-compatibility/2006" xmlns:a14="http://schemas.microsoft.com/office/drawing/2010/main">
+        <mc:Choice Requires="a14">
           <p:sp>
             <p:nvSpPr>
               <p:cNvPr id="3" name="Text Placeholder 2">
@@ -5494,7 +5495,7 @@
             </p:txBody>
           </p:sp>
         </mc:Choice>
-        <mc:Fallback>
+        <mc:Fallback xmlns="">
           <p:sp>
             <p:nvSpPr>
               <p:cNvPr id="3" name="Text Placeholder 2">
@@ -16716,8 +16717,8 @@
           </a:p>
         </p:txBody>
       </p:sp>
-      <mc:AlternateContent xmlns:mc="http://schemas.openxmlformats.org/markup-compatibility/2006">
-        <mc:Choice xmlns:a14="http://schemas.microsoft.com/office/drawing/2010/main" Requires="a14">
+      <mc:AlternateContent xmlns:mc="http://schemas.openxmlformats.org/markup-compatibility/2006" xmlns:a14="http://schemas.microsoft.com/office/drawing/2010/main">
+        <mc:Choice Requires="a14">
           <p:sp>
             <p:nvSpPr>
               <p:cNvPr id="3" name="Text Placeholder 2">
@@ -17004,7 +17005,7 @@
             </p:txBody>
           </p:sp>
         </mc:Choice>
-        <mc:Fallback>
+        <mc:Fallback xmlns="">
           <p:sp>
             <p:nvSpPr>
               <p:cNvPr id="3" name="Text Placeholder 2">
